--- a/docs/final_report.pptx
+++ b/docs/final_report.pptx
@@ -293,7 +293,7 @@
             <a:fld id="{48A87A34-81AB-432B-8DAE-1953F412C126}" type="datetimeFigureOut">
               <a:rPr lang="en-US" smtClean="0"/>
               <a:pPr/>
-              <a:t>6/14/20</a:t>
+              <a:t>6/14/2020</a:t>
             </a:fld>
             <a:endParaRPr lang="en-US" dirty="0"/>
           </a:p>
@@ -514,7 +514,7 @@
           <a:p>
             <a:fld id="{48A87A34-81AB-432B-8DAE-1953F412C126}" type="datetimeFigureOut">
               <a:rPr lang="en-US" dirty="0"/>
-              <a:t>6/14/20</a:t>
+              <a:t>6/14/2020</a:t>
             </a:fld>
             <a:endParaRPr lang="en-US" dirty="0"/>
           </a:p>
@@ -724,7 +724,7 @@
           <a:p>
             <a:fld id="{48A87A34-81AB-432B-8DAE-1953F412C126}" type="datetimeFigureOut">
               <a:rPr lang="en-US" dirty="0"/>
-              <a:t>6/14/20</a:t>
+              <a:t>6/14/2020</a:t>
             </a:fld>
             <a:endParaRPr lang="en-US" dirty="0"/>
           </a:p>
@@ -961,7 +961,7 @@
           <a:p>
             <a:fld id="{48A87A34-81AB-432B-8DAE-1953F412C126}" type="datetimeFigureOut">
               <a:rPr lang="en-US" dirty="0"/>
-              <a:t>6/14/20</a:t>
+              <a:t>6/14/2020</a:t>
             </a:fld>
             <a:endParaRPr lang="en-US" dirty="0"/>
           </a:p>
@@ -1235,7 +1235,7 @@
           <a:p>
             <a:fld id="{48A87A34-81AB-432B-8DAE-1953F412C126}" type="datetimeFigureOut">
               <a:rPr lang="en-US" dirty="0"/>
-              <a:t>6/14/20</a:t>
+              <a:t>6/14/2020</a:t>
             </a:fld>
             <a:endParaRPr lang="en-US" dirty="0"/>
           </a:p>
@@ -1498,7 +1498,7 @@
           <a:p>
             <a:fld id="{48A87A34-81AB-432B-8DAE-1953F412C126}" type="datetimeFigureOut">
               <a:rPr lang="en-US" dirty="0"/>
-              <a:t>6/14/20</a:t>
+              <a:t>6/14/2020</a:t>
             </a:fld>
             <a:endParaRPr lang="en-US" dirty="0"/>
           </a:p>
@@ -1909,7 +1909,7 @@
           <a:p>
             <a:fld id="{48A87A34-81AB-432B-8DAE-1953F412C126}" type="datetimeFigureOut">
               <a:rPr lang="en-US" dirty="0"/>
-              <a:t>6/14/20</a:t>
+              <a:t>6/14/2020</a:t>
             </a:fld>
             <a:endParaRPr lang="en-US" dirty="0"/>
           </a:p>
@@ -2053,7 +2053,7 @@
           <a:p>
             <a:fld id="{48A87A34-81AB-432B-8DAE-1953F412C126}" type="datetimeFigureOut">
               <a:rPr lang="en-US" dirty="0"/>
-              <a:t>6/14/20</a:t>
+              <a:t>6/14/2020</a:t>
             </a:fld>
             <a:endParaRPr lang="en-US" dirty="0"/>
           </a:p>
@@ -2174,7 +2174,7 @@
           <a:p>
             <a:fld id="{48A87A34-81AB-432B-8DAE-1953F412C126}" type="datetimeFigureOut">
               <a:rPr lang="en-US" dirty="0"/>
-              <a:t>6/14/20</a:t>
+              <a:t>6/14/2020</a:t>
             </a:fld>
             <a:endParaRPr lang="en-US" dirty="0"/>
           </a:p>
@@ -2420,7 +2420,7 @@
           <a:p>
             <a:fld id="{48A87A34-81AB-432B-8DAE-1953F412C126}" type="datetimeFigureOut">
               <a:rPr lang="en-US" dirty="0"/>
-              <a:t>6/14/20</a:t>
+              <a:t>6/14/2020</a:t>
             </a:fld>
             <a:endParaRPr lang="en-US" dirty="0"/>
           </a:p>
@@ -2861,7 +2861,7 @@
             <a:fld id="{48A87A34-81AB-432B-8DAE-1953F412C126}" type="datetimeFigureOut">
               <a:rPr lang="en-US" dirty="0"/>
               <a:pPr/>
-              <a:t>6/14/20</a:t>
+              <a:t>6/14/2020</a:t>
             </a:fld>
             <a:endParaRPr lang="en-US" dirty="0"/>
           </a:p>
@@ -3184,7 +3184,7 @@
             <a:fld id="{48A87A34-81AB-432B-8DAE-1953F412C126}" type="datetimeFigureOut">
               <a:rPr lang="en-US" dirty="0"/>
               <a:pPr/>
-              <a:t>6/14/20</a:t>
+              <a:t>6/14/2020</a:t>
             </a:fld>
             <a:endParaRPr lang="en-US" dirty="0"/>
           </a:p>
@@ -4385,14 +4385,14 @@
             <p:ph idx="1"/>
             <p:extLst>
               <p:ext uri="{D42A27DB-BD31-4B8C-83A1-F6EECF244321}">
-                <p14:modId xmlns:p14="http://schemas.microsoft.com/office/powerpoint/2010/main" val="1387058014"/>
+                <p14:modId xmlns:p14="http://schemas.microsoft.com/office/powerpoint/2010/main" val="277381479"/>
               </p:ext>
             </p:extLst>
           </p:nvPr>
         </p:nvGraphicFramePr>
         <p:xfrm>
           <a:off x="1450975" y="2016125"/>
-          <a:ext cx="9604377" cy="2966720"/>
+          <a:ext cx="9604377" cy="2595880"/>
         </p:xfrm>
         <a:graphic>
           <a:graphicData uri="http://schemas.openxmlformats.org/drawingml/2006/table">
@@ -4664,58 +4664,6 @@
                           <a:ea typeface="+mn-ea"/>
                           <a:cs typeface="+mn-cs"/>
                         </a:rPr>
-                        <a:t>slope</a:t>
-                      </a:r>
-                      <a:endParaRPr lang="zh-TW" altLang="en-US" dirty="0"/>
-                    </a:p>
-                  </a:txBody>
-                  <a:tcPr/>
-                </a:tc>
-                <a:tc>
-                  <a:txBody>
-                    <a:bodyPr/>
-                    <a:lstStyle/>
-                    <a:p>
-                      <a:r>
-                        <a:rPr lang="en-US" altLang="zh-TW" dirty="0"/>
-                        <a:t>multinomial</a:t>
-                      </a:r>
-                    </a:p>
-                  </a:txBody>
-                  <a:tcPr/>
-                </a:tc>
-                <a:tc>
-                  <a:txBody>
-                    <a:bodyPr/>
-                    <a:lstStyle/>
-                    <a:p>
-                      <a:endParaRPr lang="en-US" altLang="zh-TW" dirty="0"/>
-                    </a:p>
-                  </a:txBody>
-                  <a:tcPr/>
-                </a:tc>
-                <a:extLst>
-                  <a:ext uri="{0D108BD9-81ED-4DB2-BD59-A6C34878D82A}">
-                    <a16:rowId xmlns:a16="http://schemas.microsoft.com/office/drawing/2014/main" val="345967373"/>
-                  </a:ext>
-                </a:extLst>
-              </a:tr>
-              <a:tr h="370840">
-                <a:tc>
-                  <a:txBody>
-                    <a:bodyPr/>
-                    <a:lstStyle/>
-                    <a:p>
-                      <a:r>
-                        <a:rPr lang="en" altLang="zh-TW" sz="1800" b="0" i="0" kern="1200" dirty="0">
-                          <a:solidFill>
-                            <a:schemeClr val="dk1"/>
-                          </a:solidFill>
-                          <a:effectLst/>
-                          <a:latin typeface="+mn-lt"/>
-                          <a:ea typeface="+mn-ea"/>
-                          <a:cs typeface="+mn-cs"/>
-                        </a:rPr>
                         <a:t>vessels</a:t>
                       </a:r>
                       <a:endParaRPr lang="zh-TW" altLang="en-US" dirty="0"/>
@@ -4741,14 +4689,17 @@
                     <a:bodyPr/>
                     <a:lstStyle/>
                     <a:p>
-                      <a:endParaRPr lang="en-US" altLang="zh-TW" dirty="0"/>
+                      <a:r>
+                        <a:rPr lang="en-US" altLang="zh-TW" dirty="0"/>
+                        <a:t>Filling up NA</a:t>
+                      </a:r>
                     </a:p>
                   </a:txBody>
                   <a:tcPr/>
                 </a:tc>
                 <a:extLst>
                   <a:ext uri="{0D108BD9-81ED-4DB2-BD59-A6C34878D82A}">
-                    <a16:rowId xmlns:a16="http://schemas.microsoft.com/office/drawing/2014/main" val="307305543"/>
+                    <a16:rowId xmlns:a16="http://schemas.microsoft.com/office/drawing/2014/main" val="345967373"/>
                   </a:ext>
                 </a:extLst>
               </a:tr>
@@ -4793,14 +4744,34 @@
                     <a:bodyPr/>
                     <a:lstStyle/>
                     <a:p>
-                      <a:endParaRPr lang="en-US" altLang="zh-TW" dirty="0"/>
+                      <a:pPr marL="0" marR="0" lvl="0" indent="0" algn="l" defTabSz="914400" rtl="0" eaLnBrk="1" fontAlgn="auto" latinLnBrk="0" hangingPunct="1">
+                        <a:lnSpc>
+                          <a:spcPct val="100000"/>
+                        </a:lnSpc>
+                        <a:spcBef>
+                          <a:spcPts val="0"/>
+                        </a:spcBef>
+                        <a:spcAft>
+                          <a:spcPts val="0"/>
+                        </a:spcAft>
+                        <a:buClrTx/>
+                        <a:buSzTx/>
+                        <a:buFontTx/>
+                        <a:buNone/>
+                        <a:tabLst/>
+                        <a:defRPr/>
+                      </a:pPr>
+                      <a:r>
+                        <a:rPr lang="en-US" altLang="zh-TW" dirty="0"/>
+                        <a:t>Filling up NA, (3, 6, 7) -&gt;(1,2,3)</a:t>
+                      </a:r>
                     </a:p>
                   </a:txBody>
                   <a:tcPr/>
                 </a:tc>
                 <a:extLst>
                   <a:ext uri="{0D108BD9-81ED-4DB2-BD59-A6C34878D82A}">
-                    <a16:rowId xmlns:a16="http://schemas.microsoft.com/office/drawing/2014/main" val="551508581"/>
+                    <a16:rowId xmlns:a16="http://schemas.microsoft.com/office/drawing/2014/main" val="2518210031"/>
                   </a:ext>
                 </a:extLst>
               </a:tr>
@@ -4852,7 +4823,7 @@
                 </a:tc>
                 <a:extLst>
                   <a:ext uri="{0D108BD9-81ED-4DB2-BD59-A6C34878D82A}">
-                    <a16:rowId xmlns:a16="http://schemas.microsoft.com/office/drawing/2014/main" val="3711623297"/>
+                    <a16:rowId xmlns:a16="http://schemas.microsoft.com/office/drawing/2014/main" val="3981835726"/>
                   </a:ext>
                 </a:extLst>
               </a:tr>

--- a/docs/final_report.pptx
+++ b/docs/final_report.pptx
@@ -7363,31 +7363,65 @@
           </a:p>
         </p:txBody>
       </p:sp>
-      <p:sp>
-        <p:nvSpPr>
-          <p:cNvPr id="5" name="內容版面配置區 4">
+      <p:pic>
+        <p:nvPicPr>
+          <p:cNvPr id="4" name="內容版面配置區 3">
             <a:extLst>
               <a:ext uri="{FF2B5EF4-FFF2-40B4-BE49-F238E27FC236}">
-                <a16:creationId xmlns:a16="http://schemas.microsoft.com/office/drawing/2014/main" id="{2BC52574-98E6-1649-9915-F5BE7F5B4B34}"/>
+                <a16:creationId xmlns:a16="http://schemas.microsoft.com/office/drawing/2014/main" id="{57B3E7EB-3AE8-4544-8F14-C62DD513A63C}"/>
               </a:ext>
             </a:extLst>
           </p:cNvPr>
-          <p:cNvSpPr>
-            <a:spLocks noGrp="1"/>
-          </p:cNvSpPr>
+          <p:cNvPicPr>
+            <a:picLocks noGrp="1" noChangeAspect="1"/>
+          </p:cNvPicPr>
           <p:nvPr>
             <p:ph idx="1"/>
           </p:nvPr>
-        </p:nvSpPr>
-        <p:spPr/>
-        <p:txBody>
-          <a:bodyPr/>
-          <a:lstStyle/>
-          <a:p>
-            <a:endParaRPr lang="zh-TW" altLang="en-US" dirty="0"/>
-          </a:p>
-        </p:txBody>
-      </p:sp>
+        </p:nvPicPr>
+        <p:blipFill>
+          <a:blip r:embed="rId2"/>
+          <a:stretch>
+            <a:fillRect/>
+          </a:stretch>
+        </p:blipFill>
+        <p:spPr>
+          <a:xfrm>
+            <a:off x="1237731" y="2058183"/>
+            <a:ext cx="3449638" cy="3449638"/>
+          </a:xfrm>
+        </p:spPr>
+      </p:pic>
+      <p:pic>
+        <p:nvPicPr>
+          <p:cNvPr id="7" name="圖片 6">
+            <a:extLst>
+              <a:ext uri="{FF2B5EF4-FFF2-40B4-BE49-F238E27FC236}">
+                <a16:creationId xmlns:a16="http://schemas.microsoft.com/office/drawing/2014/main" id="{E2F06627-19CF-4E67-8D30-B8ECDC199AFE}"/>
+              </a:ext>
+            </a:extLst>
+          </p:cNvPr>
+          <p:cNvPicPr>
+            <a:picLocks noChangeAspect="1"/>
+          </p:cNvPicPr>
+          <p:nvPr/>
+        </p:nvPicPr>
+        <p:blipFill>
+          <a:blip r:embed="rId3"/>
+          <a:stretch>
+            <a:fillRect/>
+          </a:stretch>
+        </p:blipFill>
+        <p:spPr>
+          <a:xfrm>
+            <a:off x="6270829" y="2058183"/>
+            <a:ext cx="3449639" cy="3449639"/>
+          </a:xfrm>
+          <a:prstGeom prst="rect">
+            <a:avLst/>
+          </a:prstGeom>
+        </p:spPr>
+      </p:pic>
     </p:spTree>
     <p:extLst>
       <p:ext uri="{BB962C8B-B14F-4D97-AF65-F5344CB8AC3E}">

--- a/docs/final_report.pptx
+++ b/docs/final_report.pptx
@@ -293,7 +293,7 @@
             <a:fld id="{48A87A34-81AB-432B-8DAE-1953F412C126}" type="datetimeFigureOut">
               <a:rPr lang="en-US" smtClean="0"/>
               <a:pPr/>
-              <a:t>6/14/2020</a:t>
+              <a:t>6/15/2020</a:t>
             </a:fld>
             <a:endParaRPr lang="en-US" dirty="0"/>
           </a:p>
@@ -514,7 +514,7 @@
           <a:p>
             <a:fld id="{48A87A34-81AB-432B-8DAE-1953F412C126}" type="datetimeFigureOut">
               <a:rPr lang="en-US" dirty="0"/>
-              <a:t>6/14/2020</a:t>
+              <a:t>6/15/2020</a:t>
             </a:fld>
             <a:endParaRPr lang="en-US" dirty="0"/>
           </a:p>
@@ -724,7 +724,7 @@
           <a:p>
             <a:fld id="{48A87A34-81AB-432B-8DAE-1953F412C126}" type="datetimeFigureOut">
               <a:rPr lang="en-US" dirty="0"/>
-              <a:t>6/14/2020</a:t>
+              <a:t>6/15/2020</a:t>
             </a:fld>
             <a:endParaRPr lang="en-US" dirty="0"/>
           </a:p>
@@ -961,7 +961,7 @@
           <a:p>
             <a:fld id="{48A87A34-81AB-432B-8DAE-1953F412C126}" type="datetimeFigureOut">
               <a:rPr lang="en-US" dirty="0"/>
-              <a:t>6/14/2020</a:t>
+              <a:t>6/15/2020</a:t>
             </a:fld>
             <a:endParaRPr lang="en-US" dirty="0"/>
           </a:p>
@@ -1235,7 +1235,7 @@
           <a:p>
             <a:fld id="{48A87A34-81AB-432B-8DAE-1953F412C126}" type="datetimeFigureOut">
               <a:rPr lang="en-US" dirty="0"/>
-              <a:t>6/14/2020</a:t>
+              <a:t>6/15/2020</a:t>
             </a:fld>
             <a:endParaRPr lang="en-US" dirty="0"/>
           </a:p>
@@ -1498,7 +1498,7 @@
           <a:p>
             <a:fld id="{48A87A34-81AB-432B-8DAE-1953F412C126}" type="datetimeFigureOut">
               <a:rPr lang="en-US" dirty="0"/>
-              <a:t>6/14/2020</a:t>
+              <a:t>6/15/2020</a:t>
             </a:fld>
             <a:endParaRPr lang="en-US" dirty="0"/>
           </a:p>
@@ -1909,7 +1909,7 @@
           <a:p>
             <a:fld id="{48A87A34-81AB-432B-8DAE-1953F412C126}" type="datetimeFigureOut">
               <a:rPr lang="en-US" dirty="0"/>
-              <a:t>6/14/2020</a:t>
+              <a:t>6/15/2020</a:t>
             </a:fld>
             <a:endParaRPr lang="en-US" dirty="0"/>
           </a:p>
@@ -2053,7 +2053,7 @@
           <a:p>
             <a:fld id="{48A87A34-81AB-432B-8DAE-1953F412C126}" type="datetimeFigureOut">
               <a:rPr lang="en-US" dirty="0"/>
-              <a:t>6/14/2020</a:t>
+              <a:t>6/15/2020</a:t>
             </a:fld>
             <a:endParaRPr lang="en-US" dirty="0"/>
           </a:p>
@@ -2174,7 +2174,7 @@
           <a:p>
             <a:fld id="{48A87A34-81AB-432B-8DAE-1953F412C126}" type="datetimeFigureOut">
               <a:rPr lang="en-US" dirty="0"/>
-              <a:t>6/14/2020</a:t>
+              <a:t>6/15/2020</a:t>
             </a:fld>
             <a:endParaRPr lang="en-US" dirty="0"/>
           </a:p>
@@ -2420,7 +2420,7 @@
           <a:p>
             <a:fld id="{48A87A34-81AB-432B-8DAE-1953F412C126}" type="datetimeFigureOut">
               <a:rPr lang="en-US" dirty="0"/>
-              <a:t>6/14/2020</a:t>
+              <a:t>6/15/2020</a:t>
             </a:fld>
             <a:endParaRPr lang="en-US" dirty="0"/>
           </a:p>
@@ -2861,7 +2861,7 @@
             <a:fld id="{48A87A34-81AB-432B-8DAE-1953F412C126}" type="datetimeFigureOut">
               <a:rPr lang="en-US" dirty="0"/>
               <a:pPr/>
-              <a:t>6/14/2020</a:t>
+              <a:t>6/15/2020</a:t>
             </a:fld>
             <a:endParaRPr lang="en-US" dirty="0"/>
           </a:p>
@@ -3184,7 +3184,7 @@
             <a:fld id="{48A87A34-81AB-432B-8DAE-1953F412C126}" type="datetimeFigureOut">
               <a:rPr lang="en-US" dirty="0"/>
               <a:pPr/>
-              <a:t>6/14/2020</a:t>
+              <a:t>6/15/2020</a:t>
             </a:fld>
             <a:endParaRPr lang="en-US" dirty="0"/>
           </a:p>
@@ -7365,35 +7365,6 @@
       </p:sp>
       <p:pic>
         <p:nvPicPr>
-          <p:cNvPr id="4" name="內容版面配置區 3">
-            <a:extLst>
-              <a:ext uri="{FF2B5EF4-FFF2-40B4-BE49-F238E27FC236}">
-                <a16:creationId xmlns:a16="http://schemas.microsoft.com/office/drawing/2014/main" id="{57B3E7EB-3AE8-4544-8F14-C62DD513A63C}"/>
-              </a:ext>
-            </a:extLst>
-          </p:cNvPr>
-          <p:cNvPicPr>
-            <a:picLocks noGrp="1" noChangeAspect="1"/>
-          </p:cNvPicPr>
-          <p:nvPr>
-            <p:ph idx="1"/>
-          </p:nvPr>
-        </p:nvPicPr>
-        <p:blipFill>
-          <a:blip r:embed="rId2"/>
-          <a:stretch>
-            <a:fillRect/>
-          </a:stretch>
-        </p:blipFill>
-        <p:spPr>
-          <a:xfrm>
-            <a:off x="1237731" y="2058183"/>
-            <a:ext cx="3449638" cy="3449638"/>
-          </a:xfrm>
-        </p:spPr>
-      </p:pic>
-      <p:pic>
-        <p:nvPicPr>
           <p:cNvPr id="7" name="圖片 6">
             <a:extLst>
               <a:ext uri="{FF2B5EF4-FFF2-40B4-BE49-F238E27FC236}">
@@ -7407,7 +7378,7 @@
           <p:nvPr/>
         </p:nvPicPr>
         <p:blipFill>
-          <a:blip r:embed="rId3"/>
+          <a:blip r:embed="rId2"/>
           <a:stretch>
             <a:fillRect/>
           </a:stretch>
@@ -7420,6 +7391,35 @@
           <a:prstGeom prst="rect">
             <a:avLst/>
           </a:prstGeom>
+        </p:spPr>
+      </p:pic>
+      <p:pic>
+        <p:nvPicPr>
+          <p:cNvPr id="8" name="內容版面配置區 7">
+            <a:extLst>
+              <a:ext uri="{FF2B5EF4-FFF2-40B4-BE49-F238E27FC236}">
+                <a16:creationId xmlns:a16="http://schemas.microsoft.com/office/drawing/2014/main" id="{4358D1FB-B1CD-49E0-A7ED-1BB7C228058B}"/>
+              </a:ext>
+            </a:extLst>
+          </p:cNvPr>
+          <p:cNvPicPr>
+            <a:picLocks noGrp="1" noChangeAspect="1"/>
+          </p:cNvPicPr>
+          <p:nvPr>
+            <p:ph idx="1"/>
+          </p:nvPr>
+        </p:nvPicPr>
+        <p:blipFill>
+          <a:blip r:embed="rId3"/>
+          <a:stretch>
+            <a:fillRect/>
+          </a:stretch>
+        </p:blipFill>
+        <p:spPr>
+          <a:xfrm>
+            <a:off x="2262222" y="2058184"/>
+            <a:ext cx="3449638" cy="3449638"/>
+          </a:xfrm>
         </p:spPr>
       </p:pic>
     </p:spTree>

--- a/docs/final_report.pptx
+++ b/docs/final_report.pptx
@@ -293,7 +293,7 @@
             <a:fld id="{48A87A34-81AB-432B-8DAE-1953F412C126}" type="datetimeFigureOut">
               <a:rPr lang="en-US" smtClean="0"/>
               <a:pPr/>
-              <a:t>6/15/2020</a:t>
+              <a:t>6/15/20</a:t>
             </a:fld>
             <a:endParaRPr lang="en-US" dirty="0"/>
           </a:p>
@@ -514,7 +514,7 @@
           <a:p>
             <a:fld id="{48A87A34-81AB-432B-8DAE-1953F412C126}" type="datetimeFigureOut">
               <a:rPr lang="en-US" dirty="0"/>
-              <a:t>6/15/2020</a:t>
+              <a:t>6/15/20</a:t>
             </a:fld>
             <a:endParaRPr lang="en-US" dirty="0"/>
           </a:p>
@@ -724,7 +724,7 @@
           <a:p>
             <a:fld id="{48A87A34-81AB-432B-8DAE-1953F412C126}" type="datetimeFigureOut">
               <a:rPr lang="en-US" dirty="0"/>
-              <a:t>6/15/2020</a:t>
+              <a:t>6/15/20</a:t>
             </a:fld>
             <a:endParaRPr lang="en-US" dirty="0"/>
           </a:p>
@@ -961,7 +961,7 @@
           <a:p>
             <a:fld id="{48A87A34-81AB-432B-8DAE-1953F412C126}" type="datetimeFigureOut">
               <a:rPr lang="en-US" dirty="0"/>
-              <a:t>6/15/2020</a:t>
+              <a:t>6/15/20</a:t>
             </a:fld>
             <a:endParaRPr lang="en-US" dirty="0"/>
           </a:p>
@@ -1235,7 +1235,7 @@
           <a:p>
             <a:fld id="{48A87A34-81AB-432B-8DAE-1953F412C126}" type="datetimeFigureOut">
               <a:rPr lang="en-US" dirty="0"/>
-              <a:t>6/15/2020</a:t>
+              <a:t>6/15/20</a:t>
             </a:fld>
             <a:endParaRPr lang="en-US" dirty="0"/>
           </a:p>
@@ -1498,7 +1498,7 @@
           <a:p>
             <a:fld id="{48A87A34-81AB-432B-8DAE-1953F412C126}" type="datetimeFigureOut">
               <a:rPr lang="en-US" dirty="0"/>
-              <a:t>6/15/2020</a:t>
+              <a:t>6/15/20</a:t>
             </a:fld>
             <a:endParaRPr lang="en-US" dirty="0"/>
           </a:p>
@@ -1909,7 +1909,7 @@
           <a:p>
             <a:fld id="{48A87A34-81AB-432B-8DAE-1953F412C126}" type="datetimeFigureOut">
               <a:rPr lang="en-US" dirty="0"/>
-              <a:t>6/15/2020</a:t>
+              <a:t>6/15/20</a:t>
             </a:fld>
             <a:endParaRPr lang="en-US" dirty="0"/>
           </a:p>
@@ -2053,7 +2053,7 @@
           <a:p>
             <a:fld id="{48A87A34-81AB-432B-8DAE-1953F412C126}" type="datetimeFigureOut">
               <a:rPr lang="en-US" dirty="0"/>
-              <a:t>6/15/2020</a:t>
+              <a:t>6/15/20</a:t>
             </a:fld>
             <a:endParaRPr lang="en-US" dirty="0"/>
           </a:p>
@@ -2174,7 +2174,7 @@
           <a:p>
             <a:fld id="{48A87A34-81AB-432B-8DAE-1953F412C126}" type="datetimeFigureOut">
               <a:rPr lang="en-US" dirty="0"/>
-              <a:t>6/15/2020</a:t>
+              <a:t>6/15/20</a:t>
             </a:fld>
             <a:endParaRPr lang="en-US" dirty="0"/>
           </a:p>
@@ -2420,7 +2420,7 @@
           <a:p>
             <a:fld id="{48A87A34-81AB-432B-8DAE-1953F412C126}" type="datetimeFigureOut">
               <a:rPr lang="en-US" dirty="0"/>
-              <a:t>6/15/2020</a:t>
+              <a:t>6/15/20</a:t>
             </a:fld>
             <a:endParaRPr lang="en-US" dirty="0"/>
           </a:p>
@@ -2861,7 +2861,7 @@
             <a:fld id="{48A87A34-81AB-432B-8DAE-1953F412C126}" type="datetimeFigureOut">
               <a:rPr lang="en-US" dirty="0"/>
               <a:pPr/>
-              <a:t>6/15/2020</a:t>
+              <a:t>6/15/20</a:t>
             </a:fld>
             <a:endParaRPr lang="en-US" dirty="0"/>
           </a:p>
@@ -3184,7 +3184,7 @@
             <a:fld id="{48A87A34-81AB-432B-8DAE-1953F412C126}" type="datetimeFigureOut">
               <a:rPr lang="en-US" dirty="0"/>
               <a:pPr/>
-              <a:t>6/15/2020</a:t>
+              <a:t>6/15/20</a:t>
             </a:fld>
             <a:endParaRPr lang="en-US" dirty="0"/>
           </a:p>
@@ -4385,14 +4385,14 @@
             <p:ph idx="1"/>
             <p:extLst>
               <p:ext uri="{D42A27DB-BD31-4B8C-83A1-F6EECF244321}">
-                <p14:modId xmlns:p14="http://schemas.microsoft.com/office/powerpoint/2010/main" val="277381479"/>
+                <p14:modId xmlns:p14="http://schemas.microsoft.com/office/powerpoint/2010/main" val="3928571379"/>
               </p:ext>
             </p:extLst>
           </p:nvPr>
         </p:nvGraphicFramePr>
         <p:xfrm>
           <a:off x="1450975" y="2016125"/>
-          <a:ext cx="9604377" cy="2595880"/>
+          <a:ext cx="9604377" cy="2225040"/>
         </p:xfrm>
         <a:graphic>
           <a:graphicData uri="http://schemas.openxmlformats.org/drawingml/2006/table">
@@ -4775,58 +4775,6 @@
                   </a:ext>
                 </a:extLst>
               </a:tr>
-              <a:tr h="370840">
-                <a:tc>
-                  <a:txBody>
-                    <a:bodyPr/>
-                    <a:lstStyle/>
-                    <a:p>
-                      <a:r>
-                        <a:rPr lang="en" altLang="zh-TW" sz="1800" b="0" i="0" kern="1200" dirty="0" err="1">
-                          <a:solidFill>
-                            <a:schemeClr val="dk1"/>
-                          </a:solidFill>
-                          <a:effectLst/>
-                          <a:latin typeface="+mn-lt"/>
-                          <a:ea typeface="+mn-ea"/>
-                          <a:cs typeface="+mn-cs"/>
-                        </a:rPr>
-                        <a:t>Heart_disease</a:t>
-                      </a:r>
-                      <a:endParaRPr lang="zh-TW" altLang="en-US" dirty="0"/>
-                    </a:p>
-                  </a:txBody>
-                  <a:tcPr/>
-                </a:tc>
-                <a:tc>
-                  <a:txBody>
-                    <a:bodyPr/>
-                    <a:lstStyle/>
-                    <a:p>
-                      <a:r>
-                        <a:rPr lang="en-US" altLang="zh-TW" dirty="0"/>
-                        <a:t>binary</a:t>
-                      </a:r>
-                    </a:p>
-                  </a:txBody>
-                  <a:tcPr/>
-                </a:tc>
-                <a:tc>
-                  <a:txBody>
-                    <a:bodyPr/>
-                    <a:lstStyle/>
-                    <a:p>
-                      <a:endParaRPr lang="en-US" altLang="zh-TW" dirty="0"/>
-                    </a:p>
-                  </a:txBody>
-                  <a:tcPr/>
-                </a:tc>
-                <a:extLst>
-                  <a:ext uri="{0D108BD9-81ED-4DB2-BD59-A6C34878D82A}">
-                    <a16:rowId xmlns:a16="http://schemas.microsoft.com/office/drawing/2014/main" val="3981835726"/>
-                  </a:ext>
-                </a:extLst>
-              </a:tr>
             </a:tbl>
           </a:graphicData>
         </a:graphic>
@@ -7709,11 +7657,15 @@
           </a:p>
           <a:p>
             <a:r>
-              <a:rPr kumimoji="1" lang="en-US" altLang="zh-TW" dirty="0"/>
+              <a:rPr kumimoji="1" lang="en-US" altLang="zh-TW" dirty="0">
+                <a:hlinkClick r:id="rId3"/>
+              </a:rPr>
               <a:t>Blood pressure interval</a:t>
             </a:r>
             <a:r>
-              <a:rPr kumimoji="1" lang="zh-TW" altLang="en-US" dirty="0"/>
+              <a:rPr kumimoji="1" lang="zh-TW" altLang="en-US" dirty="0">
+                <a:hlinkClick r:id="rId3"/>
+              </a:rPr>
               <a:t>（血壓區間劃分）</a:t>
             </a:r>
             <a:endParaRPr kumimoji="1" lang="en-US" altLang="zh-TW" dirty="0"/>
@@ -7745,7 +7697,7 @@
             <a:pPr lvl="1"/>
             <a:r>
               <a:rPr kumimoji="1" lang="zh-CN" altLang="en-US" dirty="0">
-                <a:hlinkClick r:id="rId3"/>
+                <a:hlinkClick r:id="rId4"/>
               </a:rPr>
               <a:t>啟新診所</a:t>
             </a:r>
@@ -7755,7 +7707,7 @@
             <a:pPr lvl="1"/>
             <a:r>
               <a:rPr kumimoji="1" lang="zh-CN" altLang="en-US" dirty="0">
-                <a:hlinkClick r:id="rId4"/>
+                <a:hlinkClick r:id="rId5"/>
               </a:rPr>
               <a:t>馬偕醫院</a:t>
             </a:r>

--- a/docs/final_report.pptx
+++ b/docs/final_report.pptx
@@ -9,13 +9,13 @@
     <p:sldId id="257" r:id="rId3"/>
     <p:sldId id="265" r:id="rId4"/>
     <p:sldId id="260" r:id="rId5"/>
-    <p:sldId id="288" r:id="rId6"/>
-    <p:sldId id="291" r:id="rId7"/>
-    <p:sldId id="292" r:id="rId8"/>
-    <p:sldId id="274" r:id="rId9"/>
-    <p:sldId id="275" r:id="rId10"/>
-    <p:sldId id="276" r:id="rId11"/>
-    <p:sldId id="277" r:id="rId12"/>
+    <p:sldId id="297" r:id="rId6"/>
+    <p:sldId id="288" r:id="rId7"/>
+    <p:sldId id="291" r:id="rId8"/>
+    <p:sldId id="292" r:id="rId9"/>
+    <p:sldId id="274" r:id="rId10"/>
+    <p:sldId id="275" r:id="rId11"/>
+    <p:sldId id="276" r:id="rId12"/>
     <p:sldId id="267" r:id="rId13"/>
     <p:sldId id="269" r:id="rId14"/>
     <p:sldId id="270" r:id="rId15"/>
@@ -31,11 +31,19 @@
     <p:sldId id="289" r:id="rId25"/>
     <p:sldId id="290" r:id="rId26"/>
     <p:sldId id="296" r:id="rId27"/>
-    <p:sldId id="293" r:id="rId28"/>
-    <p:sldId id="295" r:id="rId29"/>
-    <p:sldId id="294" r:id="rId30"/>
-    <p:sldId id="278" r:id="rId31"/>
-    <p:sldId id="263" r:id="rId32"/>
+    <p:sldId id="298" r:id="rId28"/>
+    <p:sldId id="293" r:id="rId29"/>
+    <p:sldId id="301" r:id="rId30"/>
+    <p:sldId id="303" r:id="rId31"/>
+    <p:sldId id="304" r:id="rId32"/>
+    <p:sldId id="302" r:id="rId33"/>
+    <p:sldId id="299" r:id="rId34"/>
+    <p:sldId id="305" r:id="rId35"/>
+    <p:sldId id="295" r:id="rId36"/>
+    <p:sldId id="294" r:id="rId37"/>
+    <p:sldId id="278" r:id="rId38"/>
+    <p:sldId id="306" r:id="rId39"/>
+    <p:sldId id="263" r:id="rId40"/>
   </p:sldIdLst>
   <p:sldSz cx="12192000" cy="6858000"/>
   <p:notesSz cx="6858000" cy="9144000"/>
@@ -3870,14 +3878,14 @@
             <p:ph idx="1"/>
             <p:extLst>
               <p:ext uri="{D42A27DB-BD31-4B8C-83A1-F6EECF244321}">
-                <p14:modId xmlns:p14="http://schemas.microsoft.com/office/powerpoint/2010/main" val="2313687310"/>
+                <p14:modId xmlns:p14="http://schemas.microsoft.com/office/powerpoint/2010/main" val="1024497429"/>
               </p:ext>
             </p:extLst>
           </p:nvPr>
         </p:nvGraphicFramePr>
         <p:xfrm>
           <a:off x="1450975" y="2016125"/>
-          <a:ext cx="9604377" cy="3337560"/>
+          <a:ext cx="9604376" cy="2966720"/>
         </p:xfrm>
         <a:graphic>
           <a:graphicData uri="http://schemas.openxmlformats.org/drawingml/2006/table">
@@ -3886,24 +3894,17 @@
                 <a:tableStyleId>{5C22544A-7EE6-4342-B048-85BDC9FD1C3A}</a:tableStyleId>
               </a:tblPr>
               <a:tblGrid>
-                <a:gridCol w="3201459">
+                <a:gridCol w="4802188">
                   <a:extLst>
                     <a:ext uri="{9D8B030D-6E8A-4147-A177-3AD203B41FA5}">
                       <a16:colId xmlns:a16="http://schemas.microsoft.com/office/drawing/2014/main" val="3938329285"/>
                     </a:ext>
                   </a:extLst>
                 </a:gridCol>
-                <a:gridCol w="3201459">
+                <a:gridCol w="4802188">
                   <a:extLst>
                     <a:ext uri="{9D8B030D-6E8A-4147-A177-3AD203B41FA5}">
                       <a16:colId xmlns:a16="http://schemas.microsoft.com/office/drawing/2014/main" val="85675256"/>
-                    </a:ext>
-                  </a:extLst>
-                </a:gridCol>
-                <a:gridCol w="3201459">
-                  <a:extLst>
-                    <a:ext uri="{9D8B030D-6E8A-4147-A177-3AD203B41FA5}">
-                      <a16:colId xmlns:a16="http://schemas.microsoft.com/office/drawing/2014/main" val="2930448733"/>
                     </a:ext>
                   </a:extLst>
                 </a:gridCol>
@@ -3931,20 +3932,6 @@
                       <a:r>
                         <a:rPr lang="en-US" altLang="zh-TW" dirty="0"/>
                         <a:t>Format</a:t>
-                      </a:r>
-                      <a:endParaRPr lang="zh-TW" altLang="en-US" dirty="0"/>
-                    </a:p>
-                  </a:txBody>
-                  <a:tcPr/>
-                </a:tc>
-                <a:tc>
-                  <a:txBody>
-                    <a:bodyPr/>
-                    <a:lstStyle/>
-                    <a:p>
-                      <a:r>
-                        <a:rPr lang="en-US" altLang="zh-TW" dirty="0"/>
-                        <a:t>Remark</a:t>
                       </a:r>
                       <a:endParaRPr lang="zh-TW" altLang="en-US" dirty="0"/>
                     </a:p>
@@ -3964,8 +3951,16 @@
                     <a:lstStyle/>
                     <a:p>
                       <a:r>
-                        <a:rPr lang="en-US" altLang="zh-TW" dirty="0" err="1"/>
-                        <a:t>age_interval</a:t>
+                        <a:rPr lang="en" altLang="zh-TW" sz="1800" b="0" i="0" kern="1200" dirty="0" err="1">
+                          <a:solidFill>
+                            <a:schemeClr val="dk1"/>
+                          </a:solidFill>
+                          <a:effectLst/>
+                          <a:latin typeface="+mn-lt"/>
+                          <a:ea typeface="+mn-ea"/>
+                          <a:cs typeface="+mn-cs"/>
+                        </a:rPr>
+                        <a:t>max_rate</a:t>
                       </a:r>
                       <a:endParaRPr lang="zh-TW" altLang="en-US" dirty="0"/>
                     </a:p>
@@ -3979,7 +3974,36 @@
                     <a:p>
                       <a:r>
                         <a:rPr lang="en-US" altLang="zh-TW" dirty="0"/>
-                        <a:t>multinomial</a:t>
+                        <a:t>numeric</a:t>
+                      </a:r>
+                      <a:endParaRPr lang="zh-TW" altLang="en-US" dirty="0"/>
+                    </a:p>
+                  </a:txBody>
+                  <a:tcPr/>
+                </a:tc>
+                <a:extLst>
+                  <a:ext uri="{0D108BD9-81ED-4DB2-BD59-A6C34878D82A}">
+                    <a16:rowId xmlns:a16="http://schemas.microsoft.com/office/drawing/2014/main" val="1331905350"/>
+                  </a:ext>
+                </a:extLst>
+              </a:tr>
+              <a:tr h="370840">
+                <a:tc>
+                  <a:txBody>
+                    <a:bodyPr/>
+                    <a:lstStyle/>
+                    <a:p>
+                      <a:r>
+                        <a:rPr lang="en" altLang="zh-TW" sz="1800" b="0" i="0" kern="1200" dirty="0" err="1">
+                          <a:solidFill>
+                            <a:schemeClr val="dk1"/>
+                          </a:solidFill>
+                          <a:effectLst/>
+                          <a:latin typeface="+mn-lt"/>
+                          <a:ea typeface="+mn-ea"/>
+                          <a:cs typeface="+mn-cs"/>
+                        </a:rPr>
+                        <a:t>exercise_angina</a:t>
                       </a:r>
                       <a:endParaRPr lang="zh-TW" altLang="en-US" dirty="0"/>
                     </a:p>
@@ -3991,6 +4015,10 @@
                     <a:bodyPr/>
                     <a:lstStyle/>
                     <a:p>
+                      <a:r>
+                        <a:rPr lang="en-US" altLang="zh-TW" dirty="0"/>
+                        <a:t>binary</a:t>
+                      </a:r>
                       <a:endParaRPr lang="zh-TW" altLang="en-US" dirty="0"/>
                     </a:p>
                   </a:txBody>
@@ -4018,7 +4046,7 @@
                           <a:ea typeface="+mn-ea"/>
                           <a:cs typeface="+mn-cs"/>
                         </a:rPr>
-                        <a:t>resting_bp_interval</a:t>
+                        <a:t>st_depression</a:t>
                       </a:r>
                       <a:endParaRPr lang="zh-TW" altLang="en-US" dirty="0"/>
                     </a:p>
@@ -4032,8 +4060,38 @@
                     <a:p>
                       <a:r>
                         <a:rPr lang="en-US" altLang="zh-TW" dirty="0"/>
-                        <a:t>numeric</a:t>
-                      </a:r>
+                        <a:t>binary</a:t>
+                      </a:r>
+                      <a:endParaRPr lang="zh-TW" altLang="en-US" dirty="0"/>
+                    </a:p>
+                  </a:txBody>
+                  <a:tcPr/>
+                </a:tc>
+                <a:extLst>
+                  <a:ext uri="{0D108BD9-81ED-4DB2-BD59-A6C34878D82A}">
+                    <a16:rowId xmlns:a16="http://schemas.microsoft.com/office/drawing/2014/main" val="3152307144"/>
+                  </a:ext>
+                </a:extLst>
+              </a:tr>
+              <a:tr h="370840">
+                <a:tc>
+                  <a:txBody>
+                    <a:bodyPr/>
+                    <a:lstStyle/>
+                    <a:p>
+                      <a:r>
+                        <a:rPr lang="en" altLang="zh-TW" sz="1800" b="0" i="0" kern="1200" dirty="0">
+                          <a:solidFill>
+                            <a:schemeClr val="dk1"/>
+                          </a:solidFill>
+                          <a:effectLst/>
+                          <a:latin typeface="+mn-lt"/>
+                          <a:ea typeface="+mn-ea"/>
+                          <a:cs typeface="+mn-cs"/>
+                        </a:rPr>
+                        <a:t>slope</a:t>
+                      </a:r>
+                      <a:endParaRPr lang="zh-TW" altLang="en-US" dirty="0"/>
                     </a:p>
                   </a:txBody>
                   <a:tcPr/>
@@ -4043,7 +4101,52 @@
                     <a:bodyPr/>
                     <a:lstStyle/>
                     <a:p>
-                      <a:endParaRPr lang="en-US" altLang="zh-TW" dirty="0"/>
+                      <a:r>
+                        <a:rPr lang="en-US" altLang="zh-TW" dirty="0"/>
+                        <a:t>multinomial</a:t>
+                      </a:r>
+                    </a:p>
+                  </a:txBody>
+                  <a:tcPr/>
+                </a:tc>
+                <a:extLst>
+                  <a:ext uri="{0D108BD9-81ED-4DB2-BD59-A6C34878D82A}">
+                    <a16:rowId xmlns:a16="http://schemas.microsoft.com/office/drawing/2014/main" val="345967373"/>
+                  </a:ext>
+                </a:extLst>
+              </a:tr>
+              <a:tr h="370840">
+                <a:tc>
+                  <a:txBody>
+                    <a:bodyPr/>
+                    <a:lstStyle/>
+                    <a:p>
+                      <a:r>
+                        <a:rPr lang="en" altLang="zh-TW" sz="1800" b="0" i="0" kern="1200" dirty="0">
+                          <a:solidFill>
+                            <a:schemeClr val="dk1"/>
+                          </a:solidFill>
+                          <a:effectLst/>
+                          <a:latin typeface="+mn-lt"/>
+                          <a:ea typeface="+mn-ea"/>
+                          <a:cs typeface="+mn-cs"/>
+                        </a:rPr>
+                        <a:t>vessels</a:t>
+                      </a:r>
+                      <a:endParaRPr lang="zh-TW" altLang="en-US" dirty="0"/>
+                    </a:p>
+                  </a:txBody>
+                  <a:tcPr/>
+                </a:tc>
+                <a:tc>
+                  <a:txBody>
+                    <a:bodyPr/>
+                    <a:lstStyle/>
+                    <a:p>
+                      <a:r>
+                        <a:rPr lang="en-US" altLang="zh-TW" dirty="0"/>
+                        <a:t>multinomial</a:t>
+                      </a:r>
                     </a:p>
                   </a:txBody>
                   <a:tcPr/>
@@ -4070,7 +4173,7 @@
                           <a:ea typeface="+mn-ea"/>
                           <a:cs typeface="+mn-cs"/>
                         </a:rPr>
-                        <a:t>cholestoral_interval</a:t>
+                        <a:t>thalium_scan</a:t>
                       </a:r>
                       <a:endParaRPr lang="zh-TW" altLang="en-US" dirty="0"/>
                     </a:p>
@@ -4084,18 +4187,8 @@
                     <a:p>
                       <a:r>
                         <a:rPr lang="en-US" altLang="zh-TW" dirty="0"/>
-                        <a:t>numeric</a:t>
-                      </a:r>
-                    </a:p>
-                  </a:txBody>
-                  <a:tcPr/>
-                </a:tc>
-                <a:tc>
-                  <a:txBody>
-                    <a:bodyPr/>
-                    <a:lstStyle/>
-                    <a:p>
-                      <a:endParaRPr lang="en-US" altLang="zh-TW" dirty="0"/>
+                        <a:t>multinomial</a:t>
+                      </a:r>
                     </a:p>
                   </a:txBody>
                   <a:tcPr/>
@@ -4112,6 +4205,18 @@
                     <a:bodyPr/>
                     <a:lstStyle/>
                     <a:p>
+                      <a:r>
+                        <a:rPr lang="en" altLang="zh-TW" sz="1800" b="0" i="0" kern="1200" dirty="0" err="1">
+                          <a:solidFill>
+                            <a:schemeClr val="dk1"/>
+                          </a:solidFill>
+                          <a:effectLst/>
+                          <a:latin typeface="+mn-lt"/>
+                          <a:ea typeface="+mn-ea"/>
+                          <a:cs typeface="+mn-cs"/>
+                        </a:rPr>
+                        <a:t>Heart_disease</a:t>
+                      </a:r>
                       <a:endParaRPr lang="zh-TW" altLang="en-US" dirty="0"/>
                     </a:p>
                   </a:txBody>
@@ -4122,17 +4227,10 @@
                     <a:bodyPr/>
                     <a:lstStyle/>
                     <a:p>
-                      <a:endParaRPr lang="en-US" altLang="zh-TW" dirty="0"/>
-                    </a:p>
-                  </a:txBody>
-                  <a:tcPr/>
-                </a:tc>
-                <a:tc>
-                  <a:txBody>
-                    <a:bodyPr/>
-                    <a:lstStyle/>
-                    <a:p>
-                      <a:endParaRPr lang="en-US" altLang="zh-TW" dirty="0"/>
+                      <a:r>
+                        <a:rPr lang="en-US" altLang="zh-TW" dirty="0"/>
+                        <a:t>binary</a:t>
+                      </a:r>
                     </a:p>
                   </a:txBody>
                   <a:tcPr/>
@@ -4143,164 +4241,16 @@
                   </a:ext>
                 </a:extLst>
               </a:tr>
-              <a:tr h="370840">
-                <a:tc>
-                  <a:txBody>
-                    <a:bodyPr/>
-                    <a:lstStyle/>
-                    <a:p>
-                      <a:endParaRPr lang="zh-TW" altLang="en-US" dirty="0"/>
-                    </a:p>
-                  </a:txBody>
-                  <a:tcPr/>
-                </a:tc>
-                <a:tc>
-                  <a:txBody>
-                    <a:bodyPr/>
-                    <a:lstStyle/>
-                    <a:p>
-                      <a:endParaRPr lang="en-US" altLang="zh-TW" dirty="0"/>
-                    </a:p>
-                  </a:txBody>
-                  <a:tcPr/>
-                </a:tc>
-                <a:tc>
-                  <a:txBody>
-                    <a:bodyPr/>
-                    <a:lstStyle/>
-                    <a:p>
-                      <a:endParaRPr lang="en-US" altLang="zh-TW" dirty="0"/>
-                    </a:p>
-                  </a:txBody>
-                  <a:tcPr/>
-                </a:tc>
-                <a:extLst>
-                  <a:ext uri="{0D108BD9-81ED-4DB2-BD59-A6C34878D82A}">
-                    <a16:rowId xmlns:a16="http://schemas.microsoft.com/office/drawing/2014/main" val="3291487961"/>
-                  </a:ext>
-                </a:extLst>
-              </a:tr>
-              <a:tr h="370840">
-                <a:tc>
-                  <a:txBody>
-                    <a:bodyPr/>
-                    <a:lstStyle/>
-                    <a:p>
-                      <a:endParaRPr lang="zh-TW" altLang="en-US" dirty="0"/>
-                    </a:p>
-                  </a:txBody>
-                  <a:tcPr/>
-                </a:tc>
-                <a:tc>
-                  <a:txBody>
-                    <a:bodyPr/>
-                    <a:lstStyle/>
-                    <a:p>
-                      <a:endParaRPr lang="en-US" altLang="zh-TW" dirty="0"/>
-                    </a:p>
-                  </a:txBody>
-                  <a:tcPr/>
-                </a:tc>
-                <a:tc>
-                  <a:txBody>
-                    <a:bodyPr/>
-                    <a:lstStyle/>
-                    <a:p>
-                      <a:endParaRPr lang="en-US" altLang="zh-TW" dirty="0"/>
-                    </a:p>
-                  </a:txBody>
-                  <a:tcPr/>
-                </a:tc>
-                <a:extLst>
-                  <a:ext uri="{0D108BD9-81ED-4DB2-BD59-A6C34878D82A}">
-                    <a16:rowId xmlns:a16="http://schemas.microsoft.com/office/drawing/2014/main" val="2752171886"/>
-                  </a:ext>
-                </a:extLst>
-              </a:tr>
-              <a:tr h="370840">
-                <a:tc>
-                  <a:txBody>
-                    <a:bodyPr/>
-                    <a:lstStyle/>
-                    <a:p>
-                      <a:endParaRPr lang="zh-TW" altLang="en-US" dirty="0"/>
-                    </a:p>
-                  </a:txBody>
-                  <a:tcPr/>
-                </a:tc>
-                <a:tc>
-                  <a:txBody>
-                    <a:bodyPr/>
-                    <a:lstStyle/>
-                    <a:p>
-                      <a:endParaRPr lang="en-US" altLang="zh-TW" dirty="0"/>
-                    </a:p>
-                  </a:txBody>
-                  <a:tcPr/>
-                </a:tc>
-                <a:tc>
-                  <a:txBody>
-                    <a:bodyPr/>
-                    <a:lstStyle/>
-                    <a:p>
-                      <a:endParaRPr lang="en-US" altLang="zh-TW" dirty="0"/>
-                    </a:p>
-                  </a:txBody>
-                  <a:tcPr/>
-                </a:tc>
-                <a:extLst>
-                  <a:ext uri="{0D108BD9-81ED-4DB2-BD59-A6C34878D82A}">
-                    <a16:rowId xmlns:a16="http://schemas.microsoft.com/office/drawing/2014/main" val="1847381440"/>
-                  </a:ext>
-                </a:extLst>
-              </a:tr>
-              <a:tr h="370840">
-                <a:tc>
-                  <a:txBody>
-                    <a:bodyPr/>
-                    <a:lstStyle/>
-                    <a:p>
-                      <a:endParaRPr lang="zh-TW" altLang="en-US" dirty="0"/>
-                    </a:p>
-                  </a:txBody>
-                  <a:tcPr/>
-                </a:tc>
-                <a:tc>
-                  <a:txBody>
-                    <a:bodyPr/>
-                    <a:lstStyle/>
-                    <a:p>
-                      <a:endParaRPr lang="en-US" altLang="zh-TW" dirty="0"/>
-                    </a:p>
-                  </a:txBody>
-                  <a:tcPr/>
-                </a:tc>
-                <a:tc>
-                  <a:txBody>
-                    <a:bodyPr/>
-                    <a:lstStyle/>
-                    <a:p>
-                      <a:endParaRPr lang="en-US" altLang="zh-TW" dirty="0"/>
-                    </a:p>
-                  </a:txBody>
-                  <a:tcPr/>
-                </a:tc>
-                <a:extLst>
-                  <a:ext uri="{0D108BD9-81ED-4DB2-BD59-A6C34878D82A}">
-                    <a16:rowId xmlns:a16="http://schemas.microsoft.com/office/drawing/2014/main" val="566719567"/>
-                  </a:ext>
-                </a:extLst>
-              </a:tr>
             </a:tbl>
           </a:graphicData>
         </a:graphic>
       </p:graphicFrame>
       <p:sp>
         <p:nvSpPr>
-          <p:cNvPr id="6" name="標題 3">
+          <p:cNvPr id="4" name="標題 3">
             <a:extLst>
               <a:ext uri="{FF2B5EF4-FFF2-40B4-BE49-F238E27FC236}">
-                <a16:creationId xmlns:a16="http://schemas.microsoft.com/office/drawing/2014/main" id="{3F72E21E-0917-5C40-BB70-D9BEF150B5B5}"/>
+                <a16:creationId xmlns:a16="http://schemas.microsoft.com/office/drawing/2014/main" id="{A805B19C-68F7-0440-9691-6C45AC4B534B}"/>
               </a:ext>
             </a:extLst>
           </p:cNvPr>
@@ -4333,7 +4283,7 @@
             </a:r>
             <a:r>
               <a:rPr lang="zh-CN" altLang="en-US" dirty="0"/>
-              <a:t>預期各欄位轉換後格式</a:t>
+              <a:t>各欄位原始格式</a:t>
             </a:r>
             <a:endParaRPr lang="zh-TW" altLang="en-US" dirty="0"/>
           </a:p>
@@ -4342,7 +4292,7 @@
     </p:spTree>
     <p:extLst>
       <p:ext uri="{BB962C8B-B14F-4D97-AF65-F5344CB8AC3E}">
-        <p14:creationId xmlns:p14="http://schemas.microsoft.com/office/powerpoint/2010/main" val="3040062836"/>
+        <p14:creationId xmlns:p14="http://schemas.microsoft.com/office/powerpoint/2010/main" val="1760106069"/>
       </p:ext>
     </p:extLst>
   </p:cSld>
@@ -4385,14 +4335,14 @@
             <p:ph idx="1"/>
             <p:extLst>
               <p:ext uri="{D42A27DB-BD31-4B8C-83A1-F6EECF244321}">
-                <p14:modId xmlns:p14="http://schemas.microsoft.com/office/powerpoint/2010/main" val="3928571379"/>
+                <p14:modId xmlns:p14="http://schemas.microsoft.com/office/powerpoint/2010/main" val="535295886"/>
               </p:ext>
             </p:extLst>
           </p:nvPr>
         </p:nvGraphicFramePr>
         <p:xfrm>
-          <a:off x="1450975" y="2016125"/>
-          <a:ext cx="9604377" cy="2225040"/>
+          <a:off x="1450477" y="2189861"/>
+          <a:ext cx="9604377" cy="4312920"/>
         </p:xfrm>
         <a:graphic>
           <a:graphicData uri="http://schemas.openxmlformats.org/drawingml/2006/table">
@@ -4401,24 +4351,24 @@
                 <a:tableStyleId>{5C22544A-7EE6-4342-B048-85BDC9FD1C3A}</a:tableStyleId>
               </a:tblPr>
               <a:tblGrid>
-                <a:gridCol w="3201459">
+                <a:gridCol w="2179691">
                   <a:extLst>
                     <a:ext uri="{9D8B030D-6E8A-4147-A177-3AD203B41FA5}">
                       <a16:colId xmlns:a16="http://schemas.microsoft.com/office/drawing/2014/main" val="3938329285"/>
                     </a:ext>
                   </a:extLst>
                 </a:gridCol>
-                <a:gridCol w="3201459">
+                <a:gridCol w="1792224">
                   <a:extLst>
                     <a:ext uri="{9D8B030D-6E8A-4147-A177-3AD203B41FA5}">
                       <a16:colId xmlns:a16="http://schemas.microsoft.com/office/drawing/2014/main" val="85675256"/>
                     </a:ext>
                   </a:extLst>
                 </a:gridCol>
-                <a:gridCol w="3201459">
+                <a:gridCol w="5632462">
                   <a:extLst>
                     <a:ext uri="{9D8B030D-6E8A-4147-A177-3AD203B41FA5}">
-                      <a16:colId xmlns:a16="http://schemas.microsoft.com/office/drawing/2014/main" val="2945513634"/>
+                      <a16:colId xmlns:a16="http://schemas.microsoft.com/office/drawing/2014/main" val="2930448733"/>
                     </a:ext>
                   </a:extLst>
                 </a:gridCol>
@@ -4451,6 +4401,685 @@
                     </a:p>
                   </a:txBody>
                   <a:tcPr/>
+                </a:tc>
+                <a:tc>
+                  <a:txBody>
+                    <a:bodyPr/>
+                    <a:lstStyle/>
+                    <a:p>
+                      <a:r>
+                        <a:rPr lang="en-US" altLang="zh-TW" dirty="0"/>
+                        <a:t>Remark</a:t>
+                      </a:r>
+                      <a:endParaRPr lang="zh-TW" altLang="en-US" dirty="0"/>
+                    </a:p>
+                  </a:txBody>
+                  <a:tcPr/>
+                </a:tc>
+                <a:extLst>
+                  <a:ext uri="{0D108BD9-81ED-4DB2-BD59-A6C34878D82A}">
+                    <a16:rowId xmlns:a16="http://schemas.microsoft.com/office/drawing/2014/main" val="2896429199"/>
+                  </a:ext>
+                </a:extLst>
+              </a:tr>
+              <a:tr h="370840">
+                <a:tc>
+                  <a:txBody>
+                    <a:bodyPr/>
+                    <a:lstStyle/>
+                    <a:p>
+                      <a:r>
+                        <a:rPr lang="en-US" altLang="zh-TW" dirty="0" err="1"/>
+                        <a:t>age_interval</a:t>
+                      </a:r>
+                      <a:endParaRPr lang="zh-TW" altLang="en-US" dirty="0"/>
+                    </a:p>
+                  </a:txBody>
+                  <a:tcPr anchor="ctr"/>
+                </a:tc>
+                <a:tc>
+                  <a:txBody>
+                    <a:bodyPr/>
+                    <a:lstStyle/>
+                    <a:p>
+                      <a:r>
+                        <a:rPr lang="en-US" altLang="zh-TW" dirty="0"/>
+                        <a:t>multinomial</a:t>
+                      </a:r>
+                      <a:endParaRPr lang="zh-TW" altLang="en-US" dirty="0"/>
+                    </a:p>
+                  </a:txBody>
+                  <a:tcPr anchor="ctr"/>
+                </a:tc>
+                <a:tc>
+                  <a:txBody>
+                    <a:bodyPr/>
+                    <a:lstStyle/>
+                    <a:p>
+                      <a:r>
+                        <a:rPr lang="zh-CN" altLang="en-US" dirty="0">
+                          <a:latin typeface="Microsoft JhengHei" panose="020B0604030504040204" pitchFamily="34" charset="-120"/>
+                          <a:ea typeface="Microsoft JhengHei" panose="020B0604030504040204" pitchFamily="34" charset="-120"/>
+                        </a:rPr>
+                        <a:t>利用設定區間進行</a:t>
+                      </a:r>
+                      <a:r>
+                        <a:rPr lang="zh-TW" altLang="en-US" dirty="0">
+                          <a:latin typeface="Microsoft JhengHei" panose="020B0604030504040204" pitchFamily="34" charset="-120"/>
+                          <a:ea typeface="Microsoft JhengHei" panose="020B0604030504040204" pitchFamily="34" charset="-120"/>
+                        </a:rPr>
+                        <a:t>標籤化</a:t>
+                      </a:r>
+                      <a:endParaRPr lang="en-US" altLang="zh-TW" dirty="0">
+                        <a:latin typeface="Microsoft JhengHei" panose="020B0604030504040204" pitchFamily="34" charset="-120"/>
+                        <a:ea typeface="Microsoft JhengHei" panose="020B0604030504040204" pitchFamily="34" charset="-120"/>
+                      </a:endParaRPr>
+                    </a:p>
+                    <a:p>
+                      <a:r>
+                        <a:rPr lang="en-US" sz="1800" b="0" i="0" kern="1200" dirty="0">
+                          <a:solidFill>
+                            <a:schemeClr val="dk1"/>
+                          </a:solidFill>
+                          <a:effectLst/>
+                          <a:latin typeface="+mn-lt"/>
+                          <a:ea typeface="+mn-ea"/>
+                          <a:cs typeface="+mn-cs"/>
+                        </a:rPr>
+                        <a:t>P.S: 0, 17, 40, 65, </a:t>
+                      </a:r>
+                      <a:r>
+                        <a:rPr lang="en-US" sz="1800" b="0" i="0" kern="1200" dirty="0" err="1">
+                          <a:solidFill>
+                            <a:schemeClr val="dk1"/>
+                          </a:solidFill>
+                          <a:effectLst/>
+                          <a:latin typeface="+mn-lt"/>
+                          <a:ea typeface="+mn-ea"/>
+                          <a:cs typeface="+mn-cs"/>
+                        </a:rPr>
+                        <a:t>max_value</a:t>
+                      </a:r>
+                      <a:endParaRPr lang="zh-TW" altLang="en-US" dirty="0">
+                        <a:latin typeface="Microsoft JhengHei" panose="020B0604030504040204" pitchFamily="34" charset="-120"/>
+                        <a:ea typeface="Microsoft JhengHei" panose="020B0604030504040204" pitchFamily="34" charset="-120"/>
+                      </a:endParaRPr>
+                    </a:p>
+                  </a:txBody>
+                  <a:tcPr anchor="ctr"/>
+                </a:tc>
+                <a:extLst>
+                  <a:ext uri="{0D108BD9-81ED-4DB2-BD59-A6C34878D82A}">
+                    <a16:rowId xmlns:a16="http://schemas.microsoft.com/office/drawing/2014/main" val="2876995139"/>
+                  </a:ext>
+                </a:extLst>
+              </a:tr>
+              <a:tr h="370840">
+                <a:tc>
+                  <a:txBody>
+                    <a:bodyPr/>
+                    <a:lstStyle/>
+                    <a:p>
+                      <a:r>
+                        <a:rPr lang="en" altLang="zh-TW" sz="1800" b="0" i="0" kern="1200" dirty="0" err="1">
+                          <a:solidFill>
+                            <a:schemeClr val="dk1"/>
+                          </a:solidFill>
+                          <a:effectLst/>
+                          <a:latin typeface="+mn-lt"/>
+                          <a:ea typeface="+mn-ea"/>
+                          <a:cs typeface="+mn-cs"/>
+                        </a:rPr>
+                        <a:t>resting_bp_interval</a:t>
+                      </a:r>
+                      <a:endParaRPr lang="zh-TW" altLang="en-US" dirty="0"/>
+                    </a:p>
+                  </a:txBody>
+                  <a:tcPr anchor="ctr"/>
+                </a:tc>
+                <a:tc>
+                  <a:txBody>
+                    <a:bodyPr/>
+                    <a:lstStyle/>
+                    <a:p>
+                      <a:r>
+                        <a:rPr lang="en-US" altLang="zh-TW" dirty="0"/>
+                        <a:t>multinomial</a:t>
+                      </a:r>
+                    </a:p>
+                  </a:txBody>
+                  <a:tcPr anchor="ctr"/>
+                </a:tc>
+                <a:tc>
+                  <a:txBody>
+                    <a:bodyPr/>
+                    <a:lstStyle/>
+                    <a:p>
+                      <a:r>
+                        <a:rPr lang="zh-CN" altLang="en-US" dirty="0">
+                          <a:latin typeface="Microsoft JhengHei" panose="020B0604030504040204" pitchFamily="34" charset="-120"/>
+                          <a:ea typeface="Microsoft JhengHei" panose="020B0604030504040204" pitchFamily="34" charset="-120"/>
+                        </a:rPr>
+                        <a:t>利用設定區間進行</a:t>
+                      </a:r>
+                      <a:r>
+                        <a:rPr lang="zh-TW" altLang="en-US" dirty="0">
+                          <a:latin typeface="Microsoft JhengHei" panose="020B0604030504040204" pitchFamily="34" charset="-120"/>
+                          <a:ea typeface="Microsoft JhengHei" panose="020B0604030504040204" pitchFamily="34" charset="-120"/>
+                        </a:rPr>
+                        <a:t>標籤化</a:t>
+                      </a:r>
+                      <a:endParaRPr lang="en-US" altLang="zh-TW" dirty="0">
+                        <a:latin typeface="Microsoft JhengHei" panose="020B0604030504040204" pitchFamily="34" charset="-120"/>
+                        <a:ea typeface="Microsoft JhengHei" panose="020B0604030504040204" pitchFamily="34" charset="-120"/>
+                      </a:endParaRPr>
+                    </a:p>
+                    <a:p>
+                      <a:r>
+                        <a:rPr lang="en-US" sz="1800" b="0" i="0" kern="1200" dirty="0">
+                          <a:solidFill>
+                            <a:schemeClr val="dk1"/>
+                          </a:solidFill>
+                          <a:effectLst/>
+                          <a:latin typeface="+mn-lt"/>
+                          <a:ea typeface="+mn-ea"/>
+                          <a:cs typeface="+mn-cs"/>
+                        </a:rPr>
+                        <a:t>P.S: 0, 120, 139, </a:t>
+                      </a:r>
+                      <a:r>
+                        <a:rPr lang="en-US" sz="1800" b="0" i="0" kern="1200" dirty="0" err="1">
+                          <a:solidFill>
+                            <a:schemeClr val="dk1"/>
+                          </a:solidFill>
+                          <a:effectLst/>
+                          <a:latin typeface="+mn-lt"/>
+                          <a:ea typeface="+mn-ea"/>
+                          <a:cs typeface="+mn-cs"/>
+                        </a:rPr>
+                        <a:t>max_value</a:t>
+                      </a:r>
+                      <a:endParaRPr lang="zh-TW" altLang="en-US" dirty="0">
+                        <a:latin typeface="Microsoft JhengHei" panose="020B0604030504040204" pitchFamily="34" charset="-120"/>
+                        <a:ea typeface="Microsoft JhengHei" panose="020B0604030504040204" pitchFamily="34" charset="-120"/>
+                      </a:endParaRPr>
+                    </a:p>
+                  </a:txBody>
+                  <a:tcPr anchor="ctr"/>
+                </a:tc>
+                <a:extLst>
+                  <a:ext uri="{0D108BD9-81ED-4DB2-BD59-A6C34878D82A}">
+                    <a16:rowId xmlns:a16="http://schemas.microsoft.com/office/drawing/2014/main" val="307305543"/>
+                  </a:ext>
+                </a:extLst>
+              </a:tr>
+              <a:tr h="370840">
+                <a:tc>
+                  <a:txBody>
+                    <a:bodyPr/>
+                    <a:lstStyle/>
+                    <a:p>
+                      <a:r>
+                        <a:rPr lang="en" altLang="zh-TW" sz="1800" b="0" i="0" kern="1200" dirty="0" err="1">
+                          <a:solidFill>
+                            <a:schemeClr val="dk1"/>
+                          </a:solidFill>
+                          <a:effectLst/>
+                          <a:latin typeface="+mn-lt"/>
+                          <a:ea typeface="+mn-ea"/>
+                          <a:cs typeface="+mn-cs"/>
+                        </a:rPr>
+                        <a:t>cholestoral_interval</a:t>
+                      </a:r>
+                      <a:endParaRPr lang="zh-TW" altLang="en-US" dirty="0"/>
+                    </a:p>
+                  </a:txBody>
+                  <a:tcPr anchor="ctr"/>
+                </a:tc>
+                <a:tc>
+                  <a:txBody>
+                    <a:bodyPr/>
+                    <a:lstStyle/>
+                    <a:p>
+                      <a:r>
+                        <a:rPr lang="en-US" altLang="zh-TW" dirty="0"/>
+                        <a:t>multinomial</a:t>
+                      </a:r>
+                    </a:p>
+                  </a:txBody>
+                  <a:tcPr anchor="ctr"/>
+                </a:tc>
+                <a:tc>
+                  <a:txBody>
+                    <a:bodyPr/>
+                    <a:lstStyle/>
+                    <a:p>
+                      <a:r>
+                        <a:rPr lang="zh-CN" altLang="en-US" dirty="0">
+                          <a:latin typeface="Microsoft JhengHei" panose="020B0604030504040204" pitchFamily="34" charset="-120"/>
+                          <a:ea typeface="Microsoft JhengHei" panose="020B0604030504040204" pitchFamily="34" charset="-120"/>
+                        </a:rPr>
+                        <a:t>利用設定區間進行</a:t>
+                      </a:r>
+                      <a:r>
+                        <a:rPr lang="zh-TW" altLang="en-US" dirty="0">
+                          <a:latin typeface="Microsoft JhengHei" panose="020B0604030504040204" pitchFamily="34" charset="-120"/>
+                          <a:ea typeface="Microsoft JhengHei" panose="020B0604030504040204" pitchFamily="34" charset="-120"/>
+                        </a:rPr>
+                        <a:t>標籤化</a:t>
+                      </a:r>
+                      <a:endParaRPr lang="en-US" altLang="zh-TW" dirty="0">
+                        <a:latin typeface="Microsoft JhengHei" panose="020B0604030504040204" pitchFamily="34" charset="-120"/>
+                        <a:ea typeface="Microsoft JhengHei" panose="020B0604030504040204" pitchFamily="34" charset="-120"/>
+                      </a:endParaRPr>
+                    </a:p>
+                    <a:p>
+                      <a:r>
+                        <a:rPr lang="en-US" sz="1800" b="0" i="0" kern="1200" dirty="0">
+                          <a:solidFill>
+                            <a:schemeClr val="dk1"/>
+                          </a:solidFill>
+                          <a:effectLst/>
+                          <a:latin typeface="+mn-lt"/>
+                          <a:ea typeface="+mn-ea"/>
+                          <a:cs typeface="+mn-cs"/>
+                        </a:rPr>
+                        <a:t>P.S: 0, 129, 200, 239, </a:t>
+                      </a:r>
+                      <a:r>
+                        <a:rPr lang="en-US" sz="1800" b="0" i="0" kern="1200" dirty="0" err="1">
+                          <a:solidFill>
+                            <a:schemeClr val="dk1"/>
+                          </a:solidFill>
+                          <a:effectLst/>
+                          <a:latin typeface="+mn-lt"/>
+                          <a:ea typeface="+mn-ea"/>
+                          <a:cs typeface="+mn-cs"/>
+                        </a:rPr>
+                        <a:t>max_value</a:t>
+                      </a:r>
+                      <a:endParaRPr lang="zh-TW" altLang="en-US" dirty="0">
+                        <a:latin typeface="Microsoft JhengHei" panose="020B0604030504040204" pitchFamily="34" charset="-120"/>
+                        <a:ea typeface="Microsoft JhengHei" panose="020B0604030504040204" pitchFamily="34" charset="-120"/>
+                      </a:endParaRPr>
+                    </a:p>
+                  </a:txBody>
+                  <a:tcPr anchor="ctr"/>
+                </a:tc>
+                <a:extLst>
+                  <a:ext uri="{0D108BD9-81ED-4DB2-BD59-A6C34878D82A}">
+                    <a16:rowId xmlns:a16="http://schemas.microsoft.com/office/drawing/2014/main" val="551508581"/>
+                  </a:ext>
+                </a:extLst>
+              </a:tr>
+              <a:tr h="370840">
+                <a:tc>
+                  <a:txBody>
+                    <a:bodyPr/>
+                    <a:lstStyle/>
+                    <a:p>
+                      <a:r>
+                        <a:rPr lang="en" altLang="zh-TW" sz="1800" b="0" i="0" kern="1200" dirty="0" err="1">
+                          <a:solidFill>
+                            <a:schemeClr val="dk1"/>
+                          </a:solidFill>
+                          <a:effectLst/>
+                          <a:latin typeface="+mn-lt"/>
+                          <a:ea typeface="+mn-ea"/>
+                          <a:cs typeface="+mn-cs"/>
+                        </a:rPr>
+                        <a:t>max_rate</a:t>
+                      </a:r>
+                      <a:endParaRPr lang="zh-TW" altLang="en-US" dirty="0"/>
+                    </a:p>
+                  </a:txBody>
+                  <a:tcPr anchor="ctr"/>
+                </a:tc>
+                <a:tc>
+                  <a:txBody>
+                    <a:bodyPr/>
+                    <a:lstStyle/>
+                    <a:p>
+                      <a:r>
+                        <a:rPr lang="en-US" altLang="zh-TW" dirty="0"/>
+                        <a:t>multinomial</a:t>
+                      </a:r>
+                      <a:endParaRPr lang="zh-TW" altLang="en-US" dirty="0"/>
+                    </a:p>
+                  </a:txBody>
+                  <a:tcPr anchor="ctr"/>
+                </a:tc>
+                <a:tc>
+                  <a:txBody>
+                    <a:bodyPr/>
+                    <a:lstStyle/>
+                    <a:p>
+                      <a:r>
+                        <a:rPr lang="zh-CN" altLang="en-US" dirty="0">
+                          <a:latin typeface="Microsoft JhengHei" panose="020B0604030504040204" pitchFamily="34" charset="-120"/>
+                          <a:ea typeface="Microsoft JhengHei" panose="020B0604030504040204" pitchFamily="34" charset="-120"/>
+                        </a:rPr>
+                        <a:t>利用</a:t>
+                      </a:r>
+                      <a:r>
+                        <a:rPr lang="en-US" altLang="zh-CN" dirty="0">
+                          <a:latin typeface="Microsoft JhengHei" panose="020B0604030504040204" pitchFamily="34" charset="-120"/>
+                          <a:ea typeface="Microsoft JhengHei" panose="020B0604030504040204" pitchFamily="34" charset="-120"/>
+                        </a:rPr>
+                        <a:t> </a:t>
+                      </a:r>
+                      <a:r>
+                        <a:rPr lang="en-US" altLang="zh-CN" dirty="0" err="1">
+                          <a:latin typeface="Microsoft JhengHei" panose="020B0604030504040204" pitchFamily="34" charset="-120"/>
+                          <a:ea typeface="Microsoft JhengHei" panose="020B0604030504040204" pitchFamily="34" charset="-120"/>
+                        </a:rPr>
+                        <a:t>Kmeans</a:t>
+                      </a:r>
+                      <a:r>
+                        <a:rPr lang="en-US" altLang="zh-CN" dirty="0">
+                          <a:latin typeface="Microsoft JhengHei" panose="020B0604030504040204" pitchFamily="34" charset="-120"/>
+                          <a:ea typeface="Microsoft JhengHei" panose="020B0604030504040204" pitchFamily="34" charset="-120"/>
+                        </a:rPr>
+                        <a:t> </a:t>
+                      </a:r>
+                      <a:r>
+                        <a:rPr lang="zh-CN" altLang="en-US" dirty="0">
+                          <a:latin typeface="Microsoft JhengHei" panose="020B0604030504040204" pitchFamily="34" charset="-120"/>
+                          <a:ea typeface="Microsoft JhengHei" panose="020B0604030504040204" pitchFamily="34" charset="-120"/>
+                        </a:rPr>
+                        <a:t>進行</a:t>
+                      </a:r>
+                      <a:r>
+                        <a:rPr lang="zh-TW" altLang="en-US" dirty="0">
+                          <a:latin typeface="Microsoft JhengHei" panose="020B0604030504040204" pitchFamily="34" charset="-120"/>
+                          <a:ea typeface="Microsoft JhengHei" panose="020B0604030504040204" pitchFamily="34" charset="-120"/>
+                        </a:rPr>
+                        <a:t>標籤化</a:t>
+                      </a:r>
+                      <a:endParaRPr lang="en-US" altLang="zh-TW" dirty="0">
+                        <a:latin typeface="Microsoft JhengHei" panose="020B0604030504040204" pitchFamily="34" charset="-120"/>
+                        <a:ea typeface="Microsoft JhengHei" panose="020B0604030504040204" pitchFamily="34" charset="-120"/>
+                      </a:endParaRPr>
+                    </a:p>
+                    <a:p>
+                      <a:pPr marL="0" marR="0" lvl="0" indent="0" algn="l" defTabSz="914400" rtl="0" eaLnBrk="1" fontAlgn="auto" latinLnBrk="0" hangingPunct="1">
+                        <a:lnSpc>
+                          <a:spcPct val="100000"/>
+                        </a:lnSpc>
+                        <a:spcBef>
+                          <a:spcPts val="0"/>
+                        </a:spcBef>
+                        <a:spcAft>
+                          <a:spcPts val="0"/>
+                        </a:spcAft>
+                        <a:buClrTx/>
+                        <a:buSzTx/>
+                        <a:buFontTx/>
+                        <a:buNone/>
+                        <a:tabLst/>
+                        <a:defRPr/>
+                      </a:pPr>
+                      <a:r>
+                        <a:rPr lang="en-US" sz="1800" b="0" i="0" kern="1200" dirty="0">
+                          <a:solidFill>
+                            <a:schemeClr val="dk1"/>
+                          </a:solidFill>
+                          <a:effectLst/>
+                          <a:latin typeface="+mn-lt"/>
+                          <a:ea typeface="+mn-ea"/>
+                          <a:cs typeface="+mn-cs"/>
+                        </a:rPr>
+                        <a:t>P.S: 113, 121, 152, 177, 202</a:t>
+                      </a:r>
+                      <a:endParaRPr lang="zh-TW" altLang="en-US" dirty="0">
+                        <a:latin typeface="Microsoft JhengHei" panose="020B0604030504040204" pitchFamily="34" charset="-120"/>
+                        <a:ea typeface="Microsoft JhengHei" panose="020B0604030504040204" pitchFamily="34" charset="-120"/>
+                      </a:endParaRPr>
+                    </a:p>
+                  </a:txBody>
+                  <a:tcPr anchor="ctr"/>
+                </a:tc>
+                <a:extLst>
+                  <a:ext uri="{0D108BD9-81ED-4DB2-BD59-A6C34878D82A}">
+                    <a16:rowId xmlns:a16="http://schemas.microsoft.com/office/drawing/2014/main" val="3711623297"/>
+                  </a:ext>
+                </a:extLst>
+              </a:tr>
+              <a:tr h="370840">
+                <a:tc>
+                  <a:txBody>
+                    <a:bodyPr/>
+                    <a:lstStyle/>
+                    <a:p>
+                      <a:r>
+                        <a:rPr lang="en" altLang="zh-TW" sz="1800" b="0" i="0" kern="1200" dirty="0" err="1">
+                          <a:solidFill>
+                            <a:schemeClr val="dk1"/>
+                          </a:solidFill>
+                          <a:effectLst/>
+                          <a:latin typeface="+mn-lt"/>
+                          <a:ea typeface="+mn-ea"/>
+                          <a:cs typeface="+mn-cs"/>
+                        </a:rPr>
+                        <a:t>st_depression</a:t>
+                      </a:r>
+                      <a:endParaRPr lang="zh-TW" altLang="en-US" dirty="0"/>
+                    </a:p>
+                  </a:txBody>
+                  <a:tcPr anchor="ctr"/>
+                </a:tc>
+                <a:tc>
+                  <a:txBody>
+                    <a:bodyPr/>
+                    <a:lstStyle/>
+                    <a:p>
+                      <a:r>
+                        <a:rPr lang="en-US" altLang="zh-TW" dirty="0"/>
+                        <a:t>multinomial</a:t>
+                      </a:r>
+                      <a:endParaRPr lang="zh-TW" altLang="en-US" dirty="0"/>
+                    </a:p>
+                  </a:txBody>
+                  <a:tcPr anchor="ctr"/>
+                </a:tc>
+                <a:tc>
+                  <a:txBody>
+                    <a:bodyPr/>
+                    <a:lstStyle/>
+                    <a:p>
+                      <a:r>
+                        <a:rPr lang="zh-CN" altLang="en-US" dirty="0">
+                          <a:latin typeface="Microsoft JhengHei" panose="020B0604030504040204" pitchFamily="34" charset="-120"/>
+                          <a:ea typeface="Microsoft JhengHei" panose="020B0604030504040204" pitchFamily="34" charset="-120"/>
+                        </a:rPr>
+                        <a:t>利用</a:t>
+                      </a:r>
+                      <a:r>
+                        <a:rPr lang="en-US" altLang="zh-CN" dirty="0">
+                          <a:latin typeface="Microsoft JhengHei" panose="020B0604030504040204" pitchFamily="34" charset="-120"/>
+                          <a:ea typeface="Microsoft JhengHei" panose="020B0604030504040204" pitchFamily="34" charset="-120"/>
+                        </a:rPr>
+                        <a:t> </a:t>
+                      </a:r>
+                      <a:r>
+                        <a:rPr lang="en-US" altLang="zh-CN" dirty="0" err="1">
+                          <a:latin typeface="Microsoft JhengHei" panose="020B0604030504040204" pitchFamily="34" charset="-120"/>
+                          <a:ea typeface="Microsoft JhengHei" panose="020B0604030504040204" pitchFamily="34" charset="-120"/>
+                        </a:rPr>
+                        <a:t>Kmeans</a:t>
+                      </a:r>
+                      <a:r>
+                        <a:rPr lang="en-US" altLang="zh-CN" dirty="0">
+                          <a:latin typeface="Microsoft JhengHei" panose="020B0604030504040204" pitchFamily="34" charset="-120"/>
+                          <a:ea typeface="Microsoft JhengHei" panose="020B0604030504040204" pitchFamily="34" charset="-120"/>
+                        </a:rPr>
+                        <a:t> </a:t>
+                      </a:r>
+                      <a:r>
+                        <a:rPr lang="zh-CN" altLang="en-US" dirty="0">
+                          <a:latin typeface="Microsoft JhengHei" panose="020B0604030504040204" pitchFamily="34" charset="-120"/>
+                          <a:ea typeface="Microsoft JhengHei" panose="020B0604030504040204" pitchFamily="34" charset="-120"/>
+                        </a:rPr>
+                        <a:t>進行</a:t>
+                      </a:r>
+                      <a:r>
+                        <a:rPr lang="zh-TW" altLang="en-US" dirty="0">
+                          <a:latin typeface="Microsoft JhengHei" panose="020B0604030504040204" pitchFamily="34" charset="-120"/>
+                          <a:ea typeface="Microsoft JhengHei" panose="020B0604030504040204" pitchFamily="34" charset="-120"/>
+                        </a:rPr>
+                        <a:t>標籤化</a:t>
+                      </a:r>
+                      <a:endParaRPr lang="en-US" altLang="zh-TW" dirty="0">
+                        <a:latin typeface="Microsoft JhengHei" panose="020B0604030504040204" pitchFamily="34" charset="-120"/>
+                        <a:ea typeface="Microsoft JhengHei" panose="020B0604030504040204" pitchFamily="34" charset="-120"/>
+                      </a:endParaRPr>
+                    </a:p>
+                    <a:p>
+                      <a:pPr marL="0" marR="0" lvl="0" indent="0" algn="l" defTabSz="914400" rtl="0" eaLnBrk="1" fontAlgn="auto" latinLnBrk="0" hangingPunct="1">
+                        <a:lnSpc>
+                          <a:spcPct val="100000"/>
+                        </a:lnSpc>
+                        <a:spcBef>
+                          <a:spcPts val="0"/>
+                        </a:spcBef>
+                        <a:spcAft>
+                          <a:spcPts val="0"/>
+                        </a:spcAft>
+                        <a:buClrTx/>
+                        <a:buSzTx/>
+                        <a:buFontTx/>
+                        <a:buNone/>
+                        <a:tabLst/>
+                        <a:defRPr/>
+                      </a:pPr>
+                      <a:r>
+                        <a:rPr lang="en-US" sz="1800" b="0" i="0" kern="1200" dirty="0">
+                          <a:solidFill>
+                            <a:schemeClr val="dk1"/>
+                          </a:solidFill>
+                          <a:effectLst/>
+                          <a:latin typeface="+mn-lt"/>
+                          <a:ea typeface="+mn-ea"/>
+                          <a:cs typeface="+mn-cs"/>
+                        </a:rPr>
+                        <a:t>P.S: 0, 0.03, 0.51, 0.81, 1.11, 1.48, 1.97, </a:t>
+                      </a:r>
+                      <a:r>
+                        <a:rPr lang="en-US" sz="1800" b="0" i="0" kern="1200" dirty="0" err="1">
+                          <a:solidFill>
+                            <a:schemeClr val="dk1"/>
+                          </a:solidFill>
+                          <a:effectLst/>
+                          <a:latin typeface="+mn-lt"/>
+                          <a:ea typeface="+mn-ea"/>
+                          <a:cs typeface="+mn-cs"/>
+                        </a:rPr>
+                        <a:t>max_value</a:t>
+                      </a:r>
+                      <a:endParaRPr lang="zh-TW" altLang="en-US" dirty="0">
+                        <a:latin typeface="Microsoft JhengHei" panose="020B0604030504040204" pitchFamily="34" charset="-120"/>
+                        <a:ea typeface="Microsoft JhengHei" panose="020B0604030504040204" pitchFamily="34" charset="-120"/>
+                      </a:endParaRPr>
+                    </a:p>
+                  </a:txBody>
+                  <a:tcPr anchor="ctr"/>
+                </a:tc>
+                <a:extLst>
+                  <a:ext uri="{0D108BD9-81ED-4DB2-BD59-A6C34878D82A}">
+                    <a16:rowId xmlns:a16="http://schemas.microsoft.com/office/drawing/2014/main" val="2752171886"/>
+                  </a:ext>
+                </a:extLst>
+              </a:tr>
+              <a:tr h="370840">
+                <a:tc>
+                  <a:txBody>
+                    <a:bodyPr/>
+                    <a:lstStyle/>
+                    <a:p>
+                      <a:r>
+                        <a:rPr lang="en" altLang="zh-TW" sz="1800" b="0" i="0" kern="1200" dirty="0">
+                          <a:solidFill>
+                            <a:schemeClr val="dk1"/>
+                          </a:solidFill>
+                          <a:effectLst/>
+                          <a:latin typeface="+mn-lt"/>
+                          <a:ea typeface="+mn-ea"/>
+                          <a:cs typeface="+mn-cs"/>
+                        </a:rPr>
+                        <a:t>vessels</a:t>
+                      </a:r>
+                      <a:endParaRPr lang="zh-TW" altLang="en-US" dirty="0"/>
+                    </a:p>
+                  </a:txBody>
+                  <a:tcPr anchor="ctr"/>
+                </a:tc>
+                <a:tc>
+                  <a:txBody>
+                    <a:bodyPr/>
+                    <a:lstStyle/>
+                    <a:p>
+                      <a:r>
+                        <a:rPr lang="en-US" altLang="zh-TW" dirty="0"/>
+                        <a:t>multinomial</a:t>
+                      </a:r>
+                    </a:p>
+                  </a:txBody>
+                  <a:tcPr anchor="ctr"/>
+                </a:tc>
+                <a:tc>
+                  <a:txBody>
+                    <a:bodyPr/>
+                    <a:lstStyle/>
+                    <a:p>
+                      <a:r>
+                        <a:rPr lang="en-US" altLang="zh-TW" dirty="0"/>
+                        <a:t>Filling up NA</a:t>
+                      </a:r>
+                    </a:p>
+                  </a:txBody>
+                  <a:tcPr anchor="ctr"/>
+                </a:tc>
+                <a:extLst>
+                  <a:ext uri="{0D108BD9-81ED-4DB2-BD59-A6C34878D82A}">
+                    <a16:rowId xmlns:a16="http://schemas.microsoft.com/office/drawing/2014/main" val="1847381440"/>
+                  </a:ext>
+                </a:extLst>
+              </a:tr>
+              <a:tr h="370840">
+                <a:tc>
+                  <a:txBody>
+                    <a:bodyPr/>
+                    <a:lstStyle/>
+                    <a:p>
+                      <a:r>
+                        <a:rPr lang="en" altLang="zh-TW" sz="1800" b="0" i="0" kern="1200" dirty="0" err="1">
+                          <a:solidFill>
+                            <a:schemeClr val="dk1"/>
+                          </a:solidFill>
+                          <a:effectLst/>
+                          <a:latin typeface="+mn-lt"/>
+                          <a:ea typeface="+mn-ea"/>
+                          <a:cs typeface="+mn-cs"/>
+                        </a:rPr>
+                        <a:t>thalium_scan</a:t>
+                      </a:r>
+                      <a:endParaRPr lang="zh-TW" altLang="en-US" dirty="0"/>
+                    </a:p>
+                  </a:txBody>
+                  <a:tcPr anchor="ctr"/>
+                </a:tc>
+                <a:tc>
+                  <a:txBody>
+                    <a:bodyPr/>
+                    <a:lstStyle/>
+                    <a:p>
+                      <a:r>
+                        <a:rPr lang="en-US" altLang="zh-TW" dirty="0"/>
+                        <a:t>multinomial</a:t>
+                      </a:r>
+                    </a:p>
+                  </a:txBody>
+                  <a:tcPr anchor="ctr"/>
                 </a:tc>
                 <a:tc>
                   <a:txBody>
@@ -4476,302 +5105,15 @@
                       </a:pPr>
                       <a:r>
                         <a:rPr lang="en-US" altLang="zh-TW" dirty="0"/>
-                        <a:t>Remark</a:t>
-                      </a:r>
-                      <a:endParaRPr lang="zh-TW" altLang="en-US" dirty="0"/>
+                        <a:t>Filling up NA, (3, 6, 7) -&gt;(1,2,3)</a:t>
+                      </a:r>
                     </a:p>
                   </a:txBody>
-                  <a:tcPr/>
+                  <a:tcPr anchor="ctr"/>
                 </a:tc>
                 <a:extLst>
                   <a:ext uri="{0D108BD9-81ED-4DB2-BD59-A6C34878D82A}">
-                    <a16:rowId xmlns:a16="http://schemas.microsoft.com/office/drawing/2014/main" val="2896429199"/>
-                  </a:ext>
-                </a:extLst>
-              </a:tr>
-              <a:tr h="370840">
-                <a:tc>
-                  <a:txBody>
-                    <a:bodyPr/>
-                    <a:lstStyle/>
-                    <a:p>
-                      <a:r>
-                        <a:rPr lang="en" altLang="zh-TW" sz="1800" b="0" i="0" kern="1200" dirty="0" err="1">
-                          <a:solidFill>
-                            <a:schemeClr val="dk1"/>
-                          </a:solidFill>
-                          <a:effectLst/>
-                          <a:latin typeface="+mn-lt"/>
-                          <a:ea typeface="+mn-ea"/>
-                          <a:cs typeface="+mn-cs"/>
-                        </a:rPr>
-                        <a:t>max_rate</a:t>
-                      </a:r>
-                      <a:endParaRPr lang="zh-TW" altLang="en-US" dirty="0"/>
-                    </a:p>
-                  </a:txBody>
-                  <a:tcPr/>
-                </a:tc>
-                <a:tc>
-                  <a:txBody>
-                    <a:bodyPr/>
-                    <a:lstStyle/>
-                    <a:p>
-                      <a:r>
-                        <a:rPr lang="en-US" altLang="zh-TW" dirty="0"/>
-                        <a:t>numeric</a:t>
-                      </a:r>
-                      <a:endParaRPr lang="zh-TW" altLang="en-US" dirty="0"/>
-                    </a:p>
-                  </a:txBody>
-                  <a:tcPr/>
-                </a:tc>
-                <a:tc>
-                  <a:txBody>
-                    <a:bodyPr/>
-                    <a:lstStyle/>
-                    <a:p>
-                      <a:endParaRPr lang="zh-TW" altLang="en-US" dirty="0"/>
-                    </a:p>
-                  </a:txBody>
-                  <a:tcPr/>
-                </a:tc>
-                <a:extLst>
-                  <a:ext uri="{0D108BD9-81ED-4DB2-BD59-A6C34878D82A}">
-                    <a16:rowId xmlns:a16="http://schemas.microsoft.com/office/drawing/2014/main" val="1331905350"/>
-                  </a:ext>
-                </a:extLst>
-              </a:tr>
-              <a:tr h="370840">
-                <a:tc>
-                  <a:txBody>
-                    <a:bodyPr/>
-                    <a:lstStyle/>
-                    <a:p>
-                      <a:r>
-                        <a:rPr lang="en" altLang="zh-TW" sz="1800" b="0" i="0" kern="1200" dirty="0" err="1">
-                          <a:solidFill>
-                            <a:schemeClr val="dk1"/>
-                          </a:solidFill>
-                          <a:effectLst/>
-                          <a:latin typeface="+mn-lt"/>
-                          <a:ea typeface="+mn-ea"/>
-                          <a:cs typeface="+mn-cs"/>
-                        </a:rPr>
-                        <a:t>exercise_angina</a:t>
-                      </a:r>
-                      <a:endParaRPr lang="zh-TW" altLang="en-US" dirty="0"/>
-                    </a:p>
-                  </a:txBody>
-                  <a:tcPr/>
-                </a:tc>
-                <a:tc>
-                  <a:txBody>
-                    <a:bodyPr/>
-                    <a:lstStyle/>
-                    <a:p>
-                      <a:r>
-                        <a:rPr lang="en-US" altLang="zh-TW" dirty="0"/>
-                        <a:t>binary</a:t>
-                      </a:r>
-                      <a:endParaRPr lang="zh-TW" altLang="en-US" dirty="0"/>
-                    </a:p>
-                  </a:txBody>
-                  <a:tcPr/>
-                </a:tc>
-                <a:tc>
-                  <a:txBody>
-                    <a:bodyPr/>
-                    <a:lstStyle/>
-                    <a:p>
-                      <a:endParaRPr lang="zh-TW" altLang="en-US" dirty="0"/>
-                    </a:p>
-                  </a:txBody>
-                  <a:tcPr/>
-                </a:tc>
-                <a:extLst>
-                  <a:ext uri="{0D108BD9-81ED-4DB2-BD59-A6C34878D82A}">
-                    <a16:rowId xmlns:a16="http://schemas.microsoft.com/office/drawing/2014/main" val="2876995139"/>
-                  </a:ext>
-                </a:extLst>
-              </a:tr>
-              <a:tr h="370840">
-                <a:tc>
-                  <a:txBody>
-                    <a:bodyPr/>
-                    <a:lstStyle/>
-                    <a:p>
-                      <a:r>
-                        <a:rPr lang="en" altLang="zh-TW" sz="1800" b="0" i="0" kern="1200" dirty="0" err="1">
-                          <a:solidFill>
-                            <a:schemeClr val="dk1"/>
-                          </a:solidFill>
-                          <a:effectLst/>
-                          <a:latin typeface="+mn-lt"/>
-                          <a:ea typeface="+mn-ea"/>
-                          <a:cs typeface="+mn-cs"/>
-                        </a:rPr>
-                        <a:t>st_depression</a:t>
-                      </a:r>
-                      <a:endParaRPr lang="zh-TW" altLang="en-US" dirty="0"/>
-                    </a:p>
-                  </a:txBody>
-                  <a:tcPr/>
-                </a:tc>
-                <a:tc>
-                  <a:txBody>
-                    <a:bodyPr/>
-                    <a:lstStyle/>
-                    <a:p>
-                      <a:r>
-                        <a:rPr lang="en-US" altLang="zh-TW" dirty="0"/>
-                        <a:t>binary</a:t>
-                      </a:r>
-                      <a:endParaRPr lang="zh-TW" altLang="en-US" dirty="0"/>
-                    </a:p>
-                  </a:txBody>
-                  <a:tcPr/>
-                </a:tc>
-                <a:tc>
-                  <a:txBody>
-                    <a:bodyPr/>
-                    <a:lstStyle/>
-                    <a:p>
-                      <a:endParaRPr lang="zh-TW" altLang="en-US" dirty="0"/>
-                    </a:p>
-                  </a:txBody>
-                  <a:tcPr/>
-                </a:tc>
-                <a:extLst>
-                  <a:ext uri="{0D108BD9-81ED-4DB2-BD59-A6C34878D82A}">
-                    <a16:rowId xmlns:a16="http://schemas.microsoft.com/office/drawing/2014/main" val="3152307144"/>
-                  </a:ext>
-                </a:extLst>
-              </a:tr>
-              <a:tr h="370840">
-                <a:tc>
-                  <a:txBody>
-                    <a:bodyPr/>
-                    <a:lstStyle/>
-                    <a:p>
-                      <a:r>
-                        <a:rPr lang="en" altLang="zh-TW" sz="1800" b="0" i="0" kern="1200" dirty="0">
-                          <a:solidFill>
-                            <a:schemeClr val="dk1"/>
-                          </a:solidFill>
-                          <a:effectLst/>
-                          <a:latin typeface="+mn-lt"/>
-                          <a:ea typeface="+mn-ea"/>
-                          <a:cs typeface="+mn-cs"/>
-                        </a:rPr>
-                        <a:t>vessels</a:t>
-                      </a:r>
-                      <a:endParaRPr lang="zh-TW" altLang="en-US" dirty="0"/>
-                    </a:p>
-                  </a:txBody>
-                  <a:tcPr/>
-                </a:tc>
-                <a:tc>
-                  <a:txBody>
-                    <a:bodyPr/>
-                    <a:lstStyle/>
-                    <a:p>
-                      <a:r>
-                        <a:rPr lang="en-US" altLang="zh-TW" dirty="0"/>
-                        <a:t>multinomial</a:t>
-                      </a:r>
-                    </a:p>
-                  </a:txBody>
-                  <a:tcPr/>
-                </a:tc>
-                <a:tc>
-                  <a:txBody>
-                    <a:bodyPr/>
-                    <a:lstStyle/>
-                    <a:p>
-                      <a:r>
-                        <a:rPr lang="en-US" altLang="zh-TW" dirty="0"/>
-                        <a:t>Filling up NA</a:t>
-                      </a:r>
-                    </a:p>
-                  </a:txBody>
-                  <a:tcPr/>
-                </a:tc>
-                <a:extLst>
-                  <a:ext uri="{0D108BD9-81ED-4DB2-BD59-A6C34878D82A}">
-                    <a16:rowId xmlns:a16="http://schemas.microsoft.com/office/drawing/2014/main" val="345967373"/>
-                  </a:ext>
-                </a:extLst>
-              </a:tr>
-              <a:tr h="370840">
-                <a:tc>
-                  <a:txBody>
-                    <a:bodyPr/>
-                    <a:lstStyle/>
-                    <a:p>
-                      <a:r>
-                        <a:rPr lang="en" altLang="zh-TW" sz="1800" b="0" i="0" kern="1200" dirty="0" err="1">
-                          <a:solidFill>
-                            <a:schemeClr val="dk1"/>
-                          </a:solidFill>
-                          <a:effectLst/>
-                          <a:latin typeface="+mn-lt"/>
-                          <a:ea typeface="+mn-ea"/>
-                          <a:cs typeface="+mn-cs"/>
-                        </a:rPr>
-                        <a:t>thalium_scan</a:t>
-                      </a:r>
-                      <a:endParaRPr lang="zh-TW" altLang="en-US" dirty="0"/>
-                    </a:p>
-                  </a:txBody>
-                  <a:tcPr/>
-                </a:tc>
-                <a:tc>
-                  <a:txBody>
-                    <a:bodyPr/>
-                    <a:lstStyle/>
-                    <a:p>
-                      <a:r>
-                        <a:rPr lang="en-US" altLang="zh-TW" dirty="0"/>
-                        <a:t>multinomial</a:t>
-                      </a:r>
-                    </a:p>
-                  </a:txBody>
-                  <a:tcPr/>
-                </a:tc>
-                <a:tc>
-                  <a:txBody>
-                    <a:bodyPr/>
-                    <a:lstStyle/>
-                    <a:p>
-                      <a:pPr marL="0" marR="0" lvl="0" indent="0" algn="l" defTabSz="914400" rtl="0" eaLnBrk="1" fontAlgn="auto" latinLnBrk="0" hangingPunct="1">
-                        <a:lnSpc>
-                          <a:spcPct val="100000"/>
-                        </a:lnSpc>
-                        <a:spcBef>
-                          <a:spcPts val="0"/>
-                        </a:spcBef>
-                        <a:spcAft>
-                          <a:spcPts val="0"/>
-                        </a:spcAft>
-                        <a:buClrTx/>
-                        <a:buSzTx/>
-                        <a:buFontTx/>
-                        <a:buNone/>
-                        <a:tabLst/>
-                        <a:defRPr/>
-                      </a:pPr>
-                      <a:r>
-                        <a:rPr lang="en-US" altLang="zh-TW" dirty="0"/>
-                        <a:t>Filling up NA, (3, 6, 7) -&gt;(1,2,3)</a:t>
-                      </a:r>
-                    </a:p>
-                  </a:txBody>
-                  <a:tcPr/>
-                </a:tc>
-                <a:extLst>
-                  <a:ext uri="{0D108BD9-81ED-4DB2-BD59-A6C34878D82A}">
-                    <a16:rowId xmlns:a16="http://schemas.microsoft.com/office/drawing/2014/main" val="2518210031"/>
+                    <a16:rowId xmlns:a16="http://schemas.microsoft.com/office/drawing/2014/main" val="566719567"/>
                   </a:ext>
                 </a:extLst>
               </a:tr>
@@ -4781,10 +5123,10 @@
       </p:graphicFrame>
       <p:sp>
         <p:nvSpPr>
-          <p:cNvPr id="4" name="標題 3">
+          <p:cNvPr id="6" name="標題 3">
             <a:extLst>
               <a:ext uri="{FF2B5EF4-FFF2-40B4-BE49-F238E27FC236}">
-                <a16:creationId xmlns:a16="http://schemas.microsoft.com/office/drawing/2014/main" id="{BB388F53-E327-5445-B828-F7FEE72F3F2C}"/>
+                <a16:creationId xmlns:a16="http://schemas.microsoft.com/office/drawing/2014/main" id="{3F72E21E-0917-5C40-BB70-D9BEF150B5B5}"/>
               </a:ext>
             </a:extLst>
           </p:cNvPr>
@@ -4795,7 +5137,12 @@
             <p:ph type="title"/>
           </p:nvPr>
         </p:nvSpPr>
-        <p:spPr/>
+        <p:spPr>
+          <a:xfrm>
+            <a:off x="1451579" y="1350179"/>
+            <a:ext cx="9603275" cy="503575"/>
+          </a:xfrm>
+        </p:spPr>
         <p:txBody>
           <a:bodyPr>
             <a:normAutofit fontScale="90000"/>
@@ -4821,7 +5168,7 @@
     </p:spTree>
     <p:extLst>
       <p:ext uri="{BB962C8B-B14F-4D97-AF65-F5344CB8AC3E}">
-        <p14:creationId xmlns:p14="http://schemas.microsoft.com/office/powerpoint/2010/main" val="1460816147"/>
+        <p14:creationId xmlns:p14="http://schemas.microsoft.com/office/powerpoint/2010/main" val="3040062836"/>
       </p:ext>
     </p:extLst>
   </p:cSld>
@@ -6508,7 +6855,7 @@
       </p:grpSpPr>
       <p:pic>
         <p:nvPicPr>
-          <p:cNvPr id="5" name="Picture 4">
+          <p:cNvPr id="5" name="Content Placeholder 4">
             <a:extLst>
               <a:ext uri="{FF2B5EF4-FFF2-40B4-BE49-F238E27FC236}">
                 <a16:creationId xmlns:a16="http://schemas.microsoft.com/office/drawing/2014/main" id="{150E9103-9875-524F-A30D-C5F204003800}"/>
@@ -6613,7 +6960,7 @@
       </p:grpSpPr>
       <p:pic>
         <p:nvPicPr>
-          <p:cNvPr id="7" name="Picture 6">
+          <p:cNvPr id="7" name="Content Placeholder 6">
             <a:extLst>
               <a:ext uri="{FF2B5EF4-FFF2-40B4-BE49-F238E27FC236}">
                 <a16:creationId xmlns:a16="http://schemas.microsoft.com/office/drawing/2014/main" id="{6319A4BE-BD4A-1E4E-AB37-0B97531881C4}"/>
@@ -6855,6 +7202,107 @@
           <p:cNvPr id="2" name="標題 1">
             <a:extLst>
               <a:ext uri="{FF2B5EF4-FFF2-40B4-BE49-F238E27FC236}">
+                <a16:creationId xmlns:a16="http://schemas.microsoft.com/office/drawing/2014/main" id="{06BCB23C-3A68-8A4E-A510-C57DD45C5AF3}"/>
+              </a:ext>
+            </a:extLst>
+          </p:cNvPr>
+          <p:cNvSpPr>
+            <a:spLocks noGrp="1"/>
+          </p:cNvSpPr>
+          <p:nvPr>
+            <p:ph type="title"/>
+          </p:nvPr>
+        </p:nvSpPr>
+        <p:spPr/>
+        <p:txBody>
+          <a:bodyPr>
+            <a:normAutofit fontScale="90000"/>
+          </a:bodyPr>
+          <a:lstStyle/>
+          <a:p>
+            <a:r>
+              <a:rPr kumimoji="1" lang="zh-TW" altLang="en-US" dirty="0"/>
+              <a:t>模型</a:t>
+            </a:r>
+            <a:r>
+              <a:rPr kumimoji="1" lang="zh-CN" altLang="en-US" dirty="0"/>
+              <a:t>選則</a:t>
+            </a:r>
+            <a:endParaRPr kumimoji="1" lang="zh-TW" altLang="en-US" dirty="0"/>
+          </a:p>
+        </p:txBody>
+      </p:sp>
+      <p:sp>
+        <p:nvSpPr>
+          <p:cNvPr id="3" name="內容版面配置區 2">
+            <a:extLst>
+              <a:ext uri="{FF2B5EF4-FFF2-40B4-BE49-F238E27FC236}">
+                <a16:creationId xmlns:a16="http://schemas.microsoft.com/office/drawing/2014/main" id="{34802F64-9670-A740-A9F8-FA3A45A212DC}"/>
+              </a:ext>
+            </a:extLst>
+          </p:cNvPr>
+          <p:cNvSpPr>
+            <a:spLocks noGrp="1"/>
+          </p:cNvSpPr>
+          <p:nvPr>
+            <p:ph idx="1"/>
+          </p:nvPr>
+        </p:nvSpPr>
+        <p:spPr/>
+        <p:txBody>
+          <a:bodyPr/>
+          <a:lstStyle/>
+          <a:p>
+            <a:r>
+              <a:rPr kumimoji="1" lang="en-US" altLang="zh-TW" dirty="0" err="1"/>
+              <a:t>XGBoost</a:t>
+            </a:r>
+            <a:endParaRPr kumimoji="1" lang="en-US" altLang="zh-TW" dirty="0"/>
+          </a:p>
+          <a:p>
+            <a:r>
+              <a:rPr kumimoji="1" lang="en-US" altLang="zh-TW" dirty="0"/>
+              <a:t>Logistic Regression</a:t>
+            </a:r>
+            <a:endParaRPr kumimoji="1" lang="zh-TW" altLang="en-US" dirty="0"/>
+          </a:p>
+        </p:txBody>
+      </p:sp>
+    </p:spTree>
+    <p:extLst>
+      <p:ext uri="{BB962C8B-B14F-4D97-AF65-F5344CB8AC3E}">
+        <p14:creationId xmlns:p14="http://schemas.microsoft.com/office/powerpoint/2010/main" val="2641002419"/>
+      </p:ext>
+    </p:extLst>
+  </p:cSld>
+  <p:clrMapOvr>
+    <a:masterClrMapping/>
+  </p:clrMapOvr>
+</p:sld>
+</file>
+
+<file path=ppt/slides/slide28.xml><?xml version="1.0" encoding="utf-8"?>
+<p:sld xmlns:a="http://schemas.openxmlformats.org/drawingml/2006/main" xmlns:r="http://schemas.openxmlformats.org/officeDocument/2006/relationships" xmlns:p="http://schemas.openxmlformats.org/presentationml/2006/main">
+  <p:cSld>
+    <p:spTree>
+      <p:nvGrpSpPr>
+        <p:cNvPr id="1" name=""/>
+        <p:cNvGrpSpPr/>
+        <p:nvPr/>
+      </p:nvGrpSpPr>
+      <p:grpSpPr>
+        <a:xfrm>
+          <a:off x="0" y="0"/>
+          <a:ext cx="0" cy="0"/>
+          <a:chOff x="0" y="0"/>
+          <a:chExt cx="0" cy="0"/>
+        </a:xfrm>
+      </p:grpSpPr>
+      <p:sp>
+        <p:nvSpPr>
+          <p:cNvPr id="2" name="標題 1">
+            <a:extLst>
+              <a:ext uri="{FF2B5EF4-FFF2-40B4-BE49-F238E27FC236}">
                 <a16:creationId xmlns:a16="http://schemas.microsoft.com/office/drawing/2014/main" id="{B0CC67CC-5E6F-B84E-85E1-C3E54AD7B313}"/>
               </a:ext>
             </a:extLst>
@@ -6887,36 +7335,216 @@
             </a:r>
             <a:r>
               <a:rPr kumimoji="1" lang="en-US" altLang="zh-TW" dirty="0"/>
-              <a:t> logistic regression</a:t>
+              <a:t> </a:t>
+            </a:r>
+            <a:r>
+              <a:rPr kumimoji="1" lang="en-US" altLang="zh-TW" dirty="0" err="1"/>
+              <a:t>XGBoost</a:t>
             </a:r>
             <a:endParaRPr kumimoji="1" lang="zh-TW" altLang="en-US" dirty="0"/>
+          </a:p>
+        </p:txBody>
+      </p:sp>
+      <p:sp>
+        <p:nvSpPr>
+          <p:cNvPr id="5" name="Content Placeholder 4">
+            <a:extLst>
+              <a:ext uri="{FF2B5EF4-FFF2-40B4-BE49-F238E27FC236}">
+                <a16:creationId xmlns:a16="http://schemas.microsoft.com/office/drawing/2014/main" id="{4D74B448-E076-4E49-BF65-7311F314EE71}"/>
+              </a:ext>
+            </a:extLst>
+          </p:cNvPr>
+          <p:cNvSpPr>
+            <a:spLocks noGrp="1"/>
+          </p:cNvSpPr>
+          <p:nvPr>
+            <p:ph idx="1"/>
+          </p:nvPr>
+        </p:nvSpPr>
+        <p:spPr>
+          <a:xfrm>
+            <a:off x="1451579" y="2015732"/>
+            <a:ext cx="9603275" cy="4348492"/>
+          </a:xfrm>
+        </p:spPr>
+        <p:txBody>
+          <a:bodyPr>
+            <a:normAutofit/>
+          </a:bodyPr>
+          <a:lstStyle/>
+          <a:p>
+            <a:r>
+              <a:rPr lang="zh-CN" altLang="en-US" dirty="0"/>
+              <a:t>特徵選取與特徵轉換：</a:t>
+            </a:r>
+            <a:endParaRPr lang="en-US" altLang="zh-CN" dirty="0"/>
+          </a:p>
+          <a:p>
+            <a:pPr lvl="1"/>
+            <a:r>
+              <a:rPr lang="zh-CN" altLang="en-US" dirty="0"/>
+              <a:t>將</a:t>
+            </a:r>
+            <a:r>
+              <a:rPr lang="zh-TW" altLang="en-US" dirty="0"/>
+              <a:t> </a:t>
+            </a:r>
+            <a:r>
+              <a:rPr lang="en-US" altLang="zh-TW" dirty="0"/>
+              <a:t>slope </a:t>
+            </a:r>
+            <a:r>
+              <a:rPr lang="zh-CN" altLang="en-US" dirty="0"/>
+              <a:t>轉換成「</a:t>
+            </a:r>
+            <a:r>
+              <a:rPr lang="en-US" altLang="zh-CN" dirty="0"/>
+              <a:t>binary</a:t>
+            </a:r>
+            <a:r>
+              <a:rPr lang="zh-CN" altLang="en-US" dirty="0"/>
+              <a:t>」型式</a:t>
+            </a:r>
+            <a:endParaRPr lang="en-US" altLang="zh-CN" dirty="0"/>
+          </a:p>
+          <a:p>
+            <a:pPr lvl="1"/>
+            <a:r>
+              <a:rPr lang="zh-CN" altLang="en-US" dirty="0"/>
+              <a:t>將</a:t>
+            </a:r>
+            <a:r>
+              <a:rPr lang="zh-TW" altLang="en-US" dirty="0"/>
+              <a:t> </a:t>
+            </a:r>
+            <a:r>
+              <a:rPr lang="en-US" altLang="zh-TW" dirty="0" err="1"/>
+              <a:t>thalium_scan</a:t>
+            </a:r>
+            <a:r>
+              <a:rPr lang="zh-TW" altLang="en-US" dirty="0"/>
+              <a:t> 轉換成「</a:t>
+            </a:r>
+            <a:r>
+              <a:rPr lang="en-US" altLang="zh-TW" dirty="0"/>
+              <a:t>one-hot encoding</a:t>
+            </a:r>
+            <a:r>
+              <a:rPr lang="zh-TW" altLang="en-US" dirty="0"/>
+              <a:t>」</a:t>
+            </a:r>
+            <a:endParaRPr lang="en-US" altLang="zh-TW" dirty="0"/>
+          </a:p>
+          <a:p>
+            <a:pPr lvl="1"/>
+            <a:r>
+              <a:rPr lang="zh-CN" altLang="en-US" dirty="0"/>
+              <a:t>利用</a:t>
+            </a:r>
+            <a:r>
+              <a:rPr lang="zh-TW" altLang="en-US" dirty="0"/>
+              <a:t> </a:t>
+            </a:r>
+            <a:r>
+              <a:rPr lang="en-US" altLang="zh-TW" dirty="0" err="1"/>
+              <a:t>xgb.importance</a:t>
+            </a:r>
+            <a:r>
+              <a:rPr lang="en-US" altLang="zh-TW" dirty="0"/>
+              <a:t> </a:t>
+            </a:r>
+            <a:r>
+              <a:rPr lang="zh-CN" altLang="en-US" dirty="0"/>
+              <a:t>的套件，找出較重要的特徵，並訓練模型</a:t>
+            </a:r>
+            <a:endParaRPr lang="en-US" altLang="zh-CN" dirty="0"/>
+          </a:p>
+          <a:p>
+            <a:r>
+              <a:rPr lang="zh-CN" altLang="en-US" dirty="0"/>
+              <a:t>實驗設定：</a:t>
+            </a:r>
+            <a:endParaRPr lang="en-US" altLang="zh-CN" dirty="0"/>
+          </a:p>
+          <a:p>
+            <a:pPr lvl="1"/>
+            <a:r>
+              <a:rPr lang="en-TW" dirty="0"/>
+              <a:t>Cross Validation：20</a:t>
+            </a:r>
+          </a:p>
+          <a:p>
+            <a:r>
+              <a:rPr lang="zh-CN" altLang="en-US" dirty="0"/>
+              <a:t>測試結果：（</a:t>
+            </a:r>
+            <a:r>
+              <a:rPr lang="en-US" altLang="zh-CN" dirty="0"/>
+              <a:t>only one model</a:t>
+            </a:r>
+            <a:r>
+              <a:rPr lang="zh-CN" altLang="en-US" dirty="0"/>
+              <a:t>）</a:t>
+            </a:r>
+            <a:endParaRPr lang="en-TW" dirty="0"/>
+          </a:p>
+          <a:p>
+            <a:pPr lvl="1"/>
+            <a:r>
+              <a:rPr lang="en-TW" dirty="0"/>
+              <a:t>Public Score：0.90909</a:t>
+            </a:r>
+          </a:p>
+          <a:p>
+            <a:pPr lvl="1"/>
+            <a:r>
+              <a:rPr lang="en-TW" dirty="0"/>
+              <a:t>Private Score：0.86792</a:t>
+            </a:r>
+          </a:p>
+          <a:p>
+            <a:pPr marL="457200" lvl="1" indent="0">
+              <a:buNone/>
+            </a:pPr>
+            <a:endParaRPr lang="en-US" altLang="zh-CN" dirty="0"/>
+          </a:p>
+          <a:p>
+            <a:pPr lvl="1"/>
+            <a:endParaRPr lang="en-US" altLang="zh-CN" dirty="0"/>
+          </a:p>
+          <a:p>
+            <a:pPr lvl="2"/>
+            <a:endParaRPr lang="en-US" altLang="zh-CN" dirty="0"/>
+          </a:p>
+          <a:p>
+            <a:pPr lvl="1"/>
+            <a:endParaRPr lang="en-TW" dirty="0"/>
           </a:p>
         </p:txBody>
       </p:sp>
       <p:graphicFrame>
         <p:nvGraphicFramePr>
-          <p:cNvPr id="4" name="內容版面配置區 3">
+          <p:cNvPr id="6" name="內容版面配置區 4">
             <a:extLst>
               <a:ext uri="{FF2B5EF4-FFF2-40B4-BE49-F238E27FC236}">
-                <a16:creationId xmlns:a16="http://schemas.microsoft.com/office/drawing/2014/main" id="{8DEB6AE1-88FA-684E-9D56-738B0F992C2C}"/>
+                <a16:creationId xmlns:a16="http://schemas.microsoft.com/office/drawing/2014/main" id="{CEB9F492-6743-E843-A44C-01ACE1D4E9EA}"/>
               </a:ext>
             </a:extLst>
           </p:cNvPr>
           <p:cNvGraphicFramePr>
-            <a:graphicFrameLocks noGrp="1"/>
+            <a:graphicFrameLocks/>
           </p:cNvGraphicFramePr>
           <p:nvPr>
-            <p:ph idx="1"/>
             <p:extLst>
               <p:ext uri="{D42A27DB-BD31-4B8C-83A1-F6EECF244321}">
-                <p14:modId xmlns:p14="http://schemas.microsoft.com/office/powerpoint/2010/main" val="3451016729"/>
+                <p14:modId xmlns:p14="http://schemas.microsoft.com/office/powerpoint/2010/main" val="2875624800"/>
               </p:ext>
             </p:extLst>
           </p:nvPr>
         </p:nvGraphicFramePr>
         <p:xfrm>
-          <a:off x="1450975" y="2016125"/>
-          <a:ext cx="9604374" cy="2204720"/>
+          <a:off x="6096000" y="3803904"/>
+          <a:ext cx="5521637" cy="2823946"/>
         </p:xfrm>
         <a:graphic>
           <a:graphicData uri="http://schemas.openxmlformats.org/drawingml/2006/table">
@@ -6925,37 +7553,37 @@
                 <a:tableStyleId>{5C22544A-7EE6-4342-B048-85BDC9FD1C3A}</a:tableStyleId>
               </a:tblPr>
               <a:tblGrid>
-                <a:gridCol w="3201458">
+                <a:gridCol w="2244667">
                   <a:extLst>
                     <a:ext uri="{9D8B030D-6E8A-4147-A177-3AD203B41FA5}">
-                      <a16:colId xmlns:a16="http://schemas.microsoft.com/office/drawing/2014/main" val="682356236"/>
+                      <a16:colId xmlns:a16="http://schemas.microsoft.com/office/drawing/2014/main" val="3938329285"/>
                     </a:ext>
                   </a:extLst>
                 </a:gridCol>
-                <a:gridCol w="3201458">
+                <a:gridCol w="1845650">
                   <a:extLst>
                     <a:ext uri="{9D8B030D-6E8A-4147-A177-3AD203B41FA5}">
-                      <a16:colId xmlns:a16="http://schemas.microsoft.com/office/drawing/2014/main" val="2356191436"/>
+                      <a16:colId xmlns:a16="http://schemas.microsoft.com/office/drawing/2014/main" val="85675256"/>
                     </a:ext>
                   </a:extLst>
                 </a:gridCol>
-                <a:gridCol w="3201458">
+                <a:gridCol w="1431320">
                   <a:extLst>
                     <a:ext uri="{9D8B030D-6E8A-4147-A177-3AD203B41FA5}">
-                      <a16:colId xmlns:a16="http://schemas.microsoft.com/office/drawing/2014/main" val="2148787575"/>
+                      <a16:colId xmlns:a16="http://schemas.microsoft.com/office/drawing/2014/main" val="2930448733"/>
                     </a:ext>
                   </a:extLst>
                 </a:gridCol>
               </a:tblGrid>
-              <a:tr h="370840">
+              <a:tr h="382131">
                 <a:tc>
                   <a:txBody>
                     <a:bodyPr/>
                     <a:lstStyle/>
                     <a:p>
                       <a:r>
-                        <a:rPr lang="en-US" altLang="zh-TW" dirty="0" err="1"/>
-                        <a:t>Ite</a:t>
+                        <a:rPr lang="en-US" altLang="zh-TW" dirty="0"/>
+                        <a:t>Feature</a:t>
                       </a:r>
                       <a:endParaRPr lang="zh-TW" altLang="en-US" dirty="0"/>
                     </a:p>
@@ -6969,7 +7597,7 @@
                     <a:p>
                       <a:r>
                         <a:rPr lang="en-US" altLang="zh-TW" dirty="0"/>
-                        <a:t>Item set</a:t>
+                        <a:t>Gain</a:t>
                       </a:r>
                       <a:endParaRPr lang="zh-TW" altLang="en-US" dirty="0"/>
                     </a:p>
@@ -6983,7 +7611,7 @@
                     <a:p>
                       <a:r>
                         <a:rPr lang="en-US" altLang="zh-TW" dirty="0"/>
-                        <a:t>performance</a:t>
+                        <a:t>Frequency</a:t>
                       </a:r>
                       <a:endParaRPr lang="zh-TW" altLang="en-US" dirty="0"/>
                     </a:p>
@@ -6992,129 +7620,586 @@
                 </a:tc>
                 <a:extLst>
                   <a:ext uri="{0D108BD9-81ED-4DB2-BD59-A6C34878D82A}">
-                    <a16:rowId xmlns:a16="http://schemas.microsoft.com/office/drawing/2014/main" val="4069516830"/>
+                    <a16:rowId xmlns:a16="http://schemas.microsoft.com/office/drawing/2014/main" val="2896429199"/>
                   </a:ext>
                 </a:extLst>
               </a:tr>
-              <a:tr h="370840">
+              <a:tr h="488363">
                 <a:tc>
                   <a:txBody>
                     <a:bodyPr/>
                     <a:lstStyle/>
                     <a:p>
                       <a:r>
-                        <a:rPr lang="en-US" altLang="zh-TW" dirty="0"/>
-                        <a:t>Baseline – part feature</a:t>
+                        <a:rPr lang="en" altLang="zh-TW" sz="1800" b="0" i="0" kern="1200" dirty="0" err="1">
+                          <a:solidFill>
+                            <a:schemeClr val="dk1"/>
+                          </a:solidFill>
+                          <a:effectLst/>
+                          <a:latin typeface="+mn-lt"/>
+                          <a:ea typeface="+mn-ea"/>
+                          <a:cs typeface="+mn-cs"/>
+                        </a:rPr>
+                        <a:t>thalium_scan</a:t>
                       </a:r>
                       <a:endParaRPr lang="zh-TW" altLang="en-US" dirty="0"/>
                     </a:p>
                   </a:txBody>
-                  <a:tcPr/>
+                  <a:tcPr anchor="ctr"/>
                 </a:tc>
                 <a:tc>
                   <a:txBody>
                     <a:bodyPr/>
                     <a:lstStyle/>
                     <a:p>
-                      <a:r>
-                        <a:rPr lang="en" altLang="zh-TW" dirty="0" err="1"/>
-                        <a:t>chest_pain</a:t>
-                      </a:r>
-                      <a:endParaRPr lang="en" altLang="zh-TW" dirty="0"/>
-                    </a:p>
-                    <a:p>
-                      <a:r>
-                        <a:rPr lang="en" altLang="zh-TW" dirty="0"/>
-                        <a:t>vessels</a:t>
-                      </a:r>
-                    </a:p>
-                    <a:p>
-                      <a:r>
-                        <a:rPr lang="en" altLang="zh-TW" dirty="0" err="1"/>
-                        <a:t>thalium_scan</a:t>
-                      </a:r>
-                      <a:endParaRPr lang="en" altLang="zh-TW" dirty="0"/>
-                    </a:p>
-                    <a:p>
-                      <a:r>
-                        <a:rPr lang="en" altLang="zh-TW" dirty="0" err="1"/>
-                        <a:t>resting_bp</a:t>
-                      </a:r>
-                      <a:endParaRPr lang="en" altLang="zh-TW" dirty="0"/>
-                    </a:p>
-                    <a:p>
-                      <a:r>
-                        <a:rPr lang="en" altLang="zh-TW" dirty="0" err="1"/>
-                        <a:t>max_rate</a:t>
-                      </a:r>
-                      <a:endParaRPr lang="zh-TW" altLang="en-US" dirty="0"/>
+                      <a:pPr marL="0" lvl="0" indent="0" algn="l" rtl="0">
+                        <a:lnSpc>
+                          <a:spcPct val="115000"/>
+                        </a:lnSpc>
+                        <a:spcBef>
+                          <a:spcPts val="0"/>
+                        </a:spcBef>
+                        <a:spcAft>
+                          <a:spcPts val="1600"/>
+                        </a:spcAft>
+                        <a:buClr>
+                          <a:schemeClr val="dk1"/>
+                        </a:buClr>
+                        <a:buSzPts val="1100"/>
+                        <a:buFont typeface="Arial"/>
+                        <a:buNone/>
+                      </a:pPr>
+                      <a:r>
+                        <a:rPr lang="zh-TW" sz="1800" dirty="0">
+                          <a:solidFill>
+                            <a:schemeClr val="tx1"/>
+                          </a:solidFill>
+                          <a:latin typeface="+mj-lt"/>
+                          <a:ea typeface="Microsoft JhengHei" panose="020B0604030504040204" pitchFamily="34" charset="-120"/>
+                        </a:rPr>
+                        <a:t>0.275342017 </a:t>
+                      </a:r>
+                      <a:endParaRPr dirty="0">
+                        <a:solidFill>
+                          <a:schemeClr val="tx1"/>
+                        </a:solidFill>
+                        <a:latin typeface="+mj-lt"/>
+                        <a:ea typeface="Microsoft JhengHei" panose="020B0604030504040204" pitchFamily="34" charset="-120"/>
+                      </a:endParaRPr>
                     </a:p>
                   </a:txBody>
-                  <a:tcPr/>
+                  <a:tcPr marL="91425" marR="91425" marT="91425" marB="91425"/>
                 </a:tc>
                 <a:tc>
                   <a:txBody>
                     <a:bodyPr/>
                     <a:lstStyle/>
                     <a:p>
-                      <a:r>
-                        <a:rPr lang="en" altLang="zh-TW" dirty="0"/>
-                        <a:t>Public score: 0.86363</a:t>
-                      </a:r>
-                    </a:p>
-                    <a:p>
-                      <a:r>
-                        <a:rPr lang="en" altLang="zh-TW" dirty="0"/>
-                        <a:t>Private score: 0.75471</a:t>
-                      </a:r>
+                      <a:pPr marL="0" lvl="0" indent="0" algn="l" rtl="0">
+                        <a:lnSpc>
+                          <a:spcPct val="115000"/>
+                        </a:lnSpc>
+                        <a:spcBef>
+                          <a:spcPts val="0"/>
+                        </a:spcBef>
+                        <a:spcAft>
+                          <a:spcPts val="1600"/>
+                        </a:spcAft>
+                        <a:buClr>
+                          <a:schemeClr val="dk1"/>
+                        </a:buClr>
+                        <a:buSzPts val="1100"/>
+                        <a:buFont typeface="Arial"/>
+                        <a:buNone/>
+                      </a:pPr>
+                      <a:r>
+                        <a:rPr lang="zh-TW" sz="1800" dirty="0">
+                          <a:solidFill>
+                            <a:schemeClr val="tx1"/>
+                          </a:solidFill>
+                          <a:latin typeface="+mj-lt"/>
+                          <a:ea typeface="Microsoft JhengHei" panose="020B0604030504040204" pitchFamily="34" charset="-120"/>
+                        </a:rPr>
+                        <a:t>0.01639344</a:t>
+                      </a:r>
+                      <a:endParaRPr dirty="0">
+                        <a:solidFill>
+                          <a:schemeClr val="tx1"/>
+                        </a:solidFill>
+                        <a:latin typeface="+mj-lt"/>
+                        <a:ea typeface="Microsoft JhengHei" panose="020B0604030504040204" pitchFamily="34" charset="-120"/>
+                      </a:endParaRPr>
                     </a:p>
                   </a:txBody>
-                  <a:tcPr/>
+                  <a:tcPr marL="91425" marR="91425" marT="91425" marB="91425"/>
                 </a:tc>
                 <a:extLst>
                   <a:ext uri="{0D108BD9-81ED-4DB2-BD59-A6C34878D82A}">
-                    <a16:rowId xmlns:a16="http://schemas.microsoft.com/office/drawing/2014/main" val="639793268"/>
+                    <a16:rowId xmlns:a16="http://schemas.microsoft.com/office/drawing/2014/main" val="2876995139"/>
                   </a:ext>
                 </a:extLst>
               </a:tr>
-              <a:tr h="370840">
+              <a:tr h="488363">
                 <a:tc>
                   <a:txBody>
                     <a:bodyPr/>
                     <a:lstStyle/>
                     <a:p>
                       <a:r>
-                        <a:rPr lang="en-US" altLang="zh-TW" dirty="0"/>
-                        <a:t>One-hot encoding</a:t>
+                        <a:rPr lang="en-US" altLang="zh-TW" sz="1800" b="0" i="0" kern="1200" dirty="0">
+                          <a:solidFill>
+                            <a:schemeClr val="dk1"/>
+                          </a:solidFill>
+                          <a:effectLst/>
+                          <a:latin typeface="+mn-lt"/>
+                          <a:ea typeface="+mn-ea"/>
+                          <a:cs typeface="+mn-cs"/>
+                        </a:rPr>
+                        <a:t>c</a:t>
+                      </a:r>
+                      <a:r>
+                        <a:rPr lang="en" altLang="zh-TW" sz="1800" b="0" i="0" kern="1200" dirty="0" err="1">
+                          <a:solidFill>
+                            <a:schemeClr val="dk1"/>
+                          </a:solidFill>
+                          <a:effectLst/>
+                          <a:latin typeface="+mn-lt"/>
+                          <a:ea typeface="+mn-ea"/>
+                          <a:cs typeface="+mn-cs"/>
+                        </a:rPr>
+                        <a:t>hest_pain</a:t>
                       </a:r>
                       <a:endParaRPr lang="zh-TW" altLang="en-US" dirty="0"/>
                     </a:p>
                   </a:txBody>
-                  <a:tcPr/>
+                  <a:tcPr anchor="ctr"/>
                 </a:tc>
                 <a:tc>
                   <a:txBody>
                     <a:bodyPr/>
                     <a:lstStyle/>
                     <a:p>
-                      <a:endParaRPr lang="zh-TW" altLang="en-US" dirty="0"/>
+                      <a:pPr marL="0" lvl="0" indent="0" algn="l" rtl="0">
+                        <a:lnSpc>
+                          <a:spcPct val="115000"/>
+                        </a:lnSpc>
+                        <a:spcBef>
+                          <a:spcPts val="0"/>
+                        </a:spcBef>
+                        <a:spcAft>
+                          <a:spcPts val="0"/>
+                        </a:spcAft>
+                        <a:buClr>
+                          <a:schemeClr val="dk1"/>
+                        </a:buClr>
+                        <a:buSzPts val="1100"/>
+                        <a:buFont typeface="Arial"/>
+                        <a:buNone/>
+                      </a:pPr>
+                      <a:r>
+                        <a:rPr lang="zh-TW" sz="1800" dirty="0">
+                          <a:solidFill>
+                            <a:schemeClr val="tx1"/>
+                          </a:solidFill>
+                          <a:latin typeface="+mj-lt"/>
+                          <a:ea typeface="Microsoft JhengHei" panose="020B0604030504040204" pitchFamily="34" charset="-120"/>
+                        </a:rPr>
+                        <a:t>0.133716699 </a:t>
+                      </a:r>
+                      <a:endParaRPr sz="1800" dirty="0">
+                        <a:solidFill>
+                          <a:schemeClr val="tx1"/>
+                        </a:solidFill>
+                        <a:latin typeface="+mj-lt"/>
+                        <a:ea typeface="Microsoft JhengHei" panose="020B0604030504040204" pitchFamily="34" charset="-120"/>
+                      </a:endParaRPr>
                     </a:p>
                   </a:txBody>
-                  <a:tcPr/>
+                  <a:tcPr marL="91425" marR="91425" marT="91425" marB="91425"/>
                 </a:tc>
                 <a:tc>
                   <a:txBody>
                     <a:bodyPr/>
                     <a:lstStyle/>
                     <a:p>
-                      <a:endParaRPr lang="en" altLang="zh-TW" dirty="0"/>
+                      <a:pPr marL="0" lvl="0" indent="0" algn="l" rtl="0">
+                        <a:lnSpc>
+                          <a:spcPct val="115000"/>
+                        </a:lnSpc>
+                        <a:spcBef>
+                          <a:spcPts val="0"/>
+                        </a:spcBef>
+                        <a:spcAft>
+                          <a:spcPts val="1600"/>
+                        </a:spcAft>
+                        <a:buClr>
+                          <a:schemeClr val="dk1"/>
+                        </a:buClr>
+                        <a:buSzPts val="1100"/>
+                        <a:buFont typeface="Arial"/>
+                        <a:buNone/>
+                      </a:pPr>
+                      <a:r>
+                        <a:rPr lang="zh-TW" sz="1800" dirty="0">
+                          <a:solidFill>
+                            <a:schemeClr val="tx1"/>
+                          </a:solidFill>
+                          <a:latin typeface="+mj-lt"/>
+                          <a:ea typeface="Microsoft JhengHei" panose="020B0604030504040204" pitchFamily="34" charset="-120"/>
+                        </a:rPr>
+                        <a:t>0.06557377</a:t>
+                      </a:r>
+                      <a:endParaRPr dirty="0">
+                        <a:solidFill>
+                          <a:schemeClr val="tx1"/>
+                        </a:solidFill>
+                        <a:latin typeface="+mj-lt"/>
+                        <a:ea typeface="Microsoft JhengHei" panose="020B0604030504040204" pitchFamily="34" charset="-120"/>
+                      </a:endParaRPr>
                     </a:p>
                   </a:txBody>
-                  <a:tcPr/>
+                  <a:tcPr marL="91425" marR="91425" marT="91425" marB="91425"/>
                 </a:tc>
                 <a:extLst>
                   <a:ext uri="{0D108BD9-81ED-4DB2-BD59-A6C34878D82A}">
-                    <a16:rowId xmlns:a16="http://schemas.microsoft.com/office/drawing/2014/main" val="158753278"/>
+                    <a16:rowId xmlns:a16="http://schemas.microsoft.com/office/drawing/2014/main" val="307305543"/>
+                  </a:ext>
+                </a:extLst>
+              </a:tr>
+              <a:tr h="488363">
+                <a:tc>
+                  <a:txBody>
+                    <a:bodyPr/>
+                    <a:lstStyle/>
+                    <a:p>
+                      <a:r>
+                        <a:rPr lang="en" altLang="zh-TW" sz="1800" b="0" i="0" kern="1200" dirty="0" err="1">
+                          <a:solidFill>
+                            <a:schemeClr val="dk1"/>
+                          </a:solidFill>
+                          <a:effectLst/>
+                          <a:latin typeface="+mn-lt"/>
+                          <a:ea typeface="+mn-ea"/>
+                          <a:cs typeface="+mn-cs"/>
+                        </a:rPr>
+                        <a:t>cholestoral</a:t>
+                      </a:r>
+                      <a:endParaRPr lang="zh-TW" altLang="en-US" dirty="0"/>
+                    </a:p>
+                  </a:txBody>
+                  <a:tcPr anchor="ctr"/>
+                </a:tc>
+                <a:tc>
+                  <a:txBody>
+                    <a:bodyPr/>
+                    <a:lstStyle/>
+                    <a:p>
+                      <a:pPr marL="0" lvl="0" indent="0" algn="l" rtl="0">
+                        <a:lnSpc>
+                          <a:spcPct val="115000"/>
+                        </a:lnSpc>
+                        <a:spcBef>
+                          <a:spcPts val="0"/>
+                        </a:spcBef>
+                        <a:spcAft>
+                          <a:spcPts val="0"/>
+                        </a:spcAft>
+                        <a:buClr>
+                          <a:schemeClr val="dk1"/>
+                        </a:buClr>
+                        <a:buSzPts val="1100"/>
+                        <a:buFont typeface="Arial"/>
+                        <a:buNone/>
+                      </a:pPr>
+                      <a:r>
+                        <a:rPr lang="zh-TW" sz="1800" dirty="0">
+                          <a:solidFill>
+                            <a:schemeClr val="tx1"/>
+                          </a:solidFill>
+                          <a:latin typeface="+mj-lt"/>
+                          <a:ea typeface="Microsoft JhengHei" panose="020B0604030504040204" pitchFamily="34" charset="-120"/>
+                        </a:rPr>
+                        <a:t>0.114106357 </a:t>
+                      </a:r>
+                      <a:endParaRPr sz="1800" dirty="0">
+                        <a:solidFill>
+                          <a:schemeClr val="tx1"/>
+                        </a:solidFill>
+                        <a:latin typeface="+mj-lt"/>
+                        <a:ea typeface="Microsoft JhengHei" panose="020B0604030504040204" pitchFamily="34" charset="-120"/>
+                      </a:endParaRPr>
+                    </a:p>
+                  </a:txBody>
+                  <a:tcPr marL="91425" marR="91425" marT="91425" marB="91425"/>
+                </a:tc>
+                <a:tc>
+                  <a:txBody>
+                    <a:bodyPr/>
+                    <a:lstStyle/>
+                    <a:p>
+                      <a:pPr marL="0" lvl="0" indent="0" algn="l" rtl="0">
+                        <a:lnSpc>
+                          <a:spcPct val="115000"/>
+                        </a:lnSpc>
+                        <a:spcBef>
+                          <a:spcPts val="0"/>
+                        </a:spcBef>
+                        <a:spcAft>
+                          <a:spcPts val="1600"/>
+                        </a:spcAft>
+                        <a:buClr>
+                          <a:schemeClr val="dk1"/>
+                        </a:buClr>
+                        <a:buSzPts val="1100"/>
+                        <a:buFont typeface="Arial"/>
+                        <a:buNone/>
+                      </a:pPr>
+                      <a:r>
+                        <a:rPr lang="zh-TW" sz="1800" dirty="0">
+                          <a:solidFill>
+                            <a:schemeClr val="tx1"/>
+                          </a:solidFill>
+                          <a:latin typeface="+mj-lt"/>
+                          <a:ea typeface="Microsoft JhengHei" panose="020B0604030504040204" pitchFamily="34" charset="-120"/>
+                        </a:rPr>
+                        <a:t>0.19672131</a:t>
+                      </a:r>
+                      <a:endParaRPr dirty="0">
+                        <a:solidFill>
+                          <a:schemeClr val="tx1"/>
+                        </a:solidFill>
+                        <a:latin typeface="+mj-lt"/>
+                        <a:ea typeface="Microsoft JhengHei" panose="020B0604030504040204" pitchFamily="34" charset="-120"/>
+                      </a:endParaRPr>
+                    </a:p>
+                  </a:txBody>
+                  <a:tcPr marL="91425" marR="91425" marT="91425" marB="91425"/>
+                </a:tc>
+                <a:extLst>
+                  <a:ext uri="{0D108BD9-81ED-4DB2-BD59-A6C34878D82A}">
+                    <a16:rowId xmlns:a16="http://schemas.microsoft.com/office/drawing/2014/main" val="551508581"/>
+                  </a:ext>
+                </a:extLst>
+              </a:tr>
+              <a:tr h="488363">
+                <a:tc>
+                  <a:txBody>
+                    <a:bodyPr/>
+                    <a:lstStyle/>
+                    <a:p>
+                      <a:r>
+                        <a:rPr lang="en" altLang="zh-TW" sz="1800" b="0" i="0" kern="1200" dirty="0" err="1">
+                          <a:solidFill>
+                            <a:schemeClr val="dk1"/>
+                          </a:solidFill>
+                          <a:effectLst/>
+                          <a:latin typeface="+mn-lt"/>
+                          <a:ea typeface="+mn-ea"/>
+                          <a:cs typeface="+mn-cs"/>
+                        </a:rPr>
+                        <a:t>exercise_angina</a:t>
+                      </a:r>
+                      <a:endParaRPr lang="zh-TW" altLang="en-US" dirty="0"/>
+                    </a:p>
+                  </a:txBody>
+                  <a:tcPr anchor="ctr"/>
+                </a:tc>
+                <a:tc>
+                  <a:txBody>
+                    <a:bodyPr/>
+                    <a:lstStyle/>
+                    <a:p>
+                      <a:pPr marL="0" lvl="0" indent="0" algn="l" rtl="0">
+                        <a:lnSpc>
+                          <a:spcPct val="115000"/>
+                        </a:lnSpc>
+                        <a:spcBef>
+                          <a:spcPts val="0"/>
+                        </a:spcBef>
+                        <a:spcAft>
+                          <a:spcPts val="0"/>
+                        </a:spcAft>
+                        <a:buClr>
+                          <a:schemeClr val="dk1"/>
+                        </a:buClr>
+                        <a:buSzPts val="1100"/>
+                        <a:buFont typeface="Arial"/>
+                        <a:buNone/>
+                      </a:pPr>
+                      <a:r>
+                        <a:rPr lang="zh-TW" sz="1800" dirty="0">
+                          <a:solidFill>
+                            <a:schemeClr val="tx1"/>
+                          </a:solidFill>
+                          <a:latin typeface="+mj-lt"/>
+                          <a:ea typeface="Microsoft JhengHei" panose="020B0604030504040204" pitchFamily="34" charset="-120"/>
+                        </a:rPr>
+                        <a:t>0.010420478 </a:t>
+                      </a:r>
+                      <a:endParaRPr sz="1800" dirty="0">
+                        <a:solidFill>
+                          <a:schemeClr val="tx1"/>
+                        </a:solidFill>
+                        <a:latin typeface="+mj-lt"/>
+                        <a:ea typeface="Microsoft JhengHei" panose="020B0604030504040204" pitchFamily="34" charset="-120"/>
+                      </a:endParaRPr>
+                    </a:p>
+                  </a:txBody>
+                  <a:tcPr marL="91425" marR="91425" marT="91425" marB="91425"/>
+                </a:tc>
+                <a:tc>
+                  <a:txBody>
+                    <a:bodyPr/>
+                    <a:lstStyle/>
+                    <a:p>
+                      <a:pPr marL="0" lvl="0" indent="0" algn="l" rtl="0">
+                        <a:lnSpc>
+                          <a:spcPct val="115000"/>
+                        </a:lnSpc>
+                        <a:spcBef>
+                          <a:spcPts val="0"/>
+                        </a:spcBef>
+                        <a:spcAft>
+                          <a:spcPts val="1600"/>
+                        </a:spcAft>
+                        <a:buClr>
+                          <a:schemeClr val="dk1"/>
+                        </a:buClr>
+                        <a:buSzPts val="1100"/>
+                        <a:buFont typeface="Arial"/>
+                        <a:buNone/>
+                      </a:pPr>
+                      <a:r>
+                        <a:rPr lang="zh-TW" sz="1800" dirty="0">
+                          <a:solidFill>
+                            <a:schemeClr val="tx1"/>
+                          </a:solidFill>
+                          <a:latin typeface="+mj-lt"/>
+                          <a:ea typeface="Microsoft JhengHei" panose="020B0604030504040204" pitchFamily="34" charset="-120"/>
+                        </a:rPr>
+                        <a:t>0.01639344</a:t>
+                      </a:r>
+                      <a:endParaRPr dirty="0">
+                        <a:solidFill>
+                          <a:schemeClr val="tx1"/>
+                        </a:solidFill>
+                        <a:latin typeface="+mj-lt"/>
+                        <a:ea typeface="Microsoft JhengHei" panose="020B0604030504040204" pitchFamily="34" charset="-120"/>
+                      </a:endParaRPr>
+                    </a:p>
+                  </a:txBody>
+                  <a:tcPr marL="91425" marR="91425" marT="91425" marB="91425"/>
+                </a:tc>
+                <a:extLst>
+                  <a:ext uri="{0D108BD9-81ED-4DB2-BD59-A6C34878D82A}">
+                    <a16:rowId xmlns:a16="http://schemas.microsoft.com/office/drawing/2014/main" val="3711623297"/>
+                  </a:ext>
+                </a:extLst>
+              </a:tr>
+              <a:tr h="488363">
+                <a:tc>
+                  <a:txBody>
+                    <a:bodyPr/>
+                    <a:lstStyle/>
+                    <a:p>
+                      <a:r>
+                        <a:rPr lang="en-US" altLang="zh-TW" dirty="0" err="1"/>
+                        <a:t>High_sugar</a:t>
+                      </a:r>
+                      <a:endParaRPr lang="zh-TW" altLang="en-US" dirty="0"/>
+                    </a:p>
+                  </a:txBody>
+                  <a:tcPr anchor="ctr"/>
+                </a:tc>
+                <a:tc>
+                  <a:txBody>
+                    <a:bodyPr/>
+                    <a:lstStyle/>
+                    <a:p>
+                      <a:pPr marL="0" lvl="0" indent="0" algn="l" rtl="0">
+                        <a:lnSpc>
+                          <a:spcPct val="115000"/>
+                        </a:lnSpc>
+                        <a:spcBef>
+                          <a:spcPts val="0"/>
+                        </a:spcBef>
+                        <a:spcAft>
+                          <a:spcPts val="0"/>
+                        </a:spcAft>
+                        <a:buClr>
+                          <a:schemeClr val="dk1"/>
+                        </a:buClr>
+                        <a:buSzPts val="1100"/>
+                        <a:buFont typeface="Arial"/>
+                        <a:buNone/>
+                      </a:pPr>
+                      <a:r>
+                        <a:rPr lang="zh-TW" sz="1800" dirty="0">
+                          <a:solidFill>
+                            <a:schemeClr val="tx1"/>
+                          </a:solidFill>
+                          <a:latin typeface="+mj-lt"/>
+                          <a:ea typeface="Microsoft JhengHei" panose="020B0604030504040204" pitchFamily="34" charset="-120"/>
+                        </a:rPr>
+                        <a:t>0.007573798 </a:t>
+                      </a:r>
+                      <a:endParaRPr sz="1800" dirty="0">
+                        <a:solidFill>
+                          <a:schemeClr val="tx1"/>
+                        </a:solidFill>
+                        <a:latin typeface="+mj-lt"/>
+                        <a:ea typeface="Microsoft JhengHei" panose="020B0604030504040204" pitchFamily="34" charset="-120"/>
+                      </a:endParaRPr>
+                    </a:p>
+                  </a:txBody>
+                  <a:tcPr marL="91425" marR="91425" marT="91425" marB="91425"/>
+                </a:tc>
+                <a:tc>
+                  <a:txBody>
+                    <a:bodyPr/>
+                    <a:lstStyle/>
+                    <a:p>
+                      <a:pPr marL="0" lvl="0" indent="0" algn="l" rtl="0">
+                        <a:lnSpc>
+                          <a:spcPct val="115000"/>
+                        </a:lnSpc>
+                        <a:spcBef>
+                          <a:spcPts val="0"/>
+                        </a:spcBef>
+                        <a:spcAft>
+                          <a:spcPts val="1600"/>
+                        </a:spcAft>
+                        <a:buClr>
+                          <a:schemeClr val="dk1"/>
+                        </a:buClr>
+                        <a:buSzPts val="1100"/>
+                        <a:buFont typeface="Arial"/>
+                        <a:buNone/>
+                      </a:pPr>
+                      <a:r>
+                        <a:rPr lang="zh-TW" sz="1800" dirty="0">
+                          <a:solidFill>
+                            <a:schemeClr val="tx1"/>
+                          </a:solidFill>
+                          <a:latin typeface="+mj-lt"/>
+                          <a:ea typeface="Microsoft JhengHei" panose="020B0604030504040204" pitchFamily="34" charset="-120"/>
+                        </a:rPr>
+                        <a:t>0.01639344</a:t>
+                      </a:r>
+                      <a:endParaRPr dirty="0">
+                        <a:solidFill>
+                          <a:schemeClr val="tx1"/>
+                        </a:solidFill>
+                        <a:latin typeface="+mj-lt"/>
+                        <a:ea typeface="Microsoft JhengHei" panose="020B0604030504040204" pitchFamily="34" charset="-120"/>
+                      </a:endParaRPr>
+                    </a:p>
+                  </a:txBody>
+                  <a:tcPr marL="91425" marR="91425" marT="91425" marB="91425"/>
+                </a:tc>
+                <a:extLst>
+                  <a:ext uri="{0D108BD9-81ED-4DB2-BD59-A6C34878D82A}">
+                    <a16:rowId xmlns:a16="http://schemas.microsoft.com/office/drawing/2014/main" val="1847381440"/>
                   </a:ext>
                 </a:extLst>
               </a:tr>
@@ -7135,7 +8220,2759 @@
 </p:sld>
 </file>
 
-<file path=ppt/slides/slide28.xml><?xml version="1.0" encoding="utf-8"?>
+<file path=ppt/slides/slide29.xml><?xml version="1.0" encoding="utf-8"?>
+<p:sld xmlns:a="http://schemas.openxmlformats.org/drawingml/2006/main" xmlns:r="http://schemas.openxmlformats.org/officeDocument/2006/relationships" xmlns:p="http://schemas.openxmlformats.org/presentationml/2006/main">
+  <p:cSld>
+    <p:spTree>
+      <p:nvGrpSpPr>
+        <p:cNvPr id="1" name=""/>
+        <p:cNvGrpSpPr/>
+        <p:nvPr/>
+      </p:nvGrpSpPr>
+      <p:grpSpPr>
+        <a:xfrm>
+          <a:off x="0" y="0"/>
+          <a:ext cx="0" cy="0"/>
+          <a:chOff x="0" y="0"/>
+          <a:chExt cx="0" cy="0"/>
+        </a:xfrm>
+      </p:grpSpPr>
+      <p:sp>
+        <p:nvSpPr>
+          <p:cNvPr id="2" name="標題 1">
+            <a:extLst>
+              <a:ext uri="{FF2B5EF4-FFF2-40B4-BE49-F238E27FC236}">
+                <a16:creationId xmlns:a16="http://schemas.microsoft.com/office/drawing/2014/main" id="{B0CC67CC-5E6F-B84E-85E1-C3E54AD7B313}"/>
+              </a:ext>
+            </a:extLst>
+          </p:cNvPr>
+          <p:cNvSpPr>
+            <a:spLocks noGrp="1"/>
+          </p:cNvSpPr>
+          <p:nvPr>
+            <p:ph type="title"/>
+          </p:nvPr>
+        </p:nvSpPr>
+        <p:spPr/>
+        <p:txBody>
+          <a:bodyPr>
+            <a:normAutofit fontScale="90000"/>
+          </a:bodyPr>
+          <a:lstStyle/>
+          <a:p>
+            <a:r>
+              <a:rPr kumimoji="1" lang="zh-TW" altLang="en-US" dirty="0"/>
+              <a:t>模型實驗</a:t>
+            </a:r>
+            <a:r>
+              <a:rPr kumimoji="1" lang="en-US" altLang="zh-TW" dirty="0"/>
+              <a:t> </a:t>
+            </a:r>
+            <a:r>
+              <a:rPr lang="en-US" altLang="zh-CN" dirty="0"/>
+              <a:t>– </a:t>
+            </a:r>
+            <a:r>
+              <a:rPr kumimoji="1" lang="en-US" altLang="zh-TW" dirty="0"/>
+              <a:t>Logistic Regression</a:t>
+            </a:r>
+            <a:endParaRPr kumimoji="1" lang="zh-TW" altLang="en-US" dirty="0"/>
+          </a:p>
+        </p:txBody>
+      </p:sp>
+      <p:sp>
+        <p:nvSpPr>
+          <p:cNvPr id="5" name="Content Placeholder 4">
+            <a:extLst>
+              <a:ext uri="{FF2B5EF4-FFF2-40B4-BE49-F238E27FC236}">
+                <a16:creationId xmlns:a16="http://schemas.microsoft.com/office/drawing/2014/main" id="{4D74B448-E076-4E49-BF65-7311F314EE71}"/>
+              </a:ext>
+            </a:extLst>
+          </p:cNvPr>
+          <p:cNvSpPr>
+            <a:spLocks noGrp="1"/>
+          </p:cNvSpPr>
+          <p:nvPr>
+            <p:ph idx="1"/>
+          </p:nvPr>
+        </p:nvSpPr>
+        <p:spPr>
+          <a:xfrm>
+            <a:off x="1451579" y="2015732"/>
+            <a:ext cx="9603275" cy="4138180"/>
+          </a:xfrm>
+        </p:spPr>
+        <p:txBody>
+          <a:bodyPr>
+            <a:normAutofit/>
+          </a:bodyPr>
+          <a:lstStyle/>
+          <a:p>
+            <a:r>
+              <a:rPr lang="zh-CN" altLang="en-US" dirty="0"/>
+              <a:t>特徵選取與特徵轉換：</a:t>
+            </a:r>
+            <a:endParaRPr lang="en-US" altLang="zh-CN" dirty="0"/>
+          </a:p>
+          <a:p>
+            <a:pPr lvl="1"/>
+            <a:r>
+              <a:rPr lang="zh-CN" altLang="en-US" dirty="0"/>
+              <a:t>原始資料：</a:t>
+            </a:r>
+            <a:endParaRPr lang="en-US" altLang="zh-CN" dirty="0"/>
+          </a:p>
+          <a:p>
+            <a:pPr lvl="2"/>
+            <a:r>
+              <a:rPr lang="zh-CN" altLang="en-US" dirty="0"/>
+              <a:t>根據全部資料，利用</a:t>
+            </a:r>
+            <a:r>
+              <a:rPr lang="zh-TW" altLang="en-US" dirty="0"/>
+              <a:t> </a:t>
+            </a:r>
+            <a:r>
+              <a:rPr lang="en-US" altLang="zh-TW" dirty="0"/>
+              <a:t>student t test</a:t>
+            </a:r>
+            <a:r>
+              <a:rPr lang="zh-TW" altLang="en-US" dirty="0"/>
+              <a:t> 來找到對應的</a:t>
+            </a:r>
+            <a:r>
+              <a:rPr lang="en-US" altLang="zh-TW" dirty="0"/>
+              <a:t> t </a:t>
+            </a:r>
+            <a:r>
+              <a:rPr lang="zh-CN" altLang="en-US" dirty="0"/>
+              <a:t>值（</a:t>
+            </a:r>
+            <a:r>
+              <a:rPr lang="en-US" altLang="zh-CN" dirty="0"/>
+              <a:t>P value</a:t>
+            </a:r>
+            <a:r>
+              <a:rPr lang="zh-CN" altLang="en-US" dirty="0"/>
+              <a:t>）</a:t>
+            </a:r>
+            <a:r>
+              <a:rPr lang="en-US" altLang="zh-TW" dirty="0"/>
+              <a:t> </a:t>
+            </a:r>
+            <a:r>
+              <a:rPr lang="zh-TW" altLang="en-US" dirty="0"/>
+              <a:t>，選取重要特徵：</a:t>
+            </a:r>
+            <a:endParaRPr lang="en-US" altLang="zh-TW" dirty="0"/>
+          </a:p>
+          <a:p>
+            <a:pPr lvl="3"/>
+            <a:r>
+              <a:rPr lang="en-US" altLang="zh-TW" dirty="0" err="1"/>
+              <a:t>chest_pain</a:t>
+            </a:r>
+            <a:endParaRPr lang="en-US" altLang="zh-TW" dirty="0"/>
+          </a:p>
+          <a:p>
+            <a:pPr lvl="3"/>
+            <a:r>
+              <a:rPr lang="en-US" altLang="zh-TW" dirty="0"/>
+              <a:t>vessels</a:t>
+            </a:r>
+          </a:p>
+          <a:p>
+            <a:pPr lvl="3"/>
+            <a:r>
+              <a:rPr lang="en-US" altLang="zh-TW" dirty="0" err="1"/>
+              <a:t>thalium_scan</a:t>
+            </a:r>
+            <a:endParaRPr lang="en-US" altLang="zh-CN" dirty="0"/>
+          </a:p>
+        </p:txBody>
+      </p:sp>
+      <p:pic>
+        <p:nvPicPr>
+          <p:cNvPr id="7" name="內容版面配置區 3">
+            <a:extLst>
+              <a:ext uri="{FF2B5EF4-FFF2-40B4-BE49-F238E27FC236}">
+                <a16:creationId xmlns:a16="http://schemas.microsoft.com/office/drawing/2014/main" id="{C81ABB03-FA66-1341-87F0-5A1D0E2B8A0F}"/>
+              </a:ext>
+            </a:extLst>
+          </p:cNvPr>
+          <p:cNvPicPr>
+            <a:picLocks noChangeAspect="1"/>
+          </p:cNvPicPr>
+          <p:nvPr/>
+        </p:nvPicPr>
+        <p:blipFill>
+          <a:blip r:embed="rId2"/>
+          <a:stretch>
+            <a:fillRect/>
+          </a:stretch>
+        </p:blipFill>
+        <p:spPr>
+          <a:xfrm>
+            <a:off x="6096000" y="3308483"/>
+            <a:ext cx="4517136" cy="3364439"/>
+          </a:xfrm>
+          <a:prstGeom prst="rect">
+            <a:avLst/>
+          </a:prstGeom>
+          <a:ln>
+            <a:solidFill>
+              <a:schemeClr val="tx1"/>
+            </a:solidFill>
+          </a:ln>
+        </p:spPr>
+      </p:pic>
+    </p:spTree>
+    <p:extLst>
+      <p:ext uri="{BB962C8B-B14F-4D97-AF65-F5344CB8AC3E}">
+        <p14:creationId xmlns:p14="http://schemas.microsoft.com/office/powerpoint/2010/main" val="3950682577"/>
+      </p:ext>
+    </p:extLst>
+  </p:cSld>
+  <p:clrMapOvr>
+    <a:masterClrMapping/>
+  </p:clrMapOvr>
+</p:sld>
+</file>
+
+<file path=ppt/slides/slide3.xml><?xml version="1.0" encoding="utf-8"?>
+<p:sld xmlns:a="http://schemas.openxmlformats.org/drawingml/2006/main" xmlns:r="http://schemas.openxmlformats.org/officeDocument/2006/relationships" xmlns:p="http://schemas.openxmlformats.org/presentationml/2006/main">
+  <p:cSld>
+    <p:spTree>
+      <p:nvGrpSpPr>
+        <p:cNvPr id="1" name=""/>
+        <p:cNvGrpSpPr/>
+        <p:nvPr/>
+      </p:nvGrpSpPr>
+      <p:grpSpPr>
+        <a:xfrm>
+          <a:off x="0" y="0"/>
+          <a:ext cx="0" cy="0"/>
+          <a:chOff x="0" y="0"/>
+          <a:chExt cx="0" cy="0"/>
+        </a:xfrm>
+      </p:grpSpPr>
+      <p:sp>
+        <p:nvSpPr>
+          <p:cNvPr id="3" name="Content Placeholder 2">
+            <a:extLst>
+              <a:ext uri="{FF2B5EF4-FFF2-40B4-BE49-F238E27FC236}">
+                <a16:creationId xmlns:a16="http://schemas.microsoft.com/office/drawing/2014/main" id="{97F7C985-F283-3F42-A334-D18BFB328D95}"/>
+              </a:ext>
+            </a:extLst>
+          </p:cNvPr>
+          <p:cNvSpPr>
+            <a:spLocks noGrp="1"/>
+          </p:cNvSpPr>
+          <p:nvPr>
+            <p:ph idx="1"/>
+          </p:nvPr>
+        </p:nvSpPr>
+        <p:spPr/>
+        <p:txBody>
+          <a:bodyPr>
+            <a:normAutofit/>
+          </a:bodyPr>
+          <a:lstStyle/>
+          <a:p>
+            <a:r>
+              <a:rPr lang="zh-CN" altLang="en-US" dirty="0"/>
+              <a:t>若鐵達尼存活預測是</a:t>
+            </a:r>
+            <a:endParaRPr lang="en-US" altLang="zh-CN" dirty="0"/>
+          </a:p>
+          <a:p>
+            <a:pPr lvl="1"/>
+            <a:r>
+              <a:rPr lang="zh-CN" altLang="en-US" dirty="0"/>
+              <a:t>初入資料科學、</a:t>
+            </a:r>
+            <a:r>
+              <a:rPr lang="en-US" altLang="zh-CN" dirty="0"/>
+              <a:t>Kaggle</a:t>
+            </a:r>
+            <a:r>
+              <a:rPr lang="zh-CN" altLang="en-US" dirty="0"/>
+              <a:t>競賽的熱門入門題</a:t>
+            </a:r>
+            <a:endParaRPr lang="en-US" altLang="zh-CN" dirty="0"/>
+          </a:p>
+          <a:p>
+            <a:pPr lvl="1"/>
+            <a:r>
+              <a:rPr lang="zh-CN" altLang="en-US" dirty="0"/>
+              <a:t>初入特徵工程，了解其過程及特徵選取</a:t>
+            </a:r>
+            <a:endParaRPr lang="en-US" altLang="zh-CN" dirty="0"/>
+          </a:p>
+          <a:p>
+            <a:pPr lvl="1"/>
+            <a:r>
+              <a:rPr lang="zh-CN" altLang="en-US" dirty="0"/>
+              <a:t>瞭解資料科學的運作過程</a:t>
+            </a:r>
+            <a:endParaRPr lang="en-US" altLang="zh-TW" dirty="0"/>
+          </a:p>
+          <a:p>
+            <a:r>
+              <a:rPr lang="zh-TW" altLang="en-US" dirty="0"/>
+              <a:t>那此次的心臟病分類預測競賽就是</a:t>
+            </a:r>
+            <a:endParaRPr lang="en-US" altLang="zh-TW" dirty="0"/>
+          </a:p>
+          <a:p>
+            <a:pPr lvl="1"/>
+            <a:r>
+              <a:rPr lang="zh-CN" altLang="en-US" dirty="0"/>
+              <a:t>正式實作資料科學的流程</a:t>
+            </a:r>
+            <a:endParaRPr lang="en-US" altLang="zh-CN" dirty="0"/>
+          </a:p>
+          <a:p>
+            <a:pPr lvl="1"/>
+            <a:r>
+              <a:rPr lang="zh-CN" altLang="en-US" dirty="0"/>
+              <a:t>較深入進行特徵工程，用各種假設檢定、熵來了解特徵之間對答案及模型的重要性</a:t>
+            </a:r>
+            <a:endParaRPr lang="en-US" altLang="zh-CN" dirty="0"/>
+          </a:p>
+          <a:p>
+            <a:pPr lvl="1"/>
+            <a:r>
+              <a:rPr lang="zh-CN" altLang="en-US" dirty="0"/>
+              <a:t>遇到實務上的問題並嘗試著解決</a:t>
+            </a:r>
+            <a:endParaRPr lang="en-US" altLang="zh-CN" dirty="0"/>
+          </a:p>
+        </p:txBody>
+      </p:sp>
+      <p:sp>
+        <p:nvSpPr>
+          <p:cNvPr id="8" name="標題 3">
+            <a:extLst>
+              <a:ext uri="{FF2B5EF4-FFF2-40B4-BE49-F238E27FC236}">
+                <a16:creationId xmlns:a16="http://schemas.microsoft.com/office/drawing/2014/main" id="{F662832A-5479-F441-9D85-CC03B95A0DC9}"/>
+              </a:ext>
+            </a:extLst>
+          </p:cNvPr>
+          <p:cNvSpPr>
+            <a:spLocks noGrp="1"/>
+          </p:cNvSpPr>
+          <p:nvPr>
+            <p:ph type="title"/>
+          </p:nvPr>
+        </p:nvSpPr>
+        <p:spPr/>
+        <p:txBody>
+          <a:bodyPr>
+            <a:normAutofit fontScale="90000"/>
+          </a:bodyPr>
+          <a:lstStyle/>
+          <a:p>
+            <a:r>
+              <a:rPr lang="zh-TW" altLang="en-US" dirty="0"/>
+              <a:t>專案簡介</a:t>
+            </a:r>
+          </a:p>
+        </p:txBody>
+      </p:sp>
+    </p:spTree>
+    <p:extLst>
+      <p:ext uri="{BB962C8B-B14F-4D97-AF65-F5344CB8AC3E}">
+        <p14:creationId xmlns:p14="http://schemas.microsoft.com/office/powerpoint/2010/main" val="4235119186"/>
+      </p:ext>
+    </p:extLst>
+  </p:cSld>
+  <p:clrMapOvr>
+    <a:masterClrMapping/>
+  </p:clrMapOvr>
+</p:sld>
+</file>
+
+<file path=ppt/slides/slide30.xml><?xml version="1.0" encoding="utf-8"?>
+<p:sld xmlns:a="http://schemas.openxmlformats.org/drawingml/2006/main" xmlns:r="http://schemas.openxmlformats.org/officeDocument/2006/relationships" xmlns:p="http://schemas.openxmlformats.org/presentationml/2006/main">
+  <p:cSld>
+    <p:spTree>
+      <p:nvGrpSpPr>
+        <p:cNvPr id="1" name=""/>
+        <p:cNvGrpSpPr/>
+        <p:nvPr/>
+      </p:nvGrpSpPr>
+      <p:grpSpPr>
+        <a:xfrm>
+          <a:off x="0" y="0"/>
+          <a:ext cx="0" cy="0"/>
+          <a:chOff x="0" y="0"/>
+          <a:chExt cx="0" cy="0"/>
+        </a:xfrm>
+      </p:grpSpPr>
+      <p:sp>
+        <p:nvSpPr>
+          <p:cNvPr id="2" name="標題 1">
+            <a:extLst>
+              <a:ext uri="{FF2B5EF4-FFF2-40B4-BE49-F238E27FC236}">
+                <a16:creationId xmlns:a16="http://schemas.microsoft.com/office/drawing/2014/main" id="{B0CC67CC-5E6F-B84E-85E1-C3E54AD7B313}"/>
+              </a:ext>
+            </a:extLst>
+          </p:cNvPr>
+          <p:cNvSpPr>
+            <a:spLocks noGrp="1"/>
+          </p:cNvSpPr>
+          <p:nvPr>
+            <p:ph type="title"/>
+          </p:nvPr>
+        </p:nvSpPr>
+        <p:spPr/>
+        <p:txBody>
+          <a:bodyPr>
+            <a:normAutofit fontScale="90000"/>
+          </a:bodyPr>
+          <a:lstStyle/>
+          <a:p>
+            <a:r>
+              <a:rPr kumimoji="1" lang="zh-TW" altLang="en-US" dirty="0"/>
+              <a:t>模型實驗</a:t>
+            </a:r>
+            <a:r>
+              <a:rPr kumimoji="1" lang="en-US" altLang="zh-TW" dirty="0"/>
+              <a:t> </a:t>
+            </a:r>
+            <a:r>
+              <a:rPr lang="en-US" altLang="zh-CN" dirty="0"/>
+              <a:t>– </a:t>
+            </a:r>
+            <a:r>
+              <a:rPr kumimoji="1" lang="en-US" altLang="zh-TW" dirty="0"/>
+              <a:t>Logistic Regression</a:t>
+            </a:r>
+            <a:endParaRPr kumimoji="1" lang="zh-TW" altLang="en-US" dirty="0"/>
+          </a:p>
+        </p:txBody>
+      </p:sp>
+      <p:sp>
+        <p:nvSpPr>
+          <p:cNvPr id="5" name="Content Placeholder 4">
+            <a:extLst>
+              <a:ext uri="{FF2B5EF4-FFF2-40B4-BE49-F238E27FC236}">
+                <a16:creationId xmlns:a16="http://schemas.microsoft.com/office/drawing/2014/main" id="{4D74B448-E076-4E49-BF65-7311F314EE71}"/>
+              </a:ext>
+            </a:extLst>
+          </p:cNvPr>
+          <p:cNvSpPr>
+            <a:spLocks noGrp="1"/>
+          </p:cNvSpPr>
+          <p:nvPr>
+            <p:ph idx="1"/>
+          </p:nvPr>
+        </p:nvSpPr>
+        <p:spPr>
+          <a:xfrm>
+            <a:off x="1451579" y="2015732"/>
+            <a:ext cx="9603275" cy="4138180"/>
+          </a:xfrm>
+        </p:spPr>
+        <p:txBody>
+          <a:bodyPr>
+            <a:normAutofit/>
+          </a:bodyPr>
+          <a:lstStyle/>
+          <a:p>
+            <a:r>
+              <a:rPr lang="zh-CN" altLang="en-US" dirty="0"/>
+              <a:t>特徵選取與特徵轉換：</a:t>
+            </a:r>
+            <a:endParaRPr lang="en-US" altLang="zh-CN" dirty="0"/>
+          </a:p>
+          <a:p>
+            <a:pPr lvl="1"/>
+            <a:r>
+              <a:rPr lang="zh-CN" altLang="en-US" dirty="0"/>
+              <a:t>轉換後資料（非最終模型）：</a:t>
+            </a:r>
+            <a:endParaRPr lang="en-US" altLang="zh-CN" dirty="0"/>
+          </a:p>
+          <a:p>
+            <a:pPr lvl="2"/>
+            <a:r>
+              <a:rPr lang="en-US" altLang="zh-TW" dirty="0"/>
+              <a:t>One hot encoding</a:t>
+            </a:r>
+          </a:p>
+          <a:p>
+            <a:pPr lvl="3"/>
+            <a:r>
+              <a:rPr lang="zh-CN" altLang="en-US" dirty="0"/>
+              <a:t>各別考慮</a:t>
+            </a:r>
+            <a:r>
+              <a:rPr lang="zh-TW" altLang="en-US" dirty="0"/>
+              <a:t> </a:t>
+            </a:r>
+            <a:r>
+              <a:rPr lang="en-US" altLang="zh-TW" dirty="0" err="1"/>
+              <a:t>chest_pain</a:t>
+            </a:r>
+            <a:r>
+              <a:rPr lang="en-US" altLang="zh-TW" dirty="0"/>
+              <a:t>, </a:t>
+            </a:r>
+            <a:r>
+              <a:rPr lang="en-US" altLang="zh-TW" dirty="0" err="1"/>
+              <a:t>ecg</a:t>
+            </a:r>
+            <a:r>
+              <a:rPr lang="en-US" altLang="zh-TW" dirty="0"/>
+              <a:t>, , </a:t>
+            </a:r>
+            <a:r>
+              <a:rPr lang="en-US" altLang="zh-TW" dirty="0" err="1"/>
+              <a:t>thalium_scan</a:t>
+            </a:r>
+            <a:r>
+              <a:rPr lang="en-US" altLang="zh-TW" dirty="0"/>
+              <a:t> </a:t>
+            </a:r>
+            <a:r>
+              <a:rPr lang="zh-CN" altLang="en-US" dirty="0"/>
+              <a:t>三變數：</a:t>
+            </a:r>
+            <a:r>
+              <a:rPr lang="en-US" altLang="zh-CN" dirty="0"/>
+              <a:t>0/1</a:t>
+            </a:r>
+            <a:endParaRPr lang="en-US" altLang="zh-TW" dirty="0"/>
+          </a:p>
+          <a:p>
+            <a:pPr lvl="2"/>
+            <a:r>
+              <a:rPr lang="en-US" altLang="zh-TW" dirty="0"/>
+              <a:t>Age</a:t>
+            </a:r>
+            <a:r>
+              <a:rPr lang="zh-TW" altLang="en-US" dirty="0"/>
+              <a:t>：</a:t>
+            </a:r>
+            <a:endParaRPr lang="en-US" altLang="zh-TW" dirty="0"/>
+          </a:p>
+          <a:p>
+            <a:pPr lvl="3"/>
+            <a:r>
+              <a:rPr lang="en-US" altLang="zh-TW" dirty="0"/>
+              <a:t>cut into bins =&gt; nonsignificant</a:t>
+            </a:r>
+          </a:p>
+          <a:p>
+            <a:pPr lvl="2"/>
+            <a:r>
+              <a:rPr lang="en-US" altLang="zh-TW" dirty="0"/>
+              <a:t>linear combinations</a:t>
+            </a:r>
+          </a:p>
+          <a:p>
+            <a:pPr lvl="3"/>
+            <a:r>
+              <a:rPr lang="en-US" altLang="zh-TW" dirty="0"/>
+              <a:t>examine p-value</a:t>
+            </a:r>
+          </a:p>
+          <a:p>
+            <a:pPr lvl="1"/>
+            <a:endParaRPr lang="zh-TW" altLang="en-US" dirty="0"/>
+          </a:p>
+          <a:p>
+            <a:pPr lvl="2"/>
+            <a:endParaRPr lang="en-US" altLang="zh-CN" dirty="0"/>
+          </a:p>
+        </p:txBody>
+      </p:sp>
+    </p:spTree>
+    <p:extLst>
+      <p:ext uri="{BB962C8B-B14F-4D97-AF65-F5344CB8AC3E}">
+        <p14:creationId xmlns:p14="http://schemas.microsoft.com/office/powerpoint/2010/main" val="2439151837"/>
+      </p:ext>
+    </p:extLst>
+  </p:cSld>
+  <p:clrMapOvr>
+    <a:masterClrMapping/>
+  </p:clrMapOvr>
+</p:sld>
+</file>
+
+<file path=ppt/slides/slide31.xml><?xml version="1.0" encoding="utf-8"?>
+<p:sld xmlns:a="http://schemas.openxmlformats.org/drawingml/2006/main" xmlns:r="http://schemas.openxmlformats.org/officeDocument/2006/relationships" xmlns:p="http://schemas.openxmlformats.org/presentationml/2006/main">
+  <p:cSld>
+    <p:spTree>
+      <p:nvGrpSpPr>
+        <p:cNvPr id="1" name=""/>
+        <p:cNvGrpSpPr/>
+        <p:nvPr/>
+      </p:nvGrpSpPr>
+      <p:grpSpPr>
+        <a:xfrm>
+          <a:off x="0" y="0"/>
+          <a:ext cx="0" cy="0"/>
+          <a:chOff x="0" y="0"/>
+          <a:chExt cx="0" cy="0"/>
+        </a:xfrm>
+      </p:grpSpPr>
+      <p:sp>
+        <p:nvSpPr>
+          <p:cNvPr id="2" name="標題 1">
+            <a:extLst>
+              <a:ext uri="{FF2B5EF4-FFF2-40B4-BE49-F238E27FC236}">
+                <a16:creationId xmlns:a16="http://schemas.microsoft.com/office/drawing/2014/main" id="{B0CC67CC-5E6F-B84E-85E1-C3E54AD7B313}"/>
+              </a:ext>
+            </a:extLst>
+          </p:cNvPr>
+          <p:cNvSpPr>
+            <a:spLocks noGrp="1"/>
+          </p:cNvSpPr>
+          <p:nvPr>
+            <p:ph type="title"/>
+          </p:nvPr>
+        </p:nvSpPr>
+        <p:spPr/>
+        <p:txBody>
+          <a:bodyPr>
+            <a:normAutofit fontScale="90000"/>
+          </a:bodyPr>
+          <a:lstStyle/>
+          <a:p>
+            <a:r>
+              <a:rPr kumimoji="1" lang="zh-TW" altLang="en-US" dirty="0"/>
+              <a:t>模型實驗</a:t>
+            </a:r>
+            <a:r>
+              <a:rPr kumimoji="1" lang="en-US" altLang="zh-TW" dirty="0"/>
+              <a:t> </a:t>
+            </a:r>
+            <a:r>
+              <a:rPr lang="en-US" altLang="zh-CN" dirty="0"/>
+              <a:t>– </a:t>
+            </a:r>
+            <a:r>
+              <a:rPr kumimoji="1" lang="en-US" altLang="zh-TW" dirty="0"/>
+              <a:t>Logistic Regression</a:t>
+            </a:r>
+            <a:endParaRPr kumimoji="1" lang="zh-TW" altLang="en-US" dirty="0"/>
+          </a:p>
+        </p:txBody>
+      </p:sp>
+      <p:sp>
+        <p:nvSpPr>
+          <p:cNvPr id="5" name="Content Placeholder 4">
+            <a:extLst>
+              <a:ext uri="{FF2B5EF4-FFF2-40B4-BE49-F238E27FC236}">
+                <a16:creationId xmlns:a16="http://schemas.microsoft.com/office/drawing/2014/main" id="{4D74B448-E076-4E49-BF65-7311F314EE71}"/>
+              </a:ext>
+            </a:extLst>
+          </p:cNvPr>
+          <p:cNvSpPr>
+            <a:spLocks noGrp="1"/>
+          </p:cNvSpPr>
+          <p:nvPr>
+            <p:ph idx="1"/>
+          </p:nvPr>
+        </p:nvSpPr>
+        <p:spPr>
+          <a:xfrm>
+            <a:off x="1451579" y="2015732"/>
+            <a:ext cx="9603275" cy="4138180"/>
+          </a:xfrm>
+        </p:spPr>
+        <p:txBody>
+          <a:bodyPr>
+            <a:normAutofit/>
+          </a:bodyPr>
+          <a:lstStyle/>
+          <a:p>
+            <a:r>
+              <a:rPr lang="zh-CN" altLang="en-US" dirty="0"/>
+              <a:t>特徵選取與特徵轉換：</a:t>
+            </a:r>
+            <a:endParaRPr lang="en-US" altLang="zh-CN" dirty="0"/>
+          </a:p>
+          <a:p>
+            <a:pPr lvl="1"/>
+            <a:r>
+              <a:rPr lang="zh-CN" altLang="en-US" dirty="0"/>
+              <a:t>轉換後資料（最終模型）：</a:t>
+            </a:r>
+            <a:endParaRPr lang="en-US" altLang="zh-CN" dirty="0"/>
+          </a:p>
+          <a:p>
+            <a:pPr lvl="2"/>
+            <a:r>
+              <a:rPr lang="zh-TW" altLang="en-US" dirty="0"/>
+              <a:t>以</a:t>
+            </a:r>
+            <a:r>
+              <a:rPr lang="en-US" altLang="zh-TW" dirty="0"/>
+              <a:t>decision</a:t>
+            </a:r>
+            <a:r>
+              <a:rPr lang="zh-TW" altLang="en-US" dirty="0"/>
+              <a:t> </a:t>
+            </a:r>
+            <a:r>
+              <a:rPr lang="en-US" altLang="zh-TW" dirty="0"/>
+              <a:t>tree,</a:t>
+            </a:r>
+            <a:r>
+              <a:rPr lang="zh-TW" altLang="en-US" dirty="0"/>
+              <a:t>  拿沒有 </a:t>
+            </a:r>
+            <a:r>
+              <a:rPr lang="en-US" altLang="zh-TW" dirty="0"/>
+              <a:t>NA</a:t>
+            </a:r>
+            <a:r>
+              <a:rPr lang="zh-TW" altLang="en-US" dirty="0"/>
+              <a:t> 的 </a:t>
+            </a:r>
+            <a:r>
+              <a:rPr lang="en-US" altLang="zh-TW" dirty="0"/>
+              <a:t>column</a:t>
+            </a:r>
+            <a:r>
+              <a:rPr lang="zh-TW" altLang="en-US" dirty="0"/>
+              <a:t> 項來預測遺失值</a:t>
+            </a:r>
+            <a:endParaRPr lang="en-US" altLang="zh-TW" dirty="0"/>
+          </a:p>
+          <a:p>
+            <a:pPr lvl="3"/>
+            <a:r>
+              <a:rPr lang="en-US" altLang="zh-TW" dirty="0"/>
+              <a:t>Vessels</a:t>
+            </a:r>
+            <a:r>
+              <a:rPr lang="zh-TW" altLang="en-US" dirty="0"/>
+              <a:t> ； </a:t>
+            </a:r>
+            <a:r>
+              <a:rPr lang="en-US" altLang="zh-TW" dirty="0" err="1"/>
+              <a:t>thalium_scan</a:t>
+            </a:r>
+            <a:endParaRPr lang="en-US" altLang="zh-TW" dirty="0"/>
+          </a:p>
+          <a:p>
+            <a:pPr lvl="2"/>
+            <a:r>
+              <a:rPr lang="en-US" altLang="zh-TW" dirty="0" err="1"/>
+              <a:t>resting_bp_without_label</a:t>
+            </a:r>
+            <a:r>
+              <a:rPr lang="zh-TW" altLang="en-US" dirty="0"/>
+              <a:t>：</a:t>
+            </a:r>
+            <a:endParaRPr lang="en-US" altLang="zh-TW" dirty="0"/>
+          </a:p>
+          <a:p>
+            <a:pPr lvl="3"/>
+            <a:r>
+              <a:rPr lang="zh-TW" altLang="en-US" dirty="0"/>
+              <a:t>用</a:t>
+            </a:r>
+            <a:r>
+              <a:rPr lang="en-US" altLang="zh-TW" dirty="0" err="1"/>
+              <a:t>kmeans</a:t>
+            </a:r>
+            <a:r>
+              <a:rPr lang="zh-TW" altLang="en-US" dirty="0"/>
+              <a:t> 跑區間，最後分出</a:t>
+            </a:r>
+            <a:r>
+              <a:rPr lang="en-US" altLang="zh-TW" dirty="0"/>
+              <a:t>5</a:t>
+            </a:r>
+            <a:r>
+              <a:rPr lang="zh-TW" altLang="en-US" dirty="0"/>
+              <a:t>個區間：</a:t>
+            </a:r>
+            <a:r>
+              <a:rPr lang="en-US" altLang="zh-TW" dirty="0"/>
+              <a:t>(93, 113, 133, 160, 192)</a:t>
+            </a:r>
+          </a:p>
+          <a:p>
+            <a:pPr lvl="2"/>
+            <a:endParaRPr lang="zh-TW" altLang="en-US" dirty="0"/>
+          </a:p>
+          <a:p>
+            <a:pPr lvl="2"/>
+            <a:endParaRPr lang="en-US" altLang="zh-CN" dirty="0"/>
+          </a:p>
+        </p:txBody>
+      </p:sp>
+      <p:pic>
+        <p:nvPicPr>
+          <p:cNvPr id="6" name="圖片 1">
+            <a:extLst>
+              <a:ext uri="{FF2B5EF4-FFF2-40B4-BE49-F238E27FC236}">
+                <a16:creationId xmlns:a16="http://schemas.microsoft.com/office/drawing/2014/main" id="{03414FA1-5E33-BD4C-B365-52B7900D1FA9}"/>
+              </a:ext>
+            </a:extLst>
+          </p:cNvPr>
+          <p:cNvPicPr>
+            <a:picLocks noChangeAspect="1"/>
+          </p:cNvPicPr>
+          <p:nvPr/>
+        </p:nvPicPr>
+        <p:blipFill>
+          <a:blip r:embed="rId2"/>
+          <a:stretch>
+            <a:fillRect/>
+          </a:stretch>
+        </p:blipFill>
+        <p:spPr>
+          <a:xfrm>
+            <a:off x="4703909" y="4353657"/>
+            <a:ext cx="6815058" cy="2308327"/>
+          </a:xfrm>
+          <a:prstGeom prst="rect">
+            <a:avLst/>
+          </a:prstGeom>
+          <a:ln>
+            <a:solidFill>
+              <a:schemeClr val="tx1"/>
+            </a:solidFill>
+          </a:ln>
+        </p:spPr>
+      </p:pic>
+    </p:spTree>
+    <p:extLst>
+      <p:ext uri="{BB962C8B-B14F-4D97-AF65-F5344CB8AC3E}">
+        <p14:creationId xmlns:p14="http://schemas.microsoft.com/office/powerpoint/2010/main" val="4072914470"/>
+      </p:ext>
+    </p:extLst>
+  </p:cSld>
+  <p:clrMapOvr>
+    <a:masterClrMapping/>
+  </p:clrMapOvr>
+  <p:timing>
+    <p:tnLst>
+      <p:par>
+        <p:cTn id="1" dur="indefinite" restart="never" nodeType="tmRoot">
+          <p:childTnLst>
+            <p:seq concurrent="1" nextAc="seek">
+              <p:cTn id="2" dur="indefinite" nodeType="mainSeq">
+                <p:childTnLst>
+                  <p:par>
+                    <p:cTn id="3" fill="hold">
+                      <p:stCondLst>
+                        <p:cond delay="indefinite"/>
+                      </p:stCondLst>
+                      <p:childTnLst>
+                        <p:par>
+                          <p:cTn id="4" fill="hold">
+                            <p:stCondLst>
+                              <p:cond delay="0"/>
+                            </p:stCondLst>
+                            <p:childTnLst>
+                              <p:par>
+                                <p:cTn id="5" presetID="1" presetClass="entr" presetSubtype="0" fill="hold" nodeType="clickEffect">
+                                  <p:stCondLst>
+                                    <p:cond delay="250"/>
+                                  </p:stCondLst>
+                                  <p:childTnLst>
+                                    <p:set>
+                                      <p:cBhvr>
+                                        <p:cTn id="6" dur="1" fill="hold">
+                                          <p:stCondLst>
+                                            <p:cond delay="0"/>
+                                          </p:stCondLst>
+                                        </p:cTn>
+                                        <p:tgtEl>
+                                          <p:spTgt spid="6"/>
+                                        </p:tgtEl>
+                                        <p:attrNameLst>
+                                          <p:attrName>style.visibility</p:attrName>
+                                        </p:attrNameLst>
+                                      </p:cBhvr>
+                                      <p:to>
+                                        <p:strVal val="visible"/>
+                                      </p:to>
+                                    </p:set>
+                                  </p:childTnLst>
+                                </p:cTn>
+                              </p:par>
+                            </p:childTnLst>
+                          </p:cTn>
+                        </p:par>
+                      </p:childTnLst>
+                    </p:cTn>
+                  </p:par>
+                </p:childTnLst>
+              </p:cTn>
+              <p:prevCondLst>
+                <p:cond evt="onPrev" delay="0">
+                  <p:tgtEl>
+                    <p:sldTgt/>
+                  </p:tgtEl>
+                </p:cond>
+              </p:prevCondLst>
+              <p:nextCondLst>
+                <p:cond evt="onNext" delay="0">
+                  <p:tgtEl>
+                    <p:sldTgt/>
+                  </p:tgtEl>
+                </p:cond>
+              </p:nextCondLst>
+            </p:seq>
+          </p:childTnLst>
+        </p:cTn>
+      </p:par>
+    </p:tnLst>
+  </p:timing>
+</p:sld>
+</file>
+
+<file path=ppt/slides/slide32.xml><?xml version="1.0" encoding="utf-8"?>
+<p:sld xmlns:a="http://schemas.openxmlformats.org/drawingml/2006/main" xmlns:r="http://schemas.openxmlformats.org/officeDocument/2006/relationships" xmlns:p="http://schemas.openxmlformats.org/presentationml/2006/main">
+  <p:cSld>
+    <p:spTree>
+      <p:nvGrpSpPr>
+        <p:cNvPr id="1" name=""/>
+        <p:cNvGrpSpPr/>
+        <p:nvPr/>
+      </p:nvGrpSpPr>
+      <p:grpSpPr>
+        <a:xfrm>
+          <a:off x="0" y="0"/>
+          <a:ext cx="0" cy="0"/>
+          <a:chOff x="0" y="0"/>
+          <a:chExt cx="0" cy="0"/>
+        </a:xfrm>
+      </p:grpSpPr>
+      <p:sp>
+        <p:nvSpPr>
+          <p:cNvPr id="2" name="標題 1">
+            <a:extLst>
+              <a:ext uri="{FF2B5EF4-FFF2-40B4-BE49-F238E27FC236}">
+                <a16:creationId xmlns:a16="http://schemas.microsoft.com/office/drawing/2014/main" id="{B0CC67CC-5E6F-B84E-85E1-C3E54AD7B313}"/>
+              </a:ext>
+            </a:extLst>
+          </p:cNvPr>
+          <p:cNvSpPr>
+            <a:spLocks noGrp="1"/>
+          </p:cNvSpPr>
+          <p:nvPr>
+            <p:ph type="title"/>
+          </p:nvPr>
+        </p:nvSpPr>
+        <p:spPr/>
+        <p:txBody>
+          <a:bodyPr>
+            <a:normAutofit fontScale="90000"/>
+          </a:bodyPr>
+          <a:lstStyle/>
+          <a:p>
+            <a:r>
+              <a:rPr kumimoji="1" lang="zh-TW" altLang="en-US" dirty="0"/>
+              <a:t>模型實驗</a:t>
+            </a:r>
+            <a:r>
+              <a:rPr kumimoji="1" lang="en-US" altLang="zh-TW" dirty="0"/>
+              <a:t> </a:t>
+            </a:r>
+            <a:r>
+              <a:rPr lang="en-US" altLang="zh-CN" dirty="0"/>
+              <a:t>– </a:t>
+            </a:r>
+            <a:r>
+              <a:rPr kumimoji="1" lang="en-US" altLang="zh-TW" dirty="0"/>
+              <a:t>Logistic Regression</a:t>
+            </a:r>
+            <a:endParaRPr kumimoji="1" lang="zh-TW" altLang="en-US" dirty="0"/>
+          </a:p>
+        </p:txBody>
+      </p:sp>
+      <p:sp>
+        <p:nvSpPr>
+          <p:cNvPr id="5" name="Content Placeholder 4">
+            <a:extLst>
+              <a:ext uri="{FF2B5EF4-FFF2-40B4-BE49-F238E27FC236}">
+                <a16:creationId xmlns:a16="http://schemas.microsoft.com/office/drawing/2014/main" id="{4D74B448-E076-4E49-BF65-7311F314EE71}"/>
+              </a:ext>
+            </a:extLst>
+          </p:cNvPr>
+          <p:cNvSpPr>
+            <a:spLocks noGrp="1"/>
+          </p:cNvSpPr>
+          <p:nvPr>
+            <p:ph idx="1"/>
+          </p:nvPr>
+        </p:nvSpPr>
+        <p:spPr>
+          <a:xfrm>
+            <a:off x="1451579" y="2015732"/>
+            <a:ext cx="9603275" cy="4193044"/>
+          </a:xfrm>
+        </p:spPr>
+        <p:txBody>
+          <a:bodyPr>
+            <a:normAutofit fontScale="70000" lnSpcReduction="20000"/>
+          </a:bodyPr>
+          <a:lstStyle/>
+          <a:p>
+            <a:r>
+              <a:rPr lang="zh-CN" altLang="en-US" sz="2400" dirty="0"/>
+              <a:t>轉換後資料（最終模型，承上）：</a:t>
+            </a:r>
+            <a:endParaRPr lang="en-US" altLang="zh-TW" sz="2400" dirty="0"/>
+          </a:p>
+          <a:p>
+            <a:pPr lvl="1"/>
+            <a:r>
+              <a:rPr lang="en-US" altLang="zh-TW" sz="2600" dirty="0" err="1"/>
+              <a:t>slope_label</a:t>
+            </a:r>
+            <a:r>
+              <a:rPr lang="zh-TW" altLang="en-US" sz="2600" dirty="0"/>
+              <a:t>：</a:t>
+            </a:r>
+            <a:endParaRPr lang="en-US" altLang="zh-TW" sz="2600" dirty="0"/>
+          </a:p>
+          <a:p>
+            <a:pPr lvl="2"/>
+            <a:r>
+              <a:rPr lang="en-US" altLang="zh-TW" sz="2300" dirty="0"/>
+              <a:t>origin category: 0,1,2</a:t>
+            </a:r>
+          </a:p>
+          <a:p>
+            <a:pPr lvl="2"/>
+            <a:r>
+              <a:rPr lang="en-US" altLang="zh-TW" sz="2300" dirty="0"/>
+              <a:t>Since distribution like the table</a:t>
+            </a:r>
+          </a:p>
+          <a:p>
+            <a:pPr lvl="3"/>
+            <a:r>
+              <a:rPr lang="en-US" altLang="zh-TW" sz="2000" dirty="0"/>
+              <a:t>category = 0 =&gt; 0</a:t>
+            </a:r>
+            <a:r>
+              <a:rPr lang="zh-TW" altLang="en-US" sz="2000" dirty="0"/>
+              <a:t> ； </a:t>
+            </a:r>
+            <a:r>
+              <a:rPr lang="en-US" altLang="zh-TW" sz="2000" dirty="0"/>
+              <a:t>category = 1,2 =&gt; 1</a:t>
+            </a:r>
+          </a:p>
+          <a:p>
+            <a:pPr lvl="1"/>
+            <a:r>
+              <a:rPr lang="en-US" altLang="zh-TW" sz="2900" dirty="0" err="1"/>
+              <a:t>thalium_scan</a:t>
+            </a:r>
+            <a:endParaRPr lang="en-US" altLang="zh-TW" sz="2900" dirty="0"/>
+          </a:p>
+          <a:p>
+            <a:pPr lvl="2"/>
+            <a:r>
+              <a:rPr lang="en-US" altLang="zh-TW" sz="2600" dirty="0"/>
+              <a:t>Origin:  3,6,7 =&gt; transform to 1,2,3</a:t>
+            </a:r>
+          </a:p>
+          <a:p>
+            <a:pPr lvl="2"/>
+            <a:r>
+              <a:rPr lang="en-US" altLang="zh-TW" sz="2600" dirty="0"/>
+              <a:t>One – hot encoding</a:t>
+            </a:r>
+          </a:p>
+          <a:p>
+            <a:pPr lvl="3"/>
+            <a:r>
+              <a:rPr lang="zh-CN" altLang="en-US" sz="2200" dirty="0"/>
+              <a:t>雖然有三類，但實際上只需要用兩類來概括資料：</a:t>
+            </a:r>
+            <a:r>
+              <a:rPr lang="en-US" altLang="zh-TW" sz="2200" dirty="0"/>
+              <a:t>thalium_scan_1 + thalium_scan_3 as feature</a:t>
+            </a:r>
+            <a:endParaRPr lang="en-US" altLang="zh-CN" sz="2200" dirty="0"/>
+          </a:p>
+          <a:p>
+            <a:r>
+              <a:rPr lang="zh-CN" altLang="en-US" sz="2600" dirty="0"/>
+              <a:t>實驗設定：</a:t>
+            </a:r>
+            <a:endParaRPr lang="en-US" altLang="zh-CN" sz="2600" dirty="0"/>
+          </a:p>
+          <a:p>
+            <a:pPr lvl="1"/>
+            <a:r>
+              <a:rPr lang="en-TW" sz="2300" dirty="0"/>
+              <a:t>Cross Validation：5~10</a:t>
+            </a:r>
+            <a:endParaRPr lang="en-US" altLang="zh-CN" sz="2300" dirty="0"/>
+          </a:p>
+          <a:p>
+            <a:pPr lvl="1"/>
+            <a:endParaRPr lang="en-TW" dirty="0"/>
+          </a:p>
+        </p:txBody>
+      </p:sp>
+      <p:graphicFrame>
+        <p:nvGraphicFramePr>
+          <p:cNvPr id="4" name="表格 3">
+            <a:extLst>
+              <a:ext uri="{FF2B5EF4-FFF2-40B4-BE49-F238E27FC236}">
+                <a16:creationId xmlns:a16="http://schemas.microsoft.com/office/drawing/2014/main" id="{738E83B5-DCE8-3A44-9FD0-B0B8273A25BA}"/>
+              </a:ext>
+            </a:extLst>
+          </p:cNvPr>
+          <p:cNvGraphicFramePr>
+            <a:graphicFrameLocks noGrp="1"/>
+          </p:cNvGraphicFramePr>
+          <p:nvPr>
+            <p:extLst>
+              <p:ext uri="{D42A27DB-BD31-4B8C-83A1-F6EECF244321}">
+                <p14:modId xmlns:p14="http://schemas.microsoft.com/office/powerpoint/2010/main" val="1277838971"/>
+              </p:ext>
+            </p:extLst>
+          </p:nvPr>
+        </p:nvGraphicFramePr>
+        <p:xfrm>
+          <a:off x="6918886" y="2386584"/>
+          <a:ext cx="4135968" cy="1536192"/>
+        </p:xfrm>
+        <a:graphic>
+          <a:graphicData uri="http://schemas.openxmlformats.org/drawingml/2006/table">
+            <a:tbl>
+              <a:tblPr firstRow="1" bandRow="1">
+                <a:tableStyleId>{B301B821-A1FF-4177-AEE7-76D212191A09}</a:tableStyleId>
+              </a:tblPr>
+              <a:tblGrid>
+                <a:gridCol w="1378656">
+                  <a:extLst>
+                    <a:ext uri="{9D8B030D-6E8A-4147-A177-3AD203B41FA5}">
+                      <a16:colId xmlns:a16="http://schemas.microsoft.com/office/drawing/2014/main" val="1456737520"/>
+                    </a:ext>
+                  </a:extLst>
+                </a:gridCol>
+                <a:gridCol w="1378656">
+                  <a:extLst>
+                    <a:ext uri="{9D8B030D-6E8A-4147-A177-3AD203B41FA5}">
+                      <a16:colId xmlns:a16="http://schemas.microsoft.com/office/drawing/2014/main" val="2168962393"/>
+                    </a:ext>
+                  </a:extLst>
+                </a:gridCol>
+                <a:gridCol w="1378656">
+                  <a:extLst>
+                    <a:ext uri="{9D8B030D-6E8A-4147-A177-3AD203B41FA5}">
+                      <a16:colId xmlns:a16="http://schemas.microsoft.com/office/drawing/2014/main" val="262699294"/>
+                    </a:ext>
+                  </a:extLst>
+                </a:gridCol>
+              </a:tblGrid>
+              <a:tr h="384048">
+                <a:tc>
+                  <a:txBody>
+                    <a:bodyPr/>
+                    <a:lstStyle/>
+                    <a:p>
+                      <a:pPr algn="l"/>
+                      <a:endParaRPr lang="zh-TW" altLang="en-US" dirty="0"/>
+                    </a:p>
+                  </a:txBody>
+                  <a:tcPr anchor="ctr"/>
+                </a:tc>
+                <a:tc>
+                  <a:txBody>
+                    <a:bodyPr/>
+                    <a:lstStyle/>
+                    <a:p>
+                      <a:pPr algn="l"/>
+                      <a:r>
+                        <a:rPr lang="en-US" altLang="zh-TW" sz="1400" dirty="0"/>
+                        <a:t>slope</a:t>
+                      </a:r>
+                      <a:endParaRPr lang="zh-TW" altLang="en-US" sz="1400" b="0" dirty="0"/>
+                    </a:p>
+                  </a:txBody>
+                  <a:tcPr anchor="ctr"/>
+                </a:tc>
+                <a:tc>
+                  <a:txBody>
+                    <a:bodyPr/>
+                    <a:lstStyle/>
+                    <a:p>
+                      <a:pPr algn="l"/>
+                      <a:r>
+                        <a:rPr lang="en-US" altLang="zh-TW" sz="1400" dirty="0" err="1"/>
+                        <a:t>Heart_disease</a:t>
+                      </a:r>
+                      <a:endParaRPr lang="zh-TW" altLang="en-US" sz="1400" b="0" dirty="0"/>
+                    </a:p>
+                  </a:txBody>
+                  <a:tcPr anchor="ctr"/>
+                </a:tc>
+                <a:extLst>
+                  <a:ext uri="{0D108BD9-81ED-4DB2-BD59-A6C34878D82A}">
+                    <a16:rowId xmlns:a16="http://schemas.microsoft.com/office/drawing/2014/main" val="2578437637"/>
+                  </a:ext>
+                </a:extLst>
+              </a:tr>
+              <a:tr h="384048">
+                <a:tc>
+                  <a:txBody>
+                    <a:bodyPr/>
+                    <a:lstStyle/>
+                    <a:p>
+                      <a:r>
+                        <a:rPr lang="en-US" altLang="zh-TW" dirty="0"/>
+                        <a:t>0</a:t>
+                      </a:r>
+                      <a:endParaRPr lang="zh-TW" altLang="en-US" dirty="0"/>
+                    </a:p>
+                  </a:txBody>
+                  <a:tcPr anchor="ctr"/>
+                </a:tc>
+                <a:tc>
+                  <a:txBody>
+                    <a:bodyPr/>
+                    <a:lstStyle/>
+                    <a:p>
+                      <a:r>
+                        <a:rPr lang="en-US" altLang="zh-TW" dirty="0"/>
+                        <a:t>1</a:t>
+                      </a:r>
+                      <a:endParaRPr lang="zh-TW" altLang="en-US" dirty="0"/>
+                    </a:p>
+                  </a:txBody>
+                  <a:tcPr anchor="ctr"/>
+                </a:tc>
+                <a:tc>
+                  <a:txBody>
+                    <a:bodyPr/>
+                    <a:lstStyle/>
+                    <a:p>
+                      <a:r>
+                        <a:rPr lang="en-US" altLang="zh-TW" dirty="0"/>
+                        <a:t>0.283</a:t>
+                      </a:r>
+                      <a:endParaRPr lang="zh-TW" altLang="en-US" dirty="0"/>
+                    </a:p>
+                  </a:txBody>
+                  <a:tcPr anchor="ctr"/>
+                </a:tc>
+                <a:extLst>
+                  <a:ext uri="{0D108BD9-81ED-4DB2-BD59-A6C34878D82A}">
+                    <a16:rowId xmlns:a16="http://schemas.microsoft.com/office/drawing/2014/main" val="1028474488"/>
+                  </a:ext>
+                </a:extLst>
+              </a:tr>
+              <a:tr h="384048">
+                <a:tc>
+                  <a:txBody>
+                    <a:bodyPr/>
+                    <a:lstStyle/>
+                    <a:p>
+                      <a:r>
+                        <a:rPr lang="en-US" altLang="zh-TW" dirty="0"/>
+                        <a:t>1</a:t>
+                      </a:r>
+                      <a:endParaRPr lang="zh-TW" altLang="en-US" dirty="0"/>
+                    </a:p>
+                  </a:txBody>
+                  <a:tcPr anchor="ctr"/>
+                </a:tc>
+                <a:tc>
+                  <a:txBody>
+                    <a:bodyPr/>
+                    <a:lstStyle/>
+                    <a:p>
+                      <a:r>
+                        <a:rPr lang="en-US" altLang="zh-TW" dirty="0"/>
+                        <a:t>2</a:t>
+                      </a:r>
+                      <a:endParaRPr lang="zh-TW" altLang="en-US" dirty="0"/>
+                    </a:p>
+                  </a:txBody>
+                  <a:tcPr anchor="ctr"/>
+                </a:tc>
+                <a:tc>
+                  <a:txBody>
+                    <a:bodyPr/>
+                    <a:lstStyle/>
+                    <a:p>
+                      <a:r>
+                        <a:rPr lang="en-US" altLang="zh-TW" dirty="0"/>
+                        <a:t>0.657</a:t>
+                      </a:r>
+                      <a:endParaRPr lang="zh-TW" altLang="en-US" dirty="0"/>
+                    </a:p>
+                  </a:txBody>
+                  <a:tcPr anchor="ctr"/>
+                </a:tc>
+                <a:extLst>
+                  <a:ext uri="{0D108BD9-81ED-4DB2-BD59-A6C34878D82A}">
+                    <a16:rowId xmlns:a16="http://schemas.microsoft.com/office/drawing/2014/main" val="2074591252"/>
+                  </a:ext>
+                </a:extLst>
+              </a:tr>
+              <a:tr h="384048">
+                <a:tc>
+                  <a:txBody>
+                    <a:bodyPr/>
+                    <a:lstStyle/>
+                    <a:p>
+                      <a:r>
+                        <a:rPr lang="en-US" altLang="zh-TW" dirty="0"/>
+                        <a:t>2</a:t>
+                      </a:r>
+                      <a:endParaRPr lang="zh-TW" altLang="en-US" dirty="0"/>
+                    </a:p>
+                  </a:txBody>
+                  <a:tcPr anchor="ctr"/>
+                </a:tc>
+                <a:tc>
+                  <a:txBody>
+                    <a:bodyPr/>
+                    <a:lstStyle/>
+                    <a:p>
+                      <a:r>
+                        <a:rPr lang="en-US" altLang="zh-TW" dirty="0"/>
+                        <a:t>3</a:t>
+                      </a:r>
+                      <a:endParaRPr lang="zh-TW" altLang="en-US" dirty="0"/>
+                    </a:p>
+                  </a:txBody>
+                  <a:tcPr anchor="ctr"/>
+                </a:tc>
+                <a:tc>
+                  <a:txBody>
+                    <a:bodyPr/>
+                    <a:lstStyle/>
+                    <a:p>
+                      <a:r>
+                        <a:rPr lang="en-US" altLang="zh-TW" dirty="0"/>
+                        <a:t>0.500</a:t>
+                      </a:r>
+                      <a:endParaRPr lang="zh-TW" altLang="en-US" dirty="0"/>
+                    </a:p>
+                  </a:txBody>
+                  <a:tcPr anchor="ctr"/>
+                </a:tc>
+                <a:extLst>
+                  <a:ext uri="{0D108BD9-81ED-4DB2-BD59-A6C34878D82A}">
+                    <a16:rowId xmlns:a16="http://schemas.microsoft.com/office/drawing/2014/main" val="2538231801"/>
+                  </a:ext>
+                </a:extLst>
+              </a:tr>
+            </a:tbl>
+          </a:graphicData>
+        </a:graphic>
+      </p:graphicFrame>
+    </p:spTree>
+    <p:extLst>
+      <p:ext uri="{BB962C8B-B14F-4D97-AF65-F5344CB8AC3E}">
+        <p14:creationId xmlns:p14="http://schemas.microsoft.com/office/powerpoint/2010/main" val="2174487078"/>
+      </p:ext>
+    </p:extLst>
+  </p:cSld>
+  <p:clrMapOvr>
+    <a:masterClrMapping/>
+  </p:clrMapOvr>
+</p:sld>
+</file>
+
+<file path=ppt/slides/slide33.xml><?xml version="1.0" encoding="utf-8"?>
+<p:sld xmlns:a="http://schemas.openxmlformats.org/drawingml/2006/main" xmlns:r="http://schemas.openxmlformats.org/officeDocument/2006/relationships" xmlns:p="http://schemas.openxmlformats.org/presentationml/2006/main">
+  <p:cSld>
+    <p:spTree>
+      <p:nvGrpSpPr>
+        <p:cNvPr id="1" name=""/>
+        <p:cNvGrpSpPr/>
+        <p:nvPr/>
+      </p:nvGrpSpPr>
+      <p:grpSpPr>
+        <a:xfrm>
+          <a:off x="0" y="0"/>
+          <a:ext cx="0" cy="0"/>
+          <a:chOff x="0" y="0"/>
+          <a:chExt cx="0" cy="0"/>
+        </a:xfrm>
+      </p:grpSpPr>
+      <p:sp>
+        <p:nvSpPr>
+          <p:cNvPr id="2" name="標題 1">
+            <a:extLst>
+              <a:ext uri="{FF2B5EF4-FFF2-40B4-BE49-F238E27FC236}">
+                <a16:creationId xmlns:a16="http://schemas.microsoft.com/office/drawing/2014/main" id="{B0CC67CC-5E6F-B84E-85E1-C3E54AD7B313}"/>
+              </a:ext>
+            </a:extLst>
+          </p:cNvPr>
+          <p:cNvSpPr>
+            <a:spLocks noGrp="1"/>
+          </p:cNvSpPr>
+          <p:nvPr>
+            <p:ph type="title"/>
+          </p:nvPr>
+        </p:nvSpPr>
+        <p:spPr/>
+        <p:txBody>
+          <a:bodyPr>
+            <a:normAutofit fontScale="90000"/>
+          </a:bodyPr>
+          <a:lstStyle/>
+          <a:p>
+            <a:r>
+              <a:rPr kumimoji="1" lang="zh-TW" altLang="en-US" dirty="0"/>
+              <a:t>模型實驗</a:t>
+            </a:r>
+            <a:r>
+              <a:rPr kumimoji="1" lang="en-US" altLang="zh-TW" dirty="0"/>
+              <a:t> </a:t>
+            </a:r>
+            <a:r>
+              <a:rPr lang="en-US" altLang="zh-CN" dirty="0"/>
+              <a:t>–</a:t>
+            </a:r>
+            <a:r>
+              <a:rPr kumimoji="1" lang="en-US" altLang="zh-TW" dirty="0"/>
+              <a:t> logistic regression</a:t>
+            </a:r>
+            <a:endParaRPr kumimoji="1" lang="zh-TW" altLang="en-US" dirty="0"/>
+          </a:p>
+        </p:txBody>
+      </p:sp>
+      <p:graphicFrame>
+        <p:nvGraphicFramePr>
+          <p:cNvPr id="4" name="內容版面配置區 3">
+            <a:extLst>
+              <a:ext uri="{FF2B5EF4-FFF2-40B4-BE49-F238E27FC236}">
+                <a16:creationId xmlns:a16="http://schemas.microsoft.com/office/drawing/2014/main" id="{8DEB6AE1-88FA-684E-9D56-738B0F992C2C}"/>
+              </a:ext>
+            </a:extLst>
+          </p:cNvPr>
+          <p:cNvGraphicFramePr>
+            <a:graphicFrameLocks noGrp="1"/>
+          </p:cNvGraphicFramePr>
+          <p:nvPr>
+            <p:ph idx="1"/>
+            <p:extLst>
+              <p:ext uri="{D42A27DB-BD31-4B8C-83A1-F6EECF244321}">
+                <p14:modId xmlns:p14="http://schemas.microsoft.com/office/powerpoint/2010/main" val="3525702971"/>
+              </p:ext>
+            </p:extLst>
+          </p:nvPr>
+        </p:nvGraphicFramePr>
+        <p:xfrm>
+          <a:off x="1357499" y="2075688"/>
+          <a:ext cx="9477002" cy="4023360"/>
+        </p:xfrm>
+        <a:graphic>
+          <a:graphicData uri="http://schemas.openxmlformats.org/drawingml/2006/table">
+            <a:tbl>
+              <a:tblPr firstRow="1" bandRow="1">
+                <a:tableStyleId>{5C22544A-7EE6-4342-B048-85BDC9FD1C3A}</a:tableStyleId>
+              </a:tblPr>
+              <a:tblGrid>
+                <a:gridCol w="2608961">
+                  <a:extLst>
+                    <a:ext uri="{9D8B030D-6E8A-4147-A177-3AD203B41FA5}">
+                      <a16:colId xmlns:a16="http://schemas.microsoft.com/office/drawing/2014/main" val="682356236"/>
+                    </a:ext>
+                  </a:extLst>
+                </a:gridCol>
+                <a:gridCol w="3621921">
+                  <a:extLst>
+                    <a:ext uri="{9D8B030D-6E8A-4147-A177-3AD203B41FA5}">
+                      <a16:colId xmlns:a16="http://schemas.microsoft.com/office/drawing/2014/main" val="2356191436"/>
+                    </a:ext>
+                  </a:extLst>
+                </a:gridCol>
+                <a:gridCol w="1591056">
+                  <a:extLst>
+                    <a:ext uri="{9D8B030D-6E8A-4147-A177-3AD203B41FA5}">
+                      <a16:colId xmlns:a16="http://schemas.microsoft.com/office/drawing/2014/main" val="2148787575"/>
+                    </a:ext>
+                  </a:extLst>
+                </a:gridCol>
+                <a:gridCol w="1655064">
+                  <a:extLst>
+                    <a:ext uri="{9D8B030D-6E8A-4147-A177-3AD203B41FA5}">
+                      <a16:colId xmlns:a16="http://schemas.microsoft.com/office/drawing/2014/main" val="905108038"/>
+                    </a:ext>
+                  </a:extLst>
+                </a:gridCol>
+              </a:tblGrid>
+              <a:tr h="320421">
+                <a:tc>
+                  <a:txBody>
+                    <a:bodyPr/>
+                    <a:lstStyle/>
+                    <a:p>
+                      <a:r>
+                        <a:rPr lang="en-US" altLang="zh-TW" dirty="0"/>
+                        <a:t>model</a:t>
+                      </a:r>
+                      <a:endParaRPr lang="zh-TW" altLang="en-US" dirty="0"/>
+                    </a:p>
+                  </a:txBody>
+                  <a:tcPr/>
+                </a:tc>
+                <a:tc>
+                  <a:txBody>
+                    <a:bodyPr/>
+                    <a:lstStyle/>
+                    <a:p>
+                      <a:r>
+                        <a:rPr lang="en-US" altLang="zh-TW" dirty="0"/>
+                        <a:t>Item set</a:t>
+                      </a:r>
+                      <a:endParaRPr lang="zh-TW" altLang="en-US" dirty="0"/>
+                    </a:p>
+                  </a:txBody>
+                  <a:tcPr/>
+                </a:tc>
+                <a:tc>
+                  <a:txBody>
+                    <a:bodyPr/>
+                    <a:lstStyle/>
+                    <a:p>
+                      <a:r>
+                        <a:rPr lang="en-US" altLang="zh-TW" dirty="0"/>
+                        <a:t>Public Score</a:t>
+                      </a:r>
+                      <a:endParaRPr lang="zh-TW" altLang="en-US" dirty="0"/>
+                    </a:p>
+                  </a:txBody>
+                  <a:tcPr/>
+                </a:tc>
+                <a:tc>
+                  <a:txBody>
+                    <a:bodyPr/>
+                    <a:lstStyle/>
+                    <a:p>
+                      <a:r>
+                        <a:rPr lang="en-US" altLang="zh-TW" dirty="0"/>
+                        <a:t>Private Score</a:t>
+                      </a:r>
+                      <a:endParaRPr lang="zh-TW" altLang="en-US" dirty="0"/>
+                    </a:p>
+                  </a:txBody>
+                  <a:tcPr/>
+                </a:tc>
+                <a:extLst>
+                  <a:ext uri="{0D108BD9-81ED-4DB2-BD59-A6C34878D82A}">
+                    <a16:rowId xmlns:a16="http://schemas.microsoft.com/office/drawing/2014/main" val="4069516830"/>
+                  </a:ext>
+                </a:extLst>
+              </a:tr>
+              <a:tr h="370840">
+                <a:tc>
+                  <a:txBody>
+                    <a:bodyPr/>
+                    <a:lstStyle/>
+                    <a:p>
+                      <a:r>
+                        <a:rPr lang="en-US" altLang="zh-TW" dirty="0"/>
+                        <a:t>Baseline</a:t>
+                      </a:r>
+                    </a:p>
+                    <a:p>
+                      <a:r>
+                        <a:rPr lang="zh-TW" altLang="en-US" dirty="0">
+                          <a:latin typeface="Microsoft JhengHei" panose="020B0604030504040204" pitchFamily="34" charset="-120"/>
+                          <a:ea typeface="Microsoft JhengHei" panose="020B0604030504040204" pitchFamily="34" charset="-120"/>
+                        </a:rPr>
+                        <a:t>（特徵未經處理）</a:t>
+                      </a:r>
+                    </a:p>
+                  </a:txBody>
+                  <a:tcPr anchor="ctr"/>
+                </a:tc>
+                <a:tc>
+                  <a:txBody>
+                    <a:bodyPr/>
+                    <a:lstStyle/>
+                    <a:p>
+                      <a:r>
+                        <a:rPr lang="en" altLang="zh-TW" dirty="0" err="1"/>
+                        <a:t>chest_pain</a:t>
+                      </a:r>
+                      <a:r>
+                        <a:rPr lang="zh-TW" altLang="en-US" dirty="0"/>
+                        <a:t>、</a:t>
+                      </a:r>
+                      <a:r>
+                        <a:rPr lang="en" altLang="zh-TW" dirty="0"/>
+                        <a:t>vessels</a:t>
+                      </a:r>
+                      <a:r>
+                        <a:rPr lang="zh-TW" altLang="en-US" dirty="0"/>
+                        <a:t>、</a:t>
+                      </a:r>
+                      <a:r>
+                        <a:rPr lang="en" altLang="zh-TW" dirty="0" err="1"/>
+                        <a:t>thalium_scan</a:t>
+                      </a:r>
+                      <a:r>
+                        <a:rPr lang="zh-TW" altLang="en-US" dirty="0"/>
+                        <a:t>、</a:t>
+                      </a:r>
+                      <a:r>
+                        <a:rPr lang="en" altLang="zh-TW" dirty="0" err="1"/>
+                        <a:t>resting_bp</a:t>
+                      </a:r>
+                      <a:r>
+                        <a:rPr lang="zh-TW" altLang="en-US" dirty="0"/>
+                        <a:t>、</a:t>
+                      </a:r>
+                      <a:r>
+                        <a:rPr lang="en" altLang="zh-TW" dirty="0" err="1"/>
+                        <a:t>max_rate</a:t>
+                      </a:r>
+                      <a:endParaRPr lang="zh-TW" altLang="en-US" dirty="0"/>
+                    </a:p>
+                  </a:txBody>
+                  <a:tcPr anchor="ctr"/>
+                </a:tc>
+                <a:tc>
+                  <a:txBody>
+                    <a:bodyPr/>
+                    <a:lstStyle/>
+                    <a:p>
+                      <a:r>
+                        <a:rPr lang="en" altLang="zh-TW" dirty="0"/>
+                        <a:t>0.86363</a:t>
+                      </a:r>
+                    </a:p>
+                  </a:txBody>
+                  <a:tcPr anchor="ctr"/>
+                </a:tc>
+                <a:tc>
+                  <a:txBody>
+                    <a:bodyPr/>
+                    <a:lstStyle/>
+                    <a:p>
+                      <a:pPr marL="0" marR="0" lvl="0" indent="0" algn="l" defTabSz="914400" rtl="0" eaLnBrk="1" fontAlgn="auto" latinLnBrk="0" hangingPunct="1">
+                        <a:lnSpc>
+                          <a:spcPct val="100000"/>
+                        </a:lnSpc>
+                        <a:spcBef>
+                          <a:spcPts val="0"/>
+                        </a:spcBef>
+                        <a:spcAft>
+                          <a:spcPts val="0"/>
+                        </a:spcAft>
+                        <a:buClrTx/>
+                        <a:buSzTx/>
+                        <a:buFontTx/>
+                        <a:buNone/>
+                        <a:tabLst/>
+                        <a:defRPr/>
+                      </a:pPr>
+                      <a:r>
+                        <a:rPr lang="en-US" altLang="zh-TW" dirty="0"/>
+                        <a:t>0.83018</a:t>
+                      </a:r>
+                      <a:endParaRPr lang="en" altLang="zh-TW" dirty="0"/>
+                    </a:p>
+                  </a:txBody>
+                  <a:tcPr anchor="ctr"/>
+                </a:tc>
+                <a:extLst>
+                  <a:ext uri="{0D108BD9-81ED-4DB2-BD59-A6C34878D82A}">
+                    <a16:rowId xmlns:a16="http://schemas.microsoft.com/office/drawing/2014/main" val="639793268"/>
+                  </a:ext>
+                </a:extLst>
+              </a:tr>
+              <a:tr h="370840">
+                <a:tc>
+                  <a:txBody>
+                    <a:bodyPr/>
+                    <a:lstStyle/>
+                    <a:p>
+                      <a:r>
+                        <a:rPr lang="en-US" altLang="zh-TW" dirty="0"/>
+                        <a:t>Proposed-A</a:t>
+                      </a:r>
+                    </a:p>
+                    <a:p>
+                      <a:r>
+                        <a:rPr lang="zh-TW" altLang="en-US" dirty="0">
+                          <a:latin typeface="Microsoft JhengHei" panose="020B0604030504040204" pitchFamily="34" charset="-120"/>
+                          <a:ea typeface="Microsoft JhengHei" panose="020B0604030504040204" pitchFamily="34" charset="-120"/>
+                        </a:rPr>
+                        <a:t>（</a:t>
+                      </a:r>
+                      <a:r>
+                        <a:rPr lang="en-US" altLang="zh-TW" dirty="0" err="1"/>
+                        <a:t>Slope_label</a:t>
+                      </a:r>
+                      <a:r>
+                        <a:rPr lang="zh-TW" altLang="en-US" dirty="0"/>
+                        <a:t> </a:t>
+                      </a:r>
+                      <a:r>
+                        <a:rPr lang="zh-TW" altLang="en-US" dirty="0">
+                          <a:latin typeface="Microsoft JhengHei" panose="020B0604030504040204" pitchFamily="34" charset="-120"/>
+                          <a:ea typeface="Microsoft JhengHei" panose="020B0604030504040204" pitchFamily="34" charset="-120"/>
+                        </a:rPr>
+                        <a:t>改為二類）</a:t>
+                      </a:r>
+                    </a:p>
+                  </a:txBody>
+                  <a:tcPr anchor="ctr"/>
+                </a:tc>
+                <a:tc>
+                  <a:txBody>
+                    <a:bodyPr/>
+                    <a:lstStyle/>
+                    <a:p>
+                      <a:pPr marL="0" marR="0" lvl="0" indent="0" algn="l" defTabSz="914400" rtl="0" eaLnBrk="1" fontAlgn="auto" latinLnBrk="0" hangingPunct="1">
+                        <a:lnSpc>
+                          <a:spcPct val="100000"/>
+                        </a:lnSpc>
+                        <a:spcBef>
+                          <a:spcPts val="0"/>
+                        </a:spcBef>
+                        <a:spcAft>
+                          <a:spcPts val="0"/>
+                        </a:spcAft>
+                        <a:buClrTx/>
+                        <a:buSzTx/>
+                        <a:buFontTx/>
+                        <a:buNone/>
+                        <a:tabLst/>
+                        <a:defRPr/>
+                      </a:pPr>
+                      <a:r>
+                        <a:rPr lang="en-US" altLang="zh-TW" dirty="0" err="1"/>
+                        <a:t>resting_bp_without_label</a:t>
+                      </a:r>
+                      <a:r>
+                        <a:rPr lang="zh-TW" altLang="en-US" dirty="0"/>
+                        <a:t>、</a:t>
+                      </a:r>
+                      <a:r>
+                        <a:rPr lang="en-US" altLang="zh-TW" dirty="0" err="1"/>
+                        <a:t>slope_label</a:t>
+                      </a:r>
+                      <a:r>
+                        <a:rPr lang="zh-TW" altLang="en-US" dirty="0"/>
+                        <a:t>、</a:t>
+                      </a:r>
+                      <a:r>
+                        <a:rPr lang="en-US" altLang="zh-TW" dirty="0"/>
+                        <a:t>vessels</a:t>
+                      </a:r>
+                      <a:r>
+                        <a:rPr lang="zh-TW" altLang="en-US" dirty="0"/>
+                        <a:t>、</a:t>
+                      </a:r>
+                      <a:r>
+                        <a:rPr lang="en-US" altLang="zh-TW" dirty="0" err="1"/>
+                        <a:t>chest_pain</a:t>
+                      </a:r>
+                      <a:r>
+                        <a:rPr lang="zh-TW" altLang="en-US" dirty="0"/>
+                        <a:t>、</a:t>
+                      </a:r>
+                      <a:r>
+                        <a:rPr lang="en-US" altLang="zh-TW" dirty="0" err="1"/>
+                        <a:t>thalium_scan</a:t>
+                      </a:r>
+                      <a:endParaRPr lang="zh-TW" altLang="en-US" dirty="0"/>
+                    </a:p>
+                  </a:txBody>
+                  <a:tcPr anchor="ctr"/>
+                </a:tc>
+                <a:tc>
+                  <a:txBody>
+                    <a:bodyPr/>
+                    <a:lstStyle/>
+                    <a:p>
+                      <a:pPr marL="0" marR="0" lvl="0" indent="0" algn="l" defTabSz="914400" rtl="0" eaLnBrk="1" fontAlgn="auto" latinLnBrk="0" hangingPunct="1">
+                        <a:lnSpc>
+                          <a:spcPct val="100000"/>
+                        </a:lnSpc>
+                        <a:spcBef>
+                          <a:spcPts val="0"/>
+                        </a:spcBef>
+                        <a:spcAft>
+                          <a:spcPts val="0"/>
+                        </a:spcAft>
+                        <a:buClrTx/>
+                        <a:buSzTx/>
+                        <a:buFontTx/>
+                        <a:buNone/>
+                        <a:tabLst/>
+                        <a:defRPr/>
+                      </a:pPr>
+                      <a:r>
+                        <a:rPr lang="en-US" altLang="zh-TW" sz="1800" b="0" i="0" kern="1200" dirty="0">
+                          <a:solidFill>
+                            <a:schemeClr val="dk1"/>
+                          </a:solidFill>
+                          <a:effectLst/>
+                          <a:latin typeface="+mn-lt"/>
+                          <a:ea typeface="+mn-ea"/>
+                          <a:cs typeface="+mn-cs"/>
+                        </a:rPr>
+                        <a:t>0.81132</a:t>
+                      </a:r>
+                    </a:p>
+                  </a:txBody>
+                  <a:tcPr anchor="ctr"/>
+                </a:tc>
+                <a:tc>
+                  <a:txBody>
+                    <a:bodyPr/>
+                    <a:lstStyle/>
+                    <a:p>
+                      <a:pPr marL="0" marR="0" lvl="0" indent="0" algn="l" defTabSz="914400" rtl="0" eaLnBrk="1" fontAlgn="auto" latinLnBrk="0" hangingPunct="1">
+                        <a:lnSpc>
+                          <a:spcPct val="100000"/>
+                        </a:lnSpc>
+                        <a:spcBef>
+                          <a:spcPts val="0"/>
+                        </a:spcBef>
+                        <a:spcAft>
+                          <a:spcPts val="0"/>
+                        </a:spcAft>
+                        <a:buClrTx/>
+                        <a:buSzTx/>
+                        <a:buFontTx/>
+                        <a:buNone/>
+                        <a:tabLst/>
+                        <a:defRPr/>
+                      </a:pPr>
+                      <a:r>
+                        <a:rPr lang="en-US" altLang="zh-TW" sz="1800" b="0" i="0" kern="1200" dirty="0">
+                          <a:solidFill>
+                            <a:schemeClr val="dk1"/>
+                          </a:solidFill>
+                          <a:effectLst/>
+                          <a:latin typeface="+mn-lt"/>
+                          <a:ea typeface="+mn-ea"/>
+                          <a:cs typeface="+mn-cs"/>
+                        </a:rPr>
+                        <a:t>0.90909</a:t>
+                      </a:r>
+                    </a:p>
+                  </a:txBody>
+                  <a:tcPr anchor="ctr"/>
+                </a:tc>
+                <a:extLst>
+                  <a:ext uri="{0D108BD9-81ED-4DB2-BD59-A6C34878D82A}">
+                    <a16:rowId xmlns:a16="http://schemas.microsoft.com/office/drawing/2014/main" val="158753278"/>
+                  </a:ext>
+                </a:extLst>
+              </a:tr>
+              <a:tr h="370840">
+                <a:tc>
+                  <a:txBody>
+                    <a:bodyPr/>
+                    <a:lstStyle/>
+                    <a:p>
+                      <a:r>
+                        <a:rPr lang="en-US" altLang="zh-TW" dirty="0"/>
+                        <a:t>Proposed-C</a:t>
+                      </a:r>
+                    </a:p>
+                    <a:p>
+                      <a:r>
+                        <a:rPr lang="zh-TW" altLang="en-US" dirty="0">
+                          <a:latin typeface="Microsoft JhengHei" panose="020B0604030504040204" pitchFamily="34" charset="-120"/>
+                          <a:ea typeface="Microsoft JhengHei" panose="020B0604030504040204" pitchFamily="34" charset="-120"/>
+                        </a:rPr>
+                        <a:t>（</a:t>
+                      </a:r>
+                      <a:r>
+                        <a:rPr lang="en-US" altLang="zh-TW" dirty="0" err="1"/>
+                        <a:t>chest_pain</a:t>
+                      </a:r>
+                      <a:r>
+                        <a:rPr lang="en-US" altLang="zh-TW" dirty="0"/>
+                        <a:t> </a:t>
+                      </a:r>
+                      <a:r>
+                        <a:rPr lang="zh-TW" altLang="en-US" dirty="0">
+                          <a:latin typeface="Microsoft JhengHei" panose="020B0604030504040204" pitchFamily="34" charset="-120"/>
+                          <a:ea typeface="Microsoft JhengHei" panose="020B0604030504040204" pitchFamily="34" charset="-120"/>
+                        </a:rPr>
+                        <a:t>改為</a:t>
+                      </a:r>
+                      <a:r>
+                        <a:rPr lang="en-US" altLang="zh-TW" dirty="0">
+                          <a:latin typeface="Microsoft JhengHei" panose="020B0604030504040204" pitchFamily="34" charset="-120"/>
+                          <a:ea typeface="Microsoft JhengHei" panose="020B0604030504040204" pitchFamily="34" charset="-120"/>
+                        </a:rPr>
+                        <a:t> one-hot encoding</a:t>
+                      </a:r>
+                      <a:r>
+                        <a:rPr lang="zh-TW" altLang="en-US" dirty="0">
+                          <a:latin typeface="Microsoft JhengHei" panose="020B0604030504040204" pitchFamily="34" charset="-120"/>
+                          <a:ea typeface="Microsoft JhengHei" panose="020B0604030504040204" pitchFamily="34" charset="-120"/>
+                        </a:rPr>
+                        <a:t>）</a:t>
+                      </a:r>
+                    </a:p>
+                  </a:txBody>
+                  <a:tcPr anchor="ctr"/>
+                </a:tc>
+                <a:tc>
+                  <a:txBody>
+                    <a:bodyPr/>
+                    <a:lstStyle/>
+                    <a:p>
+                      <a:pPr algn="l"/>
+                      <a:r>
+                        <a:rPr lang="en-US" altLang="zh-TW" dirty="0" err="1"/>
+                        <a:t>resting_bp_without_label</a:t>
+                      </a:r>
+                      <a:r>
+                        <a:rPr lang="zh-TW" altLang="en-US" dirty="0"/>
+                        <a:t>、</a:t>
+                      </a:r>
+                      <a:r>
+                        <a:rPr lang="en-US" altLang="zh-TW" dirty="0" err="1"/>
+                        <a:t>slope_label</a:t>
+                      </a:r>
+                      <a:r>
+                        <a:rPr lang="zh-TW" altLang="en-US" dirty="0"/>
+                        <a:t>、</a:t>
+                      </a:r>
+                      <a:r>
+                        <a:rPr lang="en-US" altLang="zh-TW" dirty="0"/>
+                        <a:t>vessels</a:t>
+                      </a:r>
+                      <a:r>
+                        <a:rPr lang="zh-TW" altLang="en-US" dirty="0"/>
+                        <a:t>、</a:t>
+                      </a:r>
+                      <a:r>
+                        <a:rPr lang="en-US" altLang="zh-TW" dirty="0"/>
+                        <a:t>chest_pain_2</a:t>
+                      </a:r>
+                      <a:r>
+                        <a:rPr lang="zh-TW" altLang="en-US" dirty="0"/>
+                        <a:t>、</a:t>
+                      </a:r>
+                      <a:r>
+                        <a:rPr lang="en-US" altLang="zh-TW" dirty="0"/>
+                        <a:t>chest_pain_3</a:t>
+                      </a:r>
+                      <a:r>
+                        <a:rPr lang="zh-TW" altLang="en-US" dirty="0"/>
+                        <a:t>、</a:t>
+                      </a:r>
+                      <a:r>
+                        <a:rPr lang="en-US" altLang="zh-TW" dirty="0"/>
+                        <a:t>chest_pain_4</a:t>
+                      </a:r>
+                      <a:r>
+                        <a:rPr lang="zh-TW" altLang="en-US" dirty="0"/>
+                        <a:t>、</a:t>
+                      </a:r>
+                      <a:r>
+                        <a:rPr lang="en-US" altLang="zh-TW" dirty="0" err="1"/>
+                        <a:t>thalium_scan</a:t>
+                      </a:r>
+                      <a:endParaRPr lang="en-US" altLang="zh-TW" dirty="0"/>
+                    </a:p>
+                  </a:txBody>
+                  <a:tcPr anchor="ctr"/>
+                </a:tc>
+                <a:tc>
+                  <a:txBody>
+                    <a:bodyPr/>
+                    <a:lstStyle/>
+                    <a:p>
+                      <a:pPr marL="0" marR="0" lvl="0" indent="0" algn="l" defTabSz="914400" rtl="0" eaLnBrk="1" fontAlgn="auto" latinLnBrk="0" hangingPunct="1">
+                        <a:lnSpc>
+                          <a:spcPct val="100000"/>
+                        </a:lnSpc>
+                        <a:spcBef>
+                          <a:spcPts val="0"/>
+                        </a:spcBef>
+                        <a:spcAft>
+                          <a:spcPts val="0"/>
+                        </a:spcAft>
+                        <a:buClrTx/>
+                        <a:buSzTx/>
+                        <a:buFontTx/>
+                        <a:buNone/>
+                        <a:tabLst/>
+                        <a:defRPr/>
+                      </a:pPr>
+                      <a:r>
+                        <a:rPr lang="en-US" altLang="zh-TW" dirty="0"/>
+                        <a:t>0.77358</a:t>
+                      </a:r>
+                      <a:endParaRPr lang="en-US" altLang="zh-TW" sz="1800" b="0" i="0" kern="1200" dirty="0">
+                        <a:solidFill>
+                          <a:schemeClr val="dk1"/>
+                        </a:solidFill>
+                        <a:effectLst/>
+                        <a:latin typeface="+mn-lt"/>
+                        <a:ea typeface="+mn-ea"/>
+                        <a:cs typeface="+mn-cs"/>
+                      </a:endParaRPr>
+                    </a:p>
+                  </a:txBody>
+                  <a:tcPr anchor="ctr"/>
+                </a:tc>
+                <a:tc>
+                  <a:txBody>
+                    <a:bodyPr/>
+                    <a:lstStyle/>
+                    <a:p>
+                      <a:pPr marL="0" marR="0" lvl="0" indent="0" algn="l" defTabSz="914400" rtl="0" eaLnBrk="1" fontAlgn="auto" latinLnBrk="0" hangingPunct="1">
+                        <a:lnSpc>
+                          <a:spcPct val="100000"/>
+                        </a:lnSpc>
+                        <a:spcBef>
+                          <a:spcPts val="0"/>
+                        </a:spcBef>
+                        <a:spcAft>
+                          <a:spcPts val="0"/>
+                        </a:spcAft>
+                        <a:buClrTx/>
+                        <a:buSzTx/>
+                        <a:buFontTx/>
+                        <a:buNone/>
+                        <a:tabLst/>
+                        <a:defRPr/>
+                      </a:pPr>
+                      <a:r>
+                        <a:rPr lang="en-US" altLang="zh-TW" dirty="0"/>
+                        <a:t>0.86363</a:t>
+                      </a:r>
+                      <a:endParaRPr lang="en-US" altLang="zh-TW" sz="1800" b="0" i="0" kern="1200" dirty="0">
+                        <a:solidFill>
+                          <a:schemeClr val="dk1"/>
+                        </a:solidFill>
+                        <a:effectLst/>
+                        <a:latin typeface="+mn-lt"/>
+                        <a:ea typeface="+mn-ea"/>
+                        <a:cs typeface="+mn-cs"/>
+                      </a:endParaRPr>
+                    </a:p>
+                  </a:txBody>
+                  <a:tcPr anchor="ctr"/>
+                </a:tc>
+                <a:extLst>
+                  <a:ext uri="{0D108BD9-81ED-4DB2-BD59-A6C34878D82A}">
+                    <a16:rowId xmlns:a16="http://schemas.microsoft.com/office/drawing/2014/main" val="1398834155"/>
+                  </a:ext>
+                </a:extLst>
+              </a:tr>
+              <a:tr h="370840">
+                <a:tc>
+                  <a:txBody>
+                    <a:bodyPr/>
+                    <a:lstStyle/>
+                    <a:p>
+                      <a:r>
+                        <a:rPr lang="en-US" altLang="zh-TW" dirty="0"/>
+                        <a:t>Proposed-Final</a:t>
+                      </a:r>
+                    </a:p>
+                    <a:p>
+                      <a:r>
+                        <a:rPr lang="zh-TW" altLang="en-US" dirty="0">
+                          <a:latin typeface="Microsoft JhengHei" panose="020B0604030504040204" pitchFamily="34" charset="-120"/>
+                          <a:ea typeface="Microsoft JhengHei" panose="020B0604030504040204" pitchFamily="34" charset="-120"/>
+                        </a:rPr>
+                        <a:t>（</a:t>
+                      </a:r>
+                      <a:r>
+                        <a:rPr lang="en-US" altLang="zh-TW" dirty="0" err="1"/>
+                        <a:t>thalium_scan</a:t>
+                      </a:r>
+                      <a:r>
+                        <a:rPr lang="en-US" altLang="zh-TW" dirty="0"/>
+                        <a:t> </a:t>
+                      </a:r>
+                      <a:r>
+                        <a:rPr lang="zh-TW" altLang="en-US" dirty="0">
+                          <a:latin typeface="Microsoft JhengHei" panose="020B0604030504040204" pitchFamily="34" charset="-120"/>
+                          <a:ea typeface="Microsoft JhengHei" panose="020B0604030504040204" pitchFamily="34" charset="-120"/>
+                        </a:rPr>
+                        <a:t>改為</a:t>
+                      </a:r>
+                      <a:r>
+                        <a:rPr lang="en-US" altLang="zh-TW" dirty="0">
+                          <a:latin typeface="Microsoft JhengHei" panose="020B0604030504040204" pitchFamily="34" charset="-120"/>
+                          <a:ea typeface="Microsoft JhengHei" panose="020B0604030504040204" pitchFamily="34" charset="-120"/>
+                        </a:rPr>
+                        <a:t> one-hot encoding</a:t>
+                      </a:r>
+                      <a:r>
+                        <a:rPr lang="zh-TW" altLang="en-US" dirty="0">
+                          <a:latin typeface="Microsoft JhengHei" panose="020B0604030504040204" pitchFamily="34" charset="-120"/>
+                          <a:ea typeface="Microsoft JhengHei" panose="020B0604030504040204" pitchFamily="34" charset="-120"/>
+                        </a:rPr>
+                        <a:t>）</a:t>
+                      </a:r>
+                    </a:p>
+                  </a:txBody>
+                  <a:tcPr anchor="ctr"/>
+                </a:tc>
+                <a:tc>
+                  <a:txBody>
+                    <a:bodyPr/>
+                    <a:lstStyle/>
+                    <a:p>
+                      <a:pPr marL="0" marR="0" lvl="0" indent="0" algn="l" defTabSz="914400" rtl="0" eaLnBrk="1" fontAlgn="auto" latinLnBrk="0" hangingPunct="1">
+                        <a:lnSpc>
+                          <a:spcPct val="100000"/>
+                        </a:lnSpc>
+                        <a:spcBef>
+                          <a:spcPts val="0"/>
+                        </a:spcBef>
+                        <a:spcAft>
+                          <a:spcPts val="0"/>
+                        </a:spcAft>
+                        <a:buClrTx/>
+                        <a:buSzTx/>
+                        <a:buFontTx/>
+                        <a:buNone/>
+                        <a:tabLst/>
+                        <a:defRPr/>
+                      </a:pPr>
+                      <a:r>
+                        <a:rPr lang="en-US" altLang="zh-TW" dirty="0" err="1"/>
+                        <a:t>resting_bp_without_label</a:t>
+                      </a:r>
+                      <a:r>
+                        <a:rPr lang="zh-TW" altLang="en-US" dirty="0"/>
+                        <a:t>、</a:t>
+                      </a:r>
+                      <a:r>
+                        <a:rPr lang="en-US" altLang="zh-TW" dirty="0" err="1"/>
+                        <a:t>slope_label</a:t>
+                      </a:r>
+                      <a:r>
+                        <a:rPr lang="zh-TW" altLang="en-US" dirty="0"/>
+                        <a:t>、</a:t>
+                      </a:r>
+                      <a:r>
+                        <a:rPr lang="en-US" altLang="zh-TW" dirty="0"/>
+                        <a:t>vessels</a:t>
+                      </a:r>
+                      <a:r>
+                        <a:rPr lang="zh-TW" altLang="en-US" dirty="0"/>
+                        <a:t>、</a:t>
+                      </a:r>
+                      <a:r>
+                        <a:rPr lang="en-US" altLang="zh-TW" dirty="0" err="1"/>
+                        <a:t>chest_pain</a:t>
+                      </a:r>
+                      <a:r>
+                        <a:rPr lang="zh-TW" altLang="en-US" dirty="0"/>
+                        <a:t>、</a:t>
+                      </a:r>
+                      <a:r>
+                        <a:rPr lang="en-US" altLang="zh-TW" dirty="0"/>
+                        <a:t>thalium_scan_1</a:t>
+                      </a:r>
+                      <a:r>
+                        <a:rPr lang="zh-TW" altLang="en-US" dirty="0"/>
+                        <a:t>、</a:t>
+                      </a:r>
+                      <a:r>
+                        <a:rPr lang="en-US" altLang="zh-TW" dirty="0"/>
+                        <a:t>thalium_scan_3</a:t>
+                      </a:r>
+                    </a:p>
+                  </a:txBody>
+                  <a:tcPr anchor="ctr"/>
+                </a:tc>
+                <a:tc>
+                  <a:txBody>
+                    <a:bodyPr/>
+                    <a:lstStyle/>
+                    <a:p>
+                      <a:pPr marL="0" marR="0" lvl="0" indent="0" algn="l" defTabSz="914400" rtl="0" eaLnBrk="1" fontAlgn="auto" latinLnBrk="0" hangingPunct="1">
+                        <a:lnSpc>
+                          <a:spcPct val="100000"/>
+                        </a:lnSpc>
+                        <a:spcBef>
+                          <a:spcPts val="0"/>
+                        </a:spcBef>
+                        <a:spcAft>
+                          <a:spcPts val="0"/>
+                        </a:spcAft>
+                        <a:buClrTx/>
+                        <a:buSzTx/>
+                        <a:buFontTx/>
+                        <a:buNone/>
+                        <a:tabLst/>
+                        <a:defRPr/>
+                      </a:pPr>
+                      <a:r>
+                        <a:rPr lang="en-US" altLang="zh-TW" dirty="0"/>
+                        <a:t>0.86792</a:t>
+                      </a:r>
+                      <a:endParaRPr lang="en-US" altLang="zh-TW" sz="1800" b="0" i="0" kern="1200" dirty="0">
+                        <a:solidFill>
+                          <a:schemeClr val="dk1"/>
+                        </a:solidFill>
+                        <a:effectLst/>
+                        <a:latin typeface="+mn-lt"/>
+                        <a:ea typeface="+mn-ea"/>
+                        <a:cs typeface="+mn-cs"/>
+                      </a:endParaRPr>
+                    </a:p>
+                  </a:txBody>
+                  <a:tcPr anchor="ctr"/>
+                </a:tc>
+                <a:tc>
+                  <a:txBody>
+                    <a:bodyPr/>
+                    <a:lstStyle/>
+                    <a:p>
+                      <a:pPr marL="0" marR="0" lvl="0" indent="0" algn="l" defTabSz="914400" rtl="0" eaLnBrk="1" fontAlgn="auto" latinLnBrk="0" hangingPunct="1">
+                        <a:lnSpc>
+                          <a:spcPct val="100000"/>
+                        </a:lnSpc>
+                        <a:spcBef>
+                          <a:spcPts val="0"/>
+                        </a:spcBef>
+                        <a:spcAft>
+                          <a:spcPts val="0"/>
+                        </a:spcAft>
+                        <a:buClrTx/>
+                        <a:buSzTx/>
+                        <a:buFontTx/>
+                        <a:buNone/>
+                        <a:tabLst/>
+                        <a:defRPr/>
+                      </a:pPr>
+                      <a:r>
+                        <a:rPr lang="en-US" altLang="zh-TW" dirty="0"/>
+                        <a:t>0.90909</a:t>
+                      </a:r>
+                      <a:endParaRPr lang="en-US" altLang="zh-TW" sz="1800" b="0" i="0" kern="1200" dirty="0">
+                        <a:solidFill>
+                          <a:schemeClr val="dk1"/>
+                        </a:solidFill>
+                        <a:effectLst/>
+                        <a:latin typeface="+mn-lt"/>
+                        <a:ea typeface="+mn-ea"/>
+                        <a:cs typeface="+mn-cs"/>
+                      </a:endParaRPr>
+                    </a:p>
+                  </a:txBody>
+                  <a:tcPr anchor="ctr"/>
+                </a:tc>
+                <a:extLst>
+                  <a:ext uri="{0D108BD9-81ED-4DB2-BD59-A6C34878D82A}">
+                    <a16:rowId xmlns:a16="http://schemas.microsoft.com/office/drawing/2014/main" val="1497407918"/>
+                  </a:ext>
+                </a:extLst>
+              </a:tr>
+            </a:tbl>
+          </a:graphicData>
+        </a:graphic>
+      </p:graphicFrame>
+      <p:sp>
+        <p:nvSpPr>
+          <p:cNvPr id="5" name="文字方塊 2">
+            <a:extLst>
+              <a:ext uri="{FF2B5EF4-FFF2-40B4-BE49-F238E27FC236}">
+                <a16:creationId xmlns:a16="http://schemas.microsoft.com/office/drawing/2014/main" id="{9A36C081-BF4A-E545-A102-A337E533EACD}"/>
+              </a:ext>
+            </a:extLst>
+          </p:cNvPr>
+          <p:cNvSpPr txBox="1"/>
+          <p:nvPr/>
+        </p:nvSpPr>
+        <p:spPr>
+          <a:xfrm>
+            <a:off x="2088777" y="6310795"/>
+            <a:ext cx="8014446" cy="369332"/>
+          </a:xfrm>
+          <a:prstGeom prst="rect">
+            <a:avLst/>
+          </a:prstGeom>
+          <a:solidFill>
+            <a:schemeClr val="bg1"/>
+          </a:solidFill>
+          <a:ln w="12700">
+            <a:solidFill>
+              <a:schemeClr val="accent1"/>
+            </a:solidFill>
+          </a:ln>
+        </p:spPr>
+        <p:txBody>
+          <a:bodyPr wrap="square" rtlCol="0">
+            <a:spAutoFit/>
+          </a:bodyPr>
+          <a:lstStyle/>
+          <a:p>
+            <a:pPr algn="ctr"/>
+            <a:r>
+              <a:rPr lang="en-US" altLang="zh-TW" dirty="0">
+                <a:solidFill>
+                  <a:srgbClr val="FF0000"/>
+                </a:solidFill>
+              </a:rPr>
+              <a:t>Accuracy is not always the best choice to choose the test mode !!!! </a:t>
+            </a:r>
+            <a:endParaRPr lang="zh-TW" altLang="en-US" dirty="0">
+              <a:solidFill>
+                <a:srgbClr val="FF0000"/>
+              </a:solidFill>
+            </a:endParaRPr>
+          </a:p>
+        </p:txBody>
+      </p:sp>
+    </p:spTree>
+    <p:extLst>
+      <p:ext uri="{BB962C8B-B14F-4D97-AF65-F5344CB8AC3E}">
+        <p14:creationId xmlns:p14="http://schemas.microsoft.com/office/powerpoint/2010/main" val="13468274"/>
+      </p:ext>
+    </p:extLst>
+  </p:cSld>
+  <p:clrMapOvr>
+    <a:masterClrMapping/>
+  </p:clrMapOvr>
+</p:sld>
+</file>
+
+<file path=ppt/slides/slide34.xml><?xml version="1.0" encoding="utf-8"?>
+<p:sld xmlns:a="http://schemas.openxmlformats.org/drawingml/2006/main" xmlns:r="http://schemas.openxmlformats.org/officeDocument/2006/relationships" xmlns:p="http://schemas.openxmlformats.org/presentationml/2006/main">
+  <p:cSld>
+    <p:spTree>
+      <p:nvGrpSpPr>
+        <p:cNvPr id="1" name=""/>
+        <p:cNvGrpSpPr/>
+        <p:nvPr/>
+      </p:nvGrpSpPr>
+      <p:grpSpPr>
+        <a:xfrm>
+          <a:off x="0" y="0"/>
+          <a:ext cx="0" cy="0"/>
+          <a:chOff x="0" y="0"/>
+          <a:chExt cx="0" cy="0"/>
+        </a:xfrm>
+      </p:grpSpPr>
+      <p:sp>
+        <p:nvSpPr>
+          <p:cNvPr id="2" name="標題 1">
+            <a:extLst>
+              <a:ext uri="{FF2B5EF4-FFF2-40B4-BE49-F238E27FC236}">
+                <a16:creationId xmlns:a16="http://schemas.microsoft.com/office/drawing/2014/main" id="{B0CC67CC-5E6F-B84E-85E1-C3E54AD7B313}"/>
+              </a:ext>
+            </a:extLst>
+          </p:cNvPr>
+          <p:cNvSpPr>
+            <a:spLocks noGrp="1"/>
+          </p:cNvSpPr>
+          <p:nvPr>
+            <p:ph type="title"/>
+          </p:nvPr>
+        </p:nvSpPr>
+        <p:spPr/>
+        <p:txBody>
+          <a:bodyPr>
+            <a:normAutofit fontScale="90000"/>
+          </a:bodyPr>
+          <a:lstStyle/>
+          <a:p>
+            <a:r>
+              <a:rPr kumimoji="1" lang="zh-TW" altLang="en-US" dirty="0"/>
+              <a:t>模型實驗</a:t>
+            </a:r>
+            <a:r>
+              <a:rPr kumimoji="1" lang="en-US" altLang="zh-TW" dirty="0"/>
+              <a:t> </a:t>
+            </a:r>
+            <a:r>
+              <a:rPr lang="en-US" altLang="zh-CN" dirty="0"/>
+              <a:t>–</a:t>
+            </a:r>
+            <a:r>
+              <a:rPr kumimoji="1" lang="en-US" altLang="zh-TW" dirty="0"/>
+              <a:t> logistic regression</a:t>
+            </a:r>
+            <a:endParaRPr kumimoji="1" lang="zh-TW" altLang="en-US" dirty="0"/>
+          </a:p>
+        </p:txBody>
+      </p:sp>
+      <p:sp>
+        <p:nvSpPr>
+          <p:cNvPr id="6" name="Content Placeholder 5">
+            <a:extLst>
+              <a:ext uri="{FF2B5EF4-FFF2-40B4-BE49-F238E27FC236}">
+                <a16:creationId xmlns:a16="http://schemas.microsoft.com/office/drawing/2014/main" id="{CD4B36C3-2F85-884A-918A-26244CBA8AFB}"/>
+              </a:ext>
+            </a:extLst>
+          </p:cNvPr>
+          <p:cNvSpPr>
+            <a:spLocks noGrp="1"/>
+          </p:cNvSpPr>
+          <p:nvPr>
+            <p:ph idx="1"/>
+          </p:nvPr>
+        </p:nvSpPr>
+        <p:spPr/>
+        <p:txBody>
+          <a:bodyPr/>
+          <a:lstStyle/>
+          <a:p>
+            <a:r>
+              <a:rPr lang="zh-CN" altLang="en-US" dirty="0"/>
+              <a:t>最終根據</a:t>
+            </a:r>
+            <a:r>
+              <a:rPr lang="zh-TW" altLang="en-US" dirty="0"/>
+              <a:t> </a:t>
+            </a:r>
+            <a:r>
+              <a:rPr lang="en-US" altLang="zh-TW" dirty="0"/>
+              <a:t>proposed-final</a:t>
+            </a:r>
+            <a:r>
+              <a:rPr lang="zh-TW" altLang="en-US" dirty="0"/>
+              <a:t> 模型，我們設不同的 </a:t>
+            </a:r>
+            <a:r>
+              <a:rPr lang="en-US" altLang="zh-TW" dirty="0"/>
+              <a:t>seed</a:t>
+            </a:r>
+            <a:r>
+              <a:rPr lang="zh-CN" altLang="en-US" dirty="0"/>
+              <a:t>：</a:t>
+            </a:r>
+            <a:endParaRPr lang="en-US" altLang="zh-CN" dirty="0"/>
+          </a:p>
+          <a:p>
+            <a:pPr lvl="1"/>
+            <a:endParaRPr lang="en-US" altLang="zh-CN" dirty="0"/>
+          </a:p>
+        </p:txBody>
+      </p:sp>
+      <p:graphicFrame>
+        <p:nvGraphicFramePr>
+          <p:cNvPr id="7" name="表格 4">
+            <a:extLst>
+              <a:ext uri="{FF2B5EF4-FFF2-40B4-BE49-F238E27FC236}">
+                <a16:creationId xmlns:a16="http://schemas.microsoft.com/office/drawing/2014/main" id="{E4AF32AB-821E-3546-9EEF-61E57386697C}"/>
+              </a:ext>
+            </a:extLst>
+          </p:cNvPr>
+          <p:cNvGraphicFramePr>
+            <a:graphicFrameLocks noGrp="1"/>
+          </p:cNvGraphicFramePr>
+          <p:nvPr>
+            <p:extLst>
+              <p:ext uri="{D42A27DB-BD31-4B8C-83A1-F6EECF244321}">
+                <p14:modId xmlns:p14="http://schemas.microsoft.com/office/powerpoint/2010/main" val="2208368323"/>
+              </p:ext>
+            </p:extLst>
+          </p:nvPr>
+        </p:nvGraphicFramePr>
+        <p:xfrm>
+          <a:off x="1783857" y="2872740"/>
+          <a:ext cx="5400000" cy="1112520"/>
+        </p:xfrm>
+        <a:graphic>
+          <a:graphicData uri="http://schemas.openxmlformats.org/drawingml/2006/table">
+            <a:tbl>
+              <a:tblPr firstRow="1" bandRow="1">
+                <a:tableStyleId>{5C22544A-7EE6-4342-B048-85BDC9FD1C3A}</a:tableStyleId>
+              </a:tblPr>
+              <a:tblGrid>
+                <a:gridCol w="1800000">
+                  <a:extLst>
+                    <a:ext uri="{9D8B030D-6E8A-4147-A177-3AD203B41FA5}">
+                      <a16:colId xmlns:a16="http://schemas.microsoft.com/office/drawing/2014/main" val="621041718"/>
+                    </a:ext>
+                  </a:extLst>
+                </a:gridCol>
+                <a:gridCol w="1800000">
+                  <a:extLst>
+                    <a:ext uri="{9D8B030D-6E8A-4147-A177-3AD203B41FA5}">
+                      <a16:colId xmlns:a16="http://schemas.microsoft.com/office/drawing/2014/main" val="13582020"/>
+                    </a:ext>
+                  </a:extLst>
+                </a:gridCol>
+                <a:gridCol w="1800000">
+                  <a:extLst>
+                    <a:ext uri="{9D8B030D-6E8A-4147-A177-3AD203B41FA5}">
+                      <a16:colId xmlns:a16="http://schemas.microsoft.com/office/drawing/2014/main" val="89510853"/>
+                    </a:ext>
+                  </a:extLst>
+                </a:gridCol>
+              </a:tblGrid>
+              <a:tr h="370840">
+                <a:tc>
+                  <a:txBody>
+                    <a:bodyPr/>
+                    <a:lstStyle/>
+                    <a:p>
+                      <a:pPr algn="l"/>
+                      <a:r>
+                        <a:rPr lang="en-US" altLang="zh-TW" dirty="0"/>
+                        <a:t>seed</a:t>
+                      </a:r>
+                      <a:endParaRPr lang="zh-TW" altLang="en-US" dirty="0"/>
+                    </a:p>
+                  </a:txBody>
+                  <a:tcPr/>
+                </a:tc>
+                <a:tc>
+                  <a:txBody>
+                    <a:bodyPr/>
+                    <a:lstStyle/>
+                    <a:p>
+                      <a:pPr algn="l"/>
+                      <a:r>
+                        <a:rPr lang="en-US" altLang="zh-TW" dirty="0"/>
+                        <a:t>public score</a:t>
+                      </a:r>
+                      <a:endParaRPr lang="zh-TW" altLang="en-US" dirty="0"/>
+                    </a:p>
+                  </a:txBody>
+                  <a:tcPr/>
+                </a:tc>
+                <a:tc>
+                  <a:txBody>
+                    <a:bodyPr/>
+                    <a:lstStyle/>
+                    <a:p>
+                      <a:pPr algn="l"/>
+                      <a:r>
+                        <a:rPr lang="en-US" altLang="zh-TW" dirty="0"/>
+                        <a:t>private score</a:t>
+                      </a:r>
+                      <a:endParaRPr lang="zh-TW" altLang="en-US" dirty="0"/>
+                    </a:p>
+                  </a:txBody>
+                  <a:tcPr/>
+                </a:tc>
+                <a:extLst>
+                  <a:ext uri="{0D108BD9-81ED-4DB2-BD59-A6C34878D82A}">
+                    <a16:rowId xmlns:a16="http://schemas.microsoft.com/office/drawing/2014/main" val="2668263753"/>
+                  </a:ext>
+                </a:extLst>
+              </a:tr>
+              <a:tr h="370840">
+                <a:tc>
+                  <a:txBody>
+                    <a:bodyPr/>
+                    <a:lstStyle/>
+                    <a:p>
+                      <a:pPr algn="l"/>
+                      <a:r>
+                        <a:rPr lang="en-US" altLang="zh-TW" dirty="0"/>
+                        <a:t>4</a:t>
+                      </a:r>
+                      <a:endParaRPr lang="zh-TW" altLang="en-US" dirty="0"/>
+                    </a:p>
+                  </a:txBody>
+                  <a:tcPr/>
+                </a:tc>
+                <a:tc>
+                  <a:txBody>
+                    <a:bodyPr/>
+                    <a:lstStyle/>
+                    <a:p>
+                      <a:pPr algn="l"/>
+                      <a:r>
+                        <a:rPr lang="en-US" altLang="zh-TW" dirty="0"/>
+                        <a:t>0.86792</a:t>
+                      </a:r>
+                      <a:endParaRPr lang="zh-TW" altLang="en-US" dirty="0"/>
+                    </a:p>
+                  </a:txBody>
+                  <a:tcPr/>
+                </a:tc>
+                <a:tc>
+                  <a:txBody>
+                    <a:bodyPr/>
+                    <a:lstStyle/>
+                    <a:p>
+                      <a:pPr algn="l"/>
+                      <a:r>
+                        <a:rPr lang="en-US" altLang="zh-TW" dirty="0"/>
+                        <a:t>0.90909</a:t>
+                      </a:r>
+                      <a:endParaRPr lang="zh-TW" altLang="en-US" dirty="0"/>
+                    </a:p>
+                  </a:txBody>
+                  <a:tcPr/>
+                </a:tc>
+                <a:extLst>
+                  <a:ext uri="{0D108BD9-81ED-4DB2-BD59-A6C34878D82A}">
+                    <a16:rowId xmlns:a16="http://schemas.microsoft.com/office/drawing/2014/main" val="1958668710"/>
+                  </a:ext>
+                </a:extLst>
+              </a:tr>
+              <a:tr h="370840">
+                <a:tc>
+                  <a:txBody>
+                    <a:bodyPr/>
+                    <a:lstStyle/>
+                    <a:p>
+                      <a:pPr algn="l"/>
+                      <a:r>
+                        <a:rPr lang="en-US" altLang="zh-TW" dirty="0"/>
+                        <a:t>10</a:t>
+                      </a:r>
+                      <a:endParaRPr lang="zh-TW" altLang="en-US" dirty="0"/>
+                    </a:p>
+                  </a:txBody>
+                  <a:tcPr/>
+                </a:tc>
+                <a:tc>
+                  <a:txBody>
+                    <a:bodyPr/>
+                    <a:lstStyle/>
+                    <a:p>
+                      <a:pPr algn="l"/>
+                      <a:r>
+                        <a:rPr lang="en-US" altLang="zh-TW" dirty="0"/>
+                        <a:t>0.83018</a:t>
+                      </a:r>
+                      <a:endParaRPr lang="zh-TW" altLang="en-US" dirty="0"/>
+                    </a:p>
+                  </a:txBody>
+                  <a:tcPr/>
+                </a:tc>
+                <a:tc>
+                  <a:txBody>
+                    <a:bodyPr/>
+                    <a:lstStyle/>
+                    <a:p>
+                      <a:pPr algn="l"/>
+                      <a:r>
+                        <a:rPr lang="en-US" altLang="zh-TW" dirty="0"/>
+                        <a:t>0.81818</a:t>
+                      </a:r>
+                      <a:endParaRPr lang="zh-TW" altLang="en-US" dirty="0"/>
+                    </a:p>
+                  </a:txBody>
+                  <a:tcPr/>
+                </a:tc>
+                <a:extLst>
+                  <a:ext uri="{0D108BD9-81ED-4DB2-BD59-A6C34878D82A}">
+                    <a16:rowId xmlns:a16="http://schemas.microsoft.com/office/drawing/2014/main" val="3083832168"/>
+                  </a:ext>
+                </a:extLst>
+              </a:tr>
+            </a:tbl>
+          </a:graphicData>
+        </a:graphic>
+      </p:graphicFrame>
+      <p:sp>
+        <p:nvSpPr>
+          <p:cNvPr id="8" name="Rectangle 7">
+            <a:extLst>
+              <a:ext uri="{FF2B5EF4-FFF2-40B4-BE49-F238E27FC236}">
+                <a16:creationId xmlns:a16="http://schemas.microsoft.com/office/drawing/2014/main" id="{001A5DD3-A031-E34F-AAF2-1D0D94483756}"/>
+              </a:ext>
+            </a:extLst>
+          </p:cNvPr>
+          <p:cNvSpPr/>
+          <p:nvPr/>
+        </p:nvSpPr>
+        <p:spPr>
+          <a:xfrm>
+            <a:off x="1783857" y="5730162"/>
+            <a:ext cx="9270997" cy="369332"/>
+          </a:xfrm>
+          <a:prstGeom prst="rect">
+            <a:avLst/>
+          </a:prstGeom>
+          <a:solidFill>
+            <a:schemeClr val="bg1"/>
+          </a:solidFill>
+          <a:ln w="12700">
+            <a:solidFill>
+              <a:schemeClr val="accent1"/>
+            </a:solidFill>
+          </a:ln>
+        </p:spPr>
+        <p:txBody>
+          <a:bodyPr wrap="square">
+            <a:spAutoFit/>
+          </a:bodyPr>
+          <a:lstStyle/>
+          <a:p>
+            <a:pPr algn="ctr"/>
+            <a:r>
+              <a:rPr lang="en-US" altLang="zh-TW" dirty="0">
+                <a:solidFill>
+                  <a:srgbClr val="FF0000"/>
+                </a:solidFill>
+              </a:rPr>
+              <a:t>The way we cut into fold is important, it can be improved if we make some tricks before cut</a:t>
+            </a:r>
+            <a:endParaRPr lang="zh-TW" altLang="en-US" dirty="0">
+              <a:solidFill>
+                <a:srgbClr val="FF0000"/>
+              </a:solidFill>
+            </a:endParaRPr>
+          </a:p>
+        </p:txBody>
+      </p:sp>
+      <p:pic>
+        <p:nvPicPr>
+          <p:cNvPr id="10" name="內容版面配置區 1">
+            <a:extLst>
+              <a:ext uri="{FF2B5EF4-FFF2-40B4-BE49-F238E27FC236}">
+                <a16:creationId xmlns:a16="http://schemas.microsoft.com/office/drawing/2014/main" id="{0CAAB5C8-9A41-7B43-8CAE-281599E2C90B}"/>
+              </a:ext>
+            </a:extLst>
+          </p:cNvPr>
+          <p:cNvPicPr>
+            <a:picLocks noChangeAspect="1"/>
+          </p:cNvPicPr>
+          <p:nvPr/>
+        </p:nvPicPr>
+        <p:blipFill rotWithShape="1">
+          <a:blip r:embed="rId2"/>
+          <a:srcRect r="6745"/>
+          <a:stretch/>
+        </p:blipFill>
+        <p:spPr>
+          <a:xfrm>
+            <a:off x="1783858" y="4147238"/>
+            <a:ext cx="9270996" cy="956264"/>
+          </a:xfrm>
+          <a:prstGeom prst="rect">
+            <a:avLst/>
+          </a:prstGeom>
+          <a:ln>
+            <a:solidFill>
+              <a:schemeClr val="tx1"/>
+            </a:solidFill>
+          </a:ln>
+        </p:spPr>
+      </p:pic>
+    </p:spTree>
+    <p:extLst>
+      <p:ext uri="{BB962C8B-B14F-4D97-AF65-F5344CB8AC3E}">
+        <p14:creationId xmlns:p14="http://schemas.microsoft.com/office/powerpoint/2010/main" val="1938006359"/>
+      </p:ext>
+    </p:extLst>
+  </p:cSld>
+  <p:clrMapOvr>
+    <a:masterClrMapping/>
+  </p:clrMapOvr>
+</p:sld>
+</file>
+
+<file path=ppt/slides/slide35.xml><?xml version="1.0" encoding="utf-8"?>
 <p:sld xmlns:a="http://schemas.openxmlformats.org/drawingml/2006/main" xmlns:r="http://schemas.openxmlformats.org/officeDocument/2006/relationships" xmlns:p="http://schemas.openxmlformats.org/presentationml/2006/main">
   <p:cSld>
     <p:spTree>
@@ -7251,7 +11088,7 @@
 </p:sld>
 </file>
 
-<file path=ppt/slides/slide29.xml><?xml version="1.0" encoding="utf-8"?>
+<file path=ppt/slides/slide36.xml><?xml version="1.0" encoding="utf-8"?>
 <p:sld xmlns:a="http://schemas.openxmlformats.org/drawingml/2006/main" xmlns:r="http://schemas.openxmlformats.org/officeDocument/2006/relationships" xmlns:p="http://schemas.openxmlformats.org/presentationml/2006/main">
   <p:cSld>
     <p:spTree>
@@ -7383,167 +11220,7 @@
 </p:sld>
 </file>
 
-<file path=ppt/slides/slide3.xml><?xml version="1.0" encoding="utf-8"?>
-<p:sld xmlns:a="http://schemas.openxmlformats.org/drawingml/2006/main" xmlns:r="http://schemas.openxmlformats.org/officeDocument/2006/relationships" xmlns:p="http://schemas.openxmlformats.org/presentationml/2006/main">
-  <p:cSld>
-    <p:spTree>
-      <p:nvGrpSpPr>
-        <p:cNvPr id="1" name=""/>
-        <p:cNvGrpSpPr/>
-        <p:nvPr/>
-      </p:nvGrpSpPr>
-      <p:grpSpPr>
-        <a:xfrm>
-          <a:off x="0" y="0"/>
-          <a:ext cx="0" cy="0"/>
-          <a:chOff x="0" y="0"/>
-          <a:chExt cx="0" cy="0"/>
-        </a:xfrm>
-      </p:grpSpPr>
-      <p:sp>
-        <p:nvSpPr>
-          <p:cNvPr id="3" name="Content Placeholder 2">
-            <a:extLst>
-              <a:ext uri="{FF2B5EF4-FFF2-40B4-BE49-F238E27FC236}">
-                <a16:creationId xmlns:a16="http://schemas.microsoft.com/office/drawing/2014/main" id="{97F7C985-F283-3F42-A334-D18BFB328D95}"/>
-              </a:ext>
-            </a:extLst>
-          </p:cNvPr>
-          <p:cNvSpPr>
-            <a:spLocks noGrp="1"/>
-          </p:cNvSpPr>
-          <p:nvPr>
-            <p:ph idx="1"/>
-          </p:nvPr>
-        </p:nvSpPr>
-        <p:spPr/>
-        <p:txBody>
-          <a:bodyPr/>
-          <a:lstStyle/>
-          <a:p>
-            <a:r>
-              <a:rPr lang="zh-CN" altLang="en-US" dirty="0"/>
-              <a:t>若鐵達尼存活預測是</a:t>
-            </a:r>
-            <a:endParaRPr lang="en-US" altLang="zh-CN" dirty="0"/>
-          </a:p>
-          <a:p>
-            <a:pPr lvl="1"/>
-            <a:r>
-              <a:rPr lang="zh-CN" altLang="en-US" dirty="0"/>
-              <a:t>初入資料科學、</a:t>
-            </a:r>
-            <a:r>
-              <a:rPr lang="en-US" altLang="zh-CN" dirty="0"/>
-              <a:t>Kaggle</a:t>
-            </a:r>
-            <a:r>
-              <a:rPr lang="zh-CN" altLang="en-US" dirty="0"/>
-              <a:t>競賽的熱門入門題</a:t>
-            </a:r>
-            <a:endParaRPr lang="en-US" altLang="zh-CN" dirty="0"/>
-          </a:p>
-          <a:p>
-            <a:pPr lvl="1"/>
-            <a:r>
-              <a:rPr lang="zh-CN" altLang="en-US" dirty="0"/>
-              <a:t>瞭解資料科學的運作過程</a:t>
-            </a:r>
-            <a:endParaRPr lang="en-US" altLang="zh-CN" dirty="0"/>
-          </a:p>
-          <a:p>
-            <a:pPr lvl="1"/>
-            <a:r>
-              <a:rPr lang="en-US" altLang="zh-TW" dirty="0"/>
-              <a:t>…</a:t>
-            </a:r>
-            <a:r>
-              <a:rPr lang="zh-CN" altLang="en-US" dirty="0"/>
-              <a:t>可以幫我補</a:t>
-            </a:r>
-            <a:endParaRPr lang="en-US" altLang="zh-TW" dirty="0"/>
-          </a:p>
-          <a:p>
-            <a:r>
-              <a:rPr lang="zh-TW" altLang="en-US" dirty="0"/>
-              <a:t>那此次的心臟病分類預測競賽就是</a:t>
-            </a:r>
-            <a:endParaRPr lang="en-US" altLang="zh-TW" dirty="0"/>
-          </a:p>
-          <a:p>
-            <a:pPr lvl="1"/>
-            <a:r>
-              <a:rPr lang="zh-CN" altLang="en-US" dirty="0"/>
-              <a:t>正式實作資料科學的流程</a:t>
-            </a:r>
-            <a:endParaRPr lang="en-US" altLang="zh-CN" dirty="0"/>
-          </a:p>
-          <a:p>
-            <a:pPr lvl="1"/>
-            <a:r>
-              <a:rPr lang="zh-CN" altLang="en-US" dirty="0"/>
-              <a:t>遇到實務上的問題並嘗試著解決</a:t>
-            </a:r>
-            <a:endParaRPr lang="en-US" altLang="zh-CN" dirty="0"/>
-          </a:p>
-          <a:p>
-            <a:pPr lvl="1"/>
-            <a:r>
-              <a:rPr lang="en-US" altLang="zh-TW" dirty="0"/>
-              <a:t>…</a:t>
-            </a:r>
-            <a:r>
-              <a:rPr lang="zh-CN" altLang="en-US" dirty="0"/>
-              <a:t>可以幫我補</a:t>
-            </a:r>
-            <a:endParaRPr lang="en-US" altLang="zh-TW" dirty="0"/>
-          </a:p>
-        </p:txBody>
-      </p:sp>
-      <p:sp>
-        <p:nvSpPr>
-          <p:cNvPr id="8" name="標題 3">
-            <a:extLst>
-              <a:ext uri="{FF2B5EF4-FFF2-40B4-BE49-F238E27FC236}">
-                <a16:creationId xmlns:a16="http://schemas.microsoft.com/office/drawing/2014/main" id="{F662832A-5479-F441-9D85-CC03B95A0DC9}"/>
-              </a:ext>
-            </a:extLst>
-          </p:cNvPr>
-          <p:cNvSpPr>
-            <a:spLocks noGrp="1"/>
-          </p:cNvSpPr>
-          <p:nvPr>
-            <p:ph type="title"/>
-          </p:nvPr>
-        </p:nvSpPr>
-        <p:spPr/>
-        <p:txBody>
-          <a:bodyPr>
-            <a:normAutofit fontScale="90000"/>
-          </a:bodyPr>
-          <a:lstStyle/>
-          <a:p>
-            <a:r>
-              <a:rPr lang="zh-TW" altLang="en-US" dirty="0"/>
-              <a:t>專案簡介</a:t>
-            </a:r>
-          </a:p>
-        </p:txBody>
-      </p:sp>
-    </p:spTree>
-    <p:extLst>
-      <p:ext uri="{BB962C8B-B14F-4D97-AF65-F5344CB8AC3E}">
-        <p14:creationId xmlns:p14="http://schemas.microsoft.com/office/powerpoint/2010/main" val="4235119186"/>
-      </p:ext>
-    </p:extLst>
-  </p:cSld>
-  <p:clrMapOvr>
-    <a:masterClrMapping/>
-  </p:clrMapOvr>
-</p:sld>
-</file>
-
-<file path=ppt/slides/slide30.xml><?xml version="1.0" encoding="utf-8"?>
+<file path=ppt/slides/slide37.xml><?xml version="1.0" encoding="utf-8"?>
 <p:sld xmlns:a="http://schemas.openxmlformats.org/drawingml/2006/main" xmlns:r="http://schemas.openxmlformats.org/officeDocument/2006/relationships" xmlns:p="http://schemas.openxmlformats.org/presentationml/2006/main">
   <p:cSld>
     <p:spTree>
@@ -7606,9 +11283,16 @@
             <p:ph idx="1"/>
           </p:nvPr>
         </p:nvSpPr>
-        <p:spPr/>
+        <p:spPr>
+          <a:xfrm>
+            <a:off x="1451579" y="2015732"/>
+            <a:ext cx="9603275" cy="4156468"/>
+          </a:xfrm>
+        </p:spPr>
         <p:txBody>
-          <a:bodyPr/>
+          <a:bodyPr>
+            <a:normAutofit fontScale="92500" lnSpcReduction="20000"/>
+          </a:bodyPr>
           <a:lstStyle/>
           <a:p>
             <a:r>
@@ -7711,6 +11395,56 @@
               </a:rPr>
               <a:t>馬偕醫院</a:t>
             </a:r>
+            <a:endParaRPr kumimoji="1" lang="en-US" altLang="zh-CN" dirty="0"/>
+          </a:p>
+          <a:p>
+            <a:r>
+              <a:rPr kumimoji="1" lang="zh-CN" altLang="en-US" dirty="0"/>
+              <a:t>資料處理：</a:t>
+            </a:r>
+            <a:endParaRPr kumimoji="1" lang="en-US" altLang="zh-CN" dirty="0"/>
+          </a:p>
+          <a:p>
+            <a:pPr lvl="1"/>
+            <a:r>
+              <a:rPr lang="en-US" dirty="0">
+                <a:hlinkClick r:id="rId6"/>
+              </a:rPr>
+              <a:t>https://www.datacamp.com/community/tutorials/contingency-tables-r</a:t>
+            </a:r>
+            <a:endParaRPr lang="en-US" dirty="0"/>
+          </a:p>
+          <a:p>
+            <a:pPr lvl="1"/>
+            <a:r>
+              <a:rPr lang="en-US" dirty="0">
+                <a:hlinkClick r:id="rId7"/>
+              </a:rPr>
+              <a:t>https://www.pluralsight.com/guides/cleaning-up-data-from-outliers</a:t>
+            </a:r>
+            <a:endParaRPr lang="en-US" dirty="0"/>
+          </a:p>
+          <a:p>
+            <a:pPr lvl="1"/>
+            <a:r>
+              <a:rPr lang="en-US" dirty="0">
+                <a:hlinkClick r:id="rId8"/>
+              </a:rPr>
+              <a:t>https://www.gastonsanchez.com/r4strings/formatting.html</a:t>
+            </a:r>
+            <a:endParaRPr lang="en-US" dirty="0"/>
+          </a:p>
+          <a:p>
+            <a:pPr lvl="1"/>
+            <a:r>
+              <a:rPr lang="en-US" dirty="0">
+                <a:hlinkClick r:id="rId9"/>
+              </a:rPr>
+              <a:t>https://www.guru99.com/r-data-frames.html</a:t>
+            </a:r>
+            <a:endParaRPr lang="en-US" dirty="0"/>
+          </a:p>
+          <a:p>
             <a:endParaRPr kumimoji="1" lang="en-US" altLang="zh-TW" dirty="0"/>
           </a:p>
         </p:txBody>
@@ -7728,7 +11462,211 @@
 </p:sld>
 </file>
 
-<file path=ppt/slides/slide31.xml><?xml version="1.0" encoding="utf-8"?>
+<file path=ppt/slides/slide38.xml><?xml version="1.0" encoding="utf-8"?>
+<p:sld xmlns:a="http://schemas.openxmlformats.org/drawingml/2006/main" xmlns:r="http://schemas.openxmlformats.org/officeDocument/2006/relationships" xmlns:p="http://schemas.openxmlformats.org/presentationml/2006/main">
+  <p:cSld>
+    <p:spTree>
+      <p:nvGrpSpPr>
+        <p:cNvPr id="1" name=""/>
+        <p:cNvGrpSpPr/>
+        <p:nvPr/>
+      </p:nvGrpSpPr>
+      <p:grpSpPr>
+        <a:xfrm>
+          <a:off x="0" y="0"/>
+          <a:ext cx="0" cy="0"/>
+          <a:chOff x="0" y="0"/>
+          <a:chExt cx="0" cy="0"/>
+        </a:xfrm>
+      </p:grpSpPr>
+      <p:sp>
+        <p:nvSpPr>
+          <p:cNvPr id="2" name="標題 1">
+            <a:extLst>
+              <a:ext uri="{FF2B5EF4-FFF2-40B4-BE49-F238E27FC236}">
+                <a16:creationId xmlns:a16="http://schemas.microsoft.com/office/drawing/2014/main" id="{EECECADE-F4D4-6844-B3CB-117177C38013}"/>
+              </a:ext>
+            </a:extLst>
+          </p:cNvPr>
+          <p:cNvSpPr>
+            <a:spLocks noGrp="1"/>
+          </p:cNvSpPr>
+          <p:nvPr>
+            <p:ph type="title"/>
+          </p:nvPr>
+        </p:nvSpPr>
+        <p:spPr/>
+        <p:txBody>
+          <a:bodyPr>
+            <a:normAutofit fontScale="90000"/>
+          </a:bodyPr>
+          <a:lstStyle/>
+          <a:p>
+            <a:r>
+              <a:rPr kumimoji="1" lang="zh-TW" altLang="en-US" dirty="0"/>
+              <a:t>參考出處</a:t>
+            </a:r>
+          </a:p>
+        </p:txBody>
+      </p:sp>
+      <p:sp>
+        <p:nvSpPr>
+          <p:cNvPr id="3" name="內容版面配置區 2">
+            <a:extLst>
+              <a:ext uri="{FF2B5EF4-FFF2-40B4-BE49-F238E27FC236}">
+                <a16:creationId xmlns:a16="http://schemas.microsoft.com/office/drawing/2014/main" id="{A5E94ADD-03F4-B94C-9F7E-C5A66F395A8C}"/>
+              </a:ext>
+            </a:extLst>
+          </p:cNvPr>
+          <p:cNvSpPr>
+            <a:spLocks noGrp="1"/>
+          </p:cNvSpPr>
+          <p:nvPr>
+            <p:ph idx="1"/>
+          </p:nvPr>
+        </p:nvSpPr>
+        <p:spPr>
+          <a:xfrm>
+            <a:off x="1451579" y="2015732"/>
+            <a:ext cx="9603275" cy="4156468"/>
+          </a:xfrm>
+        </p:spPr>
+        <p:txBody>
+          <a:bodyPr>
+            <a:normAutofit fontScale="92500" lnSpcReduction="20000"/>
+          </a:bodyPr>
+          <a:lstStyle/>
+          <a:p>
+            <a:r>
+              <a:rPr kumimoji="1" lang="zh-CN" altLang="en-US" dirty="0"/>
+              <a:t>套件引用：</a:t>
+            </a:r>
+            <a:endParaRPr kumimoji="1" lang="en-US" altLang="zh-CN" dirty="0"/>
+          </a:p>
+          <a:p>
+            <a:pPr lvl="1"/>
+            <a:r>
+              <a:rPr lang="en-US" dirty="0">
+                <a:hlinkClick r:id="rId2"/>
+              </a:rPr>
+              <a:t>https://cran.r-project.org/web/packages/hash/hash.pdf</a:t>
+            </a:r>
+            <a:endParaRPr lang="en-US" dirty="0"/>
+          </a:p>
+          <a:p>
+            <a:pPr lvl="1"/>
+            <a:r>
+              <a:rPr lang="en-US" dirty="0">
+                <a:hlinkClick r:id="rId3"/>
+              </a:rPr>
+              <a:t>https://stackoverflow.com/questions/23765996/get-all-keys-from-ruby-hash</a:t>
+            </a:r>
+            <a:endParaRPr lang="en-US" dirty="0"/>
+          </a:p>
+          <a:p>
+            <a:pPr lvl="1"/>
+            <a:r>
+              <a:rPr lang="en-US" dirty="0">
+                <a:hlinkClick r:id="rId4"/>
+              </a:rPr>
+              <a:t>https://www.rdocumentation.org/packages/tibble/versions/1.4.2/topics/add_column</a:t>
+            </a:r>
+            <a:endParaRPr lang="en-US" dirty="0"/>
+          </a:p>
+          <a:p>
+            <a:pPr lvl="1"/>
+            <a:r>
+              <a:rPr lang="en-US" dirty="0">
+                <a:hlinkClick r:id="rId5"/>
+              </a:rPr>
+              <a:t>https://stackoverflow.com/questions/45741498/add-column-in-tibble-with-variable-column-name</a:t>
+            </a:r>
+            <a:endParaRPr lang="en-US" dirty="0"/>
+          </a:p>
+          <a:p>
+            <a:pPr lvl="1"/>
+            <a:r>
+              <a:rPr lang="en-US" dirty="0">
+                <a:hlinkClick r:id="rId6"/>
+              </a:rPr>
+              <a:t>https://statmath.wu.ac.at/projects/vcd/</a:t>
+            </a:r>
+            <a:endParaRPr lang="en-US" dirty="0"/>
+          </a:p>
+          <a:p>
+            <a:pPr lvl="1"/>
+            <a:r>
+              <a:rPr lang="en-US" dirty="0">
+                <a:hlinkClick r:id="rId7"/>
+              </a:rPr>
+              <a:t>https://rdrr.io/cran/infotheo/man/mutinformation.html</a:t>
+            </a:r>
+            <a:endParaRPr lang="en-US" dirty="0"/>
+          </a:p>
+          <a:p>
+            <a:pPr lvl="1"/>
+            <a:r>
+              <a:rPr lang="en-US" dirty="0">
+                <a:hlinkClick r:id="rId8"/>
+              </a:rPr>
+              <a:t>https://cran.r-project.org/web/packages/infotheo/infotheo.pdf</a:t>
+            </a:r>
+            <a:endParaRPr lang="en-US" dirty="0"/>
+          </a:p>
+          <a:p>
+            <a:pPr lvl="1"/>
+            <a:r>
+              <a:rPr lang="en-US" dirty="0">
+                <a:hlinkClick r:id="rId9"/>
+              </a:rPr>
+              <a:t>https://www.rdocumentation.org/packages/stringr</a:t>
+            </a:r>
+            <a:endParaRPr lang="en-US" dirty="0"/>
+          </a:p>
+          <a:p>
+            <a:pPr lvl="1"/>
+            <a:r>
+              <a:rPr lang="en-US" dirty="0">
+                <a:hlinkClick r:id="rId10"/>
+              </a:rPr>
+              <a:t>https://stringr.tidyverse.org/reference/str_detect.html</a:t>
+            </a:r>
+            <a:endParaRPr lang="en-US" dirty="0"/>
+          </a:p>
+          <a:p>
+            <a:pPr lvl="1"/>
+            <a:r>
+              <a:rPr lang="en-US" dirty="0">
+                <a:hlinkClick r:id="rId11"/>
+              </a:rPr>
+              <a:t>https://www.rdocumentation.org/packages/vcd/</a:t>
+            </a:r>
+            <a:endParaRPr kumimoji="1" lang="en-US" altLang="zh-TW" dirty="0"/>
+          </a:p>
+          <a:p>
+            <a:pPr lvl="1"/>
+            <a:endParaRPr kumimoji="1" lang="en-US" altLang="zh-TW" dirty="0"/>
+          </a:p>
+          <a:p>
+            <a:pPr lvl="1"/>
+            <a:endParaRPr kumimoji="1" lang="en-US" altLang="zh-TW" dirty="0"/>
+          </a:p>
+        </p:txBody>
+      </p:sp>
+    </p:spTree>
+    <p:extLst>
+      <p:ext uri="{BB962C8B-B14F-4D97-AF65-F5344CB8AC3E}">
+        <p14:creationId xmlns:p14="http://schemas.microsoft.com/office/powerpoint/2010/main" val="3926490653"/>
+      </p:ext>
+    </p:extLst>
+  </p:cSld>
+  <p:clrMapOvr>
+    <a:masterClrMapping/>
+  </p:clrMapOvr>
+</p:sld>
+</file>
+
+<file path=ppt/slides/slide39.xml><?xml version="1.0" encoding="utf-8"?>
 <p:sld xmlns:a="http://schemas.openxmlformats.org/drawingml/2006/main" xmlns:r="http://schemas.openxmlformats.org/officeDocument/2006/relationships" xmlns:p="http://schemas.openxmlformats.org/presentationml/2006/main">
   <p:cSld>
     <p:spTree>
@@ -7819,6 +11757,773 @@
 </file>
 
 <file path=ppt/slides/slide4.xml><?xml version="1.0" encoding="utf-8"?>
+<p:sld xmlns:a="http://schemas.openxmlformats.org/drawingml/2006/main" xmlns:r="http://schemas.openxmlformats.org/officeDocument/2006/relationships" xmlns:p="http://schemas.openxmlformats.org/presentationml/2006/main">
+  <p:cSld>
+    <p:spTree>
+      <p:nvGrpSpPr>
+        <p:cNvPr id="1" name=""/>
+        <p:cNvGrpSpPr/>
+        <p:nvPr/>
+      </p:nvGrpSpPr>
+      <p:grpSpPr>
+        <a:xfrm>
+          <a:off x="0" y="0"/>
+          <a:ext cx="0" cy="0"/>
+          <a:chOff x="0" y="0"/>
+          <a:chExt cx="0" cy="0"/>
+        </a:xfrm>
+      </p:grpSpPr>
+      <p:sp>
+        <p:nvSpPr>
+          <p:cNvPr id="3" name="Content Placeholder 2">
+            <a:extLst>
+              <a:ext uri="{FF2B5EF4-FFF2-40B4-BE49-F238E27FC236}">
+                <a16:creationId xmlns:a16="http://schemas.microsoft.com/office/drawing/2014/main" id="{97F7C985-F283-3F42-A334-D18BFB328D95}"/>
+              </a:ext>
+            </a:extLst>
+          </p:cNvPr>
+          <p:cNvSpPr>
+            <a:spLocks noGrp="1"/>
+          </p:cNvSpPr>
+          <p:nvPr>
+            <p:ph idx="1"/>
+          </p:nvPr>
+        </p:nvSpPr>
+        <p:spPr/>
+        <p:txBody>
+          <a:bodyPr>
+            <a:normAutofit/>
+          </a:bodyPr>
+          <a:lstStyle/>
+          <a:p>
+            <a:r>
+              <a:rPr lang="zh-CN" altLang="en-US" dirty="0"/>
+              <a:t>共有欄位如下：</a:t>
+            </a:r>
+            <a:endParaRPr lang="en-TW" dirty="0"/>
+          </a:p>
+          <a:p>
+            <a:pPr lvl="1"/>
+            <a:endParaRPr lang="en-US" altLang="zh-CN" dirty="0"/>
+          </a:p>
+          <a:p>
+            <a:pPr lvl="1"/>
+            <a:endParaRPr lang="en-TW" dirty="0"/>
+          </a:p>
+        </p:txBody>
+      </p:sp>
+      <p:sp>
+        <p:nvSpPr>
+          <p:cNvPr id="6" name="標題 3">
+            <a:extLst>
+              <a:ext uri="{FF2B5EF4-FFF2-40B4-BE49-F238E27FC236}">
+                <a16:creationId xmlns:a16="http://schemas.microsoft.com/office/drawing/2014/main" id="{9E058EAF-6828-D940-8DDC-CB8CB32F9618}"/>
+              </a:ext>
+            </a:extLst>
+          </p:cNvPr>
+          <p:cNvSpPr>
+            <a:spLocks noGrp="1"/>
+          </p:cNvSpPr>
+          <p:nvPr>
+            <p:ph type="title"/>
+          </p:nvPr>
+        </p:nvSpPr>
+        <p:spPr>
+          <a:xfrm>
+            <a:off x="1451579" y="1350179"/>
+            <a:ext cx="9603275" cy="503575"/>
+          </a:xfrm>
+        </p:spPr>
+        <p:txBody>
+          <a:bodyPr>
+            <a:normAutofit fontScale="90000"/>
+          </a:bodyPr>
+          <a:lstStyle/>
+          <a:p>
+            <a:r>
+              <a:rPr lang="zh-CN" altLang="en-US" dirty="0"/>
+              <a:t>資料輸入輸出</a:t>
+            </a:r>
+            <a:endParaRPr lang="zh-TW" altLang="en-US" dirty="0"/>
+          </a:p>
+        </p:txBody>
+      </p:sp>
+      <p:graphicFrame>
+        <p:nvGraphicFramePr>
+          <p:cNvPr id="2" name="Table 1">
+            <a:extLst>
+              <a:ext uri="{FF2B5EF4-FFF2-40B4-BE49-F238E27FC236}">
+                <a16:creationId xmlns:a16="http://schemas.microsoft.com/office/drawing/2014/main" id="{8F05F04E-6BE6-9547-811D-45E9BAD555D7}"/>
+              </a:ext>
+            </a:extLst>
+          </p:cNvPr>
+          <p:cNvGraphicFramePr>
+            <a:graphicFrameLocks noGrp="1"/>
+          </p:cNvGraphicFramePr>
+          <p:nvPr>
+            <p:extLst>
+              <p:ext uri="{D42A27DB-BD31-4B8C-83A1-F6EECF244321}">
+                <p14:modId xmlns:p14="http://schemas.microsoft.com/office/powerpoint/2010/main" val="2266174120"/>
+              </p:ext>
+            </p:extLst>
+          </p:nvPr>
+        </p:nvGraphicFramePr>
+        <p:xfrm>
+          <a:off x="2032000" y="2779025"/>
+          <a:ext cx="8128000" cy="2961640"/>
+        </p:xfrm>
+        <a:graphic>
+          <a:graphicData uri="http://schemas.openxmlformats.org/drawingml/2006/table">
+            <a:tbl>
+              <a:tblPr bandRow="1">
+                <a:tableStyleId>{5C22544A-7EE6-4342-B048-85BDC9FD1C3A}</a:tableStyleId>
+              </a:tblPr>
+              <a:tblGrid>
+                <a:gridCol w="4064000">
+                  <a:extLst>
+                    <a:ext uri="{9D8B030D-6E8A-4147-A177-3AD203B41FA5}">
+                      <a16:colId xmlns:a16="http://schemas.microsoft.com/office/drawing/2014/main" val="1246489660"/>
+                    </a:ext>
+                  </a:extLst>
+                </a:gridCol>
+                <a:gridCol w="4064000">
+                  <a:extLst>
+                    <a:ext uri="{9D8B030D-6E8A-4147-A177-3AD203B41FA5}">
+                      <a16:colId xmlns:a16="http://schemas.microsoft.com/office/drawing/2014/main" val="3614080619"/>
+                    </a:ext>
+                  </a:extLst>
+                </a:gridCol>
+              </a:tblGrid>
+              <a:tr h="0">
+                <a:tc>
+                  <a:txBody>
+                    <a:bodyPr/>
+                    <a:lstStyle/>
+                    <a:p>
+                      <a:r>
+                        <a:rPr lang="en-US" altLang="zh-TW" dirty="0"/>
+                        <a:t>Id</a:t>
+                      </a:r>
+                      <a:endParaRPr lang="zh-TW" altLang="en-US" dirty="0"/>
+                    </a:p>
+                  </a:txBody>
+                  <a:tcPr/>
+                </a:tc>
+                <a:tc>
+                  <a:txBody>
+                    <a:bodyPr/>
+                    <a:lstStyle/>
+                    <a:p>
+                      <a:r>
+                        <a:rPr lang="en-US" altLang="zh-TW" sz="1800" b="0" i="0" kern="1200" dirty="0">
+                          <a:solidFill>
+                            <a:schemeClr val="dk1"/>
+                          </a:solidFill>
+                          <a:effectLst/>
+                          <a:latin typeface="+mn-lt"/>
+                          <a:ea typeface="+mn-ea"/>
+                          <a:cs typeface="+mn-cs"/>
+                        </a:rPr>
+                        <a:t>M</a:t>
+                      </a:r>
+                      <a:r>
+                        <a:rPr lang="en" altLang="zh-TW" sz="1800" b="0" i="0" kern="1200" dirty="0">
+                          <a:solidFill>
+                            <a:schemeClr val="dk1"/>
+                          </a:solidFill>
+                          <a:effectLst/>
+                          <a:latin typeface="+mn-lt"/>
+                          <a:ea typeface="+mn-ea"/>
+                          <a:cs typeface="+mn-cs"/>
+                        </a:rPr>
+                        <a:t>ax</a:t>
+                      </a:r>
+                      <a:r>
+                        <a:rPr lang="zh-TW" altLang="en-US" sz="1800" b="0" i="0" kern="1200" dirty="0">
+                          <a:solidFill>
+                            <a:schemeClr val="dk1"/>
+                          </a:solidFill>
+                          <a:effectLst/>
+                          <a:latin typeface="+mn-lt"/>
+                          <a:ea typeface="+mn-ea"/>
+                          <a:cs typeface="+mn-cs"/>
+                        </a:rPr>
+                        <a:t> </a:t>
+                      </a:r>
+                      <a:r>
+                        <a:rPr lang="en" altLang="zh-TW" sz="1800" b="0" i="0" kern="1200" dirty="0">
+                          <a:solidFill>
+                            <a:schemeClr val="dk1"/>
+                          </a:solidFill>
+                          <a:effectLst/>
+                          <a:latin typeface="+mn-lt"/>
+                          <a:ea typeface="+mn-ea"/>
+                          <a:cs typeface="+mn-cs"/>
+                        </a:rPr>
+                        <a:t>rate</a:t>
+                      </a:r>
+                      <a:endParaRPr lang="zh-TW" altLang="en-US" dirty="0"/>
+                    </a:p>
+                  </a:txBody>
+                  <a:tcPr/>
+                </a:tc>
+                <a:extLst>
+                  <a:ext uri="{0D108BD9-81ED-4DB2-BD59-A6C34878D82A}">
+                    <a16:rowId xmlns:a16="http://schemas.microsoft.com/office/drawing/2014/main" val="1406262152"/>
+                  </a:ext>
+                </a:extLst>
+              </a:tr>
+              <a:tr h="370840">
+                <a:tc>
+                  <a:txBody>
+                    <a:bodyPr/>
+                    <a:lstStyle/>
+                    <a:p>
+                      <a:r>
+                        <a:rPr lang="en-US" altLang="zh-TW" dirty="0"/>
+                        <a:t>Age</a:t>
+                      </a:r>
+                      <a:endParaRPr lang="zh-TW" altLang="en-US" dirty="0"/>
+                    </a:p>
+                  </a:txBody>
+                  <a:tcPr/>
+                </a:tc>
+                <a:tc>
+                  <a:txBody>
+                    <a:bodyPr/>
+                    <a:lstStyle/>
+                    <a:p>
+                      <a:r>
+                        <a:rPr lang="en-US" altLang="zh-TW" sz="1800" b="0" i="0" kern="1200" dirty="0">
+                          <a:solidFill>
+                            <a:schemeClr val="dk1"/>
+                          </a:solidFill>
+                          <a:effectLst/>
+                          <a:latin typeface="+mn-lt"/>
+                          <a:ea typeface="+mn-ea"/>
+                          <a:cs typeface="+mn-cs"/>
+                        </a:rPr>
+                        <a:t>E</a:t>
+                      </a:r>
+                      <a:r>
+                        <a:rPr lang="en" altLang="zh-TW" sz="1800" b="0" i="0" kern="1200" dirty="0" err="1">
+                          <a:solidFill>
+                            <a:schemeClr val="dk1"/>
+                          </a:solidFill>
+                          <a:effectLst/>
+                          <a:latin typeface="+mn-lt"/>
+                          <a:ea typeface="+mn-ea"/>
+                          <a:cs typeface="+mn-cs"/>
+                        </a:rPr>
+                        <a:t>xercise</a:t>
+                      </a:r>
+                      <a:r>
+                        <a:rPr lang="zh-TW" altLang="en-US" sz="1800" b="0" i="0" kern="1200" dirty="0">
+                          <a:solidFill>
+                            <a:schemeClr val="dk1"/>
+                          </a:solidFill>
+                          <a:effectLst/>
+                          <a:latin typeface="+mn-lt"/>
+                          <a:ea typeface="+mn-ea"/>
+                          <a:cs typeface="+mn-cs"/>
+                        </a:rPr>
+                        <a:t> </a:t>
+                      </a:r>
+                      <a:r>
+                        <a:rPr lang="en" altLang="zh-TW" sz="1800" b="0" i="0" kern="1200" dirty="0">
+                          <a:solidFill>
+                            <a:schemeClr val="dk1"/>
+                          </a:solidFill>
+                          <a:effectLst/>
+                          <a:latin typeface="+mn-lt"/>
+                          <a:ea typeface="+mn-ea"/>
+                          <a:cs typeface="+mn-cs"/>
+                        </a:rPr>
+                        <a:t>angina</a:t>
+                      </a:r>
+                      <a:endParaRPr lang="zh-TW" altLang="en-US" dirty="0"/>
+                    </a:p>
+                  </a:txBody>
+                  <a:tcPr/>
+                </a:tc>
+                <a:extLst>
+                  <a:ext uri="{0D108BD9-81ED-4DB2-BD59-A6C34878D82A}">
+                    <a16:rowId xmlns:a16="http://schemas.microsoft.com/office/drawing/2014/main" val="857193856"/>
+                  </a:ext>
+                </a:extLst>
+              </a:tr>
+              <a:tr h="370840">
+                <a:tc>
+                  <a:txBody>
+                    <a:bodyPr/>
+                    <a:lstStyle/>
+                    <a:p>
+                      <a:r>
+                        <a:rPr lang="en-US" altLang="zh-TW" dirty="0"/>
+                        <a:t>Sex</a:t>
+                      </a:r>
+                      <a:endParaRPr lang="zh-TW" altLang="en-US" dirty="0"/>
+                    </a:p>
+                  </a:txBody>
+                  <a:tcPr/>
+                </a:tc>
+                <a:tc>
+                  <a:txBody>
+                    <a:bodyPr/>
+                    <a:lstStyle/>
+                    <a:p>
+                      <a:r>
+                        <a:rPr lang="en-US" altLang="zh-TW" sz="1800" b="0" i="0" kern="1200" dirty="0">
+                          <a:solidFill>
+                            <a:schemeClr val="dk1"/>
+                          </a:solidFill>
+                          <a:effectLst/>
+                          <a:latin typeface="+mn-lt"/>
+                          <a:ea typeface="+mn-ea"/>
+                          <a:cs typeface="+mn-cs"/>
+                        </a:rPr>
+                        <a:t>S</a:t>
+                      </a:r>
+                      <a:r>
+                        <a:rPr lang="en" altLang="zh-TW" sz="1800" b="0" i="0" kern="1200" dirty="0">
+                          <a:solidFill>
+                            <a:schemeClr val="dk1"/>
+                          </a:solidFill>
+                          <a:effectLst/>
+                          <a:latin typeface="+mn-lt"/>
+                          <a:ea typeface="+mn-ea"/>
+                          <a:cs typeface="+mn-cs"/>
+                        </a:rPr>
+                        <a:t>t</a:t>
+                      </a:r>
+                      <a:r>
+                        <a:rPr lang="zh-TW" altLang="en-US" sz="1800" b="0" i="0" kern="1200" dirty="0">
+                          <a:solidFill>
+                            <a:schemeClr val="dk1"/>
+                          </a:solidFill>
+                          <a:effectLst/>
+                          <a:latin typeface="+mn-lt"/>
+                          <a:ea typeface="+mn-ea"/>
+                          <a:cs typeface="+mn-cs"/>
+                        </a:rPr>
+                        <a:t> </a:t>
+                      </a:r>
+                      <a:r>
+                        <a:rPr lang="en" altLang="zh-TW" sz="1800" b="0" i="0" kern="1200" dirty="0">
+                          <a:solidFill>
+                            <a:schemeClr val="dk1"/>
+                          </a:solidFill>
+                          <a:effectLst/>
+                          <a:latin typeface="+mn-lt"/>
+                          <a:ea typeface="+mn-ea"/>
+                          <a:cs typeface="+mn-cs"/>
+                        </a:rPr>
+                        <a:t>depression</a:t>
+                      </a:r>
+                      <a:endParaRPr lang="zh-TW" altLang="en-US" dirty="0"/>
+                    </a:p>
+                  </a:txBody>
+                  <a:tcPr/>
+                </a:tc>
+                <a:extLst>
+                  <a:ext uri="{0D108BD9-81ED-4DB2-BD59-A6C34878D82A}">
+                    <a16:rowId xmlns:a16="http://schemas.microsoft.com/office/drawing/2014/main" val="2950921059"/>
+                  </a:ext>
+                </a:extLst>
+              </a:tr>
+              <a:tr h="370840">
+                <a:tc>
+                  <a:txBody>
+                    <a:bodyPr/>
+                    <a:lstStyle/>
+                    <a:p>
+                      <a:r>
+                        <a:rPr lang="en-US" altLang="zh-TW" dirty="0"/>
+                        <a:t>Chest</a:t>
+                      </a:r>
+                      <a:r>
+                        <a:rPr lang="zh-TW" altLang="en-US" dirty="0"/>
+                        <a:t> </a:t>
+                      </a:r>
+                      <a:r>
+                        <a:rPr lang="en-US" altLang="zh-TW" dirty="0"/>
+                        <a:t>pain</a:t>
+                      </a:r>
+                      <a:endParaRPr lang="zh-TW" altLang="en-US" dirty="0"/>
+                    </a:p>
+                  </a:txBody>
+                  <a:tcPr/>
+                </a:tc>
+                <a:tc>
+                  <a:txBody>
+                    <a:bodyPr/>
+                    <a:lstStyle/>
+                    <a:p>
+                      <a:r>
+                        <a:rPr lang="en" altLang="zh-TW" sz="1800" b="0" i="0" kern="1200" dirty="0">
+                          <a:solidFill>
+                            <a:schemeClr val="dk1"/>
+                          </a:solidFill>
+                          <a:effectLst/>
+                          <a:latin typeface="+mn-lt"/>
+                          <a:ea typeface="+mn-ea"/>
+                          <a:cs typeface="+mn-cs"/>
+                        </a:rPr>
+                        <a:t>Slope</a:t>
+                      </a:r>
+                      <a:endParaRPr lang="zh-TW" altLang="en-US" dirty="0"/>
+                    </a:p>
+                  </a:txBody>
+                  <a:tcPr/>
+                </a:tc>
+                <a:extLst>
+                  <a:ext uri="{0D108BD9-81ED-4DB2-BD59-A6C34878D82A}">
+                    <a16:rowId xmlns:a16="http://schemas.microsoft.com/office/drawing/2014/main" val="4166128422"/>
+                  </a:ext>
+                </a:extLst>
+              </a:tr>
+              <a:tr h="370840">
+                <a:tc>
+                  <a:txBody>
+                    <a:bodyPr/>
+                    <a:lstStyle/>
+                    <a:p>
+                      <a:r>
+                        <a:rPr lang="en-US" altLang="zh-TW" sz="1800" b="0" i="0" kern="1200" dirty="0">
+                          <a:solidFill>
+                            <a:schemeClr val="dk1"/>
+                          </a:solidFill>
+                          <a:effectLst/>
+                          <a:latin typeface="+mn-lt"/>
+                          <a:ea typeface="+mn-ea"/>
+                          <a:cs typeface="+mn-cs"/>
+                        </a:rPr>
+                        <a:t>R</a:t>
+                      </a:r>
+                      <a:r>
+                        <a:rPr lang="en" altLang="zh-TW" sz="1800" b="0" i="0" kern="1200" dirty="0" err="1">
+                          <a:solidFill>
+                            <a:schemeClr val="dk1"/>
+                          </a:solidFill>
+                          <a:effectLst/>
+                          <a:latin typeface="+mn-lt"/>
+                          <a:ea typeface="+mn-ea"/>
+                          <a:cs typeface="+mn-cs"/>
+                        </a:rPr>
+                        <a:t>esting</a:t>
+                      </a:r>
+                      <a:r>
+                        <a:rPr lang="zh-TW" altLang="en-US" sz="1800" b="0" i="0" kern="1200" dirty="0">
+                          <a:solidFill>
+                            <a:schemeClr val="dk1"/>
+                          </a:solidFill>
+                          <a:effectLst/>
+                          <a:latin typeface="+mn-lt"/>
+                          <a:ea typeface="+mn-ea"/>
+                          <a:cs typeface="+mn-cs"/>
+                        </a:rPr>
+                        <a:t> </a:t>
+                      </a:r>
+                      <a:r>
+                        <a:rPr lang="en" altLang="zh-TW" sz="1800" b="0" i="0" kern="1200" dirty="0">
+                          <a:solidFill>
+                            <a:schemeClr val="dk1"/>
+                          </a:solidFill>
+                          <a:effectLst/>
+                          <a:latin typeface="+mn-lt"/>
+                          <a:ea typeface="+mn-ea"/>
+                          <a:cs typeface="+mn-cs"/>
+                        </a:rPr>
+                        <a:t>bp</a:t>
+                      </a:r>
+                      <a:endParaRPr lang="zh-TW" altLang="en-US" dirty="0"/>
+                    </a:p>
+                  </a:txBody>
+                  <a:tcPr/>
+                </a:tc>
+                <a:tc>
+                  <a:txBody>
+                    <a:bodyPr/>
+                    <a:lstStyle/>
+                    <a:p>
+                      <a:r>
+                        <a:rPr lang="en" altLang="zh-TW" sz="1800" b="0" i="0" kern="1200" dirty="0">
+                          <a:solidFill>
+                            <a:schemeClr val="dk1"/>
+                          </a:solidFill>
+                          <a:effectLst/>
+                          <a:latin typeface="+mn-lt"/>
+                          <a:ea typeface="+mn-ea"/>
+                          <a:cs typeface="+mn-cs"/>
+                        </a:rPr>
+                        <a:t>Vessels</a:t>
+                      </a:r>
+                      <a:endParaRPr lang="zh-TW" altLang="en-US" dirty="0"/>
+                    </a:p>
+                  </a:txBody>
+                  <a:tcPr/>
+                </a:tc>
+                <a:extLst>
+                  <a:ext uri="{0D108BD9-81ED-4DB2-BD59-A6C34878D82A}">
+                    <a16:rowId xmlns:a16="http://schemas.microsoft.com/office/drawing/2014/main" val="4056326712"/>
+                  </a:ext>
+                </a:extLst>
+              </a:tr>
+              <a:tr h="370840">
+                <a:tc>
+                  <a:txBody>
+                    <a:bodyPr/>
+                    <a:lstStyle/>
+                    <a:p>
+                      <a:r>
+                        <a:rPr lang="en" altLang="zh-TW" sz="1800" b="0" i="0" kern="1200" dirty="0" err="1">
+                          <a:solidFill>
+                            <a:schemeClr val="dk1"/>
+                          </a:solidFill>
+                          <a:effectLst/>
+                          <a:latin typeface="+mn-lt"/>
+                          <a:ea typeface="+mn-ea"/>
+                          <a:cs typeface="+mn-cs"/>
+                        </a:rPr>
+                        <a:t>Cholestoral</a:t>
+                      </a:r>
+                      <a:endParaRPr lang="zh-TW" altLang="en-US" dirty="0"/>
+                    </a:p>
+                  </a:txBody>
+                  <a:tcPr/>
+                </a:tc>
+                <a:tc>
+                  <a:txBody>
+                    <a:bodyPr/>
+                    <a:lstStyle/>
+                    <a:p>
+                      <a:r>
+                        <a:rPr lang="en-US" altLang="zh-TW" sz="1800" b="0" i="0" kern="1200" dirty="0">
+                          <a:solidFill>
+                            <a:schemeClr val="dk1"/>
+                          </a:solidFill>
+                          <a:effectLst/>
+                          <a:latin typeface="+mn-lt"/>
+                          <a:ea typeface="+mn-ea"/>
+                          <a:cs typeface="+mn-cs"/>
+                        </a:rPr>
+                        <a:t>T</a:t>
+                      </a:r>
+                      <a:r>
+                        <a:rPr lang="en" altLang="zh-TW" sz="1800" b="0" i="0" kern="1200" dirty="0" err="1">
+                          <a:solidFill>
+                            <a:schemeClr val="dk1"/>
+                          </a:solidFill>
+                          <a:effectLst/>
+                          <a:latin typeface="+mn-lt"/>
+                          <a:ea typeface="+mn-ea"/>
+                          <a:cs typeface="+mn-cs"/>
+                        </a:rPr>
+                        <a:t>halium</a:t>
+                      </a:r>
+                      <a:r>
+                        <a:rPr lang="zh-TW" altLang="en-US" sz="1800" b="0" i="0" kern="1200" dirty="0">
+                          <a:solidFill>
+                            <a:schemeClr val="dk1"/>
+                          </a:solidFill>
+                          <a:effectLst/>
+                          <a:latin typeface="+mn-lt"/>
+                          <a:ea typeface="+mn-ea"/>
+                          <a:cs typeface="+mn-cs"/>
+                        </a:rPr>
+                        <a:t> </a:t>
+                      </a:r>
+                      <a:r>
+                        <a:rPr lang="en" altLang="zh-TW" sz="1800" b="0" i="0" kern="1200" dirty="0">
+                          <a:solidFill>
+                            <a:schemeClr val="dk1"/>
+                          </a:solidFill>
+                          <a:effectLst/>
+                          <a:latin typeface="+mn-lt"/>
+                          <a:ea typeface="+mn-ea"/>
+                          <a:cs typeface="+mn-cs"/>
+                        </a:rPr>
+                        <a:t>scan</a:t>
+                      </a:r>
+                      <a:endParaRPr lang="zh-TW" altLang="en-US" dirty="0"/>
+                    </a:p>
+                  </a:txBody>
+                  <a:tcPr/>
+                </a:tc>
+                <a:extLst>
+                  <a:ext uri="{0D108BD9-81ED-4DB2-BD59-A6C34878D82A}">
+                    <a16:rowId xmlns:a16="http://schemas.microsoft.com/office/drawing/2014/main" val="3796652352"/>
+                  </a:ext>
+                </a:extLst>
+              </a:tr>
+              <a:tr h="370840">
+                <a:tc>
+                  <a:txBody>
+                    <a:bodyPr/>
+                    <a:lstStyle/>
+                    <a:p>
+                      <a:r>
+                        <a:rPr lang="en-US" altLang="zh-TW" sz="1800" b="0" i="0" kern="1200" dirty="0">
+                          <a:solidFill>
+                            <a:schemeClr val="dk1"/>
+                          </a:solidFill>
+                          <a:effectLst/>
+                          <a:latin typeface="+mn-lt"/>
+                          <a:ea typeface="+mn-ea"/>
+                          <a:cs typeface="+mn-cs"/>
+                        </a:rPr>
+                        <a:t>H</a:t>
+                      </a:r>
+                      <a:r>
+                        <a:rPr lang="en" altLang="zh-TW" sz="1800" b="0" i="0" kern="1200" dirty="0" err="1">
+                          <a:solidFill>
+                            <a:schemeClr val="dk1"/>
+                          </a:solidFill>
+                          <a:effectLst/>
+                          <a:latin typeface="+mn-lt"/>
+                          <a:ea typeface="+mn-ea"/>
+                          <a:cs typeface="+mn-cs"/>
+                        </a:rPr>
+                        <a:t>igh</a:t>
+                      </a:r>
+                      <a:r>
+                        <a:rPr lang="zh-TW" altLang="en-US" sz="1800" b="0" i="0" kern="1200" dirty="0">
+                          <a:solidFill>
+                            <a:schemeClr val="dk1"/>
+                          </a:solidFill>
+                          <a:effectLst/>
+                          <a:latin typeface="+mn-lt"/>
+                          <a:ea typeface="+mn-ea"/>
+                          <a:cs typeface="+mn-cs"/>
+                        </a:rPr>
+                        <a:t> </a:t>
+                      </a:r>
+                      <a:r>
+                        <a:rPr lang="en" altLang="zh-TW" sz="1800" b="0" i="0" kern="1200" dirty="0">
+                          <a:solidFill>
+                            <a:schemeClr val="dk1"/>
+                          </a:solidFill>
+                          <a:effectLst/>
+                          <a:latin typeface="+mn-lt"/>
+                          <a:ea typeface="+mn-ea"/>
+                          <a:cs typeface="+mn-cs"/>
+                        </a:rPr>
+                        <a:t>sugar</a:t>
+                      </a:r>
+                      <a:endParaRPr lang="zh-TW" altLang="en-US" dirty="0"/>
+                    </a:p>
+                  </a:txBody>
+                  <a:tcPr/>
+                </a:tc>
+                <a:tc>
+                  <a:txBody>
+                    <a:bodyPr/>
+                    <a:lstStyle/>
+                    <a:p>
+                      <a:r>
+                        <a:rPr lang="en" altLang="zh-TW" sz="1800" b="0" i="0" kern="1200" dirty="0">
+                          <a:solidFill>
+                            <a:schemeClr val="dk1"/>
+                          </a:solidFill>
+                          <a:effectLst/>
+                          <a:latin typeface="+mn-lt"/>
+                          <a:ea typeface="+mn-ea"/>
+                          <a:cs typeface="+mn-cs"/>
+                        </a:rPr>
+                        <a:t>Heart</a:t>
+                      </a:r>
+                      <a:r>
+                        <a:rPr lang="zh-TW" altLang="en-US" sz="1800" b="0" i="0" kern="1200" dirty="0">
+                          <a:solidFill>
+                            <a:schemeClr val="dk1"/>
+                          </a:solidFill>
+                          <a:effectLst/>
+                          <a:latin typeface="+mn-lt"/>
+                          <a:ea typeface="+mn-ea"/>
+                          <a:cs typeface="+mn-cs"/>
+                        </a:rPr>
+                        <a:t> </a:t>
+                      </a:r>
+                      <a:r>
+                        <a:rPr lang="en" altLang="zh-TW" sz="1800" b="0" i="0" kern="1200" dirty="0">
+                          <a:solidFill>
+                            <a:schemeClr val="dk1"/>
+                          </a:solidFill>
+                          <a:effectLst/>
+                          <a:latin typeface="+mn-lt"/>
+                          <a:ea typeface="+mn-ea"/>
+                          <a:cs typeface="+mn-cs"/>
+                        </a:rPr>
+                        <a:t>disease</a:t>
+                      </a:r>
+                      <a:endParaRPr lang="zh-TW" altLang="en-US" dirty="0"/>
+                    </a:p>
+                  </a:txBody>
+                  <a:tcPr/>
+                </a:tc>
+                <a:extLst>
+                  <a:ext uri="{0D108BD9-81ED-4DB2-BD59-A6C34878D82A}">
+                    <a16:rowId xmlns:a16="http://schemas.microsoft.com/office/drawing/2014/main" val="1461167631"/>
+                  </a:ext>
+                </a:extLst>
+              </a:tr>
+              <a:tr h="370840">
+                <a:tc>
+                  <a:txBody>
+                    <a:bodyPr/>
+                    <a:lstStyle/>
+                    <a:p>
+                      <a:r>
+                        <a:rPr lang="en" altLang="zh-TW" sz="1800" b="0" i="0" kern="1200" dirty="0" err="1">
+                          <a:solidFill>
+                            <a:schemeClr val="dk1"/>
+                          </a:solidFill>
+                          <a:effectLst/>
+                          <a:latin typeface="+mn-lt"/>
+                          <a:ea typeface="+mn-ea"/>
+                          <a:cs typeface="+mn-cs"/>
+                        </a:rPr>
+                        <a:t>Ecg</a:t>
+                      </a:r>
+                      <a:endParaRPr lang="zh-TW" altLang="en-US" dirty="0"/>
+                    </a:p>
+                  </a:txBody>
+                  <a:tcPr/>
+                </a:tc>
+                <a:tc>
+                  <a:txBody>
+                    <a:bodyPr/>
+                    <a:lstStyle/>
+                    <a:p>
+                      <a:endParaRPr lang="en-TW" dirty="0"/>
+                    </a:p>
+                  </a:txBody>
+                  <a:tcPr/>
+                </a:tc>
+                <a:extLst>
+                  <a:ext uri="{0D108BD9-81ED-4DB2-BD59-A6C34878D82A}">
+                    <a16:rowId xmlns:a16="http://schemas.microsoft.com/office/drawing/2014/main" val="3992068006"/>
+                  </a:ext>
+                </a:extLst>
+              </a:tr>
+            </a:tbl>
+          </a:graphicData>
+        </a:graphic>
+      </p:graphicFrame>
+    </p:spTree>
+    <p:extLst>
+      <p:ext uri="{BB962C8B-B14F-4D97-AF65-F5344CB8AC3E}">
+        <p14:creationId xmlns:p14="http://schemas.microsoft.com/office/powerpoint/2010/main" val="1557008179"/>
+      </p:ext>
+    </p:extLst>
+  </p:cSld>
+  <p:clrMapOvr>
+    <a:masterClrMapping/>
+  </p:clrMapOvr>
+</p:sld>
+</file>
+
+<file path=ppt/slides/slide5.xml><?xml version="1.0" encoding="utf-8"?>
 <p:sld xmlns:a="http://schemas.openxmlformats.org/drawingml/2006/main" xmlns:r="http://schemas.openxmlformats.org/officeDocument/2006/relationships" xmlns:p="http://schemas.openxmlformats.org/presentationml/2006/main">
   <p:cSld>
     <p:spTree>
@@ -7999,7 +12704,7 @@
     </p:spTree>
     <p:extLst>
       <p:ext uri="{BB962C8B-B14F-4D97-AF65-F5344CB8AC3E}">
-        <p14:creationId xmlns:p14="http://schemas.microsoft.com/office/powerpoint/2010/main" val="1557008179"/>
+        <p14:creationId xmlns:p14="http://schemas.microsoft.com/office/powerpoint/2010/main" val="1655104136"/>
       </p:ext>
     </p:extLst>
   </p:cSld>
@@ -8009,7 +12714,7 @@
 </p:sld>
 </file>
 
-<file path=ppt/slides/slide5.xml><?xml version="1.0" encoding="utf-8"?>
+<file path=ppt/slides/slide6.xml><?xml version="1.0" encoding="utf-8"?>
 <p:sld xmlns:a="http://schemas.openxmlformats.org/drawingml/2006/main" xmlns:r="http://schemas.openxmlformats.org/officeDocument/2006/relationships" xmlns:p="http://schemas.openxmlformats.org/presentationml/2006/main">
   <p:cSld>
     <p:spTree>
@@ -8150,7 +12855,7 @@
 </p:sld>
 </file>
 
-<file path=ppt/slides/slide6.xml><?xml version="1.0" encoding="utf-8"?>
+<file path=ppt/slides/slide7.xml><?xml version="1.0" encoding="utf-8"?>
 <p:sld xmlns:a="http://schemas.openxmlformats.org/drawingml/2006/main" xmlns:r="http://schemas.openxmlformats.org/officeDocument/2006/relationships" xmlns:p="http://schemas.openxmlformats.org/presentationml/2006/main">
   <p:cSld>
     <p:spTree>
@@ -8466,7 +13171,7 @@
 </p:sld>
 </file>
 
-<file path=ppt/slides/slide7.xml><?xml version="1.0" encoding="utf-8"?>
+<file path=ppt/slides/slide8.xml><?xml version="1.0" encoding="utf-8"?>
 <p:sld xmlns:a="http://schemas.openxmlformats.org/drawingml/2006/main" xmlns:r="http://schemas.openxmlformats.org/officeDocument/2006/relationships" xmlns:p="http://schemas.openxmlformats.org/presentationml/2006/main">
   <p:cSld>
     <p:spTree>
@@ -8790,7 +13495,7 @@
 </p:sld>
 </file>
 
-<file path=ppt/slides/slide8.xml><?xml version="1.0" encoding="utf-8"?>
+<file path=ppt/slides/slide9.xml><?xml version="1.0" encoding="utf-8"?>
 <p:sld xmlns:a="http://schemas.openxmlformats.org/drawingml/2006/main" xmlns:r="http://schemas.openxmlformats.org/officeDocument/2006/relationships" xmlns:p="http://schemas.openxmlformats.org/presentationml/2006/main">
   <p:cSld>
     <p:spTree>
@@ -9248,463 +13953,6 @@
     <p:extLst>
       <p:ext uri="{BB962C8B-B14F-4D97-AF65-F5344CB8AC3E}">
         <p14:creationId xmlns:p14="http://schemas.microsoft.com/office/powerpoint/2010/main" val="3119719916"/>
-      </p:ext>
-    </p:extLst>
-  </p:cSld>
-  <p:clrMapOvr>
-    <a:masterClrMapping/>
-  </p:clrMapOvr>
-</p:sld>
-</file>
-
-<file path=ppt/slides/slide9.xml><?xml version="1.0" encoding="utf-8"?>
-<p:sld xmlns:a="http://schemas.openxmlformats.org/drawingml/2006/main" xmlns:r="http://schemas.openxmlformats.org/officeDocument/2006/relationships" xmlns:p="http://schemas.openxmlformats.org/presentationml/2006/main">
-  <p:cSld>
-    <p:spTree>
-      <p:nvGrpSpPr>
-        <p:cNvPr id="1" name=""/>
-        <p:cNvGrpSpPr/>
-        <p:nvPr/>
-      </p:nvGrpSpPr>
-      <p:grpSpPr>
-        <a:xfrm>
-          <a:off x="0" y="0"/>
-          <a:ext cx="0" cy="0"/>
-          <a:chOff x="0" y="0"/>
-          <a:chExt cx="0" cy="0"/>
-        </a:xfrm>
-      </p:grpSpPr>
-      <p:graphicFrame>
-        <p:nvGraphicFramePr>
-          <p:cNvPr id="5" name="內容版面配置區 4">
-            <a:extLst>
-              <a:ext uri="{FF2B5EF4-FFF2-40B4-BE49-F238E27FC236}">
-                <a16:creationId xmlns:a16="http://schemas.microsoft.com/office/drawing/2014/main" id="{13FFD213-0199-9B4F-808F-85B60F43826E}"/>
-              </a:ext>
-            </a:extLst>
-          </p:cNvPr>
-          <p:cNvGraphicFramePr>
-            <a:graphicFrameLocks noGrp="1"/>
-          </p:cNvGraphicFramePr>
-          <p:nvPr>
-            <p:ph idx="1"/>
-            <p:extLst>
-              <p:ext uri="{D42A27DB-BD31-4B8C-83A1-F6EECF244321}">
-                <p14:modId xmlns:p14="http://schemas.microsoft.com/office/powerpoint/2010/main" val="1024497429"/>
-              </p:ext>
-            </p:extLst>
-          </p:nvPr>
-        </p:nvGraphicFramePr>
-        <p:xfrm>
-          <a:off x="1450975" y="2016125"/>
-          <a:ext cx="9604376" cy="2966720"/>
-        </p:xfrm>
-        <a:graphic>
-          <a:graphicData uri="http://schemas.openxmlformats.org/drawingml/2006/table">
-            <a:tbl>
-              <a:tblPr firstRow="1" bandRow="1">
-                <a:tableStyleId>{5C22544A-7EE6-4342-B048-85BDC9FD1C3A}</a:tableStyleId>
-              </a:tblPr>
-              <a:tblGrid>
-                <a:gridCol w="4802188">
-                  <a:extLst>
-                    <a:ext uri="{9D8B030D-6E8A-4147-A177-3AD203B41FA5}">
-                      <a16:colId xmlns:a16="http://schemas.microsoft.com/office/drawing/2014/main" val="3938329285"/>
-                    </a:ext>
-                  </a:extLst>
-                </a:gridCol>
-                <a:gridCol w="4802188">
-                  <a:extLst>
-                    <a:ext uri="{9D8B030D-6E8A-4147-A177-3AD203B41FA5}">
-                      <a16:colId xmlns:a16="http://schemas.microsoft.com/office/drawing/2014/main" val="85675256"/>
-                    </a:ext>
-                  </a:extLst>
-                </a:gridCol>
-              </a:tblGrid>
-              <a:tr h="370840">
-                <a:tc>
-                  <a:txBody>
-                    <a:bodyPr/>
-                    <a:lstStyle/>
-                    <a:p>
-                      <a:r>
-                        <a:rPr lang="en-US" altLang="zh-TW" dirty="0"/>
-                        <a:t>Input</a:t>
-                      </a:r>
-                      <a:endParaRPr lang="zh-TW" altLang="en-US" dirty="0"/>
-                    </a:p>
-                  </a:txBody>
-                  <a:tcPr/>
-                </a:tc>
-                <a:tc>
-                  <a:txBody>
-                    <a:bodyPr/>
-                    <a:lstStyle/>
-                    <a:p>
-                      <a:r>
-                        <a:rPr lang="en-US" altLang="zh-TW" dirty="0"/>
-                        <a:t>Format</a:t>
-                      </a:r>
-                      <a:endParaRPr lang="zh-TW" altLang="en-US" dirty="0"/>
-                    </a:p>
-                  </a:txBody>
-                  <a:tcPr/>
-                </a:tc>
-                <a:extLst>
-                  <a:ext uri="{0D108BD9-81ED-4DB2-BD59-A6C34878D82A}">
-                    <a16:rowId xmlns:a16="http://schemas.microsoft.com/office/drawing/2014/main" val="2896429199"/>
-                  </a:ext>
-                </a:extLst>
-              </a:tr>
-              <a:tr h="370840">
-                <a:tc>
-                  <a:txBody>
-                    <a:bodyPr/>
-                    <a:lstStyle/>
-                    <a:p>
-                      <a:r>
-                        <a:rPr lang="en" altLang="zh-TW" sz="1800" b="0" i="0" kern="1200" dirty="0" err="1">
-                          <a:solidFill>
-                            <a:schemeClr val="dk1"/>
-                          </a:solidFill>
-                          <a:effectLst/>
-                          <a:latin typeface="+mn-lt"/>
-                          <a:ea typeface="+mn-ea"/>
-                          <a:cs typeface="+mn-cs"/>
-                        </a:rPr>
-                        <a:t>max_rate</a:t>
-                      </a:r>
-                      <a:endParaRPr lang="zh-TW" altLang="en-US" dirty="0"/>
-                    </a:p>
-                  </a:txBody>
-                  <a:tcPr/>
-                </a:tc>
-                <a:tc>
-                  <a:txBody>
-                    <a:bodyPr/>
-                    <a:lstStyle/>
-                    <a:p>
-                      <a:r>
-                        <a:rPr lang="en-US" altLang="zh-TW" dirty="0"/>
-                        <a:t>numeric</a:t>
-                      </a:r>
-                      <a:endParaRPr lang="zh-TW" altLang="en-US" dirty="0"/>
-                    </a:p>
-                  </a:txBody>
-                  <a:tcPr/>
-                </a:tc>
-                <a:extLst>
-                  <a:ext uri="{0D108BD9-81ED-4DB2-BD59-A6C34878D82A}">
-                    <a16:rowId xmlns:a16="http://schemas.microsoft.com/office/drawing/2014/main" val="1331905350"/>
-                  </a:ext>
-                </a:extLst>
-              </a:tr>
-              <a:tr h="370840">
-                <a:tc>
-                  <a:txBody>
-                    <a:bodyPr/>
-                    <a:lstStyle/>
-                    <a:p>
-                      <a:r>
-                        <a:rPr lang="en" altLang="zh-TW" sz="1800" b="0" i="0" kern="1200" dirty="0" err="1">
-                          <a:solidFill>
-                            <a:schemeClr val="dk1"/>
-                          </a:solidFill>
-                          <a:effectLst/>
-                          <a:latin typeface="+mn-lt"/>
-                          <a:ea typeface="+mn-ea"/>
-                          <a:cs typeface="+mn-cs"/>
-                        </a:rPr>
-                        <a:t>exercise_angina</a:t>
-                      </a:r>
-                      <a:endParaRPr lang="zh-TW" altLang="en-US" dirty="0"/>
-                    </a:p>
-                  </a:txBody>
-                  <a:tcPr/>
-                </a:tc>
-                <a:tc>
-                  <a:txBody>
-                    <a:bodyPr/>
-                    <a:lstStyle/>
-                    <a:p>
-                      <a:r>
-                        <a:rPr lang="en-US" altLang="zh-TW" dirty="0"/>
-                        <a:t>binary</a:t>
-                      </a:r>
-                      <a:endParaRPr lang="zh-TW" altLang="en-US" dirty="0"/>
-                    </a:p>
-                  </a:txBody>
-                  <a:tcPr/>
-                </a:tc>
-                <a:extLst>
-                  <a:ext uri="{0D108BD9-81ED-4DB2-BD59-A6C34878D82A}">
-                    <a16:rowId xmlns:a16="http://schemas.microsoft.com/office/drawing/2014/main" val="2876995139"/>
-                  </a:ext>
-                </a:extLst>
-              </a:tr>
-              <a:tr h="370840">
-                <a:tc>
-                  <a:txBody>
-                    <a:bodyPr/>
-                    <a:lstStyle/>
-                    <a:p>
-                      <a:r>
-                        <a:rPr lang="en" altLang="zh-TW" sz="1800" b="0" i="0" kern="1200" dirty="0" err="1">
-                          <a:solidFill>
-                            <a:schemeClr val="dk1"/>
-                          </a:solidFill>
-                          <a:effectLst/>
-                          <a:latin typeface="+mn-lt"/>
-                          <a:ea typeface="+mn-ea"/>
-                          <a:cs typeface="+mn-cs"/>
-                        </a:rPr>
-                        <a:t>st_depression</a:t>
-                      </a:r>
-                      <a:endParaRPr lang="zh-TW" altLang="en-US" dirty="0"/>
-                    </a:p>
-                  </a:txBody>
-                  <a:tcPr/>
-                </a:tc>
-                <a:tc>
-                  <a:txBody>
-                    <a:bodyPr/>
-                    <a:lstStyle/>
-                    <a:p>
-                      <a:r>
-                        <a:rPr lang="en-US" altLang="zh-TW" dirty="0"/>
-                        <a:t>binary</a:t>
-                      </a:r>
-                      <a:endParaRPr lang="zh-TW" altLang="en-US" dirty="0"/>
-                    </a:p>
-                  </a:txBody>
-                  <a:tcPr/>
-                </a:tc>
-                <a:extLst>
-                  <a:ext uri="{0D108BD9-81ED-4DB2-BD59-A6C34878D82A}">
-                    <a16:rowId xmlns:a16="http://schemas.microsoft.com/office/drawing/2014/main" val="3152307144"/>
-                  </a:ext>
-                </a:extLst>
-              </a:tr>
-              <a:tr h="370840">
-                <a:tc>
-                  <a:txBody>
-                    <a:bodyPr/>
-                    <a:lstStyle/>
-                    <a:p>
-                      <a:r>
-                        <a:rPr lang="en" altLang="zh-TW" sz="1800" b="0" i="0" kern="1200" dirty="0">
-                          <a:solidFill>
-                            <a:schemeClr val="dk1"/>
-                          </a:solidFill>
-                          <a:effectLst/>
-                          <a:latin typeface="+mn-lt"/>
-                          <a:ea typeface="+mn-ea"/>
-                          <a:cs typeface="+mn-cs"/>
-                        </a:rPr>
-                        <a:t>slope</a:t>
-                      </a:r>
-                      <a:endParaRPr lang="zh-TW" altLang="en-US" dirty="0"/>
-                    </a:p>
-                  </a:txBody>
-                  <a:tcPr/>
-                </a:tc>
-                <a:tc>
-                  <a:txBody>
-                    <a:bodyPr/>
-                    <a:lstStyle/>
-                    <a:p>
-                      <a:r>
-                        <a:rPr lang="en-US" altLang="zh-TW" dirty="0"/>
-                        <a:t>multinomial</a:t>
-                      </a:r>
-                    </a:p>
-                  </a:txBody>
-                  <a:tcPr/>
-                </a:tc>
-                <a:extLst>
-                  <a:ext uri="{0D108BD9-81ED-4DB2-BD59-A6C34878D82A}">
-                    <a16:rowId xmlns:a16="http://schemas.microsoft.com/office/drawing/2014/main" val="345967373"/>
-                  </a:ext>
-                </a:extLst>
-              </a:tr>
-              <a:tr h="370840">
-                <a:tc>
-                  <a:txBody>
-                    <a:bodyPr/>
-                    <a:lstStyle/>
-                    <a:p>
-                      <a:r>
-                        <a:rPr lang="en" altLang="zh-TW" sz="1800" b="0" i="0" kern="1200" dirty="0">
-                          <a:solidFill>
-                            <a:schemeClr val="dk1"/>
-                          </a:solidFill>
-                          <a:effectLst/>
-                          <a:latin typeface="+mn-lt"/>
-                          <a:ea typeface="+mn-ea"/>
-                          <a:cs typeface="+mn-cs"/>
-                        </a:rPr>
-                        <a:t>vessels</a:t>
-                      </a:r>
-                      <a:endParaRPr lang="zh-TW" altLang="en-US" dirty="0"/>
-                    </a:p>
-                  </a:txBody>
-                  <a:tcPr/>
-                </a:tc>
-                <a:tc>
-                  <a:txBody>
-                    <a:bodyPr/>
-                    <a:lstStyle/>
-                    <a:p>
-                      <a:r>
-                        <a:rPr lang="en-US" altLang="zh-TW" dirty="0"/>
-                        <a:t>multinomial</a:t>
-                      </a:r>
-                    </a:p>
-                  </a:txBody>
-                  <a:tcPr/>
-                </a:tc>
-                <a:extLst>
-                  <a:ext uri="{0D108BD9-81ED-4DB2-BD59-A6C34878D82A}">
-                    <a16:rowId xmlns:a16="http://schemas.microsoft.com/office/drawing/2014/main" val="307305543"/>
-                  </a:ext>
-                </a:extLst>
-              </a:tr>
-              <a:tr h="370840">
-                <a:tc>
-                  <a:txBody>
-                    <a:bodyPr/>
-                    <a:lstStyle/>
-                    <a:p>
-                      <a:r>
-                        <a:rPr lang="en" altLang="zh-TW" sz="1800" b="0" i="0" kern="1200" dirty="0" err="1">
-                          <a:solidFill>
-                            <a:schemeClr val="dk1"/>
-                          </a:solidFill>
-                          <a:effectLst/>
-                          <a:latin typeface="+mn-lt"/>
-                          <a:ea typeface="+mn-ea"/>
-                          <a:cs typeface="+mn-cs"/>
-                        </a:rPr>
-                        <a:t>thalium_scan</a:t>
-                      </a:r>
-                      <a:endParaRPr lang="zh-TW" altLang="en-US" dirty="0"/>
-                    </a:p>
-                  </a:txBody>
-                  <a:tcPr/>
-                </a:tc>
-                <a:tc>
-                  <a:txBody>
-                    <a:bodyPr/>
-                    <a:lstStyle/>
-                    <a:p>
-                      <a:r>
-                        <a:rPr lang="en-US" altLang="zh-TW" dirty="0"/>
-                        <a:t>multinomial</a:t>
-                      </a:r>
-                    </a:p>
-                  </a:txBody>
-                  <a:tcPr/>
-                </a:tc>
-                <a:extLst>
-                  <a:ext uri="{0D108BD9-81ED-4DB2-BD59-A6C34878D82A}">
-                    <a16:rowId xmlns:a16="http://schemas.microsoft.com/office/drawing/2014/main" val="551508581"/>
-                  </a:ext>
-                </a:extLst>
-              </a:tr>
-              <a:tr h="370840">
-                <a:tc>
-                  <a:txBody>
-                    <a:bodyPr/>
-                    <a:lstStyle/>
-                    <a:p>
-                      <a:r>
-                        <a:rPr lang="en" altLang="zh-TW" sz="1800" b="0" i="0" kern="1200" dirty="0" err="1">
-                          <a:solidFill>
-                            <a:schemeClr val="dk1"/>
-                          </a:solidFill>
-                          <a:effectLst/>
-                          <a:latin typeface="+mn-lt"/>
-                          <a:ea typeface="+mn-ea"/>
-                          <a:cs typeface="+mn-cs"/>
-                        </a:rPr>
-                        <a:t>Heart_disease</a:t>
-                      </a:r>
-                      <a:endParaRPr lang="zh-TW" altLang="en-US" dirty="0"/>
-                    </a:p>
-                  </a:txBody>
-                  <a:tcPr/>
-                </a:tc>
-                <a:tc>
-                  <a:txBody>
-                    <a:bodyPr/>
-                    <a:lstStyle/>
-                    <a:p>
-                      <a:r>
-                        <a:rPr lang="en-US" altLang="zh-TW" dirty="0"/>
-                        <a:t>binary</a:t>
-                      </a:r>
-                    </a:p>
-                  </a:txBody>
-                  <a:tcPr/>
-                </a:tc>
-                <a:extLst>
-                  <a:ext uri="{0D108BD9-81ED-4DB2-BD59-A6C34878D82A}">
-                    <a16:rowId xmlns:a16="http://schemas.microsoft.com/office/drawing/2014/main" val="3711623297"/>
-                  </a:ext>
-                </a:extLst>
-              </a:tr>
-            </a:tbl>
-          </a:graphicData>
-        </a:graphic>
-      </p:graphicFrame>
-      <p:sp>
-        <p:nvSpPr>
-          <p:cNvPr id="4" name="標題 3">
-            <a:extLst>
-              <a:ext uri="{FF2B5EF4-FFF2-40B4-BE49-F238E27FC236}">
-                <a16:creationId xmlns:a16="http://schemas.microsoft.com/office/drawing/2014/main" id="{A805B19C-68F7-0440-9691-6C45AC4B534B}"/>
-              </a:ext>
-            </a:extLst>
-          </p:cNvPr>
-          <p:cNvSpPr>
-            <a:spLocks noGrp="1"/>
-          </p:cNvSpPr>
-          <p:nvPr>
-            <p:ph type="title"/>
-          </p:nvPr>
-        </p:nvSpPr>
-        <p:spPr>
-          <a:xfrm>
-            <a:off x="1451579" y="1350179"/>
-            <a:ext cx="9603275" cy="503575"/>
-          </a:xfrm>
-        </p:spPr>
-        <p:txBody>
-          <a:bodyPr>
-            <a:normAutofit fontScale="90000"/>
-          </a:bodyPr>
-          <a:lstStyle/>
-          <a:p>
-            <a:r>
-              <a:rPr lang="zh-CN" altLang="en-US" dirty="0"/>
-              <a:t>資料前處理</a:t>
-            </a:r>
-            <a:r>
-              <a:rPr lang="en-US" altLang="zh-CN" dirty="0"/>
-              <a:t> – </a:t>
-            </a:r>
-            <a:r>
-              <a:rPr lang="zh-CN" altLang="en-US" dirty="0"/>
-              <a:t>各欄位原始格式</a:t>
-            </a:r>
-            <a:endParaRPr lang="zh-TW" altLang="en-US" dirty="0"/>
-          </a:p>
-        </p:txBody>
-      </p:sp>
-    </p:spTree>
-    <p:extLst>
-      <p:ext uri="{BB962C8B-B14F-4D97-AF65-F5344CB8AC3E}">
-        <p14:creationId xmlns:p14="http://schemas.microsoft.com/office/powerpoint/2010/main" val="1760106069"/>
       </p:ext>
     </p:extLst>
   </p:cSld>

--- a/docs/final_report.pptx
+++ b/docs/final_report.pptx
@@ -9,41 +9,44 @@
     <p:sldId id="257" r:id="rId3"/>
     <p:sldId id="265" r:id="rId4"/>
     <p:sldId id="260" r:id="rId5"/>
-    <p:sldId id="297" r:id="rId6"/>
-    <p:sldId id="288" r:id="rId7"/>
-    <p:sldId id="291" r:id="rId8"/>
-    <p:sldId id="292" r:id="rId9"/>
-    <p:sldId id="274" r:id="rId10"/>
-    <p:sldId id="275" r:id="rId11"/>
-    <p:sldId id="276" r:id="rId12"/>
-    <p:sldId id="267" r:id="rId13"/>
-    <p:sldId id="269" r:id="rId14"/>
-    <p:sldId id="270" r:id="rId15"/>
-    <p:sldId id="271" r:id="rId16"/>
-    <p:sldId id="279" r:id="rId17"/>
-    <p:sldId id="280" r:id="rId18"/>
-    <p:sldId id="281" r:id="rId19"/>
-    <p:sldId id="282" r:id="rId20"/>
-    <p:sldId id="283" r:id="rId21"/>
-    <p:sldId id="284" r:id="rId22"/>
-    <p:sldId id="285" r:id="rId23"/>
-    <p:sldId id="273" r:id="rId24"/>
-    <p:sldId id="289" r:id="rId25"/>
-    <p:sldId id="290" r:id="rId26"/>
-    <p:sldId id="296" r:id="rId27"/>
-    <p:sldId id="298" r:id="rId28"/>
-    <p:sldId id="293" r:id="rId29"/>
-    <p:sldId id="301" r:id="rId30"/>
-    <p:sldId id="303" r:id="rId31"/>
-    <p:sldId id="304" r:id="rId32"/>
-    <p:sldId id="302" r:id="rId33"/>
-    <p:sldId id="299" r:id="rId34"/>
-    <p:sldId id="305" r:id="rId35"/>
+    <p:sldId id="307" r:id="rId6"/>
+    <p:sldId id="297" r:id="rId7"/>
+    <p:sldId id="288" r:id="rId8"/>
+    <p:sldId id="291" r:id="rId9"/>
+    <p:sldId id="292" r:id="rId10"/>
+    <p:sldId id="274" r:id="rId11"/>
+    <p:sldId id="275" r:id="rId12"/>
+    <p:sldId id="276" r:id="rId13"/>
+    <p:sldId id="267" r:id="rId14"/>
+    <p:sldId id="269" r:id="rId15"/>
+    <p:sldId id="270" r:id="rId16"/>
+    <p:sldId id="271" r:id="rId17"/>
+    <p:sldId id="279" r:id="rId18"/>
+    <p:sldId id="280" r:id="rId19"/>
+    <p:sldId id="281" r:id="rId20"/>
+    <p:sldId id="282" r:id="rId21"/>
+    <p:sldId id="283" r:id="rId22"/>
+    <p:sldId id="284" r:id="rId23"/>
+    <p:sldId id="285" r:id="rId24"/>
+    <p:sldId id="273" r:id="rId25"/>
+    <p:sldId id="289" r:id="rId26"/>
+    <p:sldId id="290" r:id="rId27"/>
+    <p:sldId id="296" r:id="rId28"/>
+    <p:sldId id="298" r:id="rId29"/>
+    <p:sldId id="293" r:id="rId30"/>
+    <p:sldId id="301" r:id="rId31"/>
+    <p:sldId id="303" r:id="rId32"/>
+    <p:sldId id="304" r:id="rId33"/>
+    <p:sldId id="302" r:id="rId34"/>
+    <p:sldId id="308" r:id="rId35"/>
     <p:sldId id="295" r:id="rId36"/>
-    <p:sldId id="294" r:id="rId37"/>
-    <p:sldId id="278" r:id="rId38"/>
-    <p:sldId id="306" r:id="rId39"/>
-    <p:sldId id="263" r:id="rId40"/>
+    <p:sldId id="299" r:id="rId37"/>
+    <p:sldId id="305" r:id="rId38"/>
+    <p:sldId id="294" r:id="rId39"/>
+    <p:sldId id="309" r:id="rId40"/>
+    <p:sldId id="278" r:id="rId41"/>
+    <p:sldId id="306" r:id="rId42"/>
+    <p:sldId id="263" r:id="rId43"/>
   </p:sldIdLst>
   <p:sldSz cx="12192000" cy="6858000"/>
   <p:notesSz cx="6858000" cy="9144000"/>
@@ -3878,6 +3881,473 @@
             <p:ph idx="1"/>
             <p:extLst>
               <p:ext uri="{D42A27DB-BD31-4B8C-83A1-F6EECF244321}">
+                <p14:modId xmlns:p14="http://schemas.microsoft.com/office/powerpoint/2010/main" val="1152465831"/>
+              </p:ext>
+            </p:extLst>
+          </p:nvPr>
+        </p:nvGraphicFramePr>
+        <p:xfrm>
+          <a:off x="1450975" y="2016125"/>
+          <a:ext cx="9604376" cy="3337560"/>
+        </p:xfrm>
+        <a:graphic>
+          <a:graphicData uri="http://schemas.openxmlformats.org/drawingml/2006/table">
+            <a:tbl>
+              <a:tblPr firstRow="1" bandRow="1">
+                <a:tableStyleId>{5C22544A-7EE6-4342-B048-85BDC9FD1C3A}</a:tableStyleId>
+              </a:tblPr>
+              <a:tblGrid>
+                <a:gridCol w="4802188">
+                  <a:extLst>
+                    <a:ext uri="{9D8B030D-6E8A-4147-A177-3AD203B41FA5}">
+                      <a16:colId xmlns:a16="http://schemas.microsoft.com/office/drawing/2014/main" val="3938329285"/>
+                    </a:ext>
+                  </a:extLst>
+                </a:gridCol>
+                <a:gridCol w="4802188">
+                  <a:extLst>
+                    <a:ext uri="{9D8B030D-6E8A-4147-A177-3AD203B41FA5}">
+                      <a16:colId xmlns:a16="http://schemas.microsoft.com/office/drawing/2014/main" val="85675256"/>
+                    </a:ext>
+                  </a:extLst>
+                </a:gridCol>
+              </a:tblGrid>
+              <a:tr h="370840">
+                <a:tc>
+                  <a:txBody>
+                    <a:bodyPr/>
+                    <a:lstStyle/>
+                    <a:p>
+                      <a:r>
+                        <a:rPr lang="en-US" altLang="zh-TW" dirty="0"/>
+                        <a:t>Input</a:t>
+                      </a:r>
+                      <a:endParaRPr lang="zh-TW" altLang="en-US" dirty="0"/>
+                    </a:p>
+                  </a:txBody>
+                  <a:tcPr/>
+                </a:tc>
+                <a:tc>
+                  <a:txBody>
+                    <a:bodyPr/>
+                    <a:lstStyle/>
+                    <a:p>
+                      <a:r>
+                        <a:rPr lang="en-US" altLang="zh-TW" dirty="0"/>
+                        <a:t>Format</a:t>
+                      </a:r>
+                      <a:endParaRPr lang="zh-TW" altLang="en-US" dirty="0"/>
+                    </a:p>
+                  </a:txBody>
+                  <a:tcPr/>
+                </a:tc>
+                <a:extLst>
+                  <a:ext uri="{0D108BD9-81ED-4DB2-BD59-A6C34878D82A}">
+                    <a16:rowId xmlns:a16="http://schemas.microsoft.com/office/drawing/2014/main" val="2896429199"/>
+                  </a:ext>
+                </a:extLst>
+              </a:tr>
+              <a:tr h="370840">
+                <a:tc>
+                  <a:txBody>
+                    <a:bodyPr/>
+                    <a:lstStyle/>
+                    <a:p>
+                      <a:r>
+                        <a:rPr lang="en-US" altLang="zh-TW" dirty="0"/>
+                        <a:t>id</a:t>
+                      </a:r>
+                      <a:endParaRPr lang="zh-TW" altLang="en-US" dirty="0"/>
+                    </a:p>
+                  </a:txBody>
+                  <a:tcPr/>
+                </a:tc>
+                <a:tc>
+                  <a:txBody>
+                    <a:bodyPr/>
+                    <a:lstStyle/>
+                    <a:p>
+                      <a:r>
+                        <a:rPr lang="en-US" altLang="zh-TW" dirty="0"/>
+                        <a:t>integer</a:t>
+                      </a:r>
+                      <a:endParaRPr lang="zh-TW" altLang="en-US" dirty="0"/>
+                    </a:p>
+                  </a:txBody>
+                  <a:tcPr/>
+                </a:tc>
+                <a:extLst>
+                  <a:ext uri="{0D108BD9-81ED-4DB2-BD59-A6C34878D82A}">
+                    <a16:rowId xmlns:a16="http://schemas.microsoft.com/office/drawing/2014/main" val="1331905350"/>
+                  </a:ext>
+                </a:extLst>
+              </a:tr>
+              <a:tr h="370840">
+                <a:tc>
+                  <a:txBody>
+                    <a:bodyPr/>
+                    <a:lstStyle/>
+                    <a:p>
+                      <a:r>
+                        <a:rPr lang="en-US" altLang="zh-TW" dirty="0"/>
+                        <a:t>age</a:t>
+                      </a:r>
+                      <a:endParaRPr lang="zh-TW" altLang="en-US" dirty="0"/>
+                    </a:p>
+                  </a:txBody>
+                  <a:tcPr/>
+                </a:tc>
+                <a:tc>
+                  <a:txBody>
+                    <a:bodyPr/>
+                    <a:lstStyle/>
+                    <a:p>
+                      <a:r>
+                        <a:rPr lang="en-US" altLang="zh-TW" dirty="0"/>
+                        <a:t>numeric</a:t>
+                      </a:r>
+                      <a:endParaRPr lang="zh-TW" altLang="en-US" dirty="0"/>
+                    </a:p>
+                  </a:txBody>
+                  <a:tcPr/>
+                </a:tc>
+                <a:extLst>
+                  <a:ext uri="{0D108BD9-81ED-4DB2-BD59-A6C34878D82A}">
+                    <a16:rowId xmlns:a16="http://schemas.microsoft.com/office/drawing/2014/main" val="2876995139"/>
+                  </a:ext>
+                </a:extLst>
+              </a:tr>
+              <a:tr h="370840">
+                <a:tc>
+                  <a:txBody>
+                    <a:bodyPr/>
+                    <a:lstStyle/>
+                    <a:p>
+                      <a:r>
+                        <a:rPr lang="en-US" altLang="zh-TW" dirty="0"/>
+                        <a:t>sex</a:t>
+                      </a:r>
+                      <a:endParaRPr lang="zh-TW" altLang="en-US" dirty="0"/>
+                    </a:p>
+                  </a:txBody>
+                  <a:tcPr/>
+                </a:tc>
+                <a:tc>
+                  <a:txBody>
+                    <a:bodyPr/>
+                    <a:lstStyle/>
+                    <a:p>
+                      <a:r>
+                        <a:rPr lang="en-US" altLang="zh-TW" dirty="0"/>
+                        <a:t>binary</a:t>
+                      </a:r>
+                      <a:endParaRPr lang="zh-TW" altLang="en-US" dirty="0"/>
+                    </a:p>
+                  </a:txBody>
+                  <a:tcPr/>
+                </a:tc>
+                <a:extLst>
+                  <a:ext uri="{0D108BD9-81ED-4DB2-BD59-A6C34878D82A}">
+                    <a16:rowId xmlns:a16="http://schemas.microsoft.com/office/drawing/2014/main" val="3152307144"/>
+                  </a:ext>
+                </a:extLst>
+              </a:tr>
+              <a:tr h="370840">
+                <a:tc>
+                  <a:txBody>
+                    <a:bodyPr/>
+                    <a:lstStyle/>
+                    <a:p>
+                      <a:r>
+                        <a:rPr lang="en-US" altLang="zh-TW" dirty="0" err="1"/>
+                        <a:t>chest_pain</a:t>
+                      </a:r>
+                      <a:endParaRPr lang="zh-TW" altLang="en-US" dirty="0"/>
+                    </a:p>
+                  </a:txBody>
+                  <a:tcPr/>
+                </a:tc>
+                <a:tc>
+                  <a:txBody>
+                    <a:bodyPr/>
+                    <a:lstStyle/>
+                    <a:p>
+                      <a:r>
+                        <a:rPr lang="en-US" altLang="zh-TW" dirty="0"/>
+                        <a:t>multinomial</a:t>
+                      </a:r>
+                    </a:p>
+                  </a:txBody>
+                  <a:tcPr/>
+                </a:tc>
+                <a:extLst>
+                  <a:ext uri="{0D108BD9-81ED-4DB2-BD59-A6C34878D82A}">
+                    <a16:rowId xmlns:a16="http://schemas.microsoft.com/office/drawing/2014/main" val="345967373"/>
+                  </a:ext>
+                </a:extLst>
+              </a:tr>
+              <a:tr h="370840">
+                <a:tc>
+                  <a:txBody>
+                    <a:bodyPr/>
+                    <a:lstStyle/>
+                    <a:p>
+                      <a:r>
+                        <a:rPr lang="en" altLang="zh-TW" sz="1800" b="0" i="0" kern="1200" dirty="0" err="1">
+                          <a:solidFill>
+                            <a:schemeClr val="dk1"/>
+                          </a:solidFill>
+                          <a:effectLst/>
+                          <a:latin typeface="+mn-lt"/>
+                          <a:ea typeface="+mn-ea"/>
+                          <a:cs typeface="+mn-cs"/>
+                        </a:rPr>
+                        <a:t>resting_bp</a:t>
+                      </a:r>
+                      <a:endParaRPr lang="zh-TW" altLang="en-US" dirty="0"/>
+                    </a:p>
+                  </a:txBody>
+                  <a:tcPr/>
+                </a:tc>
+                <a:tc>
+                  <a:txBody>
+                    <a:bodyPr/>
+                    <a:lstStyle/>
+                    <a:p>
+                      <a:r>
+                        <a:rPr lang="en-US" altLang="zh-TW" dirty="0"/>
+                        <a:t>numeric</a:t>
+                      </a:r>
+                    </a:p>
+                  </a:txBody>
+                  <a:tcPr/>
+                </a:tc>
+                <a:extLst>
+                  <a:ext uri="{0D108BD9-81ED-4DB2-BD59-A6C34878D82A}">
+                    <a16:rowId xmlns:a16="http://schemas.microsoft.com/office/drawing/2014/main" val="307305543"/>
+                  </a:ext>
+                </a:extLst>
+              </a:tr>
+              <a:tr h="370840">
+                <a:tc>
+                  <a:txBody>
+                    <a:bodyPr/>
+                    <a:lstStyle/>
+                    <a:p>
+                      <a:r>
+                        <a:rPr lang="en" altLang="zh-TW" sz="1800" b="0" i="0" kern="1200" dirty="0" err="1">
+                          <a:solidFill>
+                            <a:schemeClr val="dk1"/>
+                          </a:solidFill>
+                          <a:effectLst/>
+                          <a:latin typeface="+mn-lt"/>
+                          <a:ea typeface="+mn-ea"/>
+                          <a:cs typeface="+mn-cs"/>
+                        </a:rPr>
+                        <a:t>cholestoral</a:t>
+                      </a:r>
+                      <a:endParaRPr lang="zh-TW" altLang="en-US" dirty="0"/>
+                    </a:p>
+                  </a:txBody>
+                  <a:tcPr/>
+                </a:tc>
+                <a:tc>
+                  <a:txBody>
+                    <a:bodyPr/>
+                    <a:lstStyle/>
+                    <a:p>
+                      <a:r>
+                        <a:rPr lang="en-US" altLang="zh-TW" dirty="0"/>
+                        <a:t>numeric</a:t>
+                      </a:r>
+                    </a:p>
+                  </a:txBody>
+                  <a:tcPr/>
+                </a:tc>
+                <a:extLst>
+                  <a:ext uri="{0D108BD9-81ED-4DB2-BD59-A6C34878D82A}">
+                    <a16:rowId xmlns:a16="http://schemas.microsoft.com/office/drawing/2014/main" val="551508581"/>
+                  </a:ext>
+                </a:extLst>
+              </a:tr>
+              <a:tr h="370840">
+                <a:tc>
+                  <a:txBody>
+                    <a:bodyPr/>
+                    <a:lstStyle/>
+                    <a:p>
+                      <a:r>
+                        <a:rPr lang="en" altLang="zh-TW" sz="1800" b="0" i="0" kern="1200" dirty="0" err="1">
+                          <a:solidFill>
+                            <a:schemeClr val="dk1"/>
+                          </a:solidFill>
+                          <a:effectLst/>
+                          <a:latin typeface="+mn-lt"/>
+                          <a:ea typeface="+mn-ea"/>
+                          <a:cs typeface="+mn-cs"/>
+                        </a:rPr>
+                        <a:t>high_sugar</a:t>
+                      </a:r>
+                      <a:endParaRPr lang="zh-TW" altLang="en-US" dirty="0"/>
+                    </a:p>
+                  </a:txBody>
+                  <a:tcPr/>
+                </a:tc>
+                <a:tc>
+                  <a:txBody>
+                    <a:bodyPr/>
+                    <a:lstStyle/>
+                    <a:p>
+                      <a:r>
+                        <a:rPr lang="en-US" altLang="zh-TW" dirty="0"/>
+                        <a:t>binary</a:t>
+                      </a:r>
+                    </a:p>
+                  </a:txBody>
+                  <a:tcPr/>
+                </a:tc>
+                <a:extLst>
+                  <a:ext uri="{0D108BD9-81ED-4DB2-BD59-A6C34878D82A}">
+                    <a16:rowId xmlns:a16="http://schemas.microsoft.com/office/drawing/2014/main" val="3711623297"/>
+                  </a:ext>
+                </a:extLst>
+              </a:tr>
+              <a:tr h="370840">
+                <a:tc>
+                  <a:txBody>
+                    <a:bodyPr/>
+                    <a:lstStyle/>
+                    <a:p>
+                      <a:r>
+                        <a:rPr lang="en" altLang="zh-TW" sz="1800" b="0" i="0" kern="1200" dirty="0" err="1">
+                          <a:solidFill>
+                            <a:schemeClr val="dk1"/>
+                          </a:solidFill>
+                          <a:effectLst/>
+                          <a:latin typeface="+mn-lt"/>
+                          <a:ea typeface="+mn-ea"/>
+                          <a:cs typeface="+mn-cs"/>
+                        </a:rPr>
+                        <a:t>ecg</a:t>
+                      </a:r>
+                      <a:endParaRPr lang="zh-TW" altLang="en-US" dirty="0"/>
+                    </a:p>
+                  </a:txBody>
+                  <a:tcPr/>
+                </a:tc>
+                <a:tc>
+                  <a:txBody>
+                    <a:bodyPr/>
+                    <a:lstStyle/>
+                    <a:p>
+                      <a:r>
+                        <a:rPr lang="en-US" altLang="zh-TW" dirty="0"/>
+                        <a:t>multinomial</a:t>
+                      </a:r>
+                    </a:p>
+                  </a:txBody>
+                  <a:tcPr/>
+                </a:tc>
+                <a:extLst>
+                  <a:ext uri="{0D108BD9-81ED-4DB2-BD59-A6C34878D82A}">
+                    <a16:rowId xmlns:a16="http://schemas.microsoft.com/office/drawing/2014/main" val="3291487961"/>
+                  </a:ext>
+                </a:extLst>
+              </a:tr>
+            </a:tbl>
+          </a:graphicData>
+        </a:graphic>
+      </p:graphicFrame>
+      <p:sp>
+        <p:nvSpPr>
+          <p:cNvPr id="6" name="標題 3">
+            <a:extLst>
+              <a:ext uri="{FF2B5EF4-FFF2-40B4-BE49-F238E27FC236}">
+                <a16:creationId xmlns:a16="http://schemas.microsoft.com/office/drawing/2014/main" id="{FCA248D5-9CEC-3F4E-B43F-3EE3083E4CDD}"/>
+              </a:ext>
+            </a:extLst>
+          </p:cNvPr>
+          <p:cNvSpPr>
+            <a:spLocks noGrp="1"/>
+          </p:cNvSpPr>
+          <p:nvPr>
+            <p:ph type="title"/>
+          </p:nvPr>
+        </p:nvSpPr>
+        <p:spPr>
+          <a:xfrm>
+            <a:off x="1451579" y="1350179"/>
+            <a:ext cx="9603275" cy="503575"/>
+          </a:xfrm>
+        </p:spPr>
+        <p:txBody>
+          <a:bodyPr>
+            <a:normAutofit fontScale="90000"/>
+          </a:bodyPr>
+          <a:lstStyle/>
+          <a:p>
+            <a:r>
+              <a:rPr lang="zh-CN" altLang="en-US" dirty="0"/>
+              <a:t>資料前處理</a:t>
+            </a:r>
+            <a:r>
+              <a:rPr lang="en-US" altLang="zh-CN" dirty="0"/>
+              <a:t> – </a:t>
+            </a:r>
+            <a:r>
+              <a:rPr lang="zh-CN" altLang="en-US" dirty="0"/>
+              <a:t>各欄位原始格式</a:t>
+            </a:r>
+            <a:endParaRPr lang="zh-TW" altLang="en-US" dirty="0"/>
+          </a:p>
+        </p:txBody>
+      </p:sp>
+    </p:spTree>
+    <p:extLst>
+      <p:ext uri="{BB962C8B-B14F-4D97-AF65-F5344CB8AC3E}">
+        <p14:creationId xmlns:p14="http://schemas.microsoft.com/office/powerpoint/2010/main" val="3119719916"/>
+      </p:ext>
+    </p:extLst>
+  </p:cSld>
+  <p:clrMapOvr>
+    <a:masterClrMapping/>
+  </p:clrMapOvr>
+</p:sld>
+</file>
+
+<file path=ppt/slides/slide11.xml><?xml version="1.0" encoding="utf-8"?>
+<p:sld xmlns:a="http://schemas.openxmlformats.org/drawingml/2006/main" xmlns:r="http://schemas.openxmlformats.org/officeDocument/2006/relationships" xmlns:p="http://schemas.openxmlformats.org/presentationml/2006/main">
+  <p:cSld>
+    <p:spTree>
+      <p:nvGrpSpPr>
+        <p:cNvPr id="1" name=""/>
+        <p:cNvGrpSpPr/>
+        <p:nvPr/>
+      </p:nvGrpSpPr>
+      <p:grpSpPr>
+        <a:xfrm>
+          <a:off x="0" y="0"/>
+          <a:ext cx="0" cy="0"/>
+          <a:chOff x="0" y="0"/>
+          <a:chExt cx="0" cy="0"/>
+        </a:xfrm>
+      </p:grpSpPr>
+      <p:graphicFrame>
+        <p:nvGraphicFramePr>
+          <p:cNvPr id="5" name="內容版面配置區 4">
+            <a:extLst>
+              <a:ext uri="{FF2B5EF4-FFF2-40B4-BE49-F238E27FC236}">
+                <a16:creationId xmlns:a16="http://schemas.microsoft.com/office/drawing/2014/main" id="{13FFD213-0199-9B4F-808F-85B60F43826E}"/>
+              </a:ext>
+            </a:extLst>
+          </p:cNvPr>
+          <p:cNvGraphicFramePr>
+            <a:graphicFrameLocks noGrp="1"/>
+          </p:cNvGraphicFramePr>
+          <p:nvPr>
+            <p:ph idx="1"/>
+            <p:extLst>
+              <p:ext uri="{D42A27DB-BD31-4B8C-83A1-F6EECF244321}">
                 <p14:modId xmlns:p14="http://schemas.microsoft.com/office/powerpoint/2010/main" val="1024497429"/>
               </p:ext>
             </p:extLst>
@@ -4302,7 +4772,7 @@
 </p:sld>
 </file>
 
-<file path=ppt/slides/slide11.xml><?xml version="1.0" encoding="utf-8"?>
+<file path=ppt/slides/slide12.xml><?xml version="1.0" encoding="utf-8"?>
 <p:sld xmlns:a="http://schemas.openxmlformats.org/drawingml/2006/main" xmlns:r="http://schemas.openxmlformats.org/officeDocument/2006/relationships" xmlns:p="http://schemas.openxmlformats.org/presentationml/2006/main">
   <p:cSld>
     <p:spTree>
@@ -5178,7 +5648,7 @@
 </p:sld>
 </file>
 
-<file path=ppt/slides/slide12.xml><?xml version="1.0" encoding="utf-8"?>
+<file path=ppt/slides/slide13.xml><?xml version="1.0" encoding="utf-8"?>
 <p:sld xmlns:a="http://schemas.openxmlformats.org/drawingml/2006/main" xmlns:r="http://schemas.openxmlformats.org/officeDocument/2006/relationships" xmlns:p="http://schemas.openxmlformats.org/presentationml/2006/main">
   <p:cSld>
     <p:spTree>
@@ -5307,7 +5777,7 @@
 </p:sld>
 </file>
 
-<file path=ppt/slides/slide13.xml><?xml version="1.0" encoding="utf-8"?>
+<file path=ppt/slides/slide14.xml><?xml version="1.0" encoding="utf-8"?>
 <p:sld xmlns:a="http://schemas.openxmlformats.org/drawingml/2006/main" xmlns:r="http://schemas.openxmlformats.org/officeDocument/2006/relationships" xmlns:p="http://schemas.openxmlformats.org/presentationml/2006/main">
   <p:cSld>
     <p:spTree>
@@ -5434,7 +5904,7 @@
 </p:sld>
 </file>
 
-<file path=ppt/slides/slide14.xml><?xml version="1.0" encoding="utf-8"?>
+<file path=ppt/slides/slide15.xml><?xml version="1.0" encoding="utf-8"?>
 <p:sld xmlns:a="http://schemas.openxmlformats.org/drawingml/2006/main" xmlns:r="http://schemas.openxmlformats.org/officeDocument/2006/relationships" xmlns:p="http://schemas.openxmlformats.org/presentationml/2006/main">
   <p:cSld>
     <p:spTree>
@@ -5561,7 +6031,7 @@
 </p:sld>
 </file>
 
-<file path=ppt/slides/slide15.xml><?xml version="1.0" encoding="utf-8"?>
+<file path=ppt/slides/slide16.xml><?xml version="1.0" encoding="utf-8"?>
 <p:sld xmlns:a="http://schemas.openxmlformats.org/drawingml/2006/main" xmlns:r="http://schemas.openxmlformats.org/officeDocument/2006/relationships" xmlns:p="http://schemas.openxmlformats.org/presentationml/2006/main">
   <p:cSld>
     <p:spTree>
@@ -5693,7 +6163,7 @@
 </p:sld>
 </file>
 
-<file path=ppt/slides/slide16.xml><?xml version="1.0" encoding="utf-8"?>
+<file path=ppt/slides/slide17.xml><?xml version="1.0" encoding="utf-8"?>
 <p:sld xmlns:a="http://schemas.openxmlformats.org/drawingml/2006/main" xmlns:r="http://schemas.openxmlformats.org/officeDocument/2006/relationships" xmlns:p="http://schemas.openxmlformats.org/presentationml/2006/main">
   <p:cSld>
     <p:spTree>
@@ -5826,7 +6296,7 @@
 </p:sld>
 </file>
 
-<file path=ppt/slides/slide17.xml><?xml version="1.0" encoding="utf-8"?>
+<file path=ppt/slides/slide18.xml><?xml version="1.0" encoding="utf-8"?>
 <p:sld xmlns:a="http://schemas.openxmlformats.org/drawingml/2006/main" xmlns:r="http://schemas.openxmlformats.org/officeDocument/2006/relationships" xmlns:p="http://schemas.openxmlformats.org/presentationml/2006/main">
   <p:cSld>
     <p:spTree>
@@ -5959,7 +6429,7 @@
 </p:sld>
 </file>
 
-<file path=ppt/slides/slide18.xml><?xml version="1.0" encoding="utf-8"?>
+<file path=ppt/slides/slide19.xml><?xml version="1.0" encoding="utf-8"?>
 <p:sld xmlns:a="http://schemas.openxmlformats.org/drawingml/2006/main" xmlns:r="http://schemas.openxmlformats.org/officeDocument/2006/relationships" xmlns:p="http://schemas.openxmlformats.org/presentationml/2006/main">
   <p:cSld>
     <p:spTree>
@@ -6093,7 +6563,155 @@
 </p:sld>
 </file>
 
-<file path=ppt/slides/slide19.xml><?xml version="1.0" encoding="utf-8"?>
+<file path=ppt/slides/slide2.xml><?xml version="1.0" encoding="utf-8"?>
+<p:sld xmlns:a="http://schemas.openxmlformats.org/drawingml/2006/main" xmlns:r="http://schemas.openxmlformats.org/officeDocument/2006/relationships" xmlns:p="http://schemas.openxmlformats.org/presentationml/2006/main">
+  <p:cSld>
+    <p:spTree>
+      <p:nvGrpSpPr>
+        <p:cNvPr id="1" name=""/>
+        <p:cNvGrpSpPr/>
+        <p:nvPr/>
+      </p:nvGrpSpPr>
+      <p:grpSpPr>
+        <a:xfrm>
+          <a:off x="0" y="0"/>
+          <a:ext cx="0" cy="0"/>
+          <a:chOff x="0" y="0"/>
+          <a:chExt cx="0" cy="0"/>
+        </a:xfrm>
+      </p:grpSpPr>
+      <p:sp>
+        <p:nvSpPr>
+          <p:cNvPr id="2" name="Title 1">
+            <a:extLst>
+              <a:ext uri="{FF2B5EF4-FFF2-40B4-BE49-F238E27FC236}">
+                <a16:creationId xmlns:a16="http://schemas.microsoft.com/office/drawing/2014/main" id="{1FF2B1FA-0654-B24A-951A-3E9B32CEE7BE}"/>
+              </a:ext>
+            </a:extLst>
+          </p:cNvPr>
+          <p:cNvSpPr>
+            <a:spLocks noGrp="1"/>
+          </p:cNvSpPr>
+          <p:nvPr>
+            <p:ph type="title"/>
+          </p:nvPr>
+        </p:nvSpPr>
+        <p:spPr/>
+        <p:txBody>
+          <a:bodyPr>
+            <a:normAutofit fontScale="90000"/>
+          </a:bodyPr>
+          <a:lstStyle/>
+          <a:p>
+            <a:r>
+              <a:rPr lang="zh-CN" altLang="en-US" dirty="0"/>
+              <a:t>大綱</a:t>
+            </a:r>
+            <a:endParaRPr lang="en-TW" dirty="0"/>
+          </a:p>
+        </p:txBody>
+      </p:sp>
+      <p:sp>
+        <p:nvSpPr>
+          <p:cNvPr id="3" name="Content Placeholder 2">
+            <a:extLst>
+              <a:ext uri="{FF2B5EF4-FFF2-40B4-BE49-F238E27FC236}">
+                <a16:creationId xmlns:a16="http://schemas.microsoft.com/office/drawing/2014/main" id="{8FD41922-05C7-0045-8F77-BA03B539EBB3}"/>
+              </a:ext>
+            </a:extLst>
+          </p:cNvPr>
+          <p:cNvSpPr>
+            <a:spLocks noGrp="1"/>
+          </p:cNvSpPr>
+          <p:nvPr>
+            <p:ph idx="1"/>
+          </p:nvPr>
+        </p:nvSpPr>
+        <p:spPr/>
+        <p:txBody>
+          <a:bodyPr/>
+          <a:lstStyle/>
+          <a:p>
+            <a:r>
+              <a:rPr lang="zh-CN" altLang="en-US" dirty="0"/>
+              <a:t>專案簡介</a:t>
+            </a:r>
+            <a:endParaRPr lang="en-US" altLang="zh-CN" dirty="0"/>
+          </a:p>
+          <a:p>
+            <a:r>
+              <a:rPr lang="zh-CN" altLang="en-US" dirty="0"/>
+              <a:t>資料輸入輸出與前處理</a:t>
+            </a:r>
+            <a:endParaRPr lang="en-US" altLang="zh-CN" dirty="0"/>
+          </a:p>
+          <a:p>
+            <a:r>
+              <a:rPr kumimoji="1" lang="zh-TW" altLang="en-US" dirty="0"/>
+              <a:t>模型設定及處理</a:t>
+            </a:r>
+            <a:endParaRPr lang="en-US" altLang="zh-CN" dirty="0"/>
+          </a:p>
+          <a:p>
+            <a:r>
+              <a:rPr lang="zh-CN" altLang="en-US" dirty="0"/>
+              <a:t>實驗結果</a:t>
+            </a:r>
+            <a:endParaRPr lang="en-US" altLang="zh-CN" dirty="0"/>
+          </a:p>
+          <a:p>
+            <a:r>
+              <a:rPr lang="zh-CN" altLang="en-US" dirty="0"/>
+              <a:t>參考出處</a:t>
+            </a:r>
+            <a:endParaRPr lang="en-TW" dirty="0"/>
+          </a:p>
+        </p:txBody>
+      </p:sp>
+      <p:pic>
+        <p:nvPicPr>
+          <p:cNvPr id="4" name="圖片 3">
+            <a:extLst>
+              <a:ext uri="{FF2B5EF4-FFF2-40B4-BE49-F238E27FC236}">
+                <a16:creationId xmlns:a16="http://schemas.microsoft.com/office/drawing/2014/main" id="{97D2640A-24FE-1344-8B0C-8691C82DB917}"/>
+              </a:ext>
+            </a:extLst>
+          </p:cNvPr>
+          <p:cNvPicPr>
+            <a:picLocks noChangeAspect="1"/>
+          </p:cNvPicPr>
+          <p:nvPr/>
+        </p:nvPicPr>
+        <p:blipFill>
+          <a:blip r:embed="rId2"/>
+          <a:stretch>
+            <a:fillRect/>
+          </a:stretch>
+        </p:blipFill>
+        <p:spPr>
+          <a:xfrm>
+            <a:off x="6096000" y="2015732"/>
+            <a:ext cx="3534229" cy="3534229"/>
+          </a:xfrm>
+          <a:prstGeom prst="rect">
+            <a:avLst/>
+          </a:prstGeom>
+        </p:spPr>
+      </p:pic>
+    </p:spTree>
+    <p:extLst>
+      <p:ext uri="{BB962C8B-B14F-4D97-AF65-F5344CB8AC3E}">
+        <p14:creationId xmlns:p14="http://schemas.microsoft.com/office/powerpoint/2010/main" val="3824968952"/>
+      </p:ext>
+    </p:extLst>
+  </p:cSld>
+  <p:clrMapOvr>
+    <a:masterClrMapping/>
+  </p:clrMapOvr>
+</p:sld>
+</file>
+
+<file path=ppt/slides/slide20.xml><?xml version="1.0" encoding="utf-8"?>
 <p:sld xmlns:a="http://schemas.openxmlformats.org/drawingml/2006/main" xmlns:r="http://schemas.openxmlformats.org/officeDocument/2006/relationships" xmlns:p="http://schemas.openxmlformats.org/presentationml/2006/main">
   <p:cSld>
     <p:spTree>
@@ -6226,156 +6844,7 @@
 </p:sld>
 </file>
 
-<file path=ppt/slides/slide2.xml><?xml version="1.0" encoding="utf-8"?>
-<p:sld xmlns:a="http://schemas.openxmlformats.org/drawingml/2006/main" xmlns:r="http://schemas.openxmlformats.org/officeDocument/2006/relationships" xmlns:p="http://schemas.openxmlformats.org/presentationml/2006/main">
-  <p:cSld>
-    <p:spTree>
-      <p:nvGrpSpPr>
-        <p:cNvPr id="1" name=""/>
-        <p:cNvGrpSpPr/>
-        <p:nvPr/>
-      </p:nvGrpSpPr>
-      <p:grpSpPr>
-        <a:xfrm>
-          <a:off x="0" y="0"/>
-          <a:ext cx="0" cy="0"/>
-          <a:chOff x="0" y="0"/>
-          <a:chExt cx="0" cy="0"/>
-        </a:xfrm>
-      </p:grpSpPr>
-      <p:sp>
-        <p:nvSpPr>
-          <p:cNvPr id="2" name="Title 1">
-            <a:extLst>
-              <a:ext uri="{FF2B5EF4-FFF2-40B4-BE49-F238E27FC236}">
-                <a16:creationId xmlns:a16="http://schemas.microsoft.com/office/drawing/2014/main" id="{1FF2B1FA-0654-B24A-951A-3E9B32CEE7BE}"/>
-              </a:ext>
-            </a:extLst>
-          </p:cNvPr>
-          <p:cNvSpPr>
-            <a:spLocks noGrp="1"/>
-          </p:cNvSpPr>
-          <p:nvPr>
-            <p:ph type="title"/>
-          </p:nvPr>
-        </p:nvSpPr>
-        <p:spPr/>
-        <p:txBody>
-          <a:bodyPr>
-            <a:normAutofit fontScale="90000"/>
-          </a:bodyPr>
-          <a:lstStyle/>
-          <a:p>
-            <a:r>
-              <a:rPr lang="zh-CN" altLang="en-US" dirty="0"/>
-              <a:t>大綱</a:t>
-            </a:r>
-            <a:endParaRPr lang="en-TW" dirty="0"/>
-          </a:p>
-        </p:txBody>
-      </p:sp>
-      <p:sp>
-        <p:nvSpPr>
-          <p:cNvPr id="3" name="Content Placeholder 2">
-            <a:extLst>
-              <a:ext uri="{FF2B5EF4-FFF2-40B4-BE49-F238E27FC236}">
-                <a16:creationId xmlns:a16="http://schemas.microsoft.com/office/drawing/2014/main" id="{8FD41922-05C7-0045-8F77-BA03B539EBB3}"/>
-              </a:ext>
-            </a:extLst>
-          </p:cNvPr>
-          <p:cNvSpPr>
-            <a:spLocks noGrp="1"/>
-          </p:cNvSpPr>
-          <p:nvPr>
-            <p:ph idx="1"/>
-          </p:nvPr>
-        </p:nvSpPr>
-        <p:spPr/>
-        <p:txBody>
-          <a:bodyPr/>
-          <a:lstStyle/>
-          <a:p>
-            <a:r>
-              <a:rPr lang="zh-CN" altLang="en-US" dirty="0"/>
-              <a:t>專案簡介</a:t>
-            </a:r>
-            <a:endParaRPr lang="en-US" altLang="zh-CN" dirty="0"/>
-          </a:p>
-          <a:p>
-            <a:r>
-              <a:rPr lang="zh-CN" altLang="en-US" dirty="0"/>
-              <a:t>資料輸入輸出與前處理</a:t>
-            </a:r>
-            <a:endParaRPr lang="en-US" altLang="zh-CN" dirty="0"/>
-          </a:p>
-          <a:p>
-            <a:r>
-              <a:rPr lang="zh-CN" altLang="en-US" dirty="0"/>
-              <a:t>模型實驗與結果</a:t>
-            </a:r>
-            <a:endParaRPr lang="en-US" altLang="zh-CN" dirty="0"/>
-          </a:p>
-          <a:p>
-            <a:r>
-              <a:rPr lang="zh-CN" altLang="en-US" dirty="0"/>
-              <a:t>程式</a:t>
-            </a:r>
-            <a:r>
-              <a:rPr lang="zh-TW" altLang="en-US" dirty="0"/>
-              <a:t> </a:t>
-            </a:r>
-            <a:r>
-              <a:rPr lang="en-US" altLang="zh-TW" dirty="0"/>
-              <a:t>Demo</a:t>
-            </a:r>
-            <a:endParaRPr lang="en-TW" dirty="0"/>
-          </a:p>
-        </p:txBody>
-      </p:sp>
-      <p:pic>
-        <p:nvPicPr>
-          <p:cNvPr id="4" name="圖片 3">
-            <a:extLst>
-              <a:ext uri="{FF2B5EF4-FFF2-40B4-BE49-F238E27FC236}">
-                <a16:creationId xmlns:a16="http://schemas.microsoft.com/office/drawing/2014/main" id="{97D2640A-24FE-1344-8B0C-8691C82DB917}"/>
-              </a:ext>
-            </a:extLst>
-          </p:cNvPr>
-          <p:cNvPicPr>
-            <a:picLocks noChangeAspect="1"/>
-          </p:cNvPicPr>
-          <p:nvPr/>
-        </p:nvPicPr>
-        <p:blipFill>
-          <a:blip r:embed="rId2"/>
-          <a:stretch>
-            <a:fillRect/>
-          </a:stretch>
-        </p:blipFill>
-        <p:spPr>
-          <a:xfrm>
-            <a:off x="6096000" y="2015732"/>
-            <a:ext cx="3534229" cy="3534229"/>
-          </a:xfrm>
-          <a:prstGeom prst="rect">
-            <a:avLst/>
-          </a:prstGeom>
-        </p:spPr>
-      </p:pic>
-    </p:spTree>
-    <p:extLst>
-      <p:ext uri="{BB962C8B-B14F-4D97-AF65-F5344CB8AC3E}">
-        <p14:creationId xmlns:p14="http://schemas.microsoft.com/office/powerpoint/2010/main" val="3824968952"/>
-      </p:ext>
-    </p:extLst>
-  </p:cSld>
-  <p:clrMapOvr>
-    <a:masterClrMapping/>
-  </p:clrMapOvr>
-</p:sld>
-</file>
-
-<file path=ppt/slides/slide20.xml><?xml version="1.0" encoding="utf-8"?>
+<file path=ppt/slides/slide21.xml><?xml version="1.0" encoding="utf-8"?>
 <p:sld xmlns:a="http://schemas.openxmlformats.org/drawingml/2006/main" xmlns:r="http://schemas.openxmlformats.org/officeDocument/2006/relationships" xmlns:p="http://schemas.openxmlformats.org/presentationml/2006/main">
   <p:cSld>
     <p:spTree>
@@ -6509,7 +6978,7 @@
 </p:sld>
 </file>
 
-<file path=ppt/slides/slide21.xml><?xml version="1.0" encoding="utf-8"?>
+<file path=ppt/slides/slide22.xml><?xml version="1.0" encoding="utf-8"?>
 <p:sld xmlns:a="http://schemas.openxmlformats.org/drawingml/2006/main" xmlns:r="http://schemas.openxmlformats.org/officeDocument/2006/relationships" xmlns:p="http://schemas.openxmlformats.org/presentationml/2006/main">
   <p:cSld>
     <p:spTree>
@@ -6643,7 +7112,7 @@
 </p:sld>
 </file>
 
-<file path=ppt/slides/slide22.xml><?xml version="1.0" encoding="utf-8"?>
+<file path=ppt/slides/slide23.xml><?xml version="1.0" encoding="utf-8"?>
 <p:sld xmlns:a="http://schemas.openxmlformats.org/drawingml/2006/main" xmlns:r="http://schemas.openxmlformats.org/officeDocument/2006/relationships" xmlns:p="http://schemas.openxmlformats.org/presentationml/2006/main">
   <p:cSld>
     <p:spTree>
@@ -6777,7 +7246,7 @@
 </p:sld>
 </file>
 
-<file path=ppt/slides/slide23.xml><?xml version="1.0" encoding="utf-8"?>
+<file path=ppt/slides/slide24.xml><?xml version="1.0" encoding="utf-8"?>
 <p:sld xmlns:a="http://schemas.openxmlformats.org/drawingml/2006/main" xmlns:r="http://schemas.openxmlformats.org/officeDocument/2006/relationships" xmlns:p="http://schemas.openxmlformats.org/presentationml/2006/main">
   <p:cSld>
     <p:spTree>
@@ -6836,7 +7305,7 @@
 </p:sld>
 </file>
 
-<file path=ppt/slides/slide24.xml><?xml version="1.0" encoding="utf-8"?>
+<file path=ppt/slides/slide25.xml><?xml version="1.0" encoding="utf-8"?>
 <p:sld xmlns:a="http://schemas.openxmlformats.org/drawingml/2006/main" xmlns:r="http://schemas.openxmlformats.org/officeDocument/2006/relationships" xmlns:p="http://schemas.openxmlformats.org/presentationml/2006/main">
   <p:cSld>
     <p:spTree>
@@ -6941,7 +7410,7 @@
 </p:sld>
 </file>
 
-<file path=ppt/slides/slide25.xml><?xml version="1.0" encoding="utf-8"?>
+<file path=ppt/slides/slide26.xml><?xml version="1.0" encoding="utf-8"?>
 <p:sld xmlns:a="http://schemas.openxmlformats.org/drawingml/2006/main" xmlns:r="http://schemas.openxmlformats.org/officeDocument/2006/relationships" xmlns:p="http://schemas.openxmlformats.org/presentationml/2006/main">
   <p:cSld>
     <p:spTree>
@@ -7051,135 +7520,6 @@
 </p:sld>
 </file>
 
-<file path=ppt/slides/slide26.xml><?xml version="1.0" encoding="utf-8"?>
-<p:sld xmlns:a="http://schemas.openxmlformats.org/drawingml/2006/main" xmlns:r="http://schemas.openxmlformats.org/officeDocument/2006/relationships" xmlns:p="http://schemas.openxmlformats.org/presentationml/2006/main">
-  <p:cSld>
-    <p:spTree>
-      <p:nvGrpSpPr>
-        <p:cNvPr id="1" name=""/>
-        <p:cNvGrpSpPr/>
-        <p:nvPr/>
-      </p:nvGrpSpPr>
-      <p:grpSpPr>
-        <a:xfrm>
-          <a:off x="0" y="0"/>
-          <a:ext cx="0" cy="0"/>
-          <a:chOff x="0" y="0"/>
-          <a:chExt cx="0" cy="0"/>
-        </a:xfrm>
-      </p:grpSpPr>
-      <p:sp>
-        <p:nvSpPr>
-          <p:cNvPr id="2" name="標題 1">
-            <a:extLst>
-              <a:ext uri="{FF2B5EF4-FFF2-40B4-BE49-F238E27FC236}">
-                <a16:creationId xmlns:a16="http://schemas.microsoft.com/office/drawing/2014/main" id="{06BCB23C-3A68-8A4E-A510-C57DD45C5AF3}"/>
-              </a:ext>
-            </a:extLst>
-          </p:cNvPr>
-          <p:cNvSpPr>
-            <a:spLocks noGrp="1"/>
-          </p:cNvSpPr>
-          <p:nvPr>
-            <p:ph type="title"/>
-          </p:nvPr>
-        </p:nvSpPr>
-        <p:spPr/>
-        <p:txBody>
-          <a:bodyPr>
-            <a:normAutofit fontScale="90000"/>
-          </a:bodyPr>
-          <a:lstStyle/>
-          <a:p>
-            <a:r>
-              <a:rPr kumimoji="1" lang="zh-TW" altLang="en-US" dirty="0"/>
-              <a:t>這邊是</a:t>
-            </a:r>
-            <a:r>
-              <a:rPr kumimoji="1" lang="en-US" altLang="zh-TW" dirty="0"/>
-              <a:t>modeling</a:t>
-            </a:r>
-            <a:r>
-              <a:rPr kumimoji="1" lang="zh-CN" altLang="en-US" dirty="0"/>
-              <a:t>的過程需求</a:t>
-            </a:r>
-            <a:endParaRPr kumimoji="1" lang="zh-TW" altLang="en-US" dirty="0"/>
-          </a:p>
-        </p:txBody>
-      </p:sp>
-      <p:sp>
-        <p:nvSpPr>
-          <p:cNvPr id="3" name="內容版面配置區 2">
-            <a:extLst>
-              <a:ext uri="{FF2B5EF4-FFF2-40B4-BE49-F238E27FC236}">
-                <a16:creationId xmlns:a16="http://schemas.microsoft.com/office/drawing/2014/main" id="{34802F64-9670-A740-A9F8-FA3A45A212DC}"/>
-              </a:ext>
-            </a:extLst>
-          </p:cNvPr>
-          <p:cNvSpPr>
-            <a:spLocks noGrp="1"/>
-          </p:cNvSpPr>
-          <p:nvPr>
-            <p:ph idx="1"/>
-          </p:nvPr>
-        </p:nvSpPr>
-        <p:spPr/>
-        <p:txBody>
-          <a:bodyPr/>
-          <a:lstStyle/>
-          <a:p>
-            <a:r>
-              <a:rPr lang="en" altLang="zh-TW" b="1" dirty="0"/>
-              <a:t>code</a:t>
-            </a:r>
-          </a:p>
-          <a:p>
-            <a:pPr lvl="1"/>
-            <a:r>
-              <a:rPr lang="en" altLang="zh-TW" dirty="0"/>
-              <a:t>Which method do you use?</a:t>
-            </a:r>
-          </a:p>
-          <a:p>
-            <a:pPr lvl="1"/>
-            <a:r>
-              <a:rPr lang="en" altLang="zh-TW" dirty="0"/>
-              <a:t>What is a null model for comparison?</a:t>
-            </a:r>
-          </a:p>
-          <a:p>
-            <a:pPr lvl="1"/>
-            <a:r>
-              <a:rPr lang="en" altLang="zh-TW" dirty="0"/>
-              <a:t>How do your perform evaluation? </a:t>
-            </a:r>
-            <a:r>
-              <a:rPr lang="en" altLang="zh-TW" dirty="0" err="1"/>
-              <a:t>ie</a:t>
-            </a:r>
-            <a:r>
-              <a:rPr lang="en" altLang="zh-TW" dirty="0"/>
-              <a:t>. Cross-validation, or extra separated data</a:t>
-            </a:r>
-          </a:p>
-          <a:p>
-            <a:endParaRPr kumimoji="1" lang="zh-TW" altLang="en-US" dirty="0"/>
-          </a:p>
-        </p:txBody>
-      </p:sp>
-    </p:spTree>
-    <p:extLst>
-      <p:ext uri="{BB962C8B-B14F-4D97-AF65-F5344CB8AC3E}">
-        <p14:creationId xmlns:p14="http://schemas.microsoft.com/office/powerpoint/2010/main" val="1190673799"/>
-      </p:ext>
-    </p:extLst>
-  </p:cSld>
-  <p:clrMapOvr>
-    <a:masterClrMapping/>
-  </p:clrMapOvr>
-</p:sld>
-</file>
-
 <file path=ppt/slides/slide27.xml><?xml version="1.0" encoding="utf-8"?>
 <p:sld xmlns:a="http://schemas.openxmlformats.org/drawingml/2006/main" xmlns:r="http://schemas.openxmlformats.org/officeDocument/2006/relationships" xmlns:p="http://schemas.openxmlformats.org/presentationml/2006/main">
   <p:cSld>
@@ -7222,13 +7562,8 @@
           <a:p>
             <a:r>
               <a:rPr kumimoji="1" lang="zh-TW" altLang="en-US" dirty="0"/>
-              <a:t>模型</a:t>
-            </a:r>
-            <a:r>
-              <a:rPr kumimoji="1" lang="zh-CN" altLang="en-US" dirty="0"/>
-              <a:t>選則</a:t>
-            </a:r>
-            <a:endParaRPr kumimoji="1" lang="zh-TW" altLang="en-US" dirty="0"/>
+              <a:t>模型設定及處理</a:t>
+            </a:r>
           </a:p>
         </p:txBody>
       </p:sp>
@@ -7254,16 +7589,41 @@
           <a:lstStyle/>
           <a:p>
             <a:r>
-              <a:rPr kumimoji="1" lang="en-US" altLang="zh-TW" dirty="0" err="1"/>
-              <a:t>XGBoost</a:t>
-            </a:r>
-            <a:endParaRPr kumimoji="1" lang="en-US" altLang="zh-TW" dirty="0"/>
-          </a:p>
-          <a:p>
-            <a:r>
-              <a:rPr kumimoji="1" lang="en-US" altLang="zh-TW" dirty="0"/>
-              <a:t>Logistic Regression</a:t>
-            </a:r>
+              <a:rPr lang="zh-CN" altLang="en-US" b="1" dirty="0"/>
+              <a:t>需求設定：</a:t>
+            </a:r>
+            <a:endParaRPr lang="en" altLang="zh-TW" b="1" dirty="0"/>
+          </a:p>
+          <a:p>
+            <a:pPr lvl="1"/>
+            <a:r>
+              <a:rPr lang="en" altLang="zh-TW" dirty="0"/>
+              <a:t>Which method do you use?</a:t>
+            </a:r>
+          </a:p>
+          <a:p>
+            <a:pPr lvl="1"/>
+            <a:r>
+              <a:rPr lang="en" altLang="zh-TW" dirty="0"/>
+              <a:t>What is a null model for comparison?</a:t>
+            </a:r>
+          </a:p>
+          <a:p>
+            <a:pPr lvl="1"/>
+            <a:r>
+              <a:rPr lang="en" altLang="zh-TW" dirty="0"/>
+              <a:t>How do your perform evaluation? </a:t>
+            </a:r>
+            <a:r>
+              <a:rPr lang="en" altLang="zh-TW" dirty="0" err="1"/>
+              <a:t>ie</a:t>
+            </a:r>
+            <a:r>
+              <a:rPr lang="en" altLang="zh-TW" dirty="0"/>
+              <a:t>. Cross-validation, or extra separated data</a:t>
+            </a:r>
+          </a:p>
+          <a:p>
             <a:endParaRPr kumimoji="1" lang="zh-TW" altLang="en-US" dirty="0"/>
           </a:p>
         </p:txBody>
@@ -7271,7 +7631,7 @@
     </p:spTree>
     <p:extLst>
       <p:ext uri="{BB962C8B-B14F-4D97-AF65-F5344CB8AC3E}">
-        <p14:creationId xmlns:p14="http://schemas.microsoft.com/office/powerpoint/2010/main" val="2641002419"/>
+        <p14:creationId xmlns:p14="http://schemas.microsoft.com/office/powerpoint/2010/main" val="1190673799"/>
       </p:ext>
     </p:extLst>
   </p:cSld>
@@ -7303,7 +7663,7 @@
           <p:cNvPr id="2" name="標題 1">
             <a:extLst>
               <a:ext uri="{FF2B5EF4-FFF2-40B4-BE49-F238E27FC236}">
-                <a16:creationId xmlns:a16="http://schemas.microsoft.com/office/drawing/2014/main" id="{B0CC67CC-5E6F-B84E-85E1-C3E54AD7B313}"/>
+                <a16:creationId xmlns:a16="http://schemas.microsoft.com/office/drawing/2014/main" id="{06BCB23C-3A68-8A4E-A510-C57DD45C5AF3}"/>
               </a:ext>
             </a:extLst>
           </p:cNvPr>
@@ -7323,34 +7683,17 @@
           <a:p>
             <a:r>
               <a:rPr kumimoji="1" lang="zh-TW" altLang="en-US" dirty="0"/>
-              <a:t>模型實驗</a:t>
-            </a:r>
-            <a:r>
-              <a:rPr kumimoji="1" lang="en-US" altLang="zh-TW" dirty="0"/>
-              <a:t> </a:t>
-            </a:r>
-            <a:r>
-              <a:rPr lang="en-US" altLang="zh-CN" dirty="0"/>
-              <a:t>–</a:t>
-            </a:r>
-            <a:r>
-              <a:rPr kumimoji="1" lang="en-US" altLang="zh-TW" dirty="0"/>
-              <a:t> </a:t>
-            </a:r>
-            <a:r>
-              <a:rPr kumimoji="1" lang="en-US" altLang="zh-TW" dirty="0" err="1"/>
-              <a:t>XGBoost</a:t>
-            </a:r>
-            <a:endParaRPr kumimoji="1" lang="zh-TW" altLang="en-US" dirty="0"/>
+              <a:t>模型設定及處理</a:t>
+            </a:r>
           </a:p>
         </p:txBody>
       </p:sp>
       <p:sp>
         <p:nvSpPr>
-          <p:cNvPr id="5" name="Content Placeholder 4">
+          <p:cNvPr id="3" name="內容版面配置區 2">
             <a:extLst>
               <a:ext uri="{FF2B5EF4-FFF2-40B4-BE49-F238E27FC236}">
-                <a16:creationId xmlns:a16="http://schemas.microsoft.com/office/drawing/2014/main" id="{4D74B448-E076-4E49-BF65-7311F314EE71}"/>
+                <a16:creationId xmlns:a16="http://schemas.microsoft.com/office/drawing/2014/main" id="{34802F64-9670-A740-A9F8-FA3A45A212DC}"/>
               </a:ext>
             </a:extLst>
           </p:cNvPr>
@@ -7361,856 +7704,30 @@
             <p:ph idx="1"/>
           </p:nvPr>
         </p:nvSpPr>
-        <p:spPr>
-          <a:xfrm>
-            <a:off x="1451579" y="2015732"/>
-            <a:ext cx="9603275" cy="4348492"/>
-          </a:xfrm>
-        </p:spPr>
+        <p:spPr/>
         <p:txBody>
-          <a:bodyPr>
-            <a:normAutofit/>
-          </a:bodyPr>
+          <a:bodyPr/>
           <a:lstStyle/>
           <a:p>
             <a:r>
-              <a:rPr lang="zh-CN" altLang="en-US" dirty="0"/>
-              <a:t>特徵選取與特徵轉換：</a:t>
-            </a:r>
-            <a:endParaRPr lang="en-US" altLang="zh-CN" dirty="0"/>
-          </a:p>
-          <a:p>
-            <a:pPr lvl="1"/>
-            <a:r>
-              <a:rPr lang="zh-CN" altLang="en-US" dirty="0"/>
-              <a:t>將</a:t>
-            </a:r>
-            <a:r>
-              <a:rPr lang="zh-TW" altLang="en-US" dirty="0"/>
-              <a:t> </a:t>
-            </a:r>
-            <a:r>
-              <a:rPr lang="en-US" altLang="zh-TW" dirty="0"/>
-              <a:t>slope </a:t>
-            </a:r>
-            <a:r>
-              <a:rPr lang="zh-CN" altLang="en-US" dirty="0"/>
-              <a:t>轉換成「</a:t>
-            </a:r>
-            <a:r>
-              <a:rPr lang="en-US" altLang="zh-CN" dirty="0"/>
-              <a:t>binary</a:t>
-            </a:r>
-            <a:r>
-              <a:rPr lang="zh-CN" altLang="en-US" dirty="0"/>
-              <a:t>」型式</a:t>
-            </a:r>
-            <a:endParaRPr lang="en-US" altLang="zh-CN" dirty="0"/>
-          </a:p>
-          <a:p>
-            <a:pPr lvl="1"/>
-            <a:r>
-              <a:rPr lang="zh-CN" altLang="en-US" dirty="0"/>
-              <a:t>將</a:t>
-            </a:r>
-            <a:r>
-              <a:rPr lang="zh-TW" altLang="en-US" dirty="0"/>
-              <a:t> </a:t>
-            </a:r>
-            <a:r>
-              <a:rPr lang="en-US" altLang="zh-TW" dirty="0" err="1"/>
-              <a:t>thalium_scan</a:t>
-            </a:r>
-            <a:r>
-              <a:rPr lang="zh-TW" altLang="en-US" dirty="0"/>
-              <a:t> 轉換成「</a:t>
-            </a:r>
-            <a:r>
-              <a:rPr lang="en-US" altLang="zh-TW" dirty="0"/>
-              <a:t>one-hot encoding</a:t>
-            </a:r>
-            <a:r>
-              <a:rPr lang="zh-TW" altLang="en-US" dirty="0"/>
-              <a:t>」</a:t>
-            </a:r>
-            <a:endParaRPr lang="en-US" altLang="zh-TW" dirty="0"/>
-          </a:p>
-          <a:p>
-            <a:pPr lvl="1"/>
-            <a:r>
-              <a:rPr lang="zh-CN" altLang="en-US" dirty="0"/>
-              <a:t>利用</a:t>
-            </a:r>
-            <a:r>
-              <a:rPr lang="zh-TW" altLang="en-US" dirty="0"/>
-              <a:t> </a:t>
-            </a:r>
-            <a:r>
-              <a:rPr lang="en-US" altLang="zh-TW" dirty="0" err="1"/>
-              <a:t>xgb.importance</a:t>
-            </a:r>
-            <a:r>
-              <a:rPr lang="en-US" altLang="zh-TW" dirty="0"/>
-              <a:t> </a:t>
-            </a:r>
-            <a:r>
-              <a:rPr lang="zh-CN" altLang="en-US" dirty="0"/>
-              <a:t>的套件，找出較重要的特徵，並訓練模型</a:t>
-            </a:r>
-            <a:endParaRPr lang="en-US" altLang="zh-CN" dirty="0"/>
-          </a:p>
-          <a:p>
-            <a:r>
-              <a:rPr lang="zh-CN" altLang="en-US" dirty="0"/>
-              <a:t>實驗設定：</a:t>
-            </a:r>
-            <a:endParaRPr lang="en-US" altLang="zh-CN" dirty="0"/>
-          </a:p>
-          <a:p>
-            <a:pPr lvl="1"/>
-            <a:r>
-              <a:rPr lang="en-TW" dirty="0"/>
-              <a:t>Cross Validation：20</a:t>
-            </a:r>
-          </a:p>
-          <a:p>
-            <a:r>
-              <a:rPr lang="zh-CN" altLang="en-US" dirty="0"/>
-              <a:t>測試結果：（</a:t>
-            </a:r>
-            <a:r>
-              <a:rPr lang="en-US" altLang="zh-CN" dirty="0"/>
-              <a:t>only one model</a:t>
-            </a:r>
-            <a:r>
-              <a:rPr lang="zh-CN" altLang="en-US" dirty="0"/>
-              <a:t>）</a:t>
-            </a:r>
-            <a:endParaRPr lang="en-TW" dirty="0"/>
-          </a:p>
-          <a:p>
-            <a:pPr lvl="1"/>
-            <a:r>
-              <a:rPr lang="en-TW" dirty="0"/>
-              <a:t>Public Score：0.90909</a:t>
-            </a:r>
-          </a:p>
-          <a:p>
-            <a:pPr lvl="1"/>
-            <a:r>
-              <a:rPr lang="en-TW" dirty="0"/>
-              <a:t>Private Score：0.86792</a:t>
-            </a:r>
-          </a:p>
-          <a:p>
-            <a:pPr marL="457200" lvl="1" indent="0">
-              <a:buNone/>
-            </a:pPr>
-            <a:endParaRPr lang="en-US" altLang="zh-CN" dirty="0"/>
-          </a:p>
-          <a:p>
-            <a:pPr lvl="1"/>
-            <a:endParaRPr lang="en-US" altLang="zh-CN" dirty="0"/>
-          </a:p>
-          <a:p>
-            <a:pPr lvl="2"/>
-            <a:endParaRPr lang="en-US" altLang="zh-CN" dirty="0"/>
-          </a:p>
-          <a:p>
-            <a:pPr lvl="1"/>
-            <a:endParaRPr lang="en-TW" dirty="0"/>
+              <a:rPr kumimoji="1" lang="en-US" altLang="zh-TW" dirty="0" err="1"/>
+              <a:t>XGBoost</a:t>
+            </a:r>
+            <a:endParaRPr kumimoji="1" lang="en-US" altLang="zh-TW" dirty="0"/>
+          </a:p>
+          <a:p>
+            <a:r>
+              <a:rPr kumimoji="1" lang="en-US" altLang="zh-TW" dirty="0"/>
+              <a:t>Logistic Regression</a:t>
+            </a:r>
+            <a:endParaRPr kumimoji="1" lang="zh-TW" altLang="en-US" dirty="0"/>
           </a:p>
         </p:txBody>
       </p:sp>
-      <p:graphicFrame>
-        <p:nvGraphicFramePr>
-          <p:cNvPr id="6" name="內容版面配置區 4">
-            <a:extLst>
-              <a:ext uri="{FF2B5EF4-FFF2-40B4-BE49-F238E27FC236}">
-                <a16:creationId xmlns:a16="http://schemas.microsoft.com/office/drawing/2014/main" id="{CEB9F492-6743-E843-A44C-01ACE1D4E9EA}"/>
-              </a:ext>
-            </a:extLst>
-          </p:cNvPr>
-          <p:cNvGraphicFramePr>
-            <a:graphicFrameLocks/>
-          </p:cNvGraphicFramePr>
-          <p:nvPr>
-            <p:extLst>
-              <p:ext uri="{D42A27DB-BD31-4B8C-83A1-F6EECF244321}">
-                <p14:modId xmlns:p14="http://schemas.microsoft.com/office/powerpoint/2010/main" val="2875624800"/>
-              </p:ext>
-            </p:extLst>
-          </p:nvPr>
-        </p:nvGraphicFramePr>
-        <p:xfrm>
-          <a:off x="6096000" y="3803904"/>
-          <a:ext cx="5521637" cy="2823946"/>
-        </p:xfrm>
-        <a:graphic>
-          <a:graphicData uri="http://schemas.openxmlformats.org/drawingml/2006/table">
-            <a:tbl>
-              <a:tblPr firstRow="1" bandRow="1">
-                <a:tableStyleId>{5C22544A-7EE6-4342-B048-85BDC9FD1C3A}</a:tableStyleId>
-              </a:tblPr>
-              <a:tblGrid>
-                <a:gridCol w="2244667">
-                  <a:extLst>
-                    <a:ext uri="{9D8B030D-6E8A-4147-A177-3AD203B41FA5}">
-                      <a16:colId xmlns:a16="http://schemas.microsoft.com/office/drawing/2014/main" val="3938329285"/>
-                    </a:ext>
-                  </a:extLst>
-                </a:gridCol>
-                <a:gridCol w="1845650">
-                  <a:extLst>
-                    <a:ext uri="{9D8B030D-6E8A-4147-A177-3AD203B41FA5}">
-                      <a16:colId xmlns:a16="http://schemas.microsoft.com/office/drawing/2014/main" val="85675256"/>
-                    </a:ext>
-                  </a:extLst>
-                </a:gridCol>
-                <a:gridCol w="1431320">
-                  <a:extLst>
-                    <a:ext uri="{9D8B030D-6E8A-4147-A177-3AD203B41FA5}">
-                      <a16:colId xmlns:a16="http://schemas.microsoft.com/office/drawing/2014/main" val="2930448733"/>
-                    </a:ext>
-                  </a:extLst>
-                </a:gridCol>
-              </a:tblGrid>
-              <a:tr h="382131">
-                <a:tc>
-                  <a:txBody>
-                    <a:bodyPr/>
-                    <a:lstStyle/>
-                    <a:p>
-                      <a:r>
-                        <a:rPr lang="en-US" altLang="zh-TW" dirty="0"/>
-                        <a:t>Feature</a:t>
-                      </a:r>
-                      <a:endParaRPr lang="zh-TW" altLang="en-US" dirty="0"/>
-                    </a:p>
-                  </a:txBody>
-                  <a:tcPr/>
-                </a:tc>
-                <a:tc>
-                  <a:txBody>
-                    <a:bodyPr/>
-                    <a:lstStyle/>
-                    <a:p>
-                      <a:r>
-                        <a:rPr lang="en-US" altLang="zh-TW" dirty="0"/>
-                        <a:t>Gain</a:t>
-                      </a:r>
-                      <a:endParaRPr lang="zh-TW" altLang="en-US" dirty="0"/>
-                    </a:p>
-                  </a:txBody>
-                  <a:tcPr/>
-                </a:tc>
-                <a:tc>
-                  <a:txBody>
-                    <a:bodyPr/>
-                    <a:lstStyle/>
-                    <a:p>
-                      <a:r>
-                        <a:rPr lang="en-US" altLang="zh-TW" dirty="0"/>
-                        <a:t>Frequency</a:t>
-                      </a:r>
-                      <a:endParaRPr lang="zh-TW" altLang="en-US" dirty="0"/>
-                    </a:p>
-                  </a:txBody>
-                  <a:tcPr/>
-                </a:tc>
-                <a:extLst>
-                  <a:ext uri="{0D108BD9-81ED-4DB2-BD59-A6C34878D82A}">
-                    <a16:rowId xmlns:a16="http://schemas.microsoft.com/office/drawing/2014/main" val="2896429199"/>
-                  </a:ext>
-                </a:extLst>
-              </a:tr>
-              <a:tr h="488363">
-                <a:tc>
-                  <a:txBody>
-                    <a:bodyPr/>
-                    <a:lstStyle/>
-                    <a:p>
-                      <a:r>
-                        <a:rPr lang="en" altLang="zh-TW" sz="1800" b="0" i="0" kern="1200" dirty="0" err="1">
-                          <a:solidFill>
-                            <a:schemeClr val="dk1"/>
-                          </a:solidFill>
-                          <a:effectLst/>
-                          <a:latin typeface="+mn-lt"/>
-                          <a:ea typeface="+mn-ea"/>
-                          <a:cs typeface="+mn-cs"/>
-                        </a:rPr>
-                        <a:t>thalium_scan</a:t>
-                      </a:r>
-                      <a:endParaRPr lang="zh-TW" altLang="en-US" dirty="0"/>
-                    </a:p>
-                  </a:txBody>
-                  <a:tcPr anchor="ctr"/>
-                </a:tc>
-                <a:tc>
-                  <a:txBody>
-                    <a:bodyPr/>
-                    <a:lstStyle/>
-                    <a:p>
-                      <a:pPr marL="0" lvl="0" indent="0" algn="l" rtl="0">
-                        <a:lnSpc>
-                          <a:spcPct val="115000"/>
-                        </a:lnSpc>
-                        <a:spcBef>
-                          <a:spcPts val="0"/>
-                        </a:spcBef>
-                        <a:spcAft>
-                          <a:spcPts val="1600"/>
-                        </a:spcAft>
-                        <a:buClr>
-                          <a:schemeClr val="dk1"/>
-                        </a:buClr>
-                        <a:buSzPts val="1100"/>
-                        <a:buFont typeface="Arial"/>
-                        <a:buNone/>
-                      </a:pPr>
-                      <a:r>
-                        <a:rPr lang="zh-TW" sz="1800" dirty="0">
-                          <a:solidFill>
-                            <a:schemeClr val="tx1"/>
-                          </a:solidFill>
-                          <a:latin typeface="+mj-lt"/>
-                          <a:ea typeface="Microsoft JhengHei" panose="020B0604030504040204" pitchFamily="34" charset="-120"/>
-                        </a:rPr>
-                        <a:t>0.275342017 </a:t>
-                      </a:r>
-                      <a:endParaRPr dirty="0">
-                        <a:solidFill>
-                          <a:schemeClr val="tx1"/>
-                        </a:solidFill>
-                        <a:latin typeface="+mj-lt"/>
-                        <a:ea typeface="Microsoft JhengHei" panose="020B0604030504040204" pitchFamily="34" charset="-120"/>
-                      </a:endParaRPr>
-                    </a:p>
-                  </a:txBody>
-                  <a:tcPr marL="91425" marR="91425" marT="91425" marB="91425"/>
-                </a:tc>
-                <a:tc>
-                  <a:txBody>
-                    <a:bodyPr/>
-                    <a:lstStyle/>
-                    <a:p>
-                      <a:pPr marL="0" lvl="0" indent="0" algn="l" rtl="0">
-                        <a:lnSpc>
-                          <a:spcPct val="115000"/>
-                        </a:lnSpc>
-                        <a:spcBef>
-                          <a:spcPts val="0"/>
-                        </a:spcBef>
-                        <a:spcAft>
-                          <a:spcPts val="1600"/>
-                        </a:spcAft>
-                        <a:buClr>
-                          <a:schemeClr val="dk1"/>
-                        </a:buClr>
-                        <a:buSzPts val="1100"/>
-                        <a:buFont typeface="Arial"/>
-                        <a:buNone/>
-                      </a:pPr>
-                      <a:r>
-                        <a:rPr lang="zh-TW" sz="1800" dirty="0">
-                          <a:solidFill>
-                            <a:schemeClr val="tx1"/>
-                          </a:solidFill>
-                          <a:latin typeface="+mj-lt"/>
-                          <a:ea typeface="Microsoft JhengHei" panose="020B0604030504040204" pitchFamily="34" charset="-120"/>
-                        </a:rPr>
-                        <a:t>0.01639344</a:t>
-                      </a:r>
-                      <a:endParaRPr dirty="0">
-                        <a:solidFill>
-                          <a:schemeClr val="tx1"/>
-                        </a:solidFill>
-                        <a:latin typeface="+mj-lt"/>
-                        <a:ea typeface="Microsoft JhengHei" panose="020B0604030504040204" pitchFamily="34" charset="-120"/>
-                      </a:endParaRPr>
-                    </a:p>
-                  </a:txBody>
-                  <a:tcPr marL="91425" marR="91425" marT="91425" marB="91425"/>
-                </a:tc>
-                <a:extLst>
-                  <a:ext uri="{0D108BD9-81ED-4DB2-BD59-A6C34878D82A}">
-                    <a16:rowId xmlns:a16="http://schemas.microsoft.com/office/drawing/2014/main" val="2876995139"/>
-                  </a:ext>
-                </a:extLst>
-              </a:tr>
-              <a:tr h="488363">
-                <a:tc>
-                  <a:txBody>
-                    <a:bodyPr/>
-                    <a:lstStyle/>
-                    <a:p>
-                      <a:r>
-                        <a:rPr lang="en-US" altLang="zh-TW" sz="1800" b="0" i="0" kern="1200" dirty="0">
-                          <a:solidFill>
-                            <a:schemeClr val="dk1"/>
-                          </a:solidFill>
-                          <a:effectLst/>
-                          <a:latin typeface="+mn-lt"/>
-                          <a:ea typeface="+mn-ea"/>
-                          <a:cs typeface="+mn-cs"/>
-                        </a:rPr>
-                        <a:t>c</a:t>
-                      </a:r>
-                      <a:r>
-                        <a:rPr lang="en" altLang="zh-TW" sz="1800" b="0" i="0" kern="1200" dirty="0" err="1">
-                          <a:solidFill>
-                            <a:schemeClr val="dk1"/>
-                          </a:solidFill>
-                          <a:effectLst/>
-                          <a:latin typeface="+mn-lt"/>
-                          <a:ea typeface="+mn-ea"/>
-                          <a:cs typeface="+mn-cs"/>
-                        </a:rPr>
-                        <a:t>hest_pain</a:t>
-                      </a:r>
-                      <a:endParaRPr lang="zh-TW" altLang="en-US" dirty="0"/>
-                    </a:p>
-                  </a:txBody>
-                  <a:tcPr anchor="ctr"/>
-                </a:tc>
-                <a:tc>
-                  <a:txBody>
-                    <a:bodyPr/>
-                    <a:lstStyle/>
-                    <a:p>
-                      <a:pPr marL="0" lvl="0" indent="0" algn="l" rtl="0">
-                        <a:lnSpc>
-                          <a:spcPct val="115000"/>
-                        </a:lnSpc>
-                        <a:spcBef>
-                          <a:spcPts val="0"/>
-                        </a:spcBef>
-                        <a:spcAft>
-                          <a:spcPts val="0"/>
-                        </a:spcAft>
-                        <a:buClr>
-                          <a:schemeClr val="dk1"/>
-                        </a:buClr>
-                        <a:buSzPts val="1100"/>
-                        <a:buFont typeface="Arial"/>
-                        <a:buNone/>
-                      </a:pPr>
-                      <a:r>
-                        <a:rPr lang="zh-TW" sz="1800" dirty="0">
-                          <a:solidFill>
-                            <a:schemeClr val="tx1"/>
-                          </a:solidFill>
-                          <a:latin typeface="+mj-lt"/>
-                          <a:ea typeface="Microsoft JhengHei" panose="020B0604030504040204" pitchFamily="34" charset="-120"/>
-                        </a:rPr>
-                        <a:t>0.133716699 </a:t>
-                      </a:r>
-                      <a:endParaRPr sz="1800" dirty="0">
-                        <a:solidFill>
-                          <a:schemeClr val="tx1"/>
-                        </a:solidFill>
-                        <a:latin typeface="+mj-lt"/>
-                        <a:ea typeface="Microsoft JhengHei" panose="020B0604030504040204" pitchFamily="34" charset="-120"/>
-                      </a:endParaRPr>
-                    </a:p>
-                  </a:txBody>
-                  <a:tcPr marL="91425" marR="91425" marT="91425" marB="91425"/>
-                </a:tc>
-                <a:tc>
-                  <a:txBody>
-                    <a:bodyPr/>
-                    <a:lstStyle/>
-                    <a:p>
-                      <a:pPr marL="0" lvl="0" indent="0" algn="l" rtl="0">
-                        <a:lnSpc>
-                          <a:spcPct val="115000"/>
-                        </a:lnSpc>
-                        <a:spcBef>
-                          <a:spcPts val="0"/>
-                        </a:spcBef>
-                        <a:spcAft>
-                          <a:spcPts val="1600"/>
-                        </a:spcAft>
-                        <a:buClr>
-                          <a:schemeClr val="dk1"/>
-                        </a:buClr>
-                        <a:buSzPts val="1100"/>
-                        <a:buFont typeface="Arial"/>
-                        <a:buNone/>
-                      </a:pPr>
-                      <a:r>
-                        <a:rPr lang="zh-TW" sz="1800" dirty="0">
-                          <a:solidFill>
-                            <a:schemeClr val="tx1"/>
-                          </a:solidFill>
-                          <a:latin typeface="+mj-lt"/>
-                          <a:ea typeface="Microsoft JhengHei" panose="020B0604030504040204" pitchFamily="34" charset="-120"/>
-                        </a:rPr>
-                        <a:t>0.06557377</a:t>
-                      </a:r>
-                      <a:endParaRPr dirty="0">
-                        <a:solidFill>
-                          <a:schemeClr val="tx1"/>
-                        </a:solidFill>
-                        <a:latin typeface="+mj-lt"/>
-                        <a:ea typeface="Microsoft JhengHei" panose="020B0604030504040204" pitchFamily="34" charset="-120"/>
-                      </a:endParaRPr>
-                    </a:p>
-                  </a:txBody>
-                  <a:tcPr marL="91425" marR="91425" marT="91425" marB="91425"/>
-                </a:tc>
-                <a:extLst>
-                  <a:ext uri="{0D108BD9-81ED-4DB2-BD59-A6C34878D82A}">
-                    <a16:rowId xmlns:a16="http://schemas.microsoft.com/office/drawing/2014/main" val="307305543"/>
-                  </a:ext>
-                </a:extLst>
-              </a:tr>
-              <a:tr h="488363">
-                <a:tc>
-                  <a:txBody>
-                    <a:bodyPr/>
-                    <a:lstStyle/>
-                    <a:p>
-                      <a:r>
-                        <a:rPr lang="en" altLang="zh-TW" sz="1800" b="0" i="0" kern="1200" dirty="0" err="1">
-                          <a:solidFill>
-                            <a:schemeClr val="dk1"/>
-                          </a:solidFill>
-                          <a:effectLst/>
-                          <a:latin typeface="+mn-lt"/>
-                          <a:ea typeface="+mn-ea"/>
-                          <a:cs typeface="+mn-cs"/>
-                        </a:rPr>
-                        <a:t>cholestoral</a:t>
-                      </a:r>
-                      <a:endParaRPr lang="zh-TW" altLang="en-US" dirty="0"/>
-                    </a:p>
-                  </a:txBody>
-                  <a:tcPr anchor="ctr"/>
-                </a:tc>
-                <a:tc>
-                  <a:txBody>
-                    <a:bodyPr/>
-                    <a:lstStyle/>
-                    <a:p>
-                      <a:pPr marL="0" lvl="0" indent="0" algn="l" rtl="0">
-                        <a:lnSpc>
-                          <a:spcPct val="115000"/>
-                        </a:lnSpc>
-                        <a:spcBef>
-                          <a:spcPts val="0"/>
-                        </a:spcBef>
-                        <a:spcAft>
-                          <a:spcPts val="0"/>
-                        </a:spcAft>
-                        <a:buClr>
-                          <a:schemeClr val="dk1"/>
-                        </a:buClr>
-                        <a:buSzPts val="1100"/>
-                        <a:buFont typeface="Arial"/>
-                        <a:buNone/>
-                      </a:pPr>
-                      <a:r>
-                        <a:rPr lang="zh-TW" sz="1800" dirty="0">
-                          <a:solidFill>
-                            <a:schemeClr val="tx1"/>
-                          </a:solidFill>
-                          <a:latin typeface="+mj-lt"/>
-                          <a:ea typeface="Microsoft JhengHei" panose="020B0604030504040204" pitchFamily="34" charset="-120"/>
-                        </a:rPr>
-                        <a:t>0.114106357 </a:t>
-                      </a:r>
-                      <a:endParaRPr sz="1800" dirty="0">
-                        <a:solidFill>
-                          <a:schemeClr val="tx1"/>
-                        </a:solidFill>
-                        <a:latin typeface="+mj-lt"/>
-                        <a:ea typeface="Microsoft JhengHei" panose="020B0604030504040204" pitchFamily="34" charset="-120"/>
-                      </a:endParaRPr>
-                    </a:p>
-                  </a:txBody>
-                  <a:tcPr marL="91425" marR="91425" marT="91425" marB="91425"/>
-                </a:tc>
-                <a:tc>
-                  <a:txBody>
-                    <a:bodyPr/>
-                    <a:lstStyle/>
-                    <a:p>
-                      <a:pPr marL="0" lvl="0" indent="0" algn="l" rtl="0">
-                        <a:lnSpc>
-                          <a:spcPct val="115000"/>
-                        </a:lnSpc>
-                        <a:spcBef>
-                          <a:spcPts val="0"/>
-                        </a:spcBef>
-                        <a:spcAft>
-                          <a:spcPts val="1600"/>
-                        </a:spcAft>
-                        <a:buClr>
-                          <a:schemeClr val="dk1"/>
-                        </a:buClr>
-                        <a:buSzPts val="1100"/>
-                        <a:buFont typeface="Arial"/>
-                        <a:buNone/>
-                      </a:pPr>
-                      <a:r>
-                        <a:rPr lang="zh-TW" sz="1800" dirty="0">
-                          <a:solidFill>
-                            <a:schemeClr val="tx1"/>
-                          </a:solidFill>
-                          <a:latin typeface="+mj-lt"/>
-                          <a:ea typeface="Microsoft JhengHei" panose="020B0604030504040204" pitchFamily="34" charset="-120"/>
-                        </a:rPr>
-                        <a:t>0.19672131</a:t>
-                      </a:r>
-                      <a:endParaRPr dirty="0">
-                        <a:solidFill>
-                          <a:schemeClr val="tx1"/>
-                        </a:solidFill>
-                        <a:latin typeface="+mj-lt"/>
-                        <a:ea typeface="Microsoft JhengHei" panose="020B0604030504040204" pitchFamily="34" charset="-120"/>
-                      </a:endParaRPr>
-                    </a:p>
-                  </a:txBody>
-                  <a:tcPr marL="91425" marR="91425" marT="91425" marB="91425"/>
-                </a:tc>
-                <a:extLst>
-                  <a:ext uri="{0D108BD9-81ED-4DB2-BD59-A6C34878D82A}">
-                    <a16:rowId xmlns:a16="http://schemas.microsoft.com/office/drawing/2014/main" val="551508581"/>
-                  </a:ext>
-                </a:extLst>
-              </a:tr>
-              <a:tr h="488363">
-                <a:tc>
-                  <a:txBody>
-                    <a:bodyPr/>
-                    <a:lstStyle/>
-                    <a:p>
-                      <a:r>
-                        <a:rPr lang="en" altLang="zh-TW" sz="1800" b="0" i="0" kern="1200" dirty="0" err="1">
-                          <a:solidFill>
-                            <a:schemeClr val="dk1"/>
-                          </a:solidFill>
-                          <a:effectLst/>
-                          <a:latin typeface="+mn-lt"/>
-                          <a:ea typeface="+mn-ea"/>
-                          <a:cs typeface="+mn-cs"/>
-                        </a:rPr>
-                        <a:t>exercise_angina</a:t>
-                      </a:r>
-                      <a:endParaRPr lang="zh-TW" altLang="en-US" dirty="0"/>
-                    </a:p>
-                  </a:txBody>
-                  <a:tcPr anchor="ctr"/>
-                </a:tc>
-                <a:tc>
-                  <a:txBody>
-                    <a:bodyPr/>
-                    <a:lstStyle/>
-                    <a:p>
-                      <a:pPr marL="0" lvl="0" indent="0" algn="l" rtl="0">
-                        <a:lnSpc>
-                          <a:spcPct val="115000"/>
-                        </a:lnSpc>
-                        <a:spcBef>
-                          <a:spcPts val="0"/>
-                        </a:spcBef>
-                        <a:spcAft>
-                          <a:spcPts val="0"/>
-                        </a:spcAft>
-                        <a:buClr>
-                          <a:schemeClr val="dk1"/>
-                        </a:buClr>
-                        <a:buSzPts val="1100"/>
-                        <a:buFont typeface="Arial"/>
-                        <a:buNone/>
-                      </a:pPr>
-                      <a:r>
-                        <a:rPr lang="zh-TW" sz="1800" dirty="0">
-                          <a:solidFill>
-                            <a:schemeClr val="tx1"/>
-                          </a:solidFill>
-                          <a:latin typeface="+mj-lt"/>
-                          <a:ea typeface="Microsoft JhengHei" panose="020B0604030504040204" pitchFamily="34" charset="-120"/>
-                        </a:rPr>
-                        <a:t>0.010420478 </a:t>
-                      </a:r>
-                      <a:endParaRPr sz="1800" dirty="0">
-                        <a:solidFill>
-                          <a:schemeClr val="tx1"/>
-                        </a:solidFill>
-                        <a:latin typeface="+mj-lt"/>
-                        <a:ea typeface="Microsoft JhengHei" panose="020B0604030504040204" pitchFamily="34" charset="-120"/>
-                      </a:endParaRPr>
-                    </a:p>
-                  </a:txBody>
-                  <a:tcPr marL="91425" marR="91425" marT="91425" marB="91425"/>
-                </a:tc>
-                <a:tc>
-                  <a:txBody>
-                    <a:bodyPr/>
-                    <a:lstStyle/>
-                    <a:p>
-                      <a:pPr marL="0" lvl="0" indent="0" algn="l" rtl="0">
-                        <a:lnSpc>
-                          <a:spcPct val="115000"/>
-                        </a:lnSpc>
-                        <a:spcBef>
-                          <a:spcPts val="0"/>
-                        </a:spcBef>
-                        <a:spcAft>
-                          <a:spcPts val="1600"/>
-                        </a:spcAft>
-                        <a:buClr>
-                          <a:schemeClr val="dk1"/>
-                        </a:buClr>
-                        <a:buSzPts val="1100"/>
-                        <a:buFont typeface="Arial"/>
-                        <a:buNone/>
-                      </a:pPr>
-                      <a:r>
-                        <a:rPr lang="zh-TW" sz="1800" dirty="0">
-                          <a:solidFill>
-                            <a:schemeClr val="tx1"/>
-                          </a:solidFill>
-                          <a:latin typeface="+mj-lt"/>
-                          <a:ea typeface="Microsoft JhengHei" panose="020B0604030504040204" pitchFamily="34" charset="-120"/>
-                        </a:rPr>
-                        <a:t>0.01639344</a:t>
-                      </a:r>
-                      <a:endParaRPr dirty="0">
-                        <a:solidFill>
-                          <a:schemeClr val="tx1"/>
-                        </a:solidFill>
-                        <a:latin typeface="+mj-lt"/>
-                        <a:ea typeface="Microsoft JhengHei" panose="020B0604030504040204" pitchFamily="34" charset="-120"/>
-                      </a:endParaRPr>
-                    </a:p>
-                  </a:txBody>
-                  <a:tcPr marL="91425" marR="91425" marT="91425" marB="91425"/>
-                </a:tc>
-                <a:extLst>
-                  <a:ext uri="{0D108BD9-81ED-4DB2-BD59-A6C34878D82A}">
-                    <a16:rowId xmlns:a16="http://schemas.microsoft.com/office/drawing/2014/main" val="3711623297"/>
-                  </a:ext>
-                </a:extLst>
-              </a:tr>
-              <a:tr h="488363">
-                <a:tc>
-                  <a:txBody>
-                    <a:bodyPr/>
-                    <a:lstStyle/>
-                    <a:p>
-                      <a:r>
-                        <a:rPr lang="en-US" altLang="zh-TW" dirty="0" err="1"/>
-                        <a:t>High_sugar</a:t>
-                      </a:r>
-                      <a:endParaRPr lang="zh-TW" altLang="en-US" dirty="0"/>
-                    </a:p>
-                  </a:txBody>
-                  <a:tcPr anchor="ctr"/>
-                </a:tc>
-                <a:tc>
-                  <a:txBody>
-                    <a:bodyPr/>
-                    <a:lstStyle/>
-                    <a:p>
-                      <a:pPr marL="0" lvl="0" indent="0" algn="l" rtl="0">
-                        <a:lnSpc>
-                          <a:spcPct val="115000"/>
-                        </a:lnSpc>
-                        <a:spcBef>
-                          <a:spcPts val="0"/>
-                        </a:spcBef>
-                        <a:spcAft>
-                          <a:spcPts val="0"/>
-                        </a:spcAft>
-                        <a:buClr>
-                          <a:schemeClr val="dk1"/>
-                        </a:buClr>
-                        <a:buSzPts val="1100"/>
-                        <a:buFont typeface="Arial"/>
-                        <a:buNone/>
-                      </a:pPr>
-                      <a:r>
-                        <a:rPr lang="zh-TW" sz="1800" dirty="0">
-                          <a:solidFill>
-                            <a:schemeClr val="tx1"/>
-                          </a:solidFill>
-                          <a:latin typeface="+mj-lt"/>
-                          <a:ea typeface="Microsoft JhengHei" panose="020B0604030504040204" pitchFamily="34" charset="-120"/>
-                        </a:rPr>
-                        <a:t>0.007573798 </a:t>
-                      </a:r>
-                      <a:endParaRPr sz="1800" dirty="0">
-                        <a:solidFill>
-                          <a:schemeClr val="tx1"/>
-                        </a:solidFill>
-                        <a:latin typeface="+mj-lt"/>
-                        <a:ea typeface="Microsoft JhengHei" panose="020B0604030504040204" pitchFamily="34" charset="-120"/>
-                      </a:endParaRPr>
-                    </a:p>
-                  </a:txBody>
-                  <a:tcPr marL="91425" marR="91425" marT="91425" marB="91425"/>
-                </a:tc>
-                <a:tc>
-                  <a:txBody>
-                    <a:bodyPr/>
-                    <a:lstStyle/>
-                    <a:p>
-                      <a:pPr marL="0" lvl="0" indent="0" algn="l" rtl="0">
-                        <a:lnSpc>
-                          <a:spcPct val="115000"/>
-                        </a:lnSpc>
-                        <a:spcBef>
-                          <a:spcPts val="0"/>
-                        </a:spcBef>
-                        <a:spcAft>
-                          <a:spcPts val="1600"/>
-                        </a:spcAft>
-                        <a:buClr>
-                          <a:schemeClr val="dk1"/>
-                        </a:buClr>
-                        <a:buSzPts val="1100"/>
-                        <a:buFont typeface="Arial"/>
-                        <a:buNone/>
-                      </a:pPr>
-                      <a:r>
-                        <a:rPr lang="zh-TW" sz="1800" dirty="0">
-                          <a:solidFill>
-                            <a:schemeClr val="tx1"/>
-                          </a:solidFill>
-                          <a:latin typeface="+mj-lt"/>
-                          <a:ea typeface="Microsoft JhengHei" panose="020B0604030504040204" pitchFamily="34" charset="-120"/>
-                        </a:rPr>
-                        <a:t>0.01639344</a:t>
-                      </a:r>
-                      <a:endParaRPr dirty="0">
-                        <a:solidFill>
-                          <a:schemeClr val="tx1"/>
-                        </a:solidFill>
-                        <a:latin typeface="+mj-lt"/>
-                        <a:ea typeface="Microsoft JhengHei" panose="020B0604030504040204" pitchFamily="34" charset="-120"/>
-                      </a:endParaRPr>
-                    </a:p>
-                  </a:txBody>
-                  <a:tcPr marL="91425" marR="91425" marT="91425" marB="91425"/>
-                </a:tc>
-                <a:extLst>
-                  <a:ext uri="{0D108BD9-81ED-4DB2-BD59-A6C34878D82A}">
-                    <a16:rowId xmlns:a16="http://schemas.microsoft.com/office/drawing/2014/main" val="1847381440"/>
-                  </a:ext>
-                </a:extLst>
-              </a:tr>
-            </a:tbl>
-          </a:graphicData>
-        </a:graphic>
-      </p:graphicFrame>
     </p:spTree>
     <p:extLst>
       <p:ext uri="{BB962C8B-B14F-4D97-AF65-F5344CB8AC3E}">
-        <p14:creationId xmlns:p14="http://schemas.microsoft.com/office/powerpoint/2010/main" val="423777325"/>
+        <p14:creationId xmlns:p14="http://schemas.microsoft.com/office/powerpoint/2010/main" val="2641002419"/>
       </p:ext>
     </p:extLst>
   </p:cSld>
@@ -8262,7 +7779,7 @@
           <a:p>
             <a:r>
               <a:rPr kumimoji="1" lang="zh-TW" altLang="en-US" dirty="0"/>
-              <a:t>模型實驗</a:t>
+              <a:t>模型設定及處理</a:t>
             </a:r>
             <a:r>
               <a:rPr kumimoji="1" lang="en-US" altLang="zh-TW" dirty="0"/>
@@ -8270,11 +7787,15 @@
             </a:r>
             <a:r>
               <a:rPr lang="en-US" altLang="zh-CN" dirty="0"/>
-              <a:t>– </a:t>
+              <a:t>–</a:t>
             </a:r>
             <a:r>
               <a:rPr kumimoji="1" lang="en-US" altLang="zh-TW" dirty="0"/>
-              <a:t>Logistic Regression</a:t>
+              <a:t> </a:t>
+            </a:r>
+            <a:r>
+              <a:rPr kumimoji="1" lang="en-US" altLang="zh-TW" dirty="0" err="1"/>
+              <a:t>XGBoost</a:t>
             </a:r>
             <a:endParaRPr kumimoji="1" lang="zh-TW" altLang="en-US" dirty="0"/>
           </a:p>
@@ -8299,7 +7820,7 @@
         <p:spPr>
           <a:xfrm>
             <a:off x="1451579" y="2015732"/>
-            <a:ext cx="9603275" cy="4138180"/>
+            <a:ext cx="9603275" cy="4348492"/>
           </a:xfrm>
         </p:spPr>
         <p:txBody>
@@ -8318,15 +7839,7 @@
             <a:pPr lvl="1"/>
             <a:r>
               <a:rPr lang="zh-CN" altLang="en-US" dirty="0"/>
-              <a:t>原始資料：</a:t>
-            </a:r>
-            <a:endParaRPr lang="en-US" altLang="zh-CN" dirty="0"/>
-          </a:p>
-          <a:p>
-            <a:pPr lvl="2"/>
-            <a:r>
-              <a:rPr lang="zh-CN" altLang="en-US" dirty="0"/>
-              <a:t>根據全部資料，利用</a:t>
+              <a:t>將</a:t>
             </a:r>
             <a:r>
               <a:rPr lang="zh-TW" altLang="en-US" dirty="0"/>
@@ -8334,102 +7847,792 @@
             </a:r>
             <a:r>
               <a:rPr lang="en-US" altLang="zh-TW" dirty="0"/>
-              <a:t>student t test</a:t>
+              <a:t>slope </a:t>
+            </a:r>
+            <a:r>
+              <a:rPr lang="zh-CN" altLang="en-US" dirty="0"/>
+              <a:t>轉換成「</a:t>
+            </a:r>
+            <a:r>
+              <a:rPr lang="en-US" altLang="zh-CN" dirty="0"/>
+              <a:t>binary</a:t>
+            </a:r>
+            <a:r>
+              <a:rPr lang="zh-CN" altLang="en-US" dirty="0"/>
+              <a:t>」型式</a:t>
+            </a:r>
+            <a:endParaRPr lang="en-US" altLang="zh-CN" dirty="0"/>
+          </a:p>
+          <a:p>
+            <a:pPr lvl="1"/>
+            <a:r>
+              <a:rPr lang="zh-CN" altLang="en-US" dirty="0"/>
+              <a:t>將</a:t>
             </a:r>
             <a:r>
               <a:rPr lang="zh-TW" altLang="en-US" dirty="0"/>
-              <a:t> 來找到對應的</a:t>
+              <a:t> </a:t>
+            </a:r>
+            <a:r>
+              <a:rPr lang="en-US" altLang="zh-TW" dirty="0" err="1"/>
+              <a:t>thalium_scan</a:t>
+            </a:r>
+            <a:r>
+              <a:rPr lang="zh-TW" altLang="en-US" dirty="0"/>
+              <a:t> 轉換成「</a:t>
             </a:r>
             <a:r>
               <a:rPr lang="en-US" altLang="zh-TW" dirty="0"/>
-              <a:t> t </a:t>
-            </a:r>
+              <a:t>one-hot encoding</a:t>
+            </a:r>
+            <a:r>
+              <a:rPr lang="zh-TW" altLang="en-US" dirty="0"/>
+              <a:t>」</a:t>
+            </a:r>
+            <a:endParaRPr lang="en-US" altLang="zh-TW" dirty="0"/>
+          </a:p>
+          <a:p>
+            <a:pPr lvl="1"/>
             <a:r>
               <a:rPr lang="zh-CN" altLang="en-US" dirty="0"/>
-              <a:t>值（</a:t>
-            </a:r>
-            <a:r>
-              <a:rPr lang="en-US" altLang="zh-CN" dirty="0"/>
-              <a:t>P value</a:t>
-            </a:r>
-            <a:r>
-              <a:rPr lang="zh-CN" altLang="en-US" dirty="0"/>
-              <a:t>）</a:t>
+              <a:t>利用</a:t>
+            </a:r>
+            <a:r>
+              <a:rPr lang="zh-TW" altLang="en-US" dirty="0"/>
+              <a:t> </a:t>
+            </a:r>
+            <a:r>
+              <a:rPr lang="en-US" altLang="zh-TW" dirty="0" err="1"/>
+              <a:t>xgb.importance</a:t>
             </a:r>
             <a:r>
               <a:rPr lang="en-US" altLang="zh-TW" dirty="0"/>
               <a:t> </a:t>
             </a:r>
             <a:r>
-              <a:rPr lang="zh-TW" altLang="en-US" dirty="0"/>
-              <a:t>，選取重要特徵：</a:t>
-            </a:r>
-            <a:endParaRPr lang="en-US" altLang="zh-TW" dirty="0"/>
-          </a:p>
-          <a:p>
-            <a:pPr lvl="3"/>
-            <a:r>
-              <a:rPr lang="en-US" altLang="zh-TW" dirty="0" err="1"/>
-              <a:t>chest_pain</a:t>
-            </a:r>
-            <a:endParaRPr lang="en-US" altLang="zh-TW" dirty="0"/>
-          </a:p>
-          <a:p>
-            <a:pPr lvl="3"/>
-            <a:r>
-              <a:rPr lang="en-US" altLang="zh-TW" dirty="0"/>
-              <a:t>vessels</a:t>
-            </a:r>
-          </a:p>
-          <a:p>
-            <a:pPr lvl="3"/>
-            <a:r>
-              <a:rPr lang="en-US" altLang="zh-TW" dirty="0" err="1"/>
-              <a:t>thalium_scan</a:t>
+              <a:rPr lang="zh-CN" altLang="en-US" dirty="0"/>
+              <a:t>的套件，找出較重要的特徵，並訓練模型</a:t>
             </a:r>
             <a:endParaRPr lang="en-US" altLang="zh-CN" dirty="0"/>
+          </a:p>
+          <a:p>
+            <a:r>
+              <a:rPr lang="zh-CN" altLang="en-US" dirty="0"/>
+              <a:t>實驗設定：</a:t>
+            </a:r>
+            <a:endParaRPr lang="en-US" altLang="zh-CN" dirty="0"/>
+          </a:p>
+          <a:p>
+            <a:pPr lvl="1"/>
+            <a:r>
+              <a:rPr lang="en-TW" dirty="0"/>
+              <a:t>Cross Validation：20</a:t>
+            </a:r>
+            <a:endParaRPr lang="en-US" altLang="zh-CN" dirty="0"/>
+          </a:p>
+          <a:p>
+            <a:pPr lvl="1"/>
+            <a:endParaRPr lang="en-US" altLang="zh-CN" dirty="0"/>
+          </a:p>
+          <a:p>
+            <a:pPr lvl="2"/>
+            <a:endParaRPr lang="en-US" altLang="zh-CN" dirty="0"/>
+          </a:p>
+          <a:p>
+            <a:pPr lvl="1"/>
+            <a:endParaRPr lang="en-TW" dirty="0"/>
           </a:p>
         </p:txBody>
       </p:sp>
-      <p:pic>
-        <p:nvPicPr>
-          <p:cNvPr id="7" name="內容版面配置區 3">
+      <p:graphicFrame>
+        <p:nvGraphicFramePr>
+          <p:cNvPr id="6" name="內容版面配置區 4">
             <a:extLst>
               <a:ext uri="{FF2B5EF4-FFF2-40B4-BE49-F238E27FC236}">
-                <a16:creationId xmlns:a16="http://schemas.microsoft.com/office/drawing/2014/main" id="{C81ABB03-FA66-1341-87F0-5A1D0E2B8A0F}"/>
+                <a16:creationId xmlns:a16="http://schemas.microsoft.com/office/drawing/2014/main" id="{CEB9F492-6743-E843-A44C-01ACE1D4E9EA}"/>
               </a:ext>
             </a:extLst>
           </p:cNvPr>
-          <p:cNvPicPr>
-            <a:picLocks noChangeAspect="1"/>
-          </p:cNvPicPr>
-          <p:nvPr/>
-        </p:nvPicPr>
-        <p:blipFill>
-          <a:blip r:embed="rId2"/>
-          <a:stretch>
-            <a:fillRect/>
-          </a:stretch>
-        </p:blipFill>
-        <p:spPr>
-          <a:xfrm>
-            <a:off x="6096000" y="3308483"/>
-            <a:ext cx="4517136" cy="3364439"/>
-          </a:xfrm>
-          <a:prstGeom prst="rect">
-            <a:avLst/>
-          </a:prstGeom>
-          <a:ln>
-            <a:solidFill>
-              <a:schemeClr val="tx1"/>
-            </a:solidFill>
-          </a:ln>
-        </p:spPr>
-      </p:pic>
+          <p:cNvGraphicFramePr>
+            <a:graphicFrameLocks/>
+          </p:cNvGraphicFramePr>
+          <p:nvPr>
+            <p:extLst>
+              <p:ext uri="{D42A27DB-BD31-4B8C-83A1-F6EECF244321}">
+                <p14:modId xmlns:p14="http://schemas.microsoft.com/office/powerpoint/2010/main" val="2869899884"/>
+              </p:ext>
+            </p:extLst>
+          </p:nvPr>
+        </p:nvGraphicFramePr>
+        <p:xfrm>
+          <a:off x="6035040" y="3803904"/>
+          <a:ext cx="5582597" cy="2823946"/>
+        </p:xfrm>
+        <a:graphic>
+          <a:graphicData uri="http://schemas.openxmlformats.org/drawingml/2006/table">
+            <a:tbl>
+              <a:tblPr firstRow="1" bandRow="1">
+                <a:tableStyleId>{5C22544A-7EE6-4342-B048-85BDC9FD1C3A}</a:tableStyleId>
+              </a:tblPr>
+              <a:tblGrid>
+                <a:gridCol w="2305627">
+                  <a:extLst>
+                    <a:ext uri="{9D8B030D-6E8A-4147-A177-3AD203B41FA5}">
+                      <a16:colId xmlns:a16="http://schemas.microsoft.com/office/drawing/2014/main" val="3938329285"/>
+                    </a:ext>
+                  </a:extLst>
+                </a:gridCol>
+                <a:gridCol w="1845650">
+                  <a:extLst>
+                    <a:ext uri="{9D8B030D-6E8A-4147-A177-3AD203B41FA5}">
+                      <a16:colId xmlns:a16="http://schemas.microsoft.com/office/drawing/2014/main" val="85675256"/>
+                    </a:ext>
+                  </a:extLst>
+                </a:gridCol>
+                <a:gridCol w="1431320">
+                  <a:extLst>
+                    <a:ext uri="{9D8B030D-6E8A-4147-A177-3AD203B41FA5}">
+                      <a16:colId xmlns:a16="http://schemas.microsoft.com/office/drawing/2014/main" val="2930448733"/>
+                    </a:ext>
+                  </a:extLst>
+                </a:gridCol>
+              </a:tblGrid>
+              <a:tr h="382131">
+                <a:tc>
+                  <a:txBody>
+                    <a:bodyPr/>
+                    <a:lstStyle/>
+                    <a:p>
+                      <a:r>
+                        <a:rPr lang="en-US" altLang="zh-TW" dirty="0"/>
+                        <a:t>Feature</a:t>
+                      </a:r>
+                      <a:endParaRPr lang="zh-TW" altLang="en-US" dirty="0"/>
+                    </a:p>
+                  </a:txBody>
+                  <a:tcPr/>
+                </a:tc>
+                <a:tc>
+                  <a:txBody>
+                    <a:bodyPr/>
+                    <a:lstStyle/>
+                    <a:p>
+                      <a:r>
+                        <a:rPr lang="en-US" altLang="zh-TW" dirty="0"/>
+                        <a:t>Gain</a:t>
+                      </a:r>
+                      <a:endParaRPr lang="zh-TW" altLang="en-US" dirty="0"/>
+                    </a:p>
+                  </a:txBody>
+                  <a:tcPr/>
+                </a:tc>
+                <a:tc>
+                  <a:txBody>
+                    <a:bodyPr/>
+                    <a:lstStyle/>
+                    <a:p>
+                      <a:r>
+                        <a:rPr lang="en-US" altLang="zh-TW" dirty="0"/>
+                        <a:t>Frequency</a:t>
+                      </a:r>
+                      <a:endParaRPr lang="zh-TW" altLang="en-US" dirty="0"/>
+                    </a:p>
+                  </a:txBody>
+                  <a:tcPr/>
+                </a:tc>
+                <a:extLst>
+                  <a:ext uri="{0D108BD9-81ED-4DB2-BD59-A6C34878D82A}">
+                    <a16:rowId xmlns:a16="http://schemas.microsoft.com/office/drawing/2014/main" val="2896429199"/>
+                  </a:ext>
+                </a:extLst>
+              </a:tr>
+              <a:tr h="488363">
+                <a:tc>
+                  <a:txBody>
+                    <a:bodyPr/>
+                    <a:lstStyle/>
+                    <a:p>
+                      <a:r>
+                        <a:rPr lang="en" altLang="zh-TW" sz="1800" b="0" i="0" kern="1200" dirty="0" err="1">
+                          <a:solidFill>
+                            <a:schemeClr val="dk1"/>
+                          </a:solidFill>
+                          <a:effectLst/>
+                          <a:latin typeface="+mn-lt"/>
+                          <a:ea typeface="+mn-ea"/>
+                          <a:cs typeface="+mn-cs"/>
+                        </a:rPr>
+                        <a:t>thalium_scan</a:t>
+                      </a:r>
+                      <a:endParaRPr lang="zh-TW" altLang="en-US" dirty="0"/>
+                    </a:p>
+                  </a:txBody>
+                  <a:tcPr anchor="ctr"/>
+                </a:tc>
+                <a:tc>
+                  <a:txBody>
+                    <a:bodyPr/>
+                    <a:lstStyle/>
+                    <a:p>
+                      <a:pPr marL="0" lvl="0" indent="0" algn="l" rtl="0">
+                        <a:lnSpc>
+                          <a:spcPct val="115000"/>
+                        </a:lnSpc>
+                        <a:spcBef>
+                          <a:spcPts val="0"/>
+                        </a:spcBef>
+                        <a:spcAft>
+                          <a:spcPts val="1600"/>
+                        </a:spcAft>
+                        <a:buClr>
+                          <a:schemeClr val="dk1"/>
+                        </a:buClr>
+                        <a:buSzPts val="1100"/>
+                        <a:buFont typeface="Arial"/>
+                        <a:buNone/>
+                      </a:pPr>
+                      <a:r>
+                        <a:rPr lang="zh-TW" sz="1800" dirty="0">
+                          <a:solidFill>
+                            <a:schemeClr val="tx1"/>
+                          </a:solidFill>
+                          <a:latin typeface="+mj-lt"/>
+                          <a:ea typeface="Microsoft JhengHei" panose="020B0604030504040204" pitchFamily="34" charset="-120"/>
+                        </a:rPr>
+                        <a:t>0.275342017 </a:t>
+                      </a:r>
+                      <a:endParaRPr dirty="0">
+                        <a:solidFill>
+                          <a:schemeClr val="tx1"/>
+                        </a:solidFill>
+                        <a:latin typeface="+mj-lt"/>
+                        <a:ea typeface="Microsoft JhengHei" panose="020B0604030504040204" pitchFamily="34" charset="-120"/>
+                      </a:endParaRPr>
+                    </a:p>
+                  </a:txBody>
+                  <a:tcPr marL="91425" marR="91425" marT="91425" marB="91425"/>
+                </a:tc>
+                <a:tc>
+                  <a:txBody>
+                    <a:bodyPr/>
+                    <a:lstStyle/>
+                    <a:p>
+                      <a:pPr marL="0" lvl="0" indent="0" algn="l" rtl="0">
+                        <a:lnSpc>
+                          <a:spcPct val="115000"/>
+                        </a:lnSpc>
+                        <a:spcBef>
+                          <a:spcPts val="0"/>
+                        </a:spcBef>
+                        <a:spcAft>
+                          <a:spcPts val="1600"/>
+                        </a:spcAft>
+                        <a:buClr>
+                          <a:schemeClr val="dk1"/>
+                        </a:buClr>
+                        <a:buSzPts val="1100"/>
+                        <a:buFont typeface="Arial"/>
+                        <a:buNone/>
+                      </a:pPr>
+                      <a:r>
+                        <a:rPr lang="zh-TW" sz="1800" dirty="0">
+                          <a:solidFill>
+                            <a:schemeClr val="tx1"/>
+                          </a:solidFill>
+                          <a:latin typeface="+mj-lt"/>
+                          <a:ea typeface="Microsoft JhengHei" panose="020B0604030504040204" pitchFamily="34" charset="-120"/>
+                        </a:rPr>
+                        <a:t>0.01639344</a:t>
+                      </a:r>
+                      <a:endParaRPr dirty="0">
+                        <a:solidFill>
+                          <a:schemeClr val="tx1"/>
+                        </a:solidFill>
+                        <a:latin typeface="+mj-lt"/>
+                        <a:ea typeface="Microsoft JhengHei" panose="020B0604030504040204" pitchFamily="34" charset="-120"/>
+                      </a:endParaRPr>
+                    </a:p>
+                  </a:txBody>
+                  <a:tcPr marL="91425" marR="91425" marT="91425" marB="91425"/>
+                </a:tc>
+                <a:extLst>
+                  <a:ext uri="{0D108BD9-81ED-4DB2-BD59-A6C34878D82A}">
+                    <a16:rowId xmlns:a16="http://schemas.microsoft.com/office/drawing/2014/main" val="2876995139"/>
+                  </a:ext>
+                </a:extLst>
+              </a:tr>
+              <a:tr h="488363">
+                <a:tc>
+                  <a:txBody>
+                    <a:bodyPr/>
+                    <a:lstStyle/>
+                    <a:p>
+                      <a:r>
+                        <a:rPr lang="en-US" altLang="zh-TW" sz="1800" b="0" i="0" kern="1200" dirty="0">
+                          <a:solidFill>
+                            <a:schemeClr val="dk1"/>
+                          </a:solidFill>
+                          <a:effectLst/>
+                          <a:latin typeface="+mn-lt"/>
+                          <a:ea typeface="+mn-ea"/>
+                          <a:cs typeface="+mn-cs"/>
+                        </a:rPr>
+                        <a:t>c</a:t>
+                      </a:r>
+                      <a:r>
+                        <a:rPr lang="en" altLang="zh-TW" sz="1800" b="0" i="0" kern="1200" dirty="0" err="1">
+                          <a:solidFill>
+                            <a:schemeClr val="dk1"/>
+                          </a:solidFill>
+                          <a:effectLst/>
+                          <a:latin typeface="+mn-lt"/>
+                          <a:ea typeface="+mn-ea"/>
+                          <a:cs typeface="+mn-cs"/>
+                        </a:rPr>
+                        <a:t>hest_pain</a:t>
+                      </a:r>
+                      <a:endParaRPr lang="zh-TW" altLang="en-US" dirty="0"/>
+                    </a:p>
+                  </a:txBody>
+                  <a:tcPr anchor="ctr"/>
+                </a:tc>
+                <a:tc>
+                  <a:txBody>
+                    <a:bodyPr/>
+                    <a:lstStyle/>
+                    <a:p>
+                      <a:pPr marL="0" lvl="0" indent="0" algn="l" rtl="0">
+                        <a:lnSpc>
+                          <a:spcPct val="115000"/>
+                        </a:lnSpc>
+                        <a:spcBef>
+                          <a:spcPts val="0"/>
+                        </a:spcBef>
+                        <a:spcAft>
+                          <a:spcPts val="0"/>
+                        </a:spcAft>
+                        <a:buClr>
+                          <a:schemeClr val="dk1"/>
+                        </a:buClr>
+                        <a:buSzPts val="1100"/>
+                        <a:buFont typeface="Arial"/>
+                        <a:buNone/>
+                      </a:pPr>
+                      <a:r>
+                        <a:rPr lang="zh-TW" sz="1800" dirty="0">
+                          <a:solidFill>
+                            <a:schemeClr val="tx1"/>
+                          </a:solidFill>
+                          <a:latin typeface="+mj-lt"/>
+                          <a:ea typeface="Microsoft JhengHei" panose="020B0604030504040204" pitchFamily="34" charset="-120"/>
+                        </a:rPr>
+                        <a:t>0.133716699 </a:t>
+                      </a:r>
+                      <a:endParaRPr sz="1800" dirty="0">
+                        <a:solidFill>
+                          <a:schemeClr val="tx1"/>
+                        </a:solidFill>
+                        <a:latin typeface="+mj-lt"/>
+                        <a:ea typeface="Microsoft JhengHei" panose="020B0604030504040204" pitchFamily="34" charset="-120"/>
+                      </a:endParaRPr>
+                    </a:p>
+                  </a:txBody>
+                  <a:tcPr marL="91425" marR="91425" marT="91425" marB="91425"/>
+                </a:tc>
+                <a:tc>
+                  <a:txBody>
+                    <a:bodyPr/>
+                    <a:lstStyle/>
+                    <a:p>
+                      <a:pPr marL="0" lvl="0" indent="0" algn="l" rtl="0">
+                        <a:lnSpc>
+                          <a:spcPct val="115000"/>
+                        </a:lnSpc>
+                        <a:spcBef>
+                          <a:spcPts val="0"/>
+                        </a:spcBef>
+                        <a:spcAft>
+                          <a:spcPts val="1600"/>
+                        </a:spcAft>
+                        <a:buClr>
+                          <a:schemeClr val="dk1"/>
+                        </a:buClr>
+                        <a:buSzPts val="1100"/>
+                        <a:buFont typeface="Arial"/>
+                        <a:buNone/>
+                      </a:pPr>
+                      <a:r>
+                        <a:rPr lang="zh-TW" sz="1800" dirty="0">
+                          <a:solidFill>
+                            <a:schemeClr val="tx1"/>
+                          </a:solidFill>
+                          <a:latin typeface="+mj-lt"/>
+                          <a:ea typeface="Microsoft JhengHei" panose="020B0604030504040204" pitchFamily="34" charset="-120"/>
+                        </a:rPr>
+                        <a:t>0.06557377</a:t>
+                      </a:r>
+                      <a:endParaRPr dirty="0">
+                        <a:solidFill>
+                          <a:schemeClr val="tx1"/>
+                        </a:solidFill>
+                        <a:latin typeface="+mj-lt"/>
+                        <a:ea typeface="Microsoft JhengHei" panose="020B0604030504040204" pitchFamily="34" charset="-120"/>
+                      </a:endParaRPr>
+                    </a:p>
+                  </a:txBody>
+                  <a:tcPr marL="91425" marR="91425" marT="91425" marB="91425"/>
+                </a:tc>
+                <a:extLst>
+                  <a:ext uri="{0D108BD9-81ED-4DB2-BD59-A6C34878D82A}">
+                    <a16:rowId xmlns:a16="http://schemas.microsoft.com/office/drawing/2014/main" val="307305543"/>
+                  </a:ext>
+                </a:extLst>
+              </a:tr>
+              <a:tr h="488363">
+                <a:tc>
+                  <a:txBody>
+                    <a:bodyPr/>
+                    <a:lstStyle/>
+                    <a:p>
+                      <a:r>
+                        <a:rPr lang="en" altLang="zh-TW" sz="1800" b="0" i="0" kern="1200" dirty="0" err="1">
+                          <a:solidFill>
+                            <a:schemeClr val="dk1"/>
+                          </a:solidFill>
+                          <a:effectLst/>
+                          <a:latin typeface="+mn-lt"/>
+                          <a:ea typeface="+mn-ea"/>
+                          <a:cs typeface="+mn-cs"/>
+                        </a:rPr>
+                        <a:t>cholestoral</a:t>
+                      </a:r>
+                      <a:endParaRPr lang="zh-TW" altLang="en-US" dirty="0"/>
+                    </a:p>
+                  </a:txBody>
+                  <a:tcPr anchor="ctr"/>
+                </a:tc>
+                <a:tc>
+                  <a:txBody>
+                    <a:bodyPr/>
+                    <a:lstStyle/>
+                    <a:p>
+                      <a:pPr marL="0" lvl="0" indent="0" algn="l" rtl="0">
+                        <a:lnSpc>
+                          <a:spcPct val="115000"/>
+                        </a:lnSpc>
+                        <a:spcBef>
+                          <a:spcPts val="0"/>
+                        </a:spcBef>
+                        <a:spcAft>
+                          <a:spcPts val="0"/>
+                        </a:spcAft>
+                        <a:buClr>
+                          <a:schemeClr val="dk1"/>
+                        </a:buClr>
+                        <a:buSzPts val="1100"/>
+                        <a:buFont typeface="Arial"/>
+                        <a:buNone/>
+                      </a:pPr>
+                      <a:r>
+                        <a:rPr lang="zh-TW" sz="1800" dirty="0">
+                          <a:solidFill>
+                            <a:schemeClr val="tx1"/>
+                          </a:solidFill>
+                          <a:latin typeface="+mj-lt"/>
+                          <a:ea typeface="Microsoft JhengHei" panose="020B0604030504040204" pitchFamily="34" charset="-120"/>
+                        </a:rPr>
+                        <a:t>0.114106357 </a:t>
+                      </a:r>
+                      <a:endParaRPr sz="1800" dirty="0">
+                        <a:solidFill>
+                          <a:schemeClr val="tx1"/>
+                        </a:solidFill>
+                        <a:latin typeface="+mj-lt"/>
+                        <a:ea typeface="Microsoft JhengHei" panose="020B0604030504040204" pitchFamily="34" charset="-120"/>
+                      </a:endParaRPr>
+                    </a:p>
+                  </a:txBody>
+                  <a:tcPr marL="91425" marR="91425" marT="91425" marB="91425"/>
+                </a:tc>
+                <a:tc>
+                  <a:txBody>
+                    <a:bodyPr/>
+                    <a:lstStyle/>
+                    <a:p>
+                      <a:pPr marL="0" lvl="0" indent="0" algn="l" rtl="0">
+                        <a:lnSpc>
+                          <a:spcPct val="115000"/>
+                        </a:lnSpc>
+                        <a:spcBef>
+                          <a:spcPts val="0"/>
+                        </a:spcBef>
+                        <a:spcAft>
+                          <a:spcPts val="1600"/>
+                        </a:spcAft>
+                        <a:buClr>
+                          <a:schemeClr val="dk1"/>
+                        </a:buClr>
+                        <a:buSzPts val="1100"/>
+                        <a:buFont typeface="Arial"/>
+                        <a:buNone/>
+                      </a:pPr>
+                      <a:r>
+                        <a:rPr lang="zh-TW" sz="1800" dirty="0">
+                          <a:solidFill>
+                            <a:schemeClr val="tx1"/>
+                          </a:solidFill>
+                          <a:latin typeface="+mj-lt"/>
+                          <a:ea typeface="Microsoft JhengHei" panose="020B0604030504040204" pitchFamily="34" charset="-120"/>
+                        </a:rPr>
+                        <a:t>0.19672131</a:t>
+                      </a:r>
+                      <a:endParaRPr dirty="0">
+                        <a:solidFill>
+                          <a:schemeClr val="tx1"/>
+                        </a:solidFill>
+                        <a:latin typeface="+mj-lt"/>
+                        <a:ea typeface="Microsoft JhengHei" panose="020B0604030504040204" pitchFamily="34" charset="-120"/>
+                      </a:endParaRPr>
+                    </a:p>
+                  </a:txBody>
+                  <a:tcPr marL="91425" marR="91425" marT="91425" marB="91425"/>
+                </a:tc>
+                <a:extLst>
+                  <a:ext uri="{0D108BD9-81ED-4DB2-BD59-A6C34878D82A}">
+                    <a16:rowId xmlns:a16="http://schemas.microsoft.com/office/drawing/2014/main" val="551508581"/>
+                  </a:ext>
+                </a:extLst>
+              </a:tr>
+              <a:tr h="488363">
+                <a:tc>
+                  <a:txBody>
+                    <a:bodyPr/>
+                    <a:lstStyle/>
+                    <a:p>
+                      <a:r>
+                        <a:rPr lang="en" altLang="zh-TW" sz="1800" b="0" i="0" kern="1200" dirty="0" err="1">
+                          <a:solidFill>
+                            <a:schemeClr val="dk1"/>
+                          </a:solidFill>
+                          <a:effectLst/>
+                          <a:latin typeface="+mn-lt"/>
+                          <a:ea typeface="+mn-ea"/>
+                          <a:cs typeface="+mn-cs"/>
+                        </a:rPr>
+                        <a:t>exercise_angina</a:t>
+                      </a:r>
+                      <a:endParaRPr lang="zh-TW" altLang="en-US" dirty="0"/>
+                    </a:p>
+                  </a:txBody>
+                  <a:tcPr anchor="ctr"/>
+                </a:tc>
+                <a:tc>
+                  <a:txBody>
+                    <a:bodyPr/>
+                    <a:lstStyle/>
+                    <a:p>
+                      <a:pPr marL="0" lvl="0" indent="0" algn="l" rtl="0">
+                        <a:lnSpc>
+                          <a:spcPct val="115000"/>
+                        </a:lnSpc>
+                        <a:spcBef>
+                          <a:spcPts val="0"/>
+                        </a:spcBef>
+                        <a:spcAft>
+                          <a:spcPts val="0"/>
+                        </a:spcAft>
+                        <a:buClr>
+                          <a:schemeClr val="dk1"/>
+                        </a:buClr>
+                        <a:buSzPts val="1100"/>
+                        <a:buFont typeface="Arial"/>
+                        <a:buNone/>
+                      </a:pPr>
+                      <a:r>
+                        <a:rPr lang="zh-TW" sz="1800" dirty="0">
+                          <a:solidFill>
+                            <a:schemeClr val="tx1"/>
+                          </a:solidFill>
+                          <a:latin typeface="+mj-lt"/>
+                          <a:ea typeface="Microsoft JhengHei" panose="020B0604030504040204" pitchFamily="34" charset="-120"/>
+                        </a:rPr>
+                        <a:t>0.010420478 </a:t>
+                      </a:r>
+                      <a:endParaRPr sz="1800" dirty="0">
+                        <a:solidFill>
+                          <a:schemeClr val="tx1"/>
+                        </a:solidFill>
+                        <a:latin typeface="+mj-lt"/>
+                        <a:ea typeface="Microsoft JhengHei" panose="020B0604030504040204" pitchFamily="34" charset="-120"/>
+                      </a:endParaRPr>
+                    </a:p>
+                  </a:txBody>
+                  <a:tcPr marL="91425" marR="91425" marT="91425" marB="91425"/>
+                </a:tc>
+                <a:tc>
+                  <a:txBody>
+                    <a:bodyPr/>
+                    <a:lstStyle/>
+                    <a:p>
+                      <a:pPr marL="0" lvl="0" indent="0" algn="l" rtl="0">
+                        <a:lnSpc>
+                          <a:spcPct val="115000"/>
+                        </a:lnSpc>
+                        <a:spcBef>
+                          <a:spcPts val="0"/>
+                        </a:spcBef>
+                        <a:spcAft>
+                          <a:spcPts val="1600"/>
+                        </a:spcAft>
+                        <a:buClr>
+                          <a:schemeClr val="dk1"/>
+                        </a:buClr>
+                        <a:buSzPts val="1100"/>
+                        <a:buFont typeface="Arial"/>
+                        <a:buNone/>
+                      </a:pPr>
+                      <a:r>
+                        <a:rPr lang="zh-TW" sz="1800" dirty="0">
+                          <a:solidFill>
+                            <a:schemeClr val="tx1"/>
+                          </a:solidFill>
+                          <a:latin typeface="+mj-lt"/>
+                          <a:ea typeface="Microsoft JhengHei" panose="020B0604030504040204" pitchFamily="34" charset="-120"/>
+                        </a:rPr>
+                        <a:t>0.01639344</a:t>
+                      </a:r>
+                      <a:endParaRPr dirty="0">
+                        <a:solidFill>
+                          <a:schemeClr val="tx1"/>
+                        </a:solidFill>
+                        <a:latin typeface="+mj-lt"/>
+                        <a:ea typeface="Microsoft JhengHei" panose="020B0604030504040204" pitchFamily="34" charset="-120"/>
+                      </a:endParaRPr>
+                    </a:p>
+                  </a:txBody>
+                  <a:tcPr marL="91425" marR="91425" marT="91425" marB="91425"/>
+                </a:tc>
+                <a:extLst>
+                  <a:ext uri="{0D108BD9-81ED-4DB2-BD59-A6C34878D82A}">
+                    <a16:rowId xmlns:a16="http://schemas.microsoft.com/office/drawing/2014/main" val="3711623297"/>
+                  </a:ext>
+                </a:extLst>
+              </a:tr>
+              <a:tr h="488363">
+                <a:tc>
+                  <a:txBody>
+                    <a:bodyPr/>
+                    <a:lstStyle/>
+                    <a:p>
+                      <a:r>
+                        <a:rPr lang="en-US" altLang="zh-TW" dirty="0" err="1"/>
+                        <a:t>High_sugar</a:t>
+                      </a:r>
+                      <a:endParaRPr lang="zh-TW" altLang="en-US" dirty="0"/>
+                    </a:p>
+                  </a:txBody>
+                  <a:tcPr anchor="ctr"/>
+                </a:tc>
+                <a:tc>
+                  <a:txBody>
+                    <a:bodyPr/>
+                    <a:lstStyle/>
+                    <a:p>
+                      <a:pPr marL="0" lvl="0" indent="0" algn="l" rtl="0">
+                        <a:lnSpc>
+                          <a:spcPct val="115000"/>
+                        </a:lnSpc>
+                        <a:spcBef>
+                          <a:spcPts val="0"/>
+                        </a:spcBef>
+                        <a:spcAft>
+                          <a:spcPts val="0"/>
+                        </a:spcAft>
+                        <a:buClr>
+                          <a:schemeClr val="dk1"/>
+                        </a:buClr>
+                        <a:buSzPts val="1100"/>
+                        <a:buFont typeface="Arial"/>
+                        <a:buNone/>
+                      </a:pPr>
+                      <a:r>
+                        <a:rPr lang="zh-TW" sz="1800" dirty="0">
+                          <a:solidFill>
+                            <a:schemeClr val="tx1"/>
+                          </a:solidFill>
+                          <a:latin typeface="+mj-lt"/>
+                          <a:ea typeface="Microsoft JhengHei" panose="020B0604030504040204" pitchFamily="34" charset="-120"/>
+                        </a:rPr>
+                        <a:t>0.007573798 </a:t>
+                      </a:r>
+                      <a:endParaRPr sz="1800" dirty="0">
+                        <a:solidFill>
+                          <a:schemeClr val="tx1"/>
+                        </a:solidFill>
+                        <a:latin typeface="+mj-lt"/>
+                        <a:ea typeface="Microsoft JhengHei" panose="020B0604030504040204" pitchFamily="34" charset="-120"/>
+                      </a:endParaRPr>
+                    </a:p>
+                  </a:txBody>
+                  <a:tcPr marL="91425" marR="91425" marT="91425" marB="91425"/>
+                </a:tc>
+                <a:tc>
+                  <a:txBody>
+                    <a:bodyPr/>
+                    <a:lstStyle/>
+                    <a:p>
+                      <a:pPr marL="0" lvl="0" indent="0" algn="l" rtl="0">
+                        <a:lnSpc>
+                          <a:spcPct val="115000"/>
+                        </a:lnSpc>
+                        <a:spcBef>
+                          <a:spcPts val="0"/>
+                        </a:spcBef>
+                        <a:spcAft>
+                          <a:spcPts val="1600"/>
+                        </a:spcAft>
+                        <a:buClr>
+                          <a:schemeClr val="dk1"/>
+                        </a:buClr>
+                        <a:buSzPts val="1100"/>
+                        <a:buFont typeface="Arial"/>
+                        <a:buNone/>
+                      </a:pPr>
+                      <a:r>
+                        <a:rPr lang="zh-TW" sz="1800" dirty="0">
+                          <a:solidFill>
+                            <a:schemeClr val="tx1"/>
+                          </a:solidFill>
+                          <a:latin typeface="+mj-lt"/>
+                          <a:ea typeface="Microsoft JhengHei" panose="020B0604030504040204" pitchFamily="34" charset="-120"/>
+                        </a:rPr>
+                        <a:t>0.01639344</a:t>
+                      </a:r>
+                      <a:endParaRPr dirty="0">
+                        <a:solidFill>
+                          <a:schemeClr val="tx1"/>
+                        </a:solidFill>
+                        <a:latin typeface="+mj-lt"/>
+                        <a:ea typeface="Microsoft JhengHei" panose="020B0604030504040204" pitchFamily="34" charset="-120"/>
+                      </a:endParaRPr>
+                    </a:p>
+                  </a:txBody>
+                  <a:tcPr marL="91425" marR="91425" marT="91425" marB="91425"/>
+                </a:tc>
+                <a:extLst>
+                  <a:ext uri="{0D108BD9-81ED-4DB2-BD59-A6C34878D82A}">
+                    <a16:rowId xmlns:a16="http://schemas.microsoft.com/office/drawing/2014/main" val="1847381440"/>
+                  </a:ext>
+                </a:extLst>
+              </a:tr>
+            </a:tbl>
+          </a:graphicData>
+        </a:graphic>
+      </p:graphicFrame>
     </p:spTree>
     <p:extLst>
       <p:ext uri="{BB962C8B-B14F-4D97-AF65-F5344CB8AC3E}">
-        <p14:creationId xmlns:p14="http://schemas.microsoft.com/office/powerpoint/2010/main" val="3950682577"/>
+        <p14:creationId xmlns:p14="http://schemas.microsoft.com/office/powerpoint/2010/main" val="423777325"/>
       </p:ext>
     </p:extLst>
   </p:cSld>
@@ -8635,11 +8838,7 @@
           <a:p>
             <a:r>
               <a:rPr kumimoji="1" lang="zh-TW" altLang="en-US" dirty="0"/>
-              <a:t>模型實驗</a:t>
-            </a:r>
-            <a:r>
-              <a:rPr kumimoji="1" lang="en-US" altLang="zh-TW" dirty="0"/>
-              <a:t> </a:t>
+              <a:t>模型設定及處理 </a:t>
             </a:r>
             <a:r>
               <a:rPr lang="en-US" altLang="zh-CN" dirty="0"/>
@@ -8691,108 +8890,118 @@
             <a:pPr lvl="1"/>
             <a:r>
               <a:rPr lang="zh-CN" altLang="en-US" dirty="0"/>
-              <a:t>轉換後資料（非最終模型）：</a:t>
+              <a:t>原始資料：</a:t>
             </a:r>
             <a:endParaRPr lang="en-US" altLang="zh-CN" dirty="0"/>
           </a:p>
           <a:p>
             <a:pPr lvl="2"/>
             <a:r>
-              <a:rPr lang="en-US" altLang="zh-TW" dirty="0"/>
-              <a:t>One hot encoding</a:t>
-            </a:r>
-          </a:p>
-          <a:p>
-            <a:pPr lvl="3"/>
-            <a:r>
               <a:rPr lang="zh-CN" altLang="en-US" dirty="0"/>
-              <a:t>各別考慮</a:t>
+              <a:t>根據全部資料，利用</a:t>
             </a:r>
             <a:r>
               <a:rPr lang="zh-TW" altLang="en-US" dirty="0"/>
               <a:t> </a:t>
             </a:r>
             <a:r>
+              <a:rPr lang="en-US" altLang="zh-TW" dirty="0"/>
+              <a:t>student t test</a:t>
+            </a:r>
+            <a:r>
+              <a:rPr lang="zh-TW" altLang="en-US" dirty="0"/>
+              <a:t> 來找到對應的</a:t>
+            </a:r>
+            <a:r>
+              <a:rPr lang="en-US" altLang="zh-TW" dirty="0"/>
+              <a:t> t </a:t>
+            </a:r>
+            <a:r>
+              <a:rPr lang="zh-CN" altLang="en-US" dirty="0"/>
+              <a:t>值（</a:t>
+            </a:r>
+            <a:r>
+              <a:rPr lang="en-US" altLang="zh-CN" dirty="0"/>
+              <a:t>P value</a:t>
+            </a:r>
+            <a:r>
+              <a:rPr lang="zh-CN" altLang="en-US" dirty="0"/>
+              <a:t>）</a:t>
+            </a:r>
+            <a:r>
+              <a:rPr lang="en-US" altLang="zh-TW" dirty="0"/>
+              <a:t> </a:t>
+            </a:r>
+            <a:r>
+              <a:rPr lang="zh-TW" altLang="en-US" dirty="0"/>
+              <a:t>，選取重要特徵：</a:t>
+            </a:r>
+            <a:endParaRPr lang="en-US" altLang="zh-TW" dirty="0"/>
+          </a:p>
+          <a:p>
+            <a:pPr lvl="3"/>
+            <a:r>
               <a:rPr lang="en-US" altLang="zh-TW" dirty="0" err="1"/>
               <a:t>chest_pain</a:t>
             </a:r>
+            <a:endParaRPr lang="en-US" altLang="zh-TW" dirty="0"/>
+          </a:p>
+          <a:p>
+            <a:pPr lvl="3"/>
             <a:r>
               <a:rPr lang="en-US" altLang="zh-TW" dirty="0"/>
-              <a:t>, </a:t>
-            </a:r>
-            <a:r>
-              <a:rPr lang="en-US" altLang="zh-TW" dirty="0" err="1"/>
-              <a:t>ecg</a:t>
-            </a:r>
-            <a:r>
-              <a:rPr lang="en-US" altLang="zh-TW" dirty="0"/>
-              <a:t>, , </a:t>
-            </a:r>
+              <a:t>vessels</a:t>
+            </a:r>
+          </a:p>
+          <a:p>
+            <a:pPr lvl="3"/>
             <a:r>
               <a:rPr lang="en-US" altLang="zh-TW" dirty="0" err="1"/>
               <a:t>thalium_scan</a:t>
             </a:r>
-            <a:r>
-              <a:rPr lang="en-US" altLang="zh-TW" dirty="0"/>
-              <a:t> </a:t>
-            </a:r>
-            <a:r>
-              <a:rPr lang="zh-CN" altLang="en-US" dirty="0"/>
-              <a:t>三變數：</a:t>
-            </a:r>
-            <a:r>
-              <a:rPr lang="en-US" altLang="zh-CN" dirty="0"/>
-              <a:t>0/1</a:t>
-            </a:r>
-            <a:endParaRPr lang="en-US" altLang="zh-TW" dirty="0"/>
-          </a:p>
-          <a:p>
-            <a:pPr lvl="2"/>
-            <a:r>
-              <a:rPr lang="en-US" altLang="zh-TW" dirty="0"/>
-              <a:t>Age</a:t>
-            </a:r>
-            <a:r>
-              <a:rPr lang="zh-TW" altLang="en-US" dirty="0"/>
-              <a:t>：</a:t>
-            </a:r>
-            <a:endParaRPr lang="en-US" altLang="zh-TW" dirty="0"/>
-          </a:p>
-          <a:p>
-            <a:pPr lvl="3"/>
-            <a:r>
-              <a:rPr lang="en-US" altLang="zh-TW" dirty="0"/>
-              <a:t>cut into bins =&gt; nonsignificant</a:t>
-            </a:r>
-          </a:p>
-          <a:p>
-            <a:pPr lvl="2"/>
-            <a:r>
-              <a:rPr lang="en-US" altLang="zh-TW" dirty="0"/>
-              <a:t>linear combinations</a:t>
-            </a:r>
-          </a:p>
-          <a:p>
-            <a:pPr lvl="3"/>
-            <a:r>
-              <a:rPr lang="en-US" altLang="zh-TW" dirty="0"/>
-              <a:t>examine p-value</a:t>
-            </a:r>
-          </a:p>
-          <a:p>
-            <a:pPr lvl="1"/>
-            <a:endParaRPr lang="zh-TW" altLang="en-US" dirty="0"/>
-          </a:p>
-          <a:p>
-            <a:pPr lvl="2"/>
             <a:endParaRPr lang="en-US" altLang="zh-CN" dirty="0"/>
           </a:p>
         </p:txBody>
       </p:sp>
+      <p:pic>
+        <p:nvPicPr>
+          <p:cNvPr id="7" name="內容版面配置區 3">
+            <a:extLst>
+              <a:ext uri="{FF2B5EF4-FFF2-40B4-BE49-F238E27FC236}">
+                <a16:creationId xmlns:a16="http://schemas.microsoft.com/office/drawing/2014/main" id="{C81ABB03-FA66-1341-87F0-5A1D0E2B8A0F}"/>
+              </a:ext>
+            </a:extLst>
+          </p:cNvPr>
+          <p:cNvPicPr>
+            <a:picLocks noChangeAspect="1"/>
+          </p:cNvPicPr>
+          <p:nvPr/>
+        </p:nvPicPr>
+        <p:blipFill>
+          <a:blip r:embed="rId2"/>
+          <a:stretch>
+            <a:fillRect/>
+          </a:stretch>
+        </p:blipFill>
+        <p:spPr>
+          <a:xfrm>
+            <a:off x="6096000" y="3308483"/>
+            <a:ext cx="4517136" cy="3364439"/>
+          </a:xfrm>
+          <a:prstGeom prst="rect">
+            <a:avLst/>
+          </a:prstGeom>
+          <a:ln>
+            <a:solidFill>
+              <a:schemeClr val="tx1"/>
+            </a:solidFill>
+          </a:ln>
+        </p:spPr>
+      </p:pic>
     </p:spTree>
     <p:extLst>
       <p:ext uri="{BB962C8B-B14F-4D97-AF65-F5344CB8AC3E}">
-        <p14:creationId xmlns:p14="http://schemas.microsoft.com/office/powerpoint/2010/main" val="2439151837"/>
+        <p14:creationId xmlns:p14="http://schemas.microsoft.com/office/powerpoint/2010/main" val="3950682577"/>
       </p:ext>
     </p:extLst>
   </p:cSld>
@@ -8844,11 +9053,212 @@
           <a:p>
             <a:r>
               <a:rPr kumimoji="1" lang="zh-TW" altLang="en-US" dirty="0"/>
-              <a:t>模型實驗</a:t>
+              <a:t>模型設定及處理 </a:t>
+            </a:r>
+            <a:r>
+              <a:rPr lang="en-US" altLang="zh-CN" dirty="0"/>
+              <a:t>– </a:t>
             </a:r>
             <a:r>
               <a:rPr kumimoji="1" lang="en-US" altLang="zh-TW" dirty="0"/>
+              <a:t>Logistic Regression</a:t>
+            </a:r>
+            <a:endParaRPr kumimoji="1" lang="zh-TW" altLang="en-US" dirty="0"/>
+          </a:p>
+        </p:txBody>
+      </p:sp>
+      <p:sp>
+        <p:nvSpPr>
+          <p:cNvPr id="5" name="Content Placeholder 4">
+            <a:extLst>
+              <a:ext uri="{FF2B5EF4-FFF2-40B4-BE49-F238E27FC236}">
+                <a16:creationId xmlns:a16="http://schemas.microsoft.com/office/drawing/2014/main" id="{4D74B448-E076-4E49-BF65-7311F314EE71}"/>
+              </a:ext>
+            </a:extLst>
+          </p:cNvPr>
+          <p:cNvSpPr>
+            <a:spLocks noGrp="1"/>
+          </p:cNvSpPr>
+          <p:nvPr>
+            <p:ph idx="1"/>
+          </p:nvPr>
+        </p:nvSpPr>
+        <p:spPr>
+          <a:xfrm>
+            <a:off x="1451579" y="2015732"/>
+            <a:ext cx="9603275" cy="4138180"/>
+          </a:xfrm>
+        </p:spPr>
+        <p:txBody>
+          <a:bodyPr>
+            <a:normAutofit/>
+          </a:bodyPr>
+          <a:lstStyle/>
+          <a:p>
+            <a:r>
+              <a:rPr lang="zh-CN" altLang="en-US" dirty="0"/>
+              <a:t>特徵選取與特徵轉換：</a:t>
+            </a:r>
+            <a:endParaRPr lang="en-US" altLang="zh-CN" dirty="0"/>
+          </a:p>
+          <a:p>
+            <a:pPr lvl="1"/>
+            <a:r>
+              <a:rPr lang="zh-CN" altLang="en-US" dirty="0"/>
+              <a:t>轉換後資料（非最終模型）：</a:t>
+            </a:r>
+            <a:endParaRPr lang="en-US" altLang="zh-CN" dirty="0"/>
+          </a:p>
+          <a:p>
+            <a:pPr lvl="2"/>
+            <a:r>
+              <a:rPr lang="en-US" altLang="zh-TW" dirty="0"/>
+              <a:t>One hot encoding</a:t>
+            </a:r>
+          </a:p>
+          <a:p>
+            <a:pPr lvl="3"/>
+            <a:r>
+              <a:rPr lang="zh-CN" altLang="en-US" dirty="0"/>
+              <a:t>各別考慮</a:t>
+            </a:r>
+            <a:r>
+              <a:rPr lang="zh-TW" altLang="en-US" dirty="0"/>
               <a:t> </a:t>
+            </a:r>
+            <a:r>
+              <a:rPr lang="en-US" altLang="zh-TW" dirty="0" err="1"/>
+              <a:t>chest_pain</a:t>
+            </a:r>
+            <a:r>
+              <a:rPr lang="en-US" altLang="zh-TW" dirty="0"/>
+              <a:t>, </a:t>
+            </a:r>
+            <a:r>
+              <a:rPr lang="en-US" altLang="zh-TW" dirty="0" err="1"/>
+              <a:t>ecg</a:t>
+            </a:r>
+            <a:r>
+              <a:rPr lang="en-US" altLang="zh-TW" dirty="0"/>
+              <a:t>, , </a:t>
+            </a:r>
+            <a:r>
+              <a:rPr lang="en-US" altLang="zh-TW" dirty="0" err="1"/>
+              <a:t>thalium_scan</a:t>
+            </a:r>
+            <a:r>
+              <a:rPr lang="en-US" altLang="zh-TW" dirty="0"/>
+              <a:t> </a:t>
+            </a:r>
+            <a:r>
+              <a:rPr lang="zh-CN" altLang="en-US" dirty="0"/>
+              <a:t>三變數：</a:t>
+            </a:r>
+            <a:r>
+              <a:rPr lang="en-US" altLang="zh-CN" dirty="0"/>
+              <a:t>0/1</a:t>
+            </a:r>
+            <a:endParaRPr lang="en-US" altLang="zh-TW" dirty="0"/>
+          </a:p>
+          <a:p>
+            <a:pPr lvl="2"/>
+            <a:r>
+              <a:rPr lang="en-US" altLang="zh-TW" dirty="0"/>
+              <a:t>Age</a:t>
+            </a:r>
+            <a:r>
+              <a:rPr lang="zh-TW" altLang="en-US" dirty="0"/>
+              <a:t>：</a:t>
+            </a:r>
+            <a:endParaRPr lang="en-US" altLang="zh-TW" dirty="0"/>
+          </a:p>
+          <a:p>
+            <a:pPr lvl="3"/>
+            <a:r>
+              <a:rPr lang="en-US" altLang="zh-TW" dirty="0"/>
+              <a:t>cut into bins =&gt; nonsignificant</a:t>
+            </a:r>
+          </a:p>
+          <a:p>
+            <a:pPr lvl="2"/>
+            <a:r>
+              <a:rPr lang="en-US" altLang="zh-TW" dirty="0"/>
+              <a:t>linear combinations</a:t>
+            </a:r>
+          </a:p>
+          <a:p>
+            <a:pPr lvl="3"/>
+            <a:r>
+              <a:rPr lang="en-US" altLang="zh-TW" dirty="0"/>
+              <a:t>examine p-value</a:t>
+            </a:r>
+          </a:p>
+          <a:p>
+            <a:pPr lvl="1"/>
+            <a:endParaRPr lang="zh-TW" altLang="en-US" dirty="0"/>
+          </a:p>
+          <a:p>
+            <a:pPr lvl="2"/>
+            <a:endParaRPr lang="en-US" altLang="zh-CN" dirty="0"/>
+          </a:p>
+        </p:txBody>
+      </p:sp>
+    </p:spTree>
+    <p:extLst>
+      <p:ext uri="{BB962C8B-B14F-4D97-AF65-F5344CB8AC3E}">
+        <p14:creationId xmlns:p14="http://schemas.microsoft.com/office/powerpoint/2010/main" val="2439151837"/>
+      </p:ext>
+    </p:extLst>
+  </p:cSld>
+  <p:clrMapOvr>
+    <a:masterClrMapping/>
+  </p:clrMapOvr>
+</p:sld>
+</file>
+
+<file path=ppt/slides/slide32.xml><?xml version="1.0" encoding="utf-8"?>
+<p:sld xmlns:a="http://schemas.openxmlformats.org/drawingml/2006/main" xmlns:r="http://schemas.openxmlformats.org/officeDocument/2006/relationships" xmlns:p="http://schemas.openxmlformats.org/presentationml/2006/main">
+  <p:cSld>
+    <p:spTree>
+      <p:nvGrpSpPr>
+        <p:cNvPr id="1" name=""/>
+        <p:cNvGrpSpPr/>
+        <p:nvPr/>
+      </p:nvGrpSpPr>
+      <p:grpSpPr>
+        <a:xfrm>
+          <a:off x="0" y="0"/>
+          <a:ext cx="0" cy="0"/>
+          <a:chOff x="0" y="0"/>
+          <a:chExt cx="0" cy="0"/>
+        </a:xfrm>
+      </p:grpSpPr>
+      <p:sp>
+        <p:nvSpPr>
+          <p:cNvPr id="2" name="標題 1">
+            <a:extLst>
+              <a:ext uri="{FF2B5EF4-FFF2-40B4-BE49-F238E27FC236}">
+                <a16:creationId xmlns:a16="http://schemas.microsoft.com/office/drawing/2014/main" id="{B0CC67CC-5E6F-B84E-85E1-C3E54AD7B313}"/>
+              </a:ext>
+            </a:extLst>
+          </p:cNvPr>
+          <p:cNvSpPr>
+            <a:spLocks noGrp="1"/>
+          </p:cNvSpPr>
+          <p:nvPr>
+            <p:ph type="title"/>
+          </p:nvPr>
+        </p:nvSpPr>
+        <p:spPr/>
+        <p:txBody>
+          <a:bodyPr>
+            <a:normAutofit fontScale="90000"/>
+          </a:bodyPr>
+          <a:lstStyle/>
+          <a:p>
+            <a:r>
+              <a:rPr kumimoji="1" lang="zh-TW" altLang="en-US" dirty="0"/>
+              <a:t>模型設定及處理 </a:t>
             </a:r>
             <a:r>
               <a:rPr lang="en-US" altLang="zh-CN" dirty="0"/>
@@ -9132,7 +9542,7 @@
 </p:sld>
 </file>
 
-<file path=ppt/slides/slide32.xml><?xml version="1.0" encoding="utf-8"?>
+<file path=ppt/slides/slide33.xml><?xml version="1.0" encoding="utf-8"?>
 <p:sld xmlns:a="http://schemas.openxmlformats.org/drawingml/2006/main" xmlns:r="http://schemas.openxmlformats.org/officeDocument/2006/relationships" xmlns:p="http://schemas.openxmlformats.org/presentationml/2006/main">
   <p:cSld>
     <p:spTree>
@@ -9174,11 +9584,7 @@
           <a:p>
             <a:r>
               <a:rPr kumimoji="1" lang="zh-TW" altLang="en-US" dirty="0"/>
-              <a:t>模型實驗</a:t>
-            </a:r>
-            <a:r>
-              <a:rPr kumimoji="1" lang="en-US" altLang="zh-TW" dirty="0"/>
-              <a:t> </a:t>
+              <a:t>模型設定及處理 </a:t>
             </a:r>
             <a:r>
               <a:rPr lang="en-US" altLang="zh-CN" dirty="0"/>
@@ -9210,7 +9616,7 @@
         </p:nvSpPr>
         <p:spPr>
           <a:xfrm>
-            <a:off x="1451579" y="2015732"/>
+            <a:off x="1451578" y="1960868"/>
             <a:ext cx="9603275" cy="4193044"/>
           </a:xfrm>
         </p:spPr>
@@ -9313,6 +9719,29 @@
             <a:r>
               <a:rPr lang="en-TW" sz="2300" dirty="0"/>
               <a:t>Cross Validation：5~10</a:t>
+            </a:r>
+          </a:p>
+          <a:p>
+            <a:pPr lvl="1"/>
+            <a:r>
+              <a:rPr lang="zh-CN" altLang="en-US" sz="2400" dirty="0"/>
+              <a:t>根據</a:t>
+            </a:r>
+            <a:r>
+              <a:rPr lang="zh-TW" altLang="en-US" sz="2400" dirty="0"/>
+              <a:t> </a:t>
+            </a:r>
+            <a:r>
+              <a:rPr lang="en-US" altLang="zh-TW" sz="2400" dirty="0"/>
+              <a:t>proposed-final</a:t>
+            </a:r>
+            <a:r>
+              <a:rPr lang="zh-TW" altLang="en-US" sz="2400" dirty="0"/>
+              <a:t> 模型，我們設不同的 </a:t>
+            </a:r>
+            <a:r>
+              <a:rPr lang="en-US" altLang="zh-TW" sz="2400" dirty="0"/>
+              <a:t>seed</a:t>
             </a:r>
             <a:endParaRPr lang="en-US" altLang="zh-CN" sz="2300" dirty="0"/>
           </a:p>
@@ -9587,7 +10016,316 @@
 </p:sld>
 </file>
 
-<file path=ppt/slides/slide33.xml><?xml version="1.0" encoding="utf-8"?>
+<file path=ppt/slides/slide34.xml><?xml version="1.0" encoding="utf-8"?>
+<p:sld xmlns:a="http://schemas.openxmlformats.org/drawingml/2006/main" xmlns:r="http://schemas.openxmlformats.org/officeDocument/2006/relationships" xmlns:p="http://schemas.openxmlformats.org/presentationml/2006/main">
+  <p:cSld>
+    <p:spTree>
+      <p:nvGrpSpPr>
+        <p:cNvPr id="1" name=""/>
+        <p:cNvGrpSpPr/>
+        <p:nvPr/>
+      </p:nvGrpSpPr>
+      <p:grpSpPr>
+        <a:xfrm>
+          <a:off x="0" y="0"/>
+          <a:ext cx="0" cy="0"/>
+          <a:chOff x="0" y="0"/>
+          <a:chExt cx="0" cy="0"/>
+        </a:xfrm>
+      </p:grpSpPr>
+      <p:sp>
+        <p:nvSpPr>
+          <p:cNvPr id="2" name="標題 1">
+            <a:extLst>
+              <a:ext uri="{FF2B5EF4-FFF2-40B4-BE49-F238E27FC236}">
+                <a16:creationId xmlns:a16="http://schemas.microsoft.com/office/drawing/2014/main" id="{06BCB23C-3A68-8A4E-A510-C57DD45C5AF3}"/>
+              </a:ext>
+            </a:extLst>
+          </p:cNvPr>
+          <p:cNvSpPr>
+            <a:spLocks noGrp="1"/>
+          </p:cNvSpPr>
+          <p:nvPr>
+            <p:ph type="title"/>
+          </p:nvPr>
+        </p:nvSpPr>
+        <p:spPr/>
+        <p:txBody>
+          <a:bodyPr>
+            <a:normAutofit fontScale="90000"/>
+          </a:bodyPr>
+          <a:lstStyle/>
+          <a:p>
+            <a:r>
+              <a:rPr kumimoji="1" lang="zh-TW" altLang="en-US" dirty="0"/>
+              <a:t>模型設定及處理</a:t>
+            </a:r>
+          </a:p>
+        </p:txBody>
+      </p:sp>
+      <p:sp>
+        <p:nvSpPr>
+          <p:cNvPr id="3" name="內容版面配置區 2">
+            <a:extLst>
+              <a:ext uri="{FF2B5EF4-FFF2-40B4-BE49-F238E27FC236}">
+                <a16:creationId xmlns:a16="http://schemas.microsoft.com/office/drawing/2014/main" id="{34802F64-9670-A740-A9F8-FA3A45A212DC}"/>
+              </a:ext>
+            </a:extLst>
+          </p:cNvPr>
+          <p:cNvSpPr>
+            <a:spLocks noGrp="1"/>
+          </p:cNvSpPr>
+          <p:nvPr>
+            <p:ph idx="1"/>
+          </p:nvPr>
+        </p:nvSpPr>
+        <p:spPr/>
+        <p:txBody>
+          <a:bodyPr/>
+          <a:lstStyle/>
+          <a:p>
+            <a:r>
+              <a:rPr lang="zh-CN" altLang="en-US" b="1" dirty="0"/>
+              <a:t>需求回應：</a:t>
+            </a:r>
+            <a:endParaRPr lang="en" altLang="zh-TW" b="1" dirty="0"/>
+          </a:p>
+          <a:p>
+            <a:pPr lvl="1"/>
+            <a:r>
+              <a:rPr lang="en" altLang="zh-TW" dirty="0"/>
+              <a:t>Which method do you use?</a:t>
+            </a:r>
+            <a:r>
+              <a:rPr lang="zh-TW" altLang="en-US" dirty="0"/>
+              <a:t> </a:t>
+            </a:r>
+            <a:endParaRPr lang="en-US" altLang="zh-TW" dirty="0"/>
+          </a:p>
+          <a:p>
+            <a:pPr lvl="2"/>
+            <a:r>
+              <a:rPr lang="en" altLang="zh-TW" dirty="0"/>
+              <a:t>=&gt; </a:t>
+            </a:r>
+            <a:r>
+              <a:rPr lang="en" altLang="zh-TW" dirty="0" err="1"/>
+              <a:t>XGBoost</a:t>
+            </a:r>
+            <a:r>
+              <a:rPr lang="en" altLang="zh-TW" dirty="0"/>
+              <a:t>, Logistic Regression</a:t>
+            </a:r>
+          </a:p>
+          <a:p>
+            <a:pPr lvl="1"/>
+            <a:r>
+              <a:rPr lang="en" altLang="zh-TW" dirty="0"/>
+              <a:t>What is a null model for comparison?</a:t>
+            </a:r>
+          </a:p>
+          <a:p>
+            <a:pPr lvl="2"/>
+            <a:r>
+              <a:rPr lang="zh-CN" altLang="en-US" dirty="0"/>
+              <a:t>反之，我們有針對飽和模型進行</a:t>
+            </a:r>
+            <a:r>
+              <a:rPr lang="zh-TW" altLang="en-US" dirty="0"/>
+              <a:t> </a:t>
+            </a:r>
+            <a:r>
+              <a:rPr lang="en-US" altLang="zh-TW" dirty="0"/>
+              <a:t>Baseline </a:t>
+            </a:r>
+            <a:r>
+              <a:rPr lang="zh-CN" altLang="en-US" dirty="0"/>
+              <a:t>模型之前的訓練</a:t>
+            </a:r>
+            <a:endParaRPr lang="en-US" altLang="zh-CN" dirty="0"/>
+          </a:p>
+          <a:p>
+            <a:pPr lvl="2"/>
+            <a:r>
+              <a:rPr lang="zh-CN" altLang="en-US" dirty="0"/>
+              <a:t>利用</a:t>
+            </a:r>
+            <a:r>
+              <a:rPr lang="zh-TW" altLang="en-US" dirty="0"/>
+              <a:t> </a:t>
+            </a:r>
+            <a:r>
+              <a:rPr lang="en-US" altLang="zh-TW" dirty="0"/>
+              <a:t>T Test </a:t>
+            </a:r>
+            <a:r>
+              <a:rPr lang="zh-CN" altLang="en-US" dirty="0"/>
+              <a:t>找到較重要的特徵後，進行該特徵的強化與處理</a:t>
+            </a:r>
+            <a:endParaRPr lang="en" altLang="zh-TW" dirty="0"/>
+          </a:p>
+          <a:p>
+            <a:pPr lvl="1"/>
+            <a:r>
+              <a:rPr lang="en" altLang="zh-TW" dirty="0"/>
+              <a:t>How do your perform evaluation?</a:t>
+            </a:r>
+          </a:p>
+          <a:p>
+            <a:pPr lvl="2"/>
+            <a:r>
+              <a:rPr lang="en" altLang="zh-TW" dirty="0"/>
+              <a:t>=&gt; K-Fold Cross-validation</a:t>
+            </a:r>
+          </a:p>
+          <a:p>
+            <a:pPr lvl="2"/>
+            <a:r>
+              <a:rPr lang="en" altLang="zh-TW" dirty="0"/>
+              <a:t>=&gt; </a:t>
+            </a:r>
+            <a:r>
+              <a:rPr lang="zh-CN" altLang="en-US" dirty="0"/>
+              <a:t>如上所說，進行不同特徵之下的訓練</a:t>
+            </a:r>
+            <a:endParaRPr lang="en" altLang="zh-TW" dirty="0"/>
+          </a:p>
+          <a:p>
+            <a:endParaRPr kumimoji="1" lang="zh-TW" altLang="en-US" dirty="0"/>
+          </a:p>
+        </p:txBody>
+      </p:sp>
+    </p:spTree>
+    <p:extLst>
+      <p:ext uri="{BB962C8B-B14F-4D97-AF65-F5344CB8AC3E}">
+        <p14:creationId xmlns:p14="http://schemas.microsoft.com/office/powerpoint/2010/main" val="4059931622"/>
+      </p:ext>
+    </p:extLst>
+  </p:cSld>
+  <p:clrMapOvr>
+    <a:masterClrMapping/>
+  </p:clrMapOvr>
+</p:sld>
+</file>
+
+<file path=ppt/slides/slide35.xml><?xml version="1.0" encoding="utf-8"?>
+<p:sld xmlns:a="http://schemas.openxmlformats.org/drawingml/2006/main" xmlns:r="http://schemas.openxmlformats.org/officeDocument/2006/relationships" xmlns:p="http://schemas.openxmlformats.org/presentationml/2006/main">
+  <p:cSld>
+    <p:spTree>
+      <p:nvGrpSpPr>
+        <p:cNvPr id="1" name=""/>
+        <p:cNvGrpSpPr/>
+        <p:nvPr/>
+      </p:nvGrpSpPr>
+      <p:grpSpPr>
+        <a:xfrm>
+          <a:off x="0" y="0"/>
+          <a:ext cx="0" cy="0"/>
+          <a:chOff x="0" y="0"/>
+          <a:chExt cx="0" cy="0"/>
+        </a:xfrm>
+      </p:grpSpPr>
+      <p:sp>
+        <p:nvSpPr>
+          <p:cNvPr id="2" name="標題 1">
+            <a:extLst>
+              <a:ext uri="{FF2B5EF4-FFF2-40B4-BE49-F238E27FC236}">
+                <a16:creationId xmlns:a16="http://schemas.microsoft.com/office/drawing/2014/main" id="{335AC284-5B83-EC40-95EC-E81D480FEC11}"/>
+              </a:ext>
+            </a:extLst>
+          </p:cNvPr>
+          <p:cNvSpPr>
+            <a:spLocks noGrp="1"/>
+          </p:cNvSpPr>
+          <p:nvPr>
+            <p:ph type="title"/>
+          </p:nvPr>
+        </p:nvSpPr>
+        <p:spPr/>
+        <p:txBody>
+          <a:bodyPr>
+            <a:normAutofit fontScale="90000"/>
+          </a:bodyPr>
+          <a:lstStyle/>
+          <a:p>
+            <a:r>
+              <a:rPr kumimoji="1" lang="zh-TW" altLang="en-US" dirty="0"/>
+              <a:t>實驗結果</a:t>
+            </a:r>
+          </a:p>
+        </p:txBody>
+      </p:sp>
+      <p:sp>
+        <p:nvSpPr>
+          <p:cNvPr id="3" name="內容版面配置區 2">
+            <a:extLst>
+              <a:ext uri="{FF2B5EF4-FFF2-40B4-BE49-F238E27FC236}">
+                <a16:creationId xmlns:a16="http://schemas.microsoft.com/office/drawing/2014/main" id="{9350CCF5-F508-A044-B7A3-5558B2C57C9D}"/>
+              </a:ext>
+            </a:extLst>
+          </p:cNvPr>
+          <p:cNvSpPr>
+            <a:spLocks noGrp="1"/>
+          </p:cNvSpPr>
+          <p:nvPr>
+            <p:ph idx="1"/>
+          </p:nvPr>
+        </p:nvSpPr>
+        <p:spPr/>
+        <p:txBody>
+          <a:bodyPr/>
+          <a:lstStyle/>
+          <a:p>
+            <a:r>
+              <a:rPr lang="zh-CN" altLang="en-US" b="1" dirty="0"/>
+              <a:t>需求設定：</a:t>
+            </a:r>
+            <a:endParaRPr lang="en-US" altLang="zh-CN" b="1" dirty="0"/>
+          </a:p>
+          <a:p>
+            <a:pPr lvl="1"/>
+            <a:r>
+              <a:rPr lang="en" altLang="zh-TW" dirty="0"/>
+              <a:t>Which metric do you use</a:t>
+            </a:r>
+          </a:p>
+          <a:p>
+            <a:pPr lvl="2"/>
+            <a:r>
+              <a:rPr lang="en" altLang="zh-TW" dirty="0"/>
+              <a:t>precision, recall, R-square</a:t>
+            </a:r>
+          </a:p>
+          <a:p>
+            <a:pPr lvl="1"/>
+            <a:r>
+              <a:rPr lang="en" altLang="zh-TW" dirty="0"/>
+              <a:t>Is your improvement significant?</a:t>
+            </a:r>
+          </a:p>
+          <a:p>
+            <a:pPr lvl="1"/>
+            <a:r>
+              <a:rPr lang="en" altLang="zh-TW" dirty="0"/>
+              <a:t>What is the challenge part of your project?</a:t>
+            </a:r>
+          </a:p>
+        </p:txBody>
+      </p:sp>
+    </p:spTree>
+    <p:extLst>
+      <p:ext uri="{BB962C8B-B14F-4D97-AF65-F5344CB8AC3E}">
+        <p14:creationId xmlns:p14="http://schemas.microsoft.com/office/powerpoint/2010/main" val="1629414706"/>
+      </p:ext>
+    </p:extLst>
+  </p:cSld>
+  <p:clrMapOvr>
+    <a:masterClrMapping/>
+  </p:clrMapOvr>
+</p:sld>
+</file>
+
+<file path=ppt/slides/slide36.xml><?xml version="1.0" encoding="utf-8"?>
 <p:sld xmlns:a="http://schemas.openxmlformats.org/drawingml/2006/main" xmlns:r="http://schemas.openxmlformats.org/officeDocument/2006/relationships" xmlns:p="http://schemas.openxmlformats.org/presentationml/2006/main">
   <p:cSld>
     <p:spTree>
@@ -9629,7 +10367,7 @@
           <a:p>
             <a:r>
               <a:rPr kumimoji="1" lang="zh-TW" altLang="en-US" dirty="0"/>
-              <a:t>模型實驗</a:t>
+              <a:t>實驗結果</a:t>
             </a:r>
             <a:r>
               <a:rPr kumimoji="1" lang="en-US" altLang="zh-TW" dirty="0"/>
@@ -9663,14 +10401,14 @@
             <p:ph idx="1"/>
             <p:extLst>
               <p:ext uri="{D42A27DB-BD31-4B8C-83A1-F6EECF244321}">
-                <p14:modId xmlns:p14="http://schemas.microsoft.com/office/powerpoint/2010/main" val="3525702971"/>
+                <p14:modId xmlns:p14="http://schemas.microsoft.com/office/powerpoint/2010/main" val="2436881323"/>
               </p:ext>
             </p:extLst>
           </p:nvPr>
         </p:nvGraphicFramePr>
         <p:xfrm>
-          <a:off x="1357499" y="2075688"/>
-          <a:ext cx="9477002" cy="4023360"/>
+          <a:off x="1107237" y="2024874"/>
+          <a:ext cx="10291957" cy="4114800"/>
         </p:xfrm>
         <a:graphic>
           <a:graphicData uri="http://schemas.openxmlformats.org/drawingml/2006/table">
@@ -9679,28 +10417,28 @@
                 <a:tableStyleId>{5C22544A-7EE6-4342-B048-85BDC9FD1C3A}</a:tableStyleId>
               </a:tblPr>
               <a:tblGrid>
-                <a:gridCol w="2608961">
+                <a:gridCol w="2473837">
                   <a:extLst>
                     <a:ext uri="{9D8B030D-6E8A-4147-A177-3AD203B41FA5}">
                       <a16:colId xmlns:a16="http://schemas.microsoft.com/office/drawing/2014/main" val="682356236"/>
                     </a:ext>
                   </a:extLst>
                 </a:gridCol>
-                <a:gridCol w="3621921">
+                <a:gridCol w="4553712">
                   <a:extLst>
                     <a:ext uri="{9D8B030D-6E8A-4147-A177-3AD203B41FA5}">
                       <a16:colId xmlns:a16="http://schemas.microsoft.com/office/drawing/2014/main" val="2356191436"/>
                     </a:ext>
                   </a:extLst>
                 </a:gridCol>
-                <a:gridCol w="1591056">
+                <a:gridCol w="1682496">
                   <a:extLst>
                     <a:ext uri="{9D8B030D-6E8A-4147-A177-3AD203B41FA5}">
                       <a16:colId xmlns:a16="http://schemas.microsoft.com/office/drawing/2014/main" val="2148787575"/>
                     </a:ext>
                   </a:extLst>
                 </a:gridCol>
-                <a:gridCol w="1655064">
+                <a:gridCol w="1581912">
                   <a:extLst>
                     <a:ext uri="{9D8B030D-6E8A-4147-A177-3AD203B41FA5}">
                       <a16:colId xmlns:a16="http://schemas.microsoft.com/office/drawing/2014/main" val="905108038"/>
@@ -9742,9 +10480,26 @@
                     <a:bodyPr/>
                     <a:lstStyle/>
                     <a:p>
+                      <a:pPr marL="0" marR="0" lvl="0" indent="0" algn="l" defTabSz="914400" rtl="0" eaLnBrk="1" fontAlgn="auto" latinLnBrk="0" hangingPunct="1">
+                        <a:lnSpc>
+                          <a:spcPct val="100000"/>
+                        </a:lnSpc>
+                        <a:spcBef>
+                          <a:spcPts val="0"/>
+                        </a:spcBef>
+                        <a:spcAft>
+                          <a:spcPts val="0"/>
+                        </a:spcAft>
+                        <a:buClrTx/>
+                        <a:buSzTx/>
+                        <a:buFontTx/>
+                        <a:buNone/>
+                        <a:tabLst/>
+                        <a:defRPr/>
+                      </a:pPr>
                       <a:r>
                         <a:rPr lang="en-US" altLang="zh-TW" dirty="0"/>
-                        <a:t>Public Score</a:t>
+                        <a:t>Private Score</a:t>
                       </a:r>
                       <a:endParaRPr lang="zh-TW" altLang="en-US" dirty="0"/>
                     </a:p>
@@ -9756,9 +10511,26 @@
                     <a:bodyPr/>
                     <a:lstStyle/>
                     <a:p>
+                      <a:pPr marL="0" marR="0" lvl="0" indent="0" algn="l" defTabSz="914400" rtl="0" eaLnBrk="1" fontAlgn="auto" latinLnBrk="0" hangingPunct="1">
+                        <a:lnSpc>
+                          <a:spcPct val="100000"/>
+                        </a:lnSpc>
+                        <a:spcBef>
+                          <a:spcPts val="0"/>
+                        </a:spcBef>
+                        <a:spcAft>
+                          <a:spcPts val="0"/>
+                        </a:spcAft>
+                        <a:buClrTx/>
+                        <a:buSzTx/>
+                        <a:buFontTx/>
+                        <a:buNone/>
+                        <a:tabLst/>
+                        <a:defRPr/>
+                      </a:pPr>
                       <a:r>
                         <a:rPr lang="en-US" altLang="zh-TW" dirty="0"/>
-                        <a:t>Private Score</a:t>
+                        <a:t>Public Score</a:t>
                       </a:r>
                       <a:endParaRPr lang="zh-TW" altLang="en-US" dirty="0"/>
                     </a:p>
@@ -9768,6 +10540,217 @@
                 <a:extLst>
                   <a:ext uri="{0D108BD9-81ED-4DB2-BD59-A6C34878D82A}">
                     <a16:rowId xmlns:a16="http://schemas.microsoft.com/office/drawing/2014/main" val="4069516830"/>
+                  </a:ext>
+                </a:extLst>
+              </a:tr>
+              <a:tr h="370840">
+                <a:tc>
+                  <a:txBody>
+                    <a:bodyPr/>
+                    <a:lstStyle/>
+                    <a:p>
+                      <a:r>
+                        <a:rPr lang="en-US" altLang="zh-TW" dirty="0" err="1">
+                          <a:latin typeface="Microsoft JhengHei" panose="020B0604030504040204" pitchFamily="34" charset="-120"/>
+                          <a:ea typeface="Microsoft JhengHei" panose="020B0604030504040204" pitchFamily="34" charset="-120"/>
+                        </a:rPr>
+                        <a:t>XGBoost</a:t>
+                      </a:r>
+                      <a:endParaRPr lang="zh-TW" altLang="en-US" dirty="0">
+                        <a:latin typeface="Microsoft JhengHei" panose="020B0604030504040204" pitchFamily="34" charset="-120"/>
+                        <a:ea typeface="Microsoft JhengHei" panose="020B0604030504040204" pitchFamily="34" charset="-120"/>
+                      </a:endParaRPr>
+                    </a:p>
+                  </a:txBody>
+                  <a:tcPr anchor="ctr"/>
+                </a:tc>
+                <a:tc>
+                  <a:txBody>
+                    <a:bodyPr/>
+                    <a:lstStyle/>
+                    <a:p>
+                      <a:pPr marL="0" marR="0" lvl="0" indent="0" algn="l" defTabSz="914400" rtl="0" eaLnBrk="1" fontAlgn="auto" latinLnBrk="0" hangingPunct="1">
+                        <a:lnSpc>
+                          <a:spcPct val="100000"/>
+                        </a:lnSpc>
+                        <a:spcBef>
+                          <a:spcPts val="0"/>
+                        </a:spcBef>
+                        <a:spcAft>
+                          <a:spcPts val="0"/>
+                        </a:spcAft>
+                        <a:buClrTx/>
+                        <a:buSzTx/>
+                        <a:buFontTx/>
+                        <a:buNone/>
+                        <a:tabLst/>
+                        <a:defRPr/>
+                      </a:pPr>
+                      <a:r>
+                        <a:rPr lang="en" altLang="zh-TW" sz="1800" b="0" i="0" kern="1200" dirty="0" err="1">
+                          <a:solidFill>
+                            <a:schemeClr val="dk1"/>
+                          </a:solidFill>
+                          <a:effectLst/>
+                          <a:latin typeface="+mn-lt"/>
+                          <a:ea typeface="+mn-ea"/>
+                          <a:cs typeface="+mn-cs"/>
+                        </a:rPr>
+                        <a:t>thalium_scan</a:t>
+                      </a:r>
+                      <a:r>
+                        <a:rPr lang="zh-TW" altLang="en-US" sz="1800" b="0" i="0" kern="1200" dirty="0">
+                          <a:solidFill>
+                            <a:schemeClr val="dk1"/>
+                          </a:solidFill>
+                          <a:effectLst/>
+                          <a:latin typeface="+mn-lt"/>
+                          <a:ea typeface="+mn-ea"/>
+                          <a:cs typeface="+mn-cs"/>
+                        </a:rPr>
+                        <a:t>、</a:t>
+                      </a:r>
+                      <a:r>
+                        <a:rPr lang="en-US" altLang="zh-TW" sz="1800" b="0" i="0" kern="1200" dirty="0">
+                          <a:solidFill>
+                            <a:schemeClr val="dk1"/>
+                          </a:solidFill>
+                          <a:effectLst/>
+                          <a:latin typeface="+mn-lt"/>
+                          <a:ea typeface="+mn-ea"/>
+                          <a:cs typeface="+mn-cs"/>
+                        </a:rPr>
+                        <a:t>c</a:t>
+                      </a:r>
+                      <a:r>
+                        <a:rPr lang="en" altLang="zh-TW" sz="1800" b="0" i="0" kern="1200" dirty="0" err="1">
+                          <a:solidFill>
+                            <a:schemeClr val="dk1"/>
+                          </a:solidFill>
+                          <a:effectLst/>
+                          <a:latin typeface="+mn-lt"/>
+                          <a:ea typeface="+mn-ea"/>
+                          <a:cs typeface="+mn-cs"/>
+                        </a:rPr>
+                        <a:t>hest_pain</a:t>
+                      </a:r>
+                      <a:r>
+                        <a:rPr lang="zh-TW" altLang="en-US" sz="1800" b="0" i="0" kern="1200" dirty="0">
+                          <a:solidFill>
+                            <a:schemeClr val="dk1"/>
+                          </a:solidFill>
+                          <a:effectLst/>
+                          <a:latin typeface="+mn-lt"/>
+                          <a:ea typeface="+mn-ea"/>
+                          <a:cs typeface="+mn-cs"/>
+                        </a:rPr>
+                        <a:t>、</a:t>
+                      </a:r>
+                      <a:r>
+                        <a:rPr lang="en" altLang="zh-TW" sz="1800" b="0" i="0" kern="1200" dirty="0" err="1">
+                          <a:solidFill>
+                            <a:schemeClr val="dk1"/>
+                          </a:solidFill>
+                          <a:effectLst/>
+                          <a:latin typeface="+mn-lt"/>
+                          <a:ea typeface="+mn-ea"/>
+                          <a:cs typeface="+mn-cs"/>
+                        </a:rPr>
+                        <a:t>cholestoral</a:t>
+                      </a:r>
+                      <a:r>
+                        <a:rPr lang="zh-TW" altLang="en-US" sz="1800" b="0" i="0" kern="1200" dirty="0">
+                          <a:solidFill>
+                            <a:schemeClr val="dk1"/>
+                          </a:solidFill>
+                          <a:effectLst/>
+                          <a:latin typeface="+mn-lt"/>
+                          <a:ea typeface="+mn-ea"/>
+                          <a:cs typeface="+mn-cs"/>
+                        </a:rPr>
+                        <a:t>、</a:t>
+                      </a:r>
+                      <a:r>
+                        <a:rPr lang="en" altLang="zh-TW" sz="1800" b="0" i="0" kern="1200" dirty="0" err="1">
+                          <a:solidFill>
+                            <a:schemeClr val="dk1"/>
+                          </a:solidFill>
+                          <a:effectLst/>
+                          <a:latin typeface="+mn-lt"/>
+                          <a:ea typeface="+mn-ea"/>
+                          <a:cs typeface="+mn-cs"/>
+                        </a:rPr>
+                        <a:t>exercise_angina</a:t>
+                      </a:r>
+                      <a:r>
+                        <a:rPr lang="zh-TW" altLang="en-US" sz="1800" b="0" i="0" kern="1200" dirty="0">
+                          <a:solidFill>
+                            <a:schemeClr val="dk1"/>
+                          </a:solidFill>
+                          <a:effectLst/>
+                          <a:latin typeface="+mn-lt"/>
+                          <a:ea typeface="+mn-ea"/>
+                          <a:cs typeface="+mn-cs"/>
+                        </a:rPr>
+                        <a:t>、</a:t>
+                      </a:r>
+                      <a:r>
+                        <a:rPr lang="en-US" altLang="zh-TW" dirty="0" err="1"/>
+                        <a:t>High_sugar</a:t>
+                      </a:r>
+                      <a:endParaRPr lang="zh-TW" altLang="en-US" dirty="0"/>
+                    </a:p>
+                  </a:txBody>
+                  <a:tcPr anchor="ctr"/>
+                </a:tc>
+                <a:tc>
+                  <a:txBody>
+                    <a:bodyPr/>
+                    <a:lstStyle/>
+                    <a:p>
+                      <a:r>
+                        <a:rPr lang="en-TW" dirty="0"/>
+                        <a:t>0.86792</a:t>
+                      </a:r>
+                      <a:endParaRPr lang="en" altLang="zh-TW" dirty="0"/>
+                    </a:p>
+                  </a:txBody>
+                  <a:tcPr anchor="ctr"/>
+                </a:tc>
+                <a:tc>
+                  <a:txBody>
+                    <a:bodyPr/>
+                    <a:lstStyle/>
+                    <a:p>
+                      <a:pPr marL="0" marR="0" lvl="0" indent="0" algn="l" defTabSz="914400" rtl="0" eaLnBrk="1" fontAlgn="auto" latinLnBrk="0" hangingPunct="1">
+                        <a:lnSpc>
+                          <a:spcPct val="100000"/>
+                        </a:lnSpc>
+                        <a:spcBef>
+                          <a:spcPts val="0"/>
+                        </a:spcBef>
+                        <a:spcAft>
+                          <a:spcPts val="0"/>
+                        </a:spcAft>
+                        <a:buClrTx/>
+                        <a:buSzTx/>
+                        <a:buFontTx/>
+                        <a:buNone/>
+                        <a:tabLst/>
+                        <a:defRPr/>
+                      </a:pPr>
+                      <a:r>
+                        <a:rPr lang="en-TW" dirty="0"/>
+                        <a:t>0.90909</a:t>
+                      </a:r>
+                      <a:endParaRPr lang="en" altLang="zh-TW" dirty="0"/>
+                    </a:p>
+                  </a:txBody>
+                  <a:tcPr anchor="ctr"/>
+                </a:tc>
+                <a:extLst>
+                  <a:ext uri="{0D108BD9-81ED-4DB2-BD59-A6C34878D82A}">
+                    <a16:rowId xmlns:a16="http://schemas.microsoft.com/office/drawing/2014/main" val="4112772608"/>
                   </a:ext>
                 </a:extLst>
               </a:tr>
@@ -10547,7 +11530,7 @@
 </p:sld>
 </file>
 
-<file path=ppt/slides/slide34.xml><?xml version="1.0" encoding="utf-8"?>
+<file path=ppt/slides/slide37.xml><?xml version="1.0" encoding="utf-8"?>
 <p:sld xmlns:a="http://schemas.openxmlformats.org/drawingml/2006/main" xmlns:r="http://schemas.openxmlformats.org/officeDocument/2006/relationships" xmlns:p="http://schemas.openxmlformats.org/presentationml/2006/main">
   <p:cSld>
     <p:spTree>
@@ -10589,7 +11572,7 @@
           <a:p>
             <a:r>
               <a:rPr kumimoji="1" lang="zh-TW" altLang="en-US" dirty="0"/>
-              <a:t>模型實驗</a:t>
+              <a:t>實驗結果</a:t>
             </a:r>
             <a:r>
               <a:rPr kumimoji="1" lang="en-US" altLang="zh-TW" dirty="0"/>
@@ -10629,20 +11612,8 @@
           <a:lstStyle/>
           <a:p>
             <a:r>
-              <a:rPr lang="zh-CN" altLang="en-US" dirty="0"/>
-              <a:t>最終根據</a:t>
-            </a:r>
-            <a:r>
               <a:rPr lang="zh-TW" altLang="en-US" dirty="0"/>
-              <a:t> </a:t>
-            </a:r>
-            <a:r>
-              <a:rPr lang="en-US" altLang="zh-TW" dirty="0"/>
-              <a:t>proposed-final</a:t>
-            </a:r>
-            <a:r>
-              <a:rPr lang="zh-TW" altLang="en-US" dirty="0"/>
-              <a:t> 模型，我們設不同的 </a:t>
+              <a:t>不同的 </a:t>
             </a:r>
             <a:r>
               <a:rPr lang="en-US" altLang="zh-TW" dirty="0"/>
@@ -10675,13 +11646,13 @@
           <p:nvPr>
             <p:extLst>
               <p:ext uri="{D42A27DB-BD31-4B8C-83A1-F6EECF244321}">
-                <p14:modId xmlns:p14="http://schemas.microsoft.com/office/powerpoint/2010/main" val="2208368323"/>
+                <p14:modId xmlns:p14="http://schemas.microsoft.com/office/powerpoint/2010/main" val="544645423"/>
               </p:ext>
             </p:extLst>
           </p:nvPr>
         </p:nvGraphicFramePr>
         <p:xfrm>
-          <a:off x="1783857" y="2872740"/>
+          <a:off x="1783857" y="2706647"/>
           <a:ext cx="5400000" cy="1112520"/>
         </p:xfrm>
         <a:graphic>
@@ -10887,7 +11858,7 @@
         </p:nvSpPr>
         <p:spPr>
           <a:xfrm>
-            <a:off x="1783857" y="5730162"/>
+            <a:off x="1783856" y="5628248"/>
             <a:ext cx="9270997" cy="369332"/>
           </a:xfrm>
           <a:prstGeom prst="rect">
@@ -10946,7 +11917,7 @@
         </p:blipFill>
         <p:spPr>
           <a:xfrm>
-            <a:off x="1783858" y="4147238"/>
+            <a:off x="1783857" y="4194145"/>
             <a:ext cx="9270996" cy="956264"/>
           </a:xfrm>
           <a:prstGeom prst="rect">
@@ -10972,123 +11943,7 @@
 </p:sld>
 </file>
 
-<file path=ppt/slides/slide35.xml><?xml version="1.0" encoding="utf-8"?>
-<p:sld xmlns:a="http://schemas.openxmlformats.org/drawingml/2006/main" xmlns:r="http://schemas.openxmlformats.org/officeDocument/2006/relationships" xmlns:p="http://schemas.openxmlformats.org/presentationml/2006/main">
-  <p:cSld>
-    <p:spTree>
-      <p:nvGrpSpPr>
-        <p:cNvPr id="1" name=""/>
-        <p:cNvGrpSpPr/>
-        <p:nvPr/>
-      </p:nvGrpSpPr>
-      <p:grpSpPr>
-        <a:xfrm>
-          <a:off x="0" y="0"/>
-          <a:ext cx="0" cy="0"/>
-          <a:chOff x="0" y="0"/>
-          <a:chExt cx="0" cy="0"/>
-        </a:xfrm>
-      </p:grpSpPr>
-      <p:sp>
-        <p:nvSpPr>
-          <p:cNvPr id="2" name="標題 1">
-            <a:extLst>
-              <a:ext uri="{FF2B5EF4-FFF2-40B4-BE49-F238E27FC236}">
-                <a16:creationId xmlns:a16="http://schemas.microsoft.com/office/drawing/2014/main" id="{335AC284-5B83-EC40-95EC-E81D480FEC11}"/>
-              </a:ext>
-            </a:extLst>
-          </p:cNvPr>
-          <p:cNvSpPr>
-            <a:spLocks noGrp="1"/>
-          </p:cNvSpPr>
-          <p:nvPr>
-            <p:ph type="title"/>
-          </p:nvPr>
-        </p:nvSpPr>
-        <p:spPr/>
-        <p:txBody>
-          <a:bodyPr>
-            <a:normAutofit fontScale="90000"/>
-          </a:bodyPr>
-          <a:lstStyle/>
-          <a:p>
-            <a:r>
-              <a:rPr kumimoji="1" lang="zh-TW" altLang="en-US" dirty="0"/>
-              <a:t>這邊是實驗結果的需求</a:t>
-            </a:r>
-          </a:p>
-        </p:txBody>
-      </p:sp>
-      <p:sp>
-        <p:nvSpPr>
-          <p:cNvPr id="3" name="內容版面配置區 2">
-            <a:extLst>
-              <a:ext uri="{FF2B5EF4-FFF2-40B4-BE49-F238E27FC236}">
-                <a16:creationId xmlns:a16="http://schemas.microsoft.com/office/drawing/2014/main" id="{9350CCF5-F508-A044-B7A3-5558B2C57C9D}"/>
-              </a:ext>
-            </a:extLst>
-          </p:cNvPr>
-          <p:cNvSpPr>
-            <a:spLocks noGrp="1"/>
-          </p:cNvSpPr>
-          <p:nvPr>
-            <p:ph idx="1"/>
-          </p:nvPr>
-        </p:nvSpPr>
-        <p:spPr/>
-        <p:txBody>
-          <a:bodyPr/>
-          <a:lstStyle/>
-          <a:p>
-            <a:r>
-              <a:rPr lang="en" altLang="zh-TW" b="1" dirty="0"/>
-              <a:t>results</a:t>
-            </a:r>
-          </a:p>
-          <a:p>
-            <a:pPr lvl="1"/>
-            <a:r>
-              <a:rPr lang="en" altLang="zh-TW" dirty="0"/>
-              <a:t>Which metric do you use</a:t>
-            </a:r>
-          </a:p>
-          <a:p>
-            <a:pPr lvl="2"/>
-            <a:r>
-              <a:rPr lang="en" altLang="zh-TW" dirty="0"/>
-              <a:t>precision, recall, R-square</a:t>
-            </a:r>
-          </a:p>
-          <a:p>
-            <a:pPr lvl="1"/>
-            <a:r>
-              <a:rPr lang="en" altLang="zh-TW" dirty="0"/>
-              <a:t>Is your improvement significant?</a:t>
-            </a:r>
-          </a:p>
-          <a:p>
-            <a:pPr lvl="1"/>
-            <a:r>
-              <a:rPr lang="en" altLang="zh-TW" dirty="0"/>
-              <a:t>What is the challenge part of your project?</a:t>
-            </a:r>
-          </a:p>
-        </p:txBody>
-      </p:sp>
-    </p:spTree>
-    <p:extLst>
-      <p:ext uri="{BB962C8B-B14F-4D97-AF65-F5344CB8AC3E}">
-        <p14:creationId xmlns:p14="http://schemas.microsoft.com/office/powerpoint/2010/main" val="1629414706"/>
-      </p:ext>
-    </p:extLst>
-  </p:cSld>
-  <p:clrMapOvr>
-    <a:masterClrMapping/>
-  </p:clrMapOvr>
-</p:sld>
-</file>
-
-<file path=ppt/slides/slide36.xml><?xml version="1.0" encoding="utf-8"?>
+<file path=ppt/slides/slide38.xml><?xml version="1.0" encoding="utf-8"?>
 <p:sld xmlns:a="http://schemas.openxmlformats.org/drawingml/2006/main" xmlns:r="http://schemas.openxmlformats.org/officeDocument/2006/relationships" xmlns:p="http://schemas.openxmlformats.org/presentationml/2006/main">
   <p:cSld>
     <p:spTree>
@@ -11132,19 +11987,6 @@
               <a:rPr kumimoji="1" lang="zh-TW" altLang="en-US" dirty="0"/>
               <a:t>實驗結果</a:t>
             </a:r>
-            <a:r>
-              <a:rPr kumimoji="1" lang="en-US" altLang="zh-TW" dirty="0"/>
-              <a:t> </a:t>
-            </a:r>
-            <a:r>
-              <a:rPr lang="en-US" altLang="zh-CN" dirty="0"/>
-              <a:t>–</a:t>
-            </a:r>
-            <a:r>
-              <a:rPr kumimoji="1" lang="en-US" altLang="zh-TW" dirty="0"/>
-              <a:t> logistic regression</a:t>
-            </a:r>
-            <a:endParaRPr kumimoji="1" lang="zh-TW" altLang="en-US" dirty="0"/>
           </a:p>
         </p:txBody>
       </p:sp>
@@ -11220,7 +12062,7 @@
 </p:sld>
 </file>
 
-<file path=ppt/slides/slide37.xml><?xml version="1.0" encoding="utf-8"?>
+<file path=ppt/slides/slide39.xml><?xml version="1.0" encoding="utf-8"?>
 <p:sld xmlns:a="http://schemas.openxmlformats.org/drawingml/2006/main" xmlns:r="http://schemas.openxmlformats.org/officeDocument/2006/relationships" xmlns:p="http://schemas.openxmlformats.org/presentationml/2006/main">
   <p:cSld>
     <p:spTree>
@@ -11242,7 +12084,7 @@
           <p:cNvPr id="2" name="標題 1">
             <a:extLst>
               <a:ext uri="{FF2B5EF4-FFF2-40B4-BE49-F238E27FC236}">
-                <a16:creationId xmlns:a16="http://schemas.microsoft.com/office/drawing/2014/main" id="{EECECADE-F4D4-6844-B3CB-117177C38013}"/>
+                <a16:creationId xmlns:a16="http://schemas.microsoft.com/office/drawing/2014/main" id="{335AC284-5B83-EC40-95EC-E81D480FEC11}"/>
               </a:ext>
             </a:extLst>
           </p:cNvPr>
@@ -11262,7 +12104,7 @@
           <a:p>
             <a:r>
               <a:rPr kumimoji="1" lang="zh-TW" altLang="en-US" dirty="0"/>
-              <a:t>參考出處</a:t>
+              <a:t>實驗結果</a:t>
             </a:r>
           </a:p>
         </p:txBody>
@@ -11272,7 +12114,7 @@
           <p:cNvPr id="3" name="內容版面配置區 2">
             <a:extLst>
               <a:ext uri="{FF2B5EF4-FFF2-40B4-BE49-F238E27FC236}">
-                <a16:creationId xmlns:a16="http://schemas.microsoft.com/office/drawing/2014/main" id="{A5E94ADD-03F4-B94C-9F7E-C5A66F395A8C}"/>
+                <a16:creationId xmlns:a16="http://schemas.microsoft.com/office/drawing/2014/main" id="{9350CCF5-F508-A044-B7A3-5558B2C57C9D}"/>
               </a:ext>
             </a:extLst>
           </p:cNvPr>
@@ -11286,467 +12128,123 @@
         <p:spPr>
           <a:xfrm>
             <a:off x="1451579" y="2015732"/>
-            <a:ext cx="9603275" cy="4156468"/>
+            <a:ext cx="9603275" cy="3964444"/>
           </a:xfrm>
         </p:spPr>
         <p:txBody>
-          <a:bodyPr>
-            <a:normAutofit fontScale="92500" lnSpcReduction="20000"/>
-          </a:bodyPr>
+          <a:bodyPr/>
           <a:lstStyle/>
           <a:p>
             <a:r>
-              <a:rPr kumimoji="1" lang="en-US" altLang="zh-TW" dirty="0"/>
-              <a:t>Age interval</a:t>
-            </a:r>
-            <a:r>
-              <a:rPr kumimoji="1" lang="zh-TW" altLang="en-US" dirty="0"/>
-              <a:t>（年齡區間劃分）</a:t>
-            </a:r>
-            <a:endParaRPr kumimoji="1" lang="en-US" altLang="zh-TW" dirty="0"/>
+              <a:rPr lang="zh-CN" altLang="en-US" b="1" dirty="0"/>
+              <a:t>需求回應：</a:t>
+            </a:r>
+            <a:endParaRPr lang="en-US" altLang="zh-CN" b="1" dirty="0"/>
           </a:p>
           <a:p>
             <a:pPr lvl="1"/>
             <a:r>
-              <a:rPr kumimoji="1" lang="zh-TW" altLang="en-US" dirty="0">
-                <a:hlinkClick r:id="rId2"/>
-              </a:rPr>
-              <a:t>出自</a:t>
-            </a:r>
-            <a:r>
-              <a:rPr kumimoji="1" lang="en-US" altLang="zh-TW" dirty="0">
-                <a:hlinkClick r:id="rId2"/>
-              </a:rPr>
-              <a:t>《</a:t>
-            </a:r>
-            <a:r>
-              <a:rPr kumimoji="1" lang="zh-TW" altLang="en-US" dirty="0">
-                <a:hlinkClick r:id="rId2"/>
-              </a:rPr>
-              <a:t>老年性生理學和老年的性生活</a:t>
-            </a:r>
-            <a:r>
-              <a:rPr kumimoji="1" lang="en-US" altLang="zh-TW" dirty="0">
-                <a:hlinkClick r:id="rId2"/>
-              </a:rPr>
-              <a:t>》</a:t>
-            </a:r>
-            <a:r>
-              <a:rPr kumimoji="1" lang="zh-TW" altLang="en-US" dirty="0">
-                <a:hlinkClick r:id="rId2"/>
-              </a:rPr>
-              <a:t>一書</a:t>
-            </a:r>
-            <a:endParaRPr kumimoji="1" lang="en-US" altLang="zh-TW" dirty="0"/>
-          </a:p>
-          <a:p>
-            <a:r>
-              <a:rPr kumimoji="1" lang="en-US" altLang="zh-TW" dirty="0">
-                <a:hlinkClick r:id="rId3"/>
-              </a:rPr>
-              <a:t>Blood pressure interval</a:t>
-            </a:r>
-            <a:r>
-              <a:rPr kumimoji="1" lang="zh-TW" altLang="en-US" dirty="0">
-                <a:hlinkClick r:id="rId3"/>
-              </a:rPr>
-              <a:t>（血壓區間劃分）</a:t>
-            </a:r>
-            <a:endParaRPr kumimoji="1" lang="en-US" altLang="zh-TW" dirty="0"/>
-          </a:p>
-          <a:p>
-            <a:r>
-              <a:rPr lang="en" altLang="zh-TW" dirty="0" err="1">
-                <a:solidFill>
-                  <a:schemeClr val="dk1"/>
-                </a:solidFill>
-              </a:rPr>
-              <a:t>Cholestoral</a:t>
-            </a:r>
-            <a:r>
-              <a:rPr lang="en" altLang="zh-TW" dirty="0">
-                <a:solidFill>
-                  <a:schemeClr val="dk1"/>
-                </a:solidFill>
-              </a:rPr>
-              <a:t> interval</a:t>
-            </a:r>
-            <a:r>
-              <a:rPr kumimoji="1" lang="zh-TW" altLang="en-US" dirty="0"/>
-              <a:t>（總膽固醇區間劃分）</a:t>
-            </a:r>
-            <a:endParaRPr kumimoji="1" lang="en-US" altLang="zh-TW" dirty="0"/>
+              <a:rPr lang="en" altLang="zh-TW" dirty="0"/>
+              <a:t>Which metric do you use</a:t>
+            </a:r>
+            <a:r>
+              <a:rPr lang="zh-TW" altLang="en-US" dirty="0"/>
+              <a:t> </a:t>
+            </a:r>
+            <a:endParaRPr lang="en-US" altLang="zh-TW" dirty="0"/>
+          </a:p>
+          <a:p>
+            <a:pPr lvl="2"/>
+            <a:r>
+              <a:rPr lang="en-US" altLang="zh-TW" dirty="0"/>
+              <a:t>=&gt; Accuracy, Test Error</a:t>
+            </a:r>
+            <a:endParaRPr lang="en" altLang="zh-TW" dirty="0"/>
           </a:p>
           <a:p>
             <a:pPr lvl="1"/>
             <a:r>
-              <a:rPr kumimoji="1" lang="zh-CN" altLang="en-US" dirty="0">
-                <a:hlinkClick r:id="rId4"/>
-              </a:rPr>
-              <a:t>啟新診所</a:t>
-            </a:r>
-            <a:endParaRPr kumimoji="1" lang="en-US" altLang="zh-CN" dirty="0"/>
+              <a:rPr lang="en" altLang="zh-TW" dirty="0"/>
+              <a:t>Is your improvement significant? </a:t>
+            </a:r>
+          </a:p>
+          <a:p>
+            <a:pPr lvl="2"/>
+            <a:r>
+              <a:rPr lang="en" altLang="zh-TW" dirty="0"/>
+              <a:t>=&gt; </a:t>
+            </a:r>
+            <a:r>
+              <a:rPr lang="zh-CN" altLang="en-US" dirty="0"/>
+              <a:t>針對不同的資料處理及標籤設定，會又不同結果</a:t>
+            </a:r>
+            <a:endParaRPr lang="en-US" altLang="zh-CN" dirty="0"/>
+          </a:p>
+          <a:p>
+            <a:pPr lvl="2"/>
+            <a:r>
+              <a:rPr lang="en-US" altLang="zh-TW" dirty="0"/>
+              <a:t>=&gt; </a:t>
+            </a:r>
+            <a:r>
+              <a:rPr lang="zh-CN" altLang="en-US" dirty="0"/>
+              <a:t>不同的模型、</a:t>
+            </a:r>
+            <a:r>
+              <a:rPr lang="en-US" altLang="zh-CN" dirty="0"/>
+              <a:t>seed </a:t>
+            </a:r>
+            <a:r>
+              <a:rPr lang="zh-CN" altLang="en-US" dirty="0"/>
+              <a:t>也會影響結果。</a:t>
+            </a:r>
+            <a:endParaRPr lang="en-US" altLang="zh-CN" dirty="0"/>
+          </a:p>
+          <a:p>
+            <a:pPr lvl="2"/>
+            <a:r>
+              <a:rPr lang="en-US" altLang="zh-TW" dirty="0"/>
+              <a:t>=&gt; </a:t>
+            </a:r>
+            <a:r>
+              <a:rPr lang="zh-CN" altLang="en-US" dirty="0"/>
+              <a:t>綜合以上，我們最後且最佳模型有很大進步</a:t>
+            </a:r>
+            <a:endParaRPr lang="en" altLang="zh-TW" dirty="0"/>
           </a:p>
           <a:p>
             <a:pPr lvl="1"/>
             <a:r>
-              <a:rPr kumimoji="1" lang="zh-CN" altLang="en-US" dirty="0">
-                <a:hlinkClick r:id="rId5"/>
-              </a:rPr>
-              <a:t>馬偕醫院</a:t>
-            </a:r>
-            <a:endParaRPr kumimoji="1" lang="en-US" altLang="zh-CN" dirty="0"/>
-          </a:p>
-          <a:p>
-            <a:r>
-              <a:rPr kumimoji="1" lang="zh-CN" altLang="en-US" dirty="0"/>
-              <a:t>資料處理：</a:t>
-            </a:r>
-            <a:endParaRPr kumimoji="1" lang="en-US" altLang="zh-CN" dirty="0"/>
-          </a:p>
-          <a:p>
-            <a:pPr lvl="1"/>
-            <a:r>
-              <a:rPr lang="en-US" dirty="0">
-                <a:hlinkClick r:id="rId6"/>
-              </a:rPr>
-              <a:t>https://www.datacamp.com/community/tutorials/contingency-tables-r</a:t>
-            </a:r>
-            <a:endParaRPr lang="en-US" dirty="0"/>
-          </a:p>
-          <a:p>
-            <a:pPr lvl="1"/>
-            <a:r>
-              <a:rPr lang="en-US" dirty="0">
-                <a:hlinkClick r:id="rId7"/>
-              </a:rPr>
-              <a:t>https://www.pluralsight.com/guides/cleaning-up-data-from-outliers</a:t>
-            </a:r>
-            <a:endParaRPr lang="en-US" dirty="0"/>
-          </a:p>
-          <a:p>
-            <a:pPr lvl="1"/>
-            <a:r>
-              <a:rPr lang="en-US" dirty="0">
-                <a:hlinkClick r:id="rId8"/>
-              </a:rPr>
-              <a:t>https://www.gastonsanchez.com/r4strings/formatting.html</a:t>
-            </a:r>
-            <a:endParaRPr lang="en-US" dirty="0"/>
-          </a:p>
-          <a:p>
-            <a:pPr lvl="1"/>
-            <a:r>
-              <a:rPr lang="en-US" dirty="0">
-                <a:hlinkClick r:id="rId9"/>
-              </a:rPr>
-              <a:t>https://www.guru99.com/r-data-frames.html</a:t>
-            </a:r>
-            <a:endParaRPr lang="en-US" dirty="0"/>
-          </a:p>
-          <a:p>
-            <a:endParaRPr kumimoji="1" lang="en-US" altLang="zh-TW" dirty="0"/>
+              <a:rPr lang="en" altLang="zh-TW" dirty="0"/>
+              <a:t>What is the challenge part of your project?</a:t>
+            </a:r>
+          </a:p>
+          <a:p>
+            <a:pPr lvl="2"/>
+            <a:r>
+              <a:rPr lang="en" altLang="zh-TW" dirty="0"/>
+              <a:t>=&gt; </a:t>
+            </a:r>
+            <a:r>
+              <a:rPr lang="zh-CN" altLang="en-US" dirty="0"/>
+              <a:t>資料的特徵工程及選擇，因為不知道何者是最重要且必要的特徵</a:t>
+            </a:r>
+            <a:endParaRPr lang="en-US" altLang="zh-CN" dirty="0"/>
+          </a:p>
+          <a:p>
+            <a:pPr lvl="2"/>
+            <a:r>
+              <a:rPr lang="zh-CN" altLang="en-US" dirty="0"/>
+              <a:t>訓練時的抽樣方法也需多加要研究</a:t>
+            </a:r>
+            <a:endParaRPr lang="en" altLang="zh-TW" dirty="0"/>
           </a:p>
         </p:txBody>
       </p:sp>
     </p:spTree>
     <p:extLst>
       <p:ext uri="{BB962C8B-B14F-4D97-AF65-F5344CB8AC3E}">
-        <p14:creationId xmlns:p14="http://schemas.microsoft.com/office/powerpoint/2010/main" val="344294703"/>
-      </p:ext>
-    </p:extLst>
-  </p:cSld>
-  <p:clrMapOvr>
-    <a:masterClrMapping/>
-  </p:clrMapOvr>
-</p:sld>
-</file>
-
-<file path=ppt/slides/slide38.xml><?xml version="1.0" encoding="utf-8"?>
-<p:sld xmlns:a="http://schemas.openxmlformats.org/drawingml/2006/main" xmlns:r="http://schemas.openxmlformats.org/officeDocument/2006/relationships" xmlns:p="http://schemas.openxmlformats.org/presentationml/2006/main">
-  <p:cSld>
-    <p:spTree>
-      <p:nvGrpSpPr>
-        <p:cNvPr id="1" name=""/>
-        <p:cNvGrpSpPr/>
-        <p:nvPr/>
-      </p:nvGrpSpPr>
-      <p:grpSpPr>
-        <a:xfrm>
-          <a:off x="0" y="0"/>
-          <a:ext cx="0" cy="0"/>
-          <a:chOff x="0" y="0"/>
-          <a:chExt cx="0" cy="0"/>
-        </a:xfrm>
-      </p:grpSpPr>
-      <p:sp>
-        <p:nvSpPr>
-          <p:cNvPr id="2" name="標題 1">
-            <a:extLst>
-              <a:ext uri="{FF2B5EF4-FFF2-40B4-BE49-F238E27FC236}">
-                <a16:creationId xmlns:a16="http://schemas.microsoft.com/office/drawing/2014/main" id="{EECECADE-F4D4-6844-B3CB-117177C38013}"/>
-              </a:ext>
-            </a:extLst>
-          </p:cNvPr>
-          <p:cNvSpPr>
-            <a:spLocks noGrp="1"/>
-          </p:cNvSpPr>
-          <p:nvPr>
-            <p:ph type="title"/>
-          </p:nvPr>
-        </p:nvSpPr>
-        <p:spPr/>
-        <p:txBody>
-          <a:bodyPr>
-            <a:normAutofit fontScale="90000"/>
-          </a:bodyPr>
-          <a:lstStyle/>
-          <a:p>
-            <a:r>
-              <a:rPr kumimoji="1" lang="zh-TW" altLang="en-US" dirty="0"/>
-              <a:t>參考出處</a:t>
-            </a:r>
-          </a:p>
-        </p:txBody>
-      </p:sp>
-      <p:sp>
-        <p:nvSpPr>
-          <p:cNvPr id="3" name="內容版面配置區 2">
-            <a:extLst>
-              <a:ext uri="{FF2B5EF4-FFF2-40B4-BE49-F238E27FC236}">
-                <a16:creationId xmlns:a16="http://schemas.microsoft.com/office/drawing/2014/main" id="{A5E94ADD-03F4-B94C-9F7E-C5A66F395A8C}"/>
-              </a:ext>
-            </a:extLst>
-          </p:cNvPr>
-          <p:cNvSpPr>
-            <a:spLocks noGrp="1"/>
-          </p:cNvSpPr>
-          <p:nvPr>
-            <p:ph idx="1"/>
-          </p:nvPr>
-        </p:nvSpPr>
-        <p:spPr>
-          <a:xfrm>
-            <a:off x="1451579" y="2015732"/>
-            <a:ext cx="9603275" cy="4156468"/>
-          </a:xfrm>
-        </p:spPr>
-        <p:txBody>
-          <a:bodyPr>
-            <a:normAutofit fontScale="92500" lnSpcReduction="20000"/>
-          </a:bodyPr>
-          <a:lstStyle/>
-          <a:p>
-            <a:r>
-              <a:rPr kumimoji="1" lang="zh-CN" altLang="en-US" dirty="0"/>
-              <a:t>套件引用：</a:t>
-            </a:r>
-            <a:endParaRPr kumimoji="1" lang="en-US" altLang="zh-CN" dirty="0"/>
-          </a:p>
-          <a:p>
-            <a:pPr lvl="1"/>
-            <a:r>
-              <a:rPr lang="en-US" dirty="0">
-                <a:hlinkClick r:id="rId2"/>
-              </a:rPr>
-              <a:t>https://cran.r-project.org/web/packages/hash/hash.pdf</a:t>
-            </a:r>
-            <a:endParaRPr lang="en-US" dirty="0"/>
-          </a:p>
-          <a:p>
-            <a:pPr lvl="1"/>
-            <a:r>
-              <a:rPr lang="en-US" dirty="0">
-                <a:hlinkClick r:id="rId3"/>
-              </a:rPr>
-              <a:t>https://stackoverflow.com/questions/23765996/get-all-keys-from-ruby-hash</a:t>
-            </a:r>
-            <a:endParaRPr lang="en-US" dirty="0"/>
-          </a:p>
-          <a:p>
-            <a:pPr lvl="1"/>
-            <a:r>
-              <a:rPr lang="en-US" dirty="0">
-                <a:hlinkClick r:id="rId4"/>
-              </a:rPr>
-              <a:t>https://www.rdocumentation.org/packages/tibble/versions/1.4.2/topics/add_column</a:t>
-            </a:r>
-            <a:endParaRPr lang="en-US" dirty="0"/>
-          </a:p>
-          <a:p>
-            <a:pPr lvl="1"/>
-            <a:r>
-              <a:rPr lang="en-US" dirty="0">
-                <a:hlinkClick r:id="rId5"/>
-              </a:rPr>
-              <a:t>https://stackoverflow.com/questions/45741498/add-column-in-tibble-with-variable-column-name</a:t>
-            </a:r>
-            <a:endParaRPr lang="en-US" dirty="0"/>
-          </a:p>
-          <a:p>
-            <a:pPr lvl="1"/>
-            <a:r>
-              <a:rPr lang="en-US" dirty="0">
-                <a:hlinkClick r:id="rId6"/>
-              </a:rPr>
-              <a:t>https://statmath.wu.ac.at/projects/vcd/</a:t>
-            </a:r>
-            <a:endParaRPr lang="en-US" dirty="0"/>
-          </a:p>
-          <a:p>
-            <a:pPr lvl="1"/>
-            <a:r>
-              <a:rPr lang="en-US" dirty="0">
-                <a:hlinkClick r:id="rId7"/>
-              </a:rPr>
-              <a:t>https://rdrr.io/cran/infotheo/man/mutinformation.html</a:t>
-            </a:r>
-            <a:endParaRPr lang="en-US" dirty="0"/>
-          </a:p>
-          <a:p>
-            <a:pPr lvl="1"/>
-            <a:r>
-              <a:rPr lang="en-US" dirty="0">
-                <a:hlinkClick r:id="rId8"/>
-              </a:rPr>
-              <a:t>https://cran.r-project.org/web/packages/infotheo/infotheo.pdf</a:t>
-            </a:r>
-            <a:endParaRPr lang="en-US" dirty="0"/>
-          </a:p>
-          <a:p>
-            <a:pPr lvl="1"/>
-            <a:r>
-              <a:rPr lang="en-US" dirty="0">
-                <a:hlinkClick r:id="rId9"/>
-              </a:rPr>
-              <a:t>https://www.rdocumentation.org/packages/stringr</a:t>
-            </a:r>
-            <a:endParaRPr lang="en-US" dirty="0"/>
-          </a:p>
-          <a:p>
-            <a:pPr lvl="1"/>
-            <a:r>
-              <a:rPr lang="en-US" dirty="0">
-                <a:hlinkClick r:id="rId10"/>
-              </a:rPr>
-              <a:t>https://stringr.tidyverse.org/reference/str_detect.html</a:t>
-            </a:r>
-            <a:endParaRPr lang="en-US" dirty="0"/>
-          </a:p>
-          <a:p>
-            <a:pPr lvl="1"/>
-            <a:r>
-              <a:rPr lang="en-US" dirty="0">
-                <a:hlinkClick r:id="rId11"/>
-              </a:rPr>
-              <a:t>https://www.rdocumentation.org/packages/vcd/</a:t>
-            </a:r>
-            <a:endParaRPr kumimoji="1" lang="en-US" altLang="zh-TW" dirty="0"/>
-          </a:p>
-          <a:p>
-            <a:pPr lvl="1"/>
-            <a:endParaRPr kumimoji="1" lang="en-US" altLang="zh-TW" dirty="0"/>
-          </a:p>
-          <a:p>
-            <a:pPr lvl="1"/>
-            <a:endParaRPr kumimoji="1" lang="en-US" altLang="zh-TW" dirty="0"/>
-          </a:p>
-        </p:txBody>
-      </p:sp>
-    </p:spTree>
-    <p:extLst>
-      <p:ext uri="{BB962C8B-B14F-4D97-AF65-F5344CB8AC3E}">
-        <p14:creationId xmlns:p14="http://schemas.microsoft.com/office/powerpoint/2010/main" val="3926490653"/>
-      </p:ext>
-    </p:extLst>
-  </p:cSld>
-  <p:clrMapOvr>
-    <a:masterClrMapping/>
-  </p:clrMapOvr>
-</p:sld>
-</file>
-
-<file path=ppt/slides/slide39.xml><?xml version="1.0" encoding="utf-8"?>
-<p:sld xmlns:a="http://schemas.openxmlformats.org/drawingml/2006/main" xmlns:r="http://schemas.openxmlformats.org/officeDocument/2006/relationships" xmlns:p="http://schemas.openxmlformats.org/presentationml/2006/main">
-  <p:cSld>
-    <p:spTree>
-      <p:nvGrpSpPr>
-        <p:cNvPr id="1" name=""/>
-        <p:cNvGrpSpPr/>
-        <p:nvPr/>
-      </p:nvGrpSpPr>
-      <p:grpSpPr>
-        <a:xfrm>
-          <a:off x="0" y="0"/>
-          <a:ext cx="0" cy="0"/>
-          <a:chOff x="0" y="0"/>
-          <a:chExt cx="0" cy="0"/>
-        </a:xfrm>
-      </p:grpSpPr>
-      <p:sp>
-        <p:nvSpPr>
-          <p:cNvPr id="2" name="Title 1">
-            <a:extLst>
-              <a:ext uri="{FF2B5EF4-FFF2-40B4-BE49-F238E27FC236}">
-                <a16:creationId xmlns:a16="http://schemas.microsoft.com/office/drawing/2014/main" id="{B585197A-2FBB-E840-94FF-E9E7C4321FC7}"/>
-              </a:ext>
-            </a:extLst>
-          </p:cNvPr>
-          <p:cNvSpPr>
-            <a:spLocks noGrp="1"/>
-          </p:cNvSpPr>
-          <p:nvPr>
-            <p:ph type="title"/>
-          </p:nvPr>
-        </p:nvSpPr>
-        <p:spPr/>
-        <p:txBody>
-          <a:bodyPr>
-            <a:normAutofit/>
-          </a:bodyPr>
-          <a:lstStyle/>
-          <a:p>
-            <a:r>
-              <a:rPr lang="en-TW" sz="4000" dirty="0"/>
-              <a:t>Any questions</a:t>
-            </a:r>
-          </a:p>
-        </p:txBody>
-      </p:sp>
-      <p:sp>
-        <p:nvSpPr>
-          <p:cNvPr id="3" name="Text Placeholder 2">
-            <a:extLst>
-              <a:ext uri="{FF2B5EF4-FFF2-40B4-BE49-F238E27FC236}">
-                <a16:creationId xmlns:a16="http://schemas.microsoft.com/office/drawing/2014/main" id="{3CA2DFFB-3160-A849-BCD5-9572C2610B09}"/>
-              </a:ext>
-            </a:extLst>
-          </p:cNvPr>
-          <p:cNvSpPr>
-            <a:spLocks noGrp="1"/>
-          </p:cNvSpPr>
-          <p:nvPr>
-            <p:ph type="body" idx="1"/>
-          </p:nvPr>
-        </p:nvSpPr>
-        <p:spPr/>
-        <p:txBody>
-          <a:bodyPr>
-            <a:normAutofit/>
-          </a:bodyPr>
-          <a:lstStyle/>
-          <a:p>
-            <a:r>
-              <a:rPr lang="en-TW" sz="4000" dirty="0"/>
-              <a:t>END</a:t>
-            </a:r>
-          </a:p>
-        </p:txBody>
-      </p:sp>
-    </p:spTree>
-    <p:extLst>
-      <p:ext uri="{BB962C8B-B14F-4D97-AF65-F5344CB8AC3E}">
-        <p14:creationId xmlns:p14="http://schemas.microsoft.com/office/powerpoint/2010/main" val="791090723"/>
+        <p14:creationId xmlns:p14="http://schemas.microsoft.com/office/powerpoint/2010/main" val="3412468321"/>
       </p:ext>
     </p:extLst>
   </p:cSld>
@@ -12523,7 +13021,710 @@
 </p:sld>
 </file>
 
+<file path=ppt/slides/slide40.xml><?xml version="1.0" encoding="utf-8"?>
+<p:sld xmlns:a="http://schemas.openxmlformats.org/drawingml/2006/main" xmlns:r="http://schemas.openxmlformats.org/officeDocument/2006/relationships" xmlns:p="http://schemas.openxmlformats.org/presentationml/2006/main">
+  <p:cSld>
+    <p:spTree>
+      <p:nvGrpSpPr>
+        <p:cNvPr id="1" name=""/>
+        <p:cNvGrpSpPr/>
+        <p:nvPr/>
+      </p:nvGrpSpPr>
+      <p:grpSpPr>
+        <a:xfrm>
+          <a:off x="0" y="0"/>
+          <a:ext cx="0" cy="0"/>
+          <a:chOff x="0" y="0"/>
+          <a:chExt cx="0" cy="0"/>
+        </a:xfrm>
+      </p:grpSpPr>
+      <p:sp>
+        <p:nvSpPr>
+          <p:cNvPr id="2" name="標題 1">
+            <a:extLst>
+              <a:ext uri="{FF2B5EF4-FFF2-40B4-BE49-F238E27FC236}">
+                <a16:creationId xmlns:a16="http://schemas.microsoft.com/office/drawing/2014/main" id="{EECECADE-F4D4-6844-B3CB-117177C38013}"/>
+              </a:ext>
+            </a:extLst>
+          </p:cNvPr>
+          <p:cNvSpPr>
+            <a:spLocks noGrp="1"/>
+          </p:cNvSpPr>
+          <p:nvPr>
+            <p:ph type="title"/>
+          </p:nvPr>
+        </p:nvSpPr>
+        <p:spPr/>
+        <p:txBody>
+          <a:bodyPr>
+            <a:normAutofit fontScale="90000"/>
+          </a:bodyPr>
+          <a:lstStyle/>
+          <a:p>
+            <a:r>
+              <a:rPr kumimoji="1" lang="zh-TW" altLang="en-US" dirty="0"/>
+              <a:t>參考出處</a:t>
+            </a:r>
+          </a:p>
+        </p:txBody>
+      </p:sp>
+      <p:sp>
+        <p:nvSpPr>
+          <p:cNvPr id="3" name="內容版面配置區 2">
+            <a:extLst>
+              <a:ext uri="{FF2B5EF4-FFF2-40B4-BE49-F238E27FC236}">
+                <a16:creationId xmlns:a16="http://schemas.microsoft.com/office/drawing/2014/main" id="{A5E94ADD-03F4-B94C-9F7E-C5A66F395A8C}"/>
+              </a:ext>
+            </a:extLst>
+          </p:cNvPr>
+          <p:cNvSpPr>
+            <a:spLocks noGrp="1"/>
+          </p:cNvSpPr>
+          <p:nvPr>
+            <p:ph idx="1"/>
+          </p:nvPr>
+        </p:nvSpPr>
+        <p:spPr>
+          <a:xfrm>
+            <a:off x="1451579" y="2015732"/>
+            <a:ext cx="9603275" cy="4156468"/>
+          </a:xfrm>
+        </p:spPr>
+        <p:txBody>
+          <a:bodyPr>
+            <a:normAutofit fontScale="92500" lnSpcReduction="20000"/>
+          </a:bodyPr>
+          <a:lstStyle/>
+          <a:p>
+            <a:r>
+              <a:rPr kumimoji="1" lang="en-US" altLang="zh-TW" dirty="0"/>
+              <a:t>Age interval</a:t>
+            </a:r>
+            <a:r>
+              <a:rPr kumimoji="1" lang="zh-TW" altLang="en-US" dirty="0"/>
+              <a:t>（年齡區間劃分）</a:t>
+            </a:r>
+            <a:endParaRPr kumimoji="1" lang="en-US" altLang="zh-TW" dirty="0"/>
+          </a:p>
+          <a:p>
+            <a:pPr lvl="1"/>
+            <a:r>
+              <a:rPr kumimoji="1" lang="zh-TW" altLang="en-US" dirty="0">
+                <a:hlinkClick r:id="rId2"/>
+              </a:rPr>
+              <a:t>出自</a:t>
+            </a:r>
+            <a:r>
+              <a:rPr kumimoji="1" lang="en-US" altLang="zh-TW" dirty="0">
+                <a:hlinkClick r:id="rId2"/>
+              </a:rPr>
+              <a:t>《</a:t>
+            </a:r>
+            <a:r>
+              <a:rPr kumimoji="1" lang="zh-TW" altLang="en-US" dirty="0">
+                <a:hlinkClick r:id="rId2"/>
+              </a:rPr>
+              <a:t>老年性生理學和老年的性生活</a:t>
+            </a:r>
+            <a:r>
+              <a:rPr kumimoji="1" lang="en-US" altLang="zh-TW" dirty="0">
+                <a:hlinkClick r:id="rId2"/>
+              </a:rPr>
+              <a:t>》</a:t>
+            </a:r>
+            <a:r>
+              <a:rPr kumimoji="1" lang="zh-TW" altLang="en-US" dirty="0">
+                <a:hlinkClick r:id="rId2"/>
+              </a:rPr>
+              <a:t>一書</a:t>
+            </a:r>
+            <a:endParaRPr kumimoji="1" lang="en-US" altLang="zh-TW" dirty="0"/>
+          </a:p>
+          <a:p>
+            <a:r>
+              <a:rPr kumimoji="1" lang="en-US" altLang="zh-TW" dirty="0">
+                <a:hlinkClick r:id="rId3"/>
+              </a:rPr>
+              <a:t>Blood pressure interval</a:t>
+            </a:r>
+            <a:r>
+              <a:rPr kumimoji="1" lang="zh-TW" altLang="en-US" dirty="0">
+                <a:hlinkClick r:id="rId3"/>
+              </a:rPr>
+              <a:t>（血壓區間劃分）</a:t>
+            </a:r>
+            <a:endParaRPr kumimoji="1" lang="en-US" altLang="zh-TW" dirty="0"/>
+          </a:p>
+          <a:p>
+            <a:r>
+              <a:rPr lang="en" altLang="zh-TW" dirty="0" err="1">
+                <a:solidFill>
+                  <a:schemeClr val="dk1"/>
+                </a:solidFill>
+              </a:rPr>
+              <a:t>Cholestoral</a:t>
+            </a:r>
+            <a:r>
+              <a:rPr lang="en" altLang="zh-TW" dirty="0">
+                <a:solidFill>
+                  <a:schemeClr val="dk1"/>
+                </a:solidFill>
+              </a:rPr>
+              <a:t> interval</a:t>
+            </a:r>
+            <a:r>
+              <a:rPr kumimoji="1" lang="zh-TW" altLang="en-US" dirty="0"/>
+              <a:t>（總膽固醇區間劃分）</a:t>
+            </a:r>
+            <a:endParaRPr kumimoji="1" lang="en-US" altLang="zh-TW" dirty="0"/>
+          </a:p>
+          <a:p>
+            <a:pPr lvl="1"/>
+            <a:r>
+              <a:rPr kumimoji="1" lang="zh-CN" altLang="en-US" dirty="0">
+                <a:hlinkClick r:id="rId4"/>
+              </a:rPr>
+              <a:t>啟新診所</a:t>
+            </a:r>
+            <a:endParaRPr kumimoji="1" lang="en-US" altLang="zh-CN" dirty="0"/>
+          </a:p>
+          <a:p>
+            <a:pPr lvl="1"/>
+            <a:r>
+              <a:rPr kumimoji="1" lang="zh-CN" altLang="en-US" dirty="0">
+                <a:hlinkClick r:id="rId5"/>
+              </a:rPr>
+              <a:t>馬偕醫院</a:t>
+            </a:r>
+            <a:endParaRPr kumimoji="1" lang="en-US" altLang="zh-CN" dirty="0"/>
+          </a:p>
+          <a:p>
+            <a:r>
+              <a:rPr kumimoji="1" lang="zh-CN" altLang="en-US" dirty="0"/>
+              <a:t>資料處理：</a:t>
+            </a:r>
+            <a:endParaRPr kumimoji="1" lang="en-US" altLang="zh-CN" dirty="0"/>
+          </a:p>
+          <a:p>
+            <a:pPr lvl="1"/>
+            <a:r>
+              <a:rPr lang="en-US" dirty="0">
+                <a:hlinkClick r:id="rId6"/>
+              </a:rPr>
+              <a:t>https://www.datacamp.com/community/tutorials/contingency-tables-r</a:t>
+            </a:r>
+            <a:endParaRPr lang="en-US" dirty="0"/>
+          </a:p>
+          <a:p>
+            <a:pPr lvl="1"/>
+            <a:r>
+              <a:rPr lang="en-US" dirty="0">
+                <a:hlinkClick r:id="rId7"/>
+              </a:rPr>
+              <a:t>https://www.pluralsight.com/guides/cleaning-up-data-from-outliers</a:t>
+            </a:r>
+            <a:endParaRPr lang="en-US" dirty="0"/>
+          </a:p>
+          <a:p>
+            <a:pPr lvl="1"/>
+            <a:r>
+              <a:rPr lang="en-US" dirty="0">
+                <a:hlinkClick r:id="rId8"/>
+              </a:rPr>
+              <a:t>https://www.gastonsanchez.com/r4strings/formatting.html</a:t>
+            </a:r>
+            <a:endParaRPr lang="en-US" dirty="0"/>
+          </a:p>
+          <a:p>
+            <a:pPr lvl="1"/>
+            <a:r>
+              <a:rPr lang="en-US" dirty="0">
+                <a:hlinkClick r:id="rId9"/>
+              </a:rPr>
+              <a:t>https://www.guru99.com/r-data-frames.html</a:t>
+            </a:r>
+            <a:endParaRPr lang="en-US" dirty="0"/>
+          </a:p>
+          <a:p>
+            <a:endParaRPr kumimoji="1" lang="en-US" altLang="zh-TW" dirty="0"/>
+          </a:p>
+        </p:txBody>
+      </p:sp>
+    </p:spTree>
+    <p:extLst>
+      <p:ext uri="{BB962C8B-B14F-4D97-AF65-F5344CB8AC3E}">
+        <p14:creationId xmlns:p14="http://schemas.microsoft.com/office/powerpoint/2010/main" val="344294703"/>
+      </p:ext>
+    </p:extLst>
+  </p:cSld>
+  <p:clrMapOvr>
+    <a:masterClrMapping/>
+  </p:clrMapOvr>
+</p:sld>
+</file>
+
+<file path=ppt/slides/slide41.xml><?xml version="1.0" encoding="utf-8"?>
+<p:sld xmlns:a="http://schemas.openxmlformats.org/drawingml/2006/main" xmlns:r="http://schemas.openxmlformats.org/officeDocument/2006/relationships" xmlns:p="http://schemas.openxmlformats.org/presentationml/2006/main">
+  <p:cSld>
+    <p:spTree>
+      <p:nvGrpSpPr>
+        <p:cNvPr id="1" name=""/>
+        <p:cNvGrpSpPr/>
+        <p:nvPr/>
+      </p:nvGrpSpPr>
+      <p:grpSpPr>
+        <a:xfrm>
+          <a:off x="0" y="0"/>
+          <a:ext cx="0" cy="0"/>
+          <a:chOff x="0" y="0"/>
+          <a:chExt cx="0" cy="0"/>
+        </a:xfrm>
+      </p:grpSpPr>
+      <p:sp>
+        <p:nvSpPr>
+          <p:cNvPr id="2" name="標題 1">
+            <a:extLst>
+              <a:ext uri="{FF2B5EF4-FFF2-40B4-BE49-F238E27FC236}">
+                <a16:creationId xmlns:a16="http://schemas.microsoft.com/office/drawing/2014/main" id="{EECECADE-F4D4-6844-B3CB-117177C38013}"/>
+              </a:ext>
+            </a:extLst>
+          </p:cNvPr>
+          <p:cNvSpPr>
+            <a:spLocks noGrp="1"/>
+          </p:cNvSpPr>
+          <p:nvPr>
+            <p:ph type="title"/>
+          </p:nvPr>
+        </p:nvSpPr>
+        <p:spPr/>
+        <p:txBody>
+          <a:bodyPr>
+            <a:normAutofit fontScale="90000"/>
+          </a:bodyPr>
+          <a:lstStyle/>
+          <a:p>
+            <a:r>
+              <a:rPr kumimoji="1" lang="zh-TW" altLang="en-US" dirty="0"/>
+              <a:t>參考出處</a:t>
+            </a:r>
+          </a:p>
+        </p:txBody>
+      </p:sp>
+      <p:sp>
+        <p:nvSpPr>
+          <p:cNvPr id="3" name="內容版面配置區 2">
+            <a:extLst>
+              <a:ext uri="{FF2B5EF4-FFF2-40B4-BE49-F238E27FC236}">
+                <a16:creationId xmlns:a16="http://schemas.microsoft.com/office/drawing/2014/main" id="{A5E94ADD-03F4-B94C-9F7E-C5A66F395A8C}"/>
+              </a:ext>
+            </a:extLst>
+          </p:cNvPr>
+          <p:cNvSpPr>
+            <a:spLocks noGrp="1"/>
+          </p:cNvSpPr>
+          <p:nvPr>
+            <p:ph idx="1"/>
+          </p:nvPr>
+        </p:nvSpPr>
+        <p:spPr>
+          <a:xfrm>
+            <a:off x="1451579" y="2015732"/>
+            <a:ext cx="9603275" cy="4156468"/>
+          </a:xfrm>
+        </p:spPr>
+        <p:txBody>
+          <a:bodyPr>
+            <a:normAutofit fontScale="92500" lnSpcReduction="20000"/>
+          </a:bodyPr>
+          <a:lstStyle/>
+          <a:p>
+            <a:r>
+              <a:rPr kumimoji="1" lang="zh-CN" altLang="en-US" dirty="0"/>
+              <a:t>套件引用：</a:t>
+            </a:r>
+            <a:endParaRPr kumimoji="1" lang="en-US" altLang="zh-CN" dirty="0"/>
+          </a:p>
+          <a:p>
+            <a:pPr lvl="1"/>
+            <a:r>
+              <a:rPr lang="en-US" dirty="0">
+                <a:hlinkClick r:id="rId2"/>
+              </a:rPr>
+              <a:t>https://cran.r-project.org/web/packages/hash/hash.pdf</a:t>
+            </a:r>
+            <a:endParaRPr lang="en-US" dirty="0"/>
+          </a:p>
+          <a:p>
+            <a:pPr lvl="1"/>
+            <a:r>
+              <a:rPr lang="en-US" dirty="0">
+                <a:hlinkClick r:id="rId3"/>
+              </a:rPr>
+              <a:t>https://stackoverflow.com/questions/23765996/get-all-keys-from-ruby-hash</a:t>
+            </a:r>
+            <a:endParaRPr lang="en-US" dirty="0"/>
+          </a:p>
+          <a:p>
+            <a:pPr lvl="1"/>
+            <a:r>
+              <a:rPr lang="en-US" dirty="0">
+                <a:hlinkClick r:id="rId4"/>
+              </a:rPr>
+              <a:t>https://www.rdocumentation.org/packages/tibble/versions/1.4.2/topics/add_column</a:t>
+            </a:r>
+            <a:endParaRPr lang="en-US" dirty="0"/>
+          </a:p>
+          <a:p>
+            <a:pPr lvl="1"/>
+            <a:r>
+              <a:rPr lang="en-US" dirty="0">
+                <a:hlinkClick r:id="rId5"/>
+              </a:rPr>
+              <a:t>https://stackoverflow.com/questions/45741498/add-column-in-tibble-with-variable-column-name</a:t>
+            </a:r>
+            <a:endParaRPr lang="en-US" dirty="0"/>
+          </a:p>
+          <a:p>
+            <a:pPr lvl="1"/>
+            <a:r>
+              <a:rPr lang="en-US" dirty="0">
+                <a:hlinkClick r:id="rId6"/>
+              </a:rPr>
+              <a:t>https://statmath.wu.ac.at/projects/vcd/</a:t>
+            </a:r>
+            <a:endParaRPr lang="en-US" dirty="0"/>
+          </a:p>
+          <a:p>
+            <a:pPr lvl="1"/>
+            <a:r>
+              <a:rPr lang="en-US" dirty="0">
+                <a:hlinkClick r:id="rId7"/>
+              </a:rPr>
+              <a:t>https://rdrr.io/cran/infotheo/man/mutinformation.html</a:t>
+            </a:r>
+            <a:endParaRPr lang="en-US" dirty="0"/>
+          </a:p>
+          <a:p>
+            <a:pPr lvl="1"/>
+            <a:r>
+              <a:rPr lang="en-US" dirty="0">
+                <a:hlinkClick r:id="rId8"/>
+              </a:rPr>
+              <a:t>https://cran.r-project.org/web/packages/infotheo/infotheo.pdf</a:t>
+            </a:r>
+            <a:endParaRPr lang="en-US" dirty="0"/>
+          </a:p>
+          <a:p>
+            <a:pPr lvl="1"/>
+            <a:r>
+              <a:rPr lang="en-US" dirty="0">
+                <a:hlinkClick r:id="rId9"/>
+              </a:rPr>
+              <a:t>https://www.rdocumentation.org/packages/stringr</a:t>
+            </a:r>
+            <a:endParaRPr lang="en-US" dirty="0"/>
+          </a:p>
+          <a:p>
+            <a:pPr lvl="1"/>
+            <a:r>
+              <a:rPr lang="en-US" dirty="0">
+                <a:hlinkClick r:id="rId10"/>
+              </a:rPr>
+              <a:t>https://stringr.tidyverse.org/reference/str_detect.html</a:t>
+            </a:r>
+            <a:endParaRPr lang="en-US" dirty="0"/>
+          </a:p>
+          <a:p>
+            <a:pPr lvl="1"/>
+            <a:r>
+              <a:rPr lang="en-US" dirty="0">
+                <a:hlinkClick r:id="rId11"/>
+              </a:rPr>
+              <a:t>https://www.rdocumentation.org/packages/vcd/</a:t>
+            </a:r>
+            <a:endParaRPr kumimoji="1" lang="en-US" altLang="zh-TW" dirty="0"/>
+          </a:p>
+          <a:p>
+            <a:pPr lvl="1"/>
+            <a:endParaRPr kumimoji="1" lang="en-US" altLang="zh-TW" dirty="0"/>
+          </a:p>
+          <a:p>
+            <a:pPr lvl="1"/>
+            <a:endParaRPr kumimoji="1" lang="en-US" altLang="zh-TW" dirty="0"/>
+          </a:p>
+        </p:txBody>
+      </p:sp>
+    </p:spTree>
+    <p:extLst>
+      <p:ext uri="{BB962C8B-B14F-4D97-AF65-F5344CB8AC3E}">
+        <p14:creationId xmlns:p14="http://schemas.microsoft.com/office/powerpoint/2010/main" val="3926490653"/>
+      </p:ext>
+    </p:extLst>
+  </p:cSld>
+  <p:clrMapOvr>
+    <a:masterClrMapping/>
+  </p:clrMapOvr>
+</p:sld>
+</file>
+
+<file path=ppt/slides/slide42.xml><?xml version="1.0" encoding="utf-8"?>
+<p:sld xmlns:a="http://schemas.openxmlformats.org/drawingml/2006/main" xmlns:r="http://schemas.openxmlformats.org/officeDocument/2006/relationships" xmlns:p="http://schemas.openxmlformats.org/presentationml/2006/main">
+  <p:cSld>
+    <p:spTree>
+      <p:nvGrpSpPr>
+        <p:cNvPr id="1" name=""/>
+        <p:cNvGrpSpPr/>
+        <p:nvPr/>
+      </p:nvGrpSpPr>
+      <p:grpSpPr>
+        <a:xfrm>
+          <a:off x="0" y="0"/>
+          <a:ext cx="0" cy="0"/>
+          <a:chOff x="0" y="0"/>
+          <a:chExt cx="0" cy="0"/>
+        </a:xfrm>
+      </p:grpSpPr>
+      <p:sp>
+        <p:nvSpPr>
+          <p:cNvPr id="2" name="Title 1">
+            <a:extLst>
+              <a:ext uri="{FF2B5EF4-FFF2-40B4-BE49-F238E27FC236}">
+                <a16:creationId xmlns:a16="http://schemas.microsoft.com/office/drawing/2014/main" id="{B585197A-2FBB-E840-94FF-E9E7C4321FC7}"/>
+              </a:ext>
+            </a:extLst>
+          </p:cNvPr>
+          <p:cNvSpPr>
+            <a:spLocks noGrp="1"/>
+          </p:cNvSpPr>
+          <p:nvPr>
+            <p:ph type="title"/>
+          </p:nvPr>
+        </p:nvSpPr>
+        <p:spPr/>
+        <p:txBody>
+          <a:bodyPr>
+            <a:normAutofit/>
+          </a:bodyPr>
+          <a:lstStyle/>
+          <a:p>
+            <a:r>
+              <a:rPr lang="en-TW" sz="4000" dirty="0"/>
+              <a:t>Any questions</a:t>
+            </a:r>
+          </a:p>
+        </p:txBody>
+      </p:sp>
+      <p:sp>
+        <p:nvSpPr>
+          <p:cNvPr id="3" name="Text Placeholder 2">
+            <a:extLst>
+              <a:ext uri="{FF2B5EF4-FFF2-40B4-BE49-F238E27FC236}">
+                <a16:creationId xmlns:a16="http://schemas.microsoft.com/office/drawing/2014/main" id="{3CA2DFFB-3160-A849-BCD5-9572C2610B09}"/>
+              </a:ext>
+            </a:extLst>
+          </p:cNvPr>
+          <p:cNvSpPr>
+            <a:spLocks noGrp="1"/>
+          </p:cNvSpPr>
+          <p:nvPr>
+            <p:ph type="body" idx="1"/>
+          </p:nvPr>
+        </p:nvSpPr>
+        <p:spPr/>
+        <p:txBody>
+          <a:bodyPr>
+            <a:normAutofit/>
+          </a:bodyPr>
+          <a:lstStyle/>
+          <a:p>
+            <a:r>
+              <a:rPr lang="en-TW" sz="4000" dirty="0"/>
+              <a:t>END</a:t>
+            </a:r>
+          </a:p>
+        </p:txBody>
+      </p:sp>
+    </p:spTree>
+    <p:extLst>
+      <p:ext uri="{BB962C8B-B14F-4D97-AF65-F5344CB8AC3E}">
+        <p14:creationId xmlns:p14="http://schemas.microsoft.com/office/powerpoint/2010/main" val="791090723"/>
+      </p:ext>
+    </p:extLst>
+  </p:cSld>
+  <p:clrMapOvr>
+    <a:masterClrMapping/>
+  </p:clrMapOvr>
+</p:sld>
+</file>
+
 <file path=ppt/slides/slide5.xml><?xml version="1.0" encoding="utf-8"?>
+<p:sld xmlns:a="http://schemas.openxmlformats.org/drawingml/2006/main" xmlns:r="http://schemas.openxmlformats.org/officeDocument/2006/relationships" xmlns:p="http://schemas.openxmlformats.org/presentationml/2006/main">
+  <p:cSld>
+    <p:spTree>
+      <p:nvGrpSpPr>
+        <p:cNvPr id="1" name=""/>
+        <p:cNvGrpSpPr/>
+        <p:nvPr/>
+      </p:nvGrpSpPr>
+      <p:grpSpPr>
+        <a:xfrm>
+          <a:off x="0" y="0"/>
+          <a:ext cx="0" cy="0"/>
+          <a:chOff x="0" y="0"/>
+          <a:chExt cx="0" cy="0"/>
+        </a:xfrm>
+      </p:grpSpPr>
+      <p:sp>
+        <p:nvSpPr>
+          <p:cNvPr id="3" name="Content Placeholder 2">
+            <a:extLst>
+              <a:ext uri="{FF2B5EF4-FFF2-40B4-BE49-F238E27FC236}">
+                <a16:creationId xmlns:a16="http://schemas.microsoft.com/office/drawing/2014/main" id="{97F7C985-F283-3F42-A334-D18BFB328D95}"/>
+              </a:ext>
+            </a:extLst>
+          </p:cNvPr>
+          <p:cNvSpPr>
+            <a:spLocks noGrp="1"/>
+          </p:cNvSpPr>
+          <p:nvPr>
+            <p:ph idx="1"/>
+          </p:nvPr>
+        </p:nvSpPr>
+        <p:spPr>
+          <a:xfrm>
+            <a:off x="1451579" y="2015732"/>
+            <a:ext cx="9603275" cy="4202188"/>
+          </a:xfrm>
+        </p:spPr>
+        <p:txBody>
+          <a:bodyPr>
+            <a:normAutofit/>
+          </a:bodyPr>
+          <a:lstStyle/>
+          <a:p>
+            <a:r>
+              <a:rPr lang="zh-CN" altLang="en-US" dirty="0"/>
+              <a:t>轉換之前</a:t>
+            </a:r>
+            <a:endParaRPr lang="en-US" altLang="zh-CN" dirty="0"/>
+          </a:p>
+          <a:p>
+            <a:r>
+              <a:rPr lang="zh-CN" altLang="en-US" dirty="0"/>
+              <a:t>為什麼要轉換</a:t>
+            </a:r>
+            <a:endParaRPr lang="en-US" altLang="zh-CN" dirty="0"/>
+          </a:p>
+          <a:p>
+            <a:r>
+              <a:rPr lang="zh-CN" altLang="en-US" dirty="0"/>
+              <a:t>如何轉換與處理資料</a:t>
+            </a:r>
+            <a:endParaRPr lang="en-US" altLang="zh-CN" dirty="0"/>
+          </a:p>
+          <a:p>
+            <a:r>
+              <a:rPr lang="zh-CN" altLang="en-US" dirty="0"/>
+              <a:t>各欄位原始格式</a:t>
+            </a:r>
+            <a:endParaRPr lang="en-US" altLang="zh-CN" dirty="0"/>
+          </a:p>
+          <a:p>
+            <a:r>
+              <a:rPr lang="zh-CN" altLang="en-US" dirty="0"/>
+              <a:t>預期各欄位轉換後格式</a:t>
+            </a:r>
+            <a:endParaRPr lang="en-US" altLang="zh-CN" dirty="0"/>
+          </a:p>
+          <a:p>
+            <a:r>
+              <a:rPr lang="zh-CN" altLang="en-US" dirty="0"/>
+              <a:t>資料觀察</a:t>
+            </a:r>
+            <a:endParaRPr lang="en-US" altLang="zh-CN" dirty="0"/>
+          </a:p>
+          <a:p>
+            <a:r>
+              <a:rPr lang="zh-CN" altLang="en-US" dirty="0"/>
+              <a:t>轉換後的</a:t>
+            </a:r>
+            <a:r>
+              <a:rPr lang="zh-TW" altLang="en-US" dirty="0"/>
+              <a:t>資料</a:t>
+            </a:r>
+            <a:endParaRPr lang="en-US" altLang="zh-TW" dirty="0"/>
+          </a:p>
+          <a:p>
+            <a:pPr lvl="1"/>
+            <a:r>
+              <a:rPr lang="zh-CN" altLang="en-US" dirty="0"/>
+              <a:t>訓練</a:t>
+            </a:r>
+            <a:endParaRPr lang="en-US" altLang="zh-CN" dirty="0"/>
+          </a:p>
+          <a:p>
+            <a:pPr lvl="1"/>
+            <a:r>
+              <a:rPr lang="zh-CN" altLang="en-US" dirty="0"/>
+              <a:t>測試</a:t>
+            </a:r>
+            <a:endParaRPr lang="en-US" altLang="zh-CN" dirty="0"/>
+          </a:p>
+          <a:p>
+            <a:endParaRPr lang="en-TW" dirty="0"/>
+          </a:p>
+        </p:txBody>
+      </p:sp>
+      <p:sp>
+        <p:nvSpPr>
+          <p:cNvPr id="6" name="標題 3">
+            <a:extLst>
+              <a:ext uri="{FF2B5EF4-FFF2-40B4-BE49-F238E27FC236}">
+                <a16:creationId xmlns:a16="http://schemas.microsoft.com/office/drawing/2014/main" id="{9E058EAF-6828-D940-8DDC-CB8CB32F9618}"/>
+              </a:ext>
+            </a:extLst>
+          </p:cNvPr>
+          <p:cNvSpPr>
+            <a:spLocks noGrp="1"/>
+          </p:cNvSpPr>
+          <p:nvPr>
+            <p:ph type="title"/>
+          </p:nvPr>
+        </p:nvSpPr>
+        <p:spPr>
+          <a:xfrm>
+            <a:off x="1451579" y="1350179"/>
+            <a:ext cx="9603275" cy="503575"/>
+          </a:xfrm>
+        </p:spPr>
+        <p:txBody>
+          <a:bodyPr>
+            <a:normAutofit fontScale="90000"/>
+          </a:bodyPr>
+          <a:lstStyle/>
+          <a:p>
+            <a:r>
+              <a:rPr lang="zh-CN" altLang="en-US" dirty="0"/>
+              <a:t>資料前處理</a:t>
+            </a:r>
+            <a:endParaRPr lang="zh-TW" altLang="en-US" dirty="0"/>
+          </a:p>
+        </p:txBody>
+      </p:sp>
+    </p:spTree>
+    <p:extLst>
+      <p:ext uri="{BB962C8B-B14F-4D97-AF65-F5344CB8AC3E}">
+        <p14:creationId xmlns:p14="http://schemas.microsoft.com/office/powerpoint/2010/main" val="1259873022"/>
+      </p:ext>
+    </p:extLst>
+  </p:cSld>
+  <p:clrMapOvr>
+    <a:masterClrMapping/>
+  </p:clrMapOvr>
+</p:sld>
+</file>
+
+<file path=ppt/slides/slide6.xml><?xml version="1.0" encoding="utf-8"?>
 <p:sld xmlns:a="http://schemas.openxmlformats.org/drawingml/2006/main" xmlns:r="http://schemas.openxmlformats.org/officeDocument/2006/relationships" xmlns:p="http://schemas.openxmlformats.org/presentationml/2006/main">
   <p:cSld>
     <p:spTree>
@@ -12714,7 +13915,7 @@
 </p:sld>
 </file>
 
-<file path=ppt/slides/slide6.xml><?xml version="1.0" encoding="utf-8"?>
+<file path=ppt/slides/slide7.xml><?xml version="1.0" encoding="utf-8"?>
 <p:sld xmlns:a="http://schemas.openxmlformats.org/drawingml/2006/main" xmlns:r="http://schemas.openxmlformats.org/officeDocument/2006/relationships" xmlns:p="http://schemas.openxmlformats.org/presentationml/2006/main">
   <p:cSld>
     <p:spTree>
@@ -12855,7 +14056,7 @@
 </p:sld>
 </file>
 
-<file path=ppt/slides/slide7.xml><?xml version="1.0" encoding="utf-8"?>
+<file path=ppt/slides/slide8.xml><?xml version="1.0" encoding="utf-8"?>
 <p:sld xmlns:a="http://schemas.openxmlformats.org/drawingml/2006/main" xmlns:r="http://schemas.openxmlformats.org/officeDocument/2006/relationships" xmlns:p="http://schemas.openxmlformats.org/presentationml/2006/main">
   <p:cSld>
     <p:spTree>
@@ -13171,7 +14372,7 @@
 </p:sld>
 </file>
 
-<file path=ppt/slides/slide8.xml><?xml version="1.0" encoding="utf-8"?>
+<file path=ppt/slides/slide9.xml><?xml version="1.0" encoding="utf-8"?>
 <p:sld xmlns:a="http://schemas.openxmlformats.org/drawingml/2006/main" xmlns:r="http://schemas.openxmlformats.org/officeDocument/2006/relationships" xmlns:p="http://schemas.openxmlformats.org/presentationml/2006/main">
   <p:cSld>
     <p:spTree>
@@ -13486,473 +14687,6 @@
     <p:extLst>
       <p:ext uri="{BB962C8B-B14F-4D97-AF65-F5344CB8AC3E}">
         <p14:creationId xmlns:p14="http://schemas.microsoft.com/office/powerpoint/2010/main" val="3775805839"/>
-      </p:ext>
-    </p:extLst>
-  </p:cSld>
-  <p:clrMapOvr>
-    <a:masterClrMapping/>
-  </p:clrMapOvr>
-</p:sld>
-</file>
-
-<file path=ppt/slides/slide9.xml><?xml version="1.0" encoding="utf-8"?>
-<p:sld xmlns:a="http://schemas.openxmlformats.org/drawingml/2006/main" xmlns:r="http://schemas.openxmlformats.org/officeDocument/2006/relationships" xmlns:p="http://schemas.openxmlformats.org/presentationml/2006/main">
-  <p:cSld>
-    <p:spTree>
-      <p:nvGrpSpPr>
-        <p:cNvPr id="1" name=""/>
-        <p:cNvGrpSpPr/>
-        <p:nvPr/>
-      </p:nvGrpSpPr>
-      <p:grpSpPr>
-        <a:xfrm>
-          <a:off x="0" y="0"/>
-          <a:ext cx="0" cy="0"/>
-          <a:chOff x="0" y="0"/>
-          <a:chExt cx="0" cy="0"/>
-        </a:xfrm>
-      </p:grpSpPr>
-      <p:graphicFrame>
-        <p:nvGraphicFramePr>
-          <p:cNvPr id="5" name="內容版面配置區 4">
-            <a:extLst>
-              <a:ext uri="{FF2B5EF4-FFF2-40B4-BE49-F238E27FC236}">
-                <a16:creationId xmlns:a16="http://schemas.microsoft.com/office/drawing/2014/main" id="{13FFD213-0199-9B4F-808F-85B60F43826E}"/>
-              </a:ext>
-            </a:extLst>
-          </p:cNvPr>
-          <p:cNvGraphicFramePr>
-            <a:graphicFrameLocks noGrp="1"/>
-          </p:cNvGraphicFramePr>
-          <p:nvPr>
-            <p:ph idx="1"/>
-            <p:extLst>
-              <p:ext uri="{D42A27DB-BD31-4B8C-83A1-F6EECF244321}">
-                <p14:modId xmlns:p14="http://schemas.microsoft.com/office/powerpoint/2010/main" val="1152465831"/>
-              </p:ext>
-            </p:extLst>
-          </p:nvPr>
-        </p:nvGraphicFramePr>
-        <p:xfrm>
-          <a:off x="1450975" y="2016125"/>
-          <a:ext cx="9604376" cy="3337560"/>
-        </p:xfrm>
-        <a:graphic>
-          <a:graphicData uri="http://schemas.openxmlformats.org/drawingml/2006/table">
-            <a:tbl>
-              <a:tblPr firstRow="1" bandRow="1">
-                <a:tableStyleId>{5C22544A-7EE6-4342-B048-85BDC9FD1C3A}</a:tableStyleId>
-              </a:tblPr>
-              <a:tblGrid>
-                <a:gridCol w="4802188">
-                  <a:extLst>
-                    <a:ext uri="{9D8B030D-6E8A-4147-A177-3AD203B41FA5}">
-                      <a16:colId xmlns:a16="http://schemas.microsoft.com/office/drawing/2014/main" val="3938329285"/>
-                    </a:ext>
-                  </a:extLst>
-                </a:gridCol>
-                <a:gridCol w="4802188">
-                  <a:extLst>
-                    <a:ext uri="{9D8B030D-6E8A-4147-A177-3AD203B41FA5}">
-                      <a16:colId xmlns:a16="http://schemas.microsoft.com/office/drawing/2014/main" val="85675256"/>
-                    </a:ext>
-                  </a:extLst>
-                </a:gridCol>
-              </a:tblGrid>
-              <a:tr h="370840">
-                <a:tc>
-                  <a:txBody>
-                    <a:bodyPr/>
-                    <a:lstStyle/>
-                    <a:p>
-                      <a:r>
-                        <a:rPr lang="en-US" altLang="zh-TW" dirty="0"/>
-                        <a:t>Input</a:t>
-                      </a:r>
-                      <a:endParaRPr lang="zh-TW" altLang="en-US" dirty="0"/>
-                    </a:p>
-                  </a:txBody>
-                  <a:tcPr/>
-                </a:tc>
-                <a:tc>
-                  <a:txBody>
-                    <a:bodyPr/>
-                    <a:lstStyle/>
-                    <a:p>
-                      <a:r>
-                        <a:rPr lang="en-US" altLang="zh-TW" dirty="0"/>
-                        <a:t>Format</a:t>
-                      </a:r>
-                      <a:endParaRPr lang="zh-TW" altLang="en-US" dirty="0"/>
-                    </a:p>
-                  </a:txBody>
-                  <a:tcPr/>
-                </a:tc>
-                <a:extLst>
-                  <a:ext uri="{0D108BD9-81ED-4DB2-BD59-A6C34878D82A}">
-                    <a16:rowId xmlns:a16="http://schemas.microsoft.com/office/drawing/2014/main" val="2896429199"/>
-                  </a:ext>
-                </a:extLst>
-              </a:tr>
-              <a:tr h="370840">
-                <a:tc>
-                  <a:txBody>
-                    <a:bodyPr/>
-                    <a:lstStyle/>
-                    <a:p>
-                      <a:r>
-                        <a:rPr lang="en-US" altLang="zh-TW" dirty="0"/>
-                        <a:t>id</a:t>
-                      </a:r>
-                      <a:endParaRPr lang="zh-TW" altLang="en-US" dirty="0"/>
-                    </a:p>
-                  </a:txBody>
-                  <a:tcPr/>
-                </a:tc>
-                <a:tc>
-                  <a:txBody>
-                    <a:bodyPr/>
-                    <a:lstStyle/>
-                    <a:p>
-                      <a:r>
-                        <a:rPr lang="en-US" altLang="zh-TW" dirty="0"/>
-                        <a:t>integer</a:t>
-                      </a:r>
-                      <a:endParaRPr lang="zh-TW" altLang="en-US" dirty="0"/>
-                    </a:p>
-                  </a:txBody>
-                  <a:tcPr/>
-                </a:tc>
-                <a:extLst>
-                  <a:ext uri="{0D108BD9-81ED-4DB2-BD59-A6C34878D82A}">
-                    <a16:rowId xmlns:a16="http://schemas.microsoft.com/office/drawing/2014/main" val="1331905350"/>
-                  </a:ext>
-                </a:extLst>
-              </a:tr>
-              <a:tr h="370840">
-                <a:tc>
-                  <a:txBody>
-                    <a:bodyPr/>
-                    <a:lstStyle/>
-                    <a:p>
-                      <a:r>
-                        <a:rPr lang="en-US" altLang="zh-TW" dirty="0"/>
-                        <a:t>age</a:t>
-                      </a:r>
-                      <a:endParaRPr lang="zh-TW" altLang="en-US" dirty="0"/>
-                    </a:p>
-                  </a:txBody>
-                  <a:tcPr/>
-                </a:tc>
-                <a:tc>
-                  <a:txBody>
-                    <a:bodyPr/>
-                    <a:lstStyle/>
-                    <a:p>
-                      <a:r>
-                        <a:rPr lang="en-US" altLang="zh-TW" dirty="0"/>
-                        <a:t>numeric</a:t>
-                      </a:r>
-                      <a:endParaRPr lang="zh-TW" altLang="en-US" dirty="0"/>
-                    </a:p>
-                  </a:txBody>
-                  <a:tcPr/>
-                </a:tc>
-                <a:extLst>
-                  <a:ext uri="{0D108BD9-81ED-4DB2-BD59-A6C34878D82A}">
-                    <a16:rowId xmlns:a16="http://schemas.microsoft.com/office/drawing/2014/main" val="2876995139"/>
-                  </a:ext>
-                </a:extLst>
-              </a:tr>
-              <a:tr h="370840">
-                <a:tc>
-                  <a:txBody>
-                    <a:bodyPr/>
-                    <a:lstStyle/>
-                    <a:p>
-                      <a:r>
-                        <a:rPr lang="en-US" altLang="zh-TW" dirty="0"/>
-                        <a:t>sex</a:t>
-                      </a:r>
-                      <a:endParaRPr lang="zh-TW" altLang="en-US" dirty="0"/>
-                    </a:p>
-                  </a:txBody>
-                  <a:tcPr/>
-                </a:tc>
-                <a:tc>
-                  <a:txBody>
-                    <a:bodyPr/>
-                    <a:lstStyle/>
-                    <a:p>
-                      <a:r>
-                        <a:rPr lang="en-US" altLang="zh-TW" dirty="0"/>
-                        <a:t>binary</a:t>
-                      </a:r>
-                      <a:endParaRPr lang="zh-TW" altLang="en-US" dirty="0"/>
-                    </a:p>
-                  </a:txBody>
-                  <a:tcPr/>
-                </a:tc>
-                <a:extLst>
-                  <a:ext uri="{0D108BD9-81ED-4DB2-BD59-A6C34878D82A}">
-                    <a16:rowId xmlns:a16="http://schemas.microsoft.com/office/drawing/2014/main" val="3152307144"/>
-                  </a:ext>
-                </a:extLst>
-              </a:tr>
-              <a:tr h="370840">
-                <a:tc>
-                  <a:txBody>
-                    <a:bodyPr/>
-                    <a:lstStyle/>
-                    <a:p>
-                      <a:r>
-                        <a:rPr lang="en-US" altLang="zh-TW" dirty="0" err="1"/>
-                        <a:t>chest_pain</a:t>
-                      </a:r>
-                      <a:endParaRPr lang="zh-TW" altLang="en-US" dirty="0"/>
-                    </a:p>
-                  </a:txBody>
-                  <a:tcPr/>
-                </a:tc>
-                <a:tc>
-                  <a:txBody>
-                    <a:bodyPr/>
-                    <a:lstStyle/>
-                    <a:p>
-                      <a:r>
-                        <a:rPr lang="en-US" altLang="zh-TW" dirty="0"/>
-                        <a:t>multinomial</a:t>
-                      </a:r>
-                    </a:p>
-                  </a:txBody>
-                  <a:tcPr/>
-                </a:tc>
-                <a:extLst>
-                  <a:ext uri="{0D108BD9-81ED-4DB2-BD59-A6C34878D82A}">
-                    <a16:rowId xmlns:a16="http://schemas.microsoft.com/office/drawing/2014/main" val="345967373"/>
-                  </a:ext>
-                </a:extLst>
-              </a:tr>
-              <a:tr h="370840">
-                <a:tc>
-                  <a:txBody>
-                    <a:bodyPr/>
-                    <a:lstStyle/>
-                    <a:p>
-                      <a:r>
-                        <a:rPr lang="en" altLang="zh-TW" sz="1800" b="0" i="0" kern="1200" dirty="0" err="1">
-                          <a:solidFill>
-                            <a:schemeClr val="dk1"/>
-                          </a:solidFill>
-                          <a:effectLst/>
-                          <a:latin typeface="+mn-lt"/>
-                          <a:ea typeface="+mn-ea"/>
-                          <a:cs typeface="+mn-cs"/>
-                        </a:rPr>
-                        <a:t>resting_bp</a:t>
-                      </a:r>
-                      <a:endParaRPr lang="zh-TW" altLang="en-US" dirty="0"/>
-                    </a:p>
-                  </a:txBody>
-                  <a:tcPr/>
-                </a:tc>
-                <a:tc>
-                  <a:txBody>
-                    <a:bodyPr/>
-                    <a:lstStyle/>
-                    <a:p>
-                      <a:r>
-                        <a:rPr lang="en-US" altLang="zh-TW" dirty="0"/>
-                        <a:t>numeric</a:t>
-                      </a:r>
-                    </a:p>
-                  </a:txBody>
-                  <a:tcPr/>
-                </a:tc>
-                <a:extLst>
-                  <a:ext uri="{0D108BD9-81ED-4DB2-BD59-A6C34878D82A}">
-                    <a16:rowId xmlns:a16="http://schemas.microsoft.com/office/drawing/2014/main" val="307305543"/>
-                  </a:ext>
-                </a:extLst>
-              </a:tr>
-              <a:tr h="370840">
-                <a:tc>
-                  <a:txBody>
-                    <a:bodyPr/>
-                    <a:lstStyle/>
-                    <a:p>
-                      <a:r>
-                        <a:rPr lang="en" altLang="zh-TW" sz="1800" b="0" i="0" kern="1200" dirty="0" err="1">
-                          <a:solidFill>
-                            <a:schemeClr val="dk1"/>
-                          </a:solidFill>
-                          <a:effectLst/>
-                          <a:latin typeface="+mn-lt"/>
-                          <a:ea typeface="+mn-ea"/>
-                          <a:cs typeface="+mn-cs"/>
-                        </a:rPr>
-                        <a:t>cholestoral</a:t>
-                      </a:r>
-                      <a:endParaRPr lang="zh-TW" altLang="en-US" dirty="0"/>
-                    </a:p>
-                  </a:txBody>
-                  <a:tcPr/>
-                </a:tc>
-                <a:tc>
-                  <a:txBody>
-                    <a:bodyPr/>
-                    <a:lstStyle/>
-                    <a:p>
-                      <a:r>
-                        <a:rPr lang="en-US" altLang="zh-TW" dirty="0"/>
-                        <a:t>numeric</a:t>
-                      </a:r>
-                    </a:p>
-                  </a:txBody>
-                  <a:tcPr/>
-                </a:tc>
-                <a:extLst>
-                  <a:ext uri="{0D108BD9-81ED-4DB2-BD59-A6C34878D82A}">
-                    <a16:rowId xmlns:a16="http://schemas.microsoft.com/office/drawing/2014/main" val="551508581"/>
-                  </a:ext>
-                </a:extLst>
-              </a:tr>
-              <a:tr h="370840">
-                <a:tc>
-                  <a:txBody>
-                    <a:bodyPr/>
-                    <a:lstStyle/>
-                    <a:p>
-                      <a:r>
-                        <a:rPr lang="en" altLang="zh-TW" sz="1800" b="0" i="0" kern="1200" dirty="0" err="1">
-                          <a:solidFill>
-                            <a:schemeClr val="dk1"/>
-                          </a:solidFill>
-                          <a:effectLst/>
-                          <a:latin typeface="+mn-lt"/>
-                          <a:ea typeface="+mn-ea"/>
-                          <a:cs typeface="+mn-cs"/>
-                        </a:rPr>
-                        <a:t>high_sugar</a:t>
-                      </a:r>
-                      <a:endParaRPr lang="zh-TW" altLang="en-US" dirty="0"/>
-                    </a:p>
-                  </a:txBody>
-                  <a:tcPr/>
-                </a:tc>
-                <a:tc>
-                  <a:txBody>
-                    <a:bodyPr/>
-                    <a:lstStyle/>
-                    <a:p>
-                      <a:r>
-                        <a:rPr lang="en-US" altLang="zh-TW" dirty="0"/>
-                        <a:t>binary</a:t>
-                      </a:r>
-                    </a:p>
-                  </a:txBody>
-                  <a:tcPr/>
-                </a:tc>
-                <a:extLst>
-                  <a:ext uri="{0D108BD9-81ED-4DB2-BD59-A6C34878D82A}">
-                    <a16:rowId xmlns:a16="http://schemas.microsoft.com/office/drawing/2014/main" val="3711623297"/>
-                  </a:ext>
-                </a:extLst>
-              </a:tr>
-              <a:tr h="370840">
-                <a:tc>
-                  <a:txBody>
-                    <a:bodyPr/>
-                    <a:lstStyle/>
-                    <a:p>
-                      <a:r>
-                        <a:rPr lang="en" altLang="zh-TW" sz="1800" b="0" i="0" kern="1200" dirty="0" err="1">
-                          <a:solidFill>
-                            <a:schemeClr val="dk1"/>
-                          </a:solidFill>
-                          <a:effectLst/>
-                          <a:latin typeface="+mn-lt"/>
-                          <a:ea typeface="+mn-ea"/>
-                          <a:cs typeface="+mn-cs"/>
-                        </a:rPr>
-                        <a:t>ecg</a:t>
-                      </a:r>
-                      <a:endParaRPr lang="zh-TW" altLang="en-US" dirty="0"/>
-                    </a:p>
-                  </a:txBody>
-                  <a:tcPr/>
-                </a:tc>
-                <a:tc>
-                  <a:txBody>
-                    <a:bodyPr/>
-                    <a:lstStyle/>
-                    <a:p>
-                      <a:r>
-                        <a:rPr lang="en-US" altLang="zh-TW" dirty="0"/>
-                        <a:t>multinomial</a:t>
-                      </a:r>
-                    </a:p>
-                  </a:txBody>
-                  <a:tcPr/>
-                </a:tc>
-                <a:extLst>
-                  <a:ext uri="{0D108BD9-81ED-4DB2-BD59-A6C34878D82A}">
-                    <a16:rowId xmlns:a16="http://schemas.microsoft.com/office/drawing/2014/main" val="3291487961"/>
-                  </a:ext>
-                </a:extLst>
-              </a:tr>
-            </a:tbl>
-          </a:graphicData>
-        </a:graphic>
-      </p:graphicFrame>
-      <p:sp>
-        <p:nvSpPr>
-          <p:cNvPr id="6" name="標題 3">
-            <a:extLst>
-              <a:ext uri="{FF2B5EF4-FFF2-40B4-BE49-F238E27FC236}">
-                <a16:creationId xmlns:a16="http://schemas.microsoft.com/office/drawing/2014/main" id="{FCA248D5-9CEC-3F4E-B43F-3EE3083E4CDD}"/>
-              </a:ext>
-            </a:extLst>
-          </p:cNvPr>
-          <p:cNvSpPr>
-            <a:spLocks noGrp="1"/>
-          </p:cNvSpPr>
-          <p:nvPr>
-            <p:ph type="title"/>
-          </p:nvPr>
-        </p:nvSpPr>
-        <p:spPr>
-          <a:xfrm>
-            <a:off x="1451579" y="1350179"/>
-            <a:ext cx="9603275" cy="503575"/>
-          </a:xfrm>
-        </p:spPr>
-        <p:txBody>
-          <a:bodyPr>
-            <a:normAutofit fontScale="90000"/>
-          </a:bodyPr>
-          <a:lstStyle/>
-          <a:p>
-            <a:r>
-              <a:rPr lang="zh-CN" altLang="en-US" dirty="0"/>
-              <a:t>資料前處理</a:t>
-            </a:r>
-            <a:r>
-              <a:rPr lang="en-US" altLang="zh-CN" dirty="0"/>
-              <a:t> – </a:t>
-            </a:r>
-            <a:r>
-              <a:rPr lang="zh-CN" altLang="en-US" dirty="0"/>
-              <a:t>各欄位原始格式</a:t>
-            </a:r>
-            <a:endParaRPr lang="zh-TW" altLang="en-US" dirty="0"/>
-          </a:p>
-        </p:txBody>
-      </p:sp>
-    </p:spTree>
-    <p:extLst>
-      <p:ext uri="{BB962C8B-B14F-4D97-AF65-F5344CB8AC3E}">
-        <p14:creationId xmlns:p14="http://schemas.microsoft.com/office/powerpoint/2010/main" val="3119719916"/>
       </p:ext>
     </p:extLst>
   </p:cSld>
